--- a/doc/presentations/02_03_22_project_sketch.pptx
+++ b/doc/presentations/02_03_22_project_sketch.pptx
@@ -4,11 +4,16 @@
   <p:sldMasterIdLst>
     <p:sldMasterId id="2147483648" r:id="rId1"/>
   </p:sldMasterIdLst>
+  <p:notesMasterIdLst>
+    <p:notesMasterId r:id="rId8"/>
+  </p:notesMasterIdLst>
   <p:sldIdLst>
     <p:sldId id="256" r:id="rId2"/>
     <p:sldId id="257" r:id="rId3"/>
     <p:sldId id="258" r:id="rId4"/>
-    <p:sldId id="259" r:id="rId5"/>
+    <p:sldId id="260" r:id="rId5"/>
+    <p:sldId id="261" r:id="rId6"/>
+    <p:sldId id="259" r:id="rId7"/>
   </p:sldIdLst>
   <p:sldSz cx="12192000" cy="6858000"/>
   <p:notesSz cx="6858000" cy="9144000"/>
@@ -107,7 +112,445 @@
       </a:defRPr>
     </a:lvl9pPr>
   </p:defaultTextStyle>
+  <p:extLst>
+    <p:ext uri="{EFAFB233-063F-42B5-8137-9DF3F51BA10A}">
+      <p15:sldGuideLst xmlns:p15="http://schemas.microsoft.com/office/powerpoint/2012/main"/>
+    </p:ext>
+  </p:extLst>
 </p:presentation>
+</file>
+
+<file path=ppt/notesMasters/notesMaster1.xml><?xml version="1.0" encoding="utf-8"?>
+<p:notesMaster xmlns:a="http://schemas.openxmlformats.org/drawingml/2006/main" xmlns:r="http://schemas.openxmlformats.org/officeDocument/2006/relationships" xmlns:p="http://schemas.openxmlformats.org/presentationml/2006/main">
+  <p:cSld>
+    <p:bg>
+      <p:bgRef idx="1001">
+        <a:schemeClr val="bg1"/>
+      </p:bgRef>
+    </p:bg>
+    <p:spTree>
+      <p:nvGrpSpPr>
+        <p:cNvPr id="1" name=""/>
+        <p:cNvGrpSpPr/>
+        <p:nvPr/>
+      </p:nvGrpSpPr>
+      <p:grpSpPr>
+        <a:xfrm>
+          <a:off x="0" y="0"/>
+          <a:ext cx="0" cy="0"/>
+          <a:chOff x="0" y="0"/>
+          <a:chExt cx="0" cy="0"/>
+        </a:xfrm>
+      </p:grpSpPr>
+      <p:sp>
+        <p:nvSpPr>
+          <p:cNvPr id="2" name="Kopfzeilenplatzhalter 1"/>
+          <p:cNvSpPr>
+            <a:spLocks noGrp="1"/>
+          </p:cNvSpPr>
+          <p:nvPr>
+            <p:ph type="hdr" sz="quarter"/>
+          </p:nvPr>
+        </p:nvSpPr>
+        <p:spPr>
+          <a:xfrm>
+            <a:off x="0" y="0"/>
+            <a:ext cx="2971800" cy="458788"/>
+          </a:xfrm>
+          <a:prstGeom prst="rect">
+            <a:avLst/>
+          </a:prstGeom>
+        </p:spPr>
+        <p:txBody>
+          <a:bodyPr vert="horz" lIns="91440" tIns="45720" rIns="91440" bIns="45720" rtlCol="0"/>
+          <a:lstStyle>
+            <a:lvl1pPr algn="l">
+              <a:defRPr sz="1200"/>
+            </a:lvl1pPr>
+          </a:lstStyle>
+          <a:p>
+            <a:endParaRPr lang="de-DE"/>
+          </a:p>
+        </p:txBody>
+      </p:sp>
+      <p:sp>
+        <p:nvSpPr>
+          <p:cNvPr id="3" name="Datumsplatzhalter 2"/>
+          <p:cNvSpPr>
+            <a:spLocks noGrp="1"/>
+          </p:cNvSpPr>
+          <p:nvPr>
+            <p:ph type="dt" idx="1"/>
+          </p:nvPr>
+        </p:nvSpPr>
+        <p:spPr>
+          <a:xfrm>
+            <a:off x="3884613" y="0"/>
+            <a:ext cx="2971800" cy="458788"/>
+          </a:xfrm>
+          <a:prstGeom prst="rect">
+            <a:avLst/>
+          </a:prstGeom>
+        </p:spPr>
+        <p:txBody>
+          <a:bodyPr vert="horz" lIns="91440" tIns="45720" rIns="91440" bIns="45720" rtlCol="0"/>
+          <a:lstStyle>
+            <a:lvl1pPr algn="r">
+              <a:defRPr sz="1200"/>
+            </a:lvl1pPr>
+          </a:lstStyle>
+          <a:p>
+            <a:fld id="{32D3377B-B692-4F8C-8BE9-143A32B75211}" type="datetimeFigureOut">
+              <a:rPr lang="de-DE" smtClean="0"/>
+              <a:t>03.03.2022</a:t>
+            </a:fld>
+            <a:endParaRPr lang="de-DE"/>
+          </a:p>
+        </p:txBody>
+      </p:sp>
+      <p:sp>
+        <p:nvSpPr>
+          <p:cNvPr id="4" name="Folienbildplatzhalter 3"/>
+          <p:cNvSpPr>
+            <a:spLocks noGrp="1" noRot="1" noChangeAspect="1"/>
+          </p:cNvSpPr>
+          <p:nvPr>
+            <p:ph type="sldImg" idx="2"/>
+          </p:nvPr>
+        </p:nvSpPr>
+        <p:spPr>
+          <a:xfrm>
+            <a:off x="685800" y="1143000"/>
+            <a:ext cx="5486400" cy="3086100"/>
+          </a:xfrm>
+          <a:prstGeom prst="rect">
+            <a:avLst/>
+          </a:prstGeom>
+          <a:noFill/>
+          <a:ln w="12700">
+            <a:solidFill>
+              <a:prstClr val="black"/>
+            </a:solidFill>
+          </a:ln>
+        </p:spPr>
+        <p:txBody>
+          <a:bodyPr vert="horz" lIns="91440" tIns="45720" rIns="91440" bIns="45720" rtlCol="0" anchor="ctr"/>
+          <a:lstStyle/>
+          <a:p>
+            <a:endParaRPr lang="de-DE"/>
+          </a:p>
+        </p:txBody>
+      </p:sp>
+      <p:sp>
+        <p:nvSpPr>
+          <p:cNvPr id="5" name="Notizenplatzhalter 4"/>
+          <p:cNvSpPr>
+            <a:spLocks noGrp="1"/>
+          </p:cNvSpPr>
+          <p:nvPr>
+            <p:ph type="body" sz="quarter" idx="3"/>
+          </p:nvPr>
+        </p:nvSpPr>
+        <p:spPr>
+          <a:xfrm>
+            <a:off x="685800" y="4400550"/>
+            <a:ext cx="5486400" cy="3600450"/>
+          </a:xfrm>
+          <a:prstGeom prst="rect">
+            <a:avLst/>
+          </a:prstGeom>
+        </p:spPr>
+        <p:txBody>
+          <a:bodyPr vert="horz" lIns="91440" tIns="45720" rIns="91440" bIns="45720" rtlCol="0"/>
+          <a:lstStyle/>
+          <a:p>
+            <a:pPr lvl="0"/>
+            <a:r>
+              <a:rPr lang="de-DE"/>
+              <a:t>Mastertextformat bearbeiten</a:t>
+            </a:r>
+          </a:p>
+          <a:p>
+            <a:pPr lvl="1"/>
+            <a:r>
+              <a:rPr lang="de-DE"/>
+              <a:t>Zweite Ebene</a:t>
+            </a:r>
+          </a:p>
+          <a:p>
+            <a:pPr lvl="2"/>
+            <a:r>
+              <a:rPr lang="de-DE"/>
+              <a:t>Dritte Ebene</a:t>
+            </a:r>
+          </a:p>
+          <a:p>
+            <a:pPr lvl="3"/>
+            <a:r>
+              <a:rPr lang="de-DE"/>
+              <a:t>Vierte Ebene</a:t>
+            </a:r>
+          </a:p>
+          <a:p>
+            <a:pPr lvl="4"/>
+            <a:r>
+              <a:rPr lang="de-DE"/>
+              <a:t>Fünfte Ebene</a:t>
+            </a:r>
+          </a:p>
+        </p:txBody>
+      </p:sp>
+      <p:sp>
+        <p:nvSpPr>
+          <p:cNvPr id="6" name="Fußzeilenplatzhalter 5"/>
+          <p:cNvSpPr>
+            <a:spLocks noGrp="1"/>
+          </p:cNvSpPr>
+          <p:nvPr>
+            <p:ph type="ftr" sz="quarter" idx="4"/>
+          </p:nvPr>
+        </p:nvSpPr>
+        <p:spPr>
+          <a:xfrm>
+            <a:off x="0" y="8685213"/>
+            <a:ext cx="2971800" cy="458787"/>
+          </a:xfrm>
+          <a:prstGeom prst="rect">
+            <a:avLst/>
+          </a:prstGeom>
+        </p:spPr>
+        <p:txBody>
+          <a:bodyPr vert="horz" lIns="91440" tIns="45720" rIns="91440" bIns="45720" rtlCol="0" anchor="b"/>
+          <a:lstStyle>
+            <a:lvl1pPr algn="l">
+              <a:defRPr sz="1200"/>
+            </a:lvl1pPr>
+          </a:lstStyle>
+          <a:p>
+            <a:endParaRPr lang="de-DE"/>
+          </a:p>
+        </p:txBody>
+      </p:sp>
+      <p:sp>
+        <p:nvSpPr>
+          <p:cNvPr id="7" name="Foliennummernplatzhalter 6"/>
+          <p:cNvSpPr>
+            <a:spLocks noGrp="1"/>
+          </p:cNvSpPr>
+          <p:nvPr>
+            <p:ph type="sldNum" sz="quarter" idx="5"/>
+          </p:nvPr>
+        </p:nvSpPr>
+        <p:spPr>
+          <a:xfrm>
+            <a:off x="3884613" y="8685213"/>
+            <a:ext cx="2971800" cy="458787"/>
+          </a:xfrm>
+          <a:prstGeom prst="rect">
+            <a:avLst/>
+          </a:prstGeom>
+        </p:spPr>
+        <p:txBody>
+          <a:bodyPr vert="horz" lIns="91440" tIns="45720" rIns="91440" bIns="45720" rtlCol="0" anchor="b"/>
+          <a:lstStyle>
+            <a:lvl1pPr algn="r">
+              <a:defRPr sz="1200"/>
+            </a:lvl1pPr>
+          </a:lstStyle>
+          <a:p>
+            <a:fld id="{48E91359-2C65-4CD7-AD94-6C3822EB2089}" type="slidenum">
+              <a:rPr lang="de-DE" smtClean="0"/>
+              <a:t>‹Nr.›</a:t>
+            </a:fld>
+            <a:endParaRPr lang="de-DE"/>
+          </a:p>
+        </p:txBody>
+      </p:sp>
+    </p:spTree>
+    <p:extLst>
+      <p:ext uri="{BB962C8B-B14F-4D97-AF65-F5344CB8AC3E}">
+        <p14:creationId xmlns:p14="http://schemas.microsoft.com/office/powerpoint/2010/main" val="1562972201"/>
+      </p:ext>
+    </p:extLst>
+  </p:cSld>
+  <p:clrMap bg1="lt1" tx1="dk1" bg2="lt2" tx2="dk2" accent1="accent1" accent2="accent2" accent3="accent3" accent4="accent4" accent5="accent5" accent6="accent6" hlink="hlink" folHlink="folHlink"/>
+  <p:notesStyle>
+    <a:lvl1pPr marL="0" algn="l" defTabSz="914400" rtl="0" eaLnBrk="1" latinLnBrk="0" hangingPunct="1">
+      <a:defRPr sz="1200" kern="1200">
+        <a:solidFill>
+          <a:schemeClr val="tx1"/>
+        </a:solidFill>
+        <a:latin typeface="+mn-lt"/>
+        <a:ea typeface="+mn-ea"/>
+        <a:cs typeface="+mn-cs"/>
+      </a:defRPr>
+    </a:lvl1pPr>
+    <a:lvl2pPr marL="457200" algn="l" defTabSz="914400" rtl="0" eaLnBrk="1" latinLnBrk="0" hangingPunct="1">
+      <a:defRPr sz="1200" kern="1200">
+        <a:solidFill>
+          <a:schemeClr val="tx1"/>
+        </a:solidFill>
+        <a:latin typeface="+mn-lt"/>
+        <a:ea typeface="+mn-ea"/>
+        <a:cs typeface="+mn-cs"/>
+      </a:defRPr>
+    </a:lvl2pPr>
+    <a:lvl3pPr marL="914400" algn="l" defTabSz="914400" rtl="0" eaLnBrk="1" latinLnBrk="0" hangingPunct="1">
+      <a:defRPr sz="1200" kern="1200">
+        <a:solidFill>
+          <a:schemeClr val="tx1"/>
+        </a:solidFill>
+        <a:latin typeface="+mn-lt"/>
+        <a:ea typeface="+mn-ea"/>
+        <a:cs typeface="+mn-cs"/>
+      </a:defRPr>
+    </a:lvl3pPr>
+    <a:lvl4pPr marL="1371600" algn="l" defTabSz="914400" rtl="0" eaLnBrk="1" latinLnBrk="0" hangingPunct="1">
+      <a:defRPr sz="1200" kern="1200">
+        <a:solidFill>
+          <a:schemeClr val="tx1"/>
+        </a:solidFill>
+        <a:latin typeface="+mn-lt"/>
+        <a:ea typeface="+mn-ea"/>
+        <a:cs typeface="+mn-cs"/>
+      </a:defRPr>
+    </a:lvl4pPr>
+    <a:lvl5pPr marL="1828800" algn="l" defTabSz="914400" rtl="0" eaLnBrk="1" latinLnBrk="0" hangingPunct="1">
+      <a:defRPr sz="1200" kern="1200">
+        <a:solidFill>
+          <a:schemeClr val="tx1"/>
+        </a:solidFill>
+        <a:latin typeface="+mn-lt"/>
+        <a:ea typeface="+mn-ea"/>
+        <a:cs typeface="+mn-cs"/>
+      </a:defRPr>
+    </a:lvl5pPr>
+    <a:lvl6pPr marL="2286000" algn="l" defTabSz="914400" rtl="0" eaLnBrk="1" latinLnBrk="0" hangingPunct="1">
+      <a:defRPr sz="1200" kern="1200">
+        <a:solidFill>
+          <a:schemeClr val="tx1"/>
+        </a:solidFill>
+        <a:latin typeface="+mn-lt"/>
+        <a:ea typeface="+mn-ea"/>
+        <a:cs typeface="+mn-cs"/>
+      </a:defRPr>
+    </a:lvl6pPr>
+    <a:lvl7pPr marL="2743200" algn="l" defTabSz="914400" rtl="0" eaLnBrk="1" latinLnBrk="0" hangingPunct="1">
+      <a:defRPr sz="1200" kern="1200">
+        <a:solidFill>
+          <a:schemeClr val="tx1"/>
+        </a:solidFill>
+        <a:latin typeface="+mn-lt"/>
+        <a:ea typeface="+mn-ea"/>
+        <a:cs typeface="+mn-cs"/>
+      </a:defRPr>
+    </a:lvl7pPr>
+    <a:lvl8pPr marL="3200400" algn="l" defTabSz="914400" rtl="0" eaLnBrk="1" latinLnBrk="0" hangingPunct="1">
+      <a:defRPr sz="1200" kern="1200">
+        <a:solidFill>
+          <a:schemeClr val="tx1"/>
+        </a:solidFill>
+        <a:latin typeface="+mn-lt"/>
+        <a:ea typeface="+mn-ea"/>
+        <a:cs typeface="+mn-cs"/>
+      </a:defRPr>
+    </a:lvl8pPr>
+    <a:lvl9pPr marL="3657600" algn="l" defTabSz="914400" rtl="0" eaLnBrk="1" latinLnBrk="0" hangingPunct="1">
+      <a:defRPr sz="1200" kern="1200">
+        <a:solidFill>
+          <a:schemeClr val="tx1"/>
+        </a:solidFill>
+        <a:latin typeface="+mn-lt"/>
+        <a:ea typeface="+mn-ea"/>
+        <a:cs typeface="+mn-cs"/>
+      </a:defRPr>
+    </a:lvl9pPr>
+  </p:notesStyle>
+</p:notesMaster>
+</file>
+
+<file path=ppt/notesSlides/notesSlide1.xml><?xml version="1.0" encoding="utf-8"?>
+<p:notes xmlns:a="http://schemas.openxmlformats.org/drawingml/2006/main" xmlns:r="http://schemas.openxmlformats.org/officeDocument/2006/relationships" xmlns:p="http://schemas.openxmlformats.org/presentationml/2006/main">
+  <p:cSld>
+    <p:spTree>
+      <p:nvGrpSpPr>
+        <p:cNvPr id="1" name=""/>
+        <p:cNvGrpSpPr/>
+        <p:nvPr/>
+      </p:nvGrpSpPr>
+      <p:grpSpPr>
+        <a:xfrm>
+          <a:off x="0" y="0"/>
+          <a:ext cx="0" cy="0"/>
+          <a:chOff x="0" y="0"/>
+          <a:chExt cx="0" cy="0"/>
+        </a:xfrm>
+      </p:grpSpPr>
+      <p:sp>
+        <p:nvSpPr>
+          <p:cNvPr id="2" name="Folienbildplatzhalter 1"/>
+          <p:cNvSpPr>
+            <a:spLocks noGrp="1" noRot="1" noChangeAspect="1"/>
+          </p:cNvSpPr>
+          <p:nvPr>
+            <p:ph type="sldImg"/>
+          </p:nvPr>
+        </p:nvSpPr>
+        <p:spPr/>
+      </p:sp>
+      <p:sp>
+        <p:nvSpPr>
+          <p:cNvPr id="3" name="Notizenplatzhalter 2"/>
+          <p:cNvSpPr>
+            <a:spLocks noGrp="1"/>
+          </p:cNvSpPr>
+          <p:nvPr>
+            <p:ph type="body" idx="1"/>
+          </p:nvPr>
+        </p:nvSpPr>
+        <p:spPr/>
+        <p:txBody>
+          <a:bodyPr/>
+          <a:lstStyle/>
+          <a:p>
+            <a:endParaRPr lang="de-DE" dirty="0"/>
+          </a:p>
+        </p:txBody>
+      </p:sp>
+      <p:sp>
+        <p:nvSpPr>
+          <p:cNvPr id="4" name="Foliennummernplatzhalter 3"/>
+          <p:cNvSpPr>
+            <a:spLocks noGrp="1"/>
+          </p:cNvSpPr>
+          <p:nvPr>
+            <p:ph type="sldNum" sz="quarter" idx="5"/>
+          </p:nvPr>
+        </p:nvSpPr>
+        <p:spPr/>
+        <p:txBody>
+          <a:bodyPr/>
+          <a:lstStyle/>
+          <a:p>
+            <a:fld id="{48E91359-2C65-4CD7-AD94-6C3822EB2089}" type="slidenum">
+              <a:rPr lang="de-DE" smtClean="0"/>
+              <a:t>4</a:t>
+            </a:fld>
+            <a:endParaRPr lang="de-DE"/>
+          </a:p>
+        </p:txBody>
+      </p:sp>
+    </p:spTree>
+    <p:extLst>
+      <p:ext uri="{BB962C8B-B14F-4D97-AF65-F5344CB8AC3E}">
+        <p14:creationId xmlns:p14="http://schemas.microsoft.com/office/powerpoint/2010/main" val="1488609801"/>
+      </p:ext>
+    </p:extLst>
+  </p:cSld>
+  <p:clrMapOvr>
+    <a:masterClrMapping/>
+  </p:clrMapOvr>
+</p:notes>
 </file>
 
 <file path=ppt/slideLayouts/slideLayout1.xml><?xml version="1.0" encoding="utf-8"?>
@@ -257,7 +700,7 @@
           <a:p>
             <a:fld id="{1887EDC2-B1DE-4E8C-96F7-0082F16C6727}" type="datetimeFigureOut">
               <a:rPr lang="de-DE" smtClean="0"/>
-              <a:t>02.03.2022</a:t>
+              <a:t>03.03.2022</a:t>
             </a:fld>
             <a:endParaRPr lang="de-DE"/>
           </a:p>
@@ -455,7 +898,7 @@
           <a:p>
             <a:fld id="{1887EDC2-B1DE-4E8C-96F7-0082F16C6727}" type="datetimeFigureOut">
               <a:rPr lang="de-DE" smtClean="0"/>
-              <a:t>02.03.2022</a:t>
+              <a:t>03.03.2022</a:t>
             </a:fld>
             <a:endParaRPr lang="de-DE"/>
           </a:p>
@@ -663,7 +1106,7 @@
           <a:p>
             <a:fld id="{1887EDC2-B1DE-4E8C-96F7-0082F16C6727}" type="datetimeFigureOut">
               <a:rPr lang="de-DE" smtClean="0"/>
-              <a:t>02.03.2022</a:t>
+              <a:t>03.03.2022</a:t>
             </a:fld>
             <a:endParaRPr lang="de-DE"/>
           </a:p>
@@ -861,7 +1304,7 @@
           <a:p>
             <a:fld id="{1887EDC2-B1DE-4E8C-96F7-0082F16C6727}" type="datetimeFigureOut">
               <a:rPr lang="de-DE" smtClean="0"/>
-              <a:t>02.03.2022</a:t>
+              <a:t>03.03.2022</a:t>
             </a:fld>
             <a:endParaRPr lang="de-DE"/>
           </a:p>
@@ -1136,7 +1579,7 @@
           <a:p>
             <a:fld id="{1887EDC2-B1DE-4E8C-96F7-0082F16C6727}" type="datetimeFigureOut">
               <a:rPr lang="de-DE" smtClean="0"/>
-              <a:t>02.03.2022</a:t>
+              <a:t>03.03.2022</a:t>
             </a:fld>
             <a:endParaRPr lang="de-DE"/>
           </a:p>
@@ -1401,7 +1844,7 @@
           <a:p>
             <a:fld id="{1887EDC2-B1DE-4E8C-96F7-0082F16C6727}" type="datetimeFigureOut">
               <a:rPr lang="de-DE" smtClean="0"/>
-              <a:t>02.03.2022</a:t>
+              <a:t>03.03.2022</a:t>
             </a:fld>
             <a:endParaRPr lang="de-DE"/>
           </a:p>
@@ -1813,7 +2256,7 @@
           <a:p>
             <a:fld id="{1887EDC2-B1DE-4E8C-96F7-0082F16C6727}" type="datetimeFigureOut">
               <a:rPr lang="de-DE" smtClean="0"/>
-              <a:t>02.03.2022</a:t>
+              <a:t>03.03.2022</a:t>
             </a:fld>
             <a:endParaRPr lang="de-DE"/>
           </a:p>
@@ -1954,7 +2397,7 @@
           <a:p>
             <a:fld id="{1887EDC2-B1DE-4E8C-96F7-0082F16C6727}" type="datetimeFigureOut">
               <a:rPr lang="de-DE" smtClean="0"/>
-              <a:t>02.03.2022</a:t>
+              <a:t>03.03.2022</a:t>
             </a:fld>
             <a:endParaRPr lang="de-DE"/>
           </a:p>
@@ -2067,7 +2510,7 @@
           <a:p>
             <a:fld id="{1887EDC2-B1DE-4E8C-96F7-0082F16C6727}" type="datetimeFigureOut">
               <a:rPr lang="de-DE" smtClean="0"/>
-              <a:t>02.03.2022</a:t>
+              <a:t>03.03.2022</a:t>
             </a:fld>
             <a:endParaRPr lang="de-DE"/>
           </a:p>
@@ -2378,7 +2821,7 @@
           <a:p>
             <a:fld id="{1887EDC2-B1DE-4E8C-96F7-0082F16C6727}" type="datetimeFigureOut">
               <a:rPr lang="de-DE" smtClean="0"/>
-              <a:t>02.03.2022</a:t>
+              <a:t>03.03.2022</a:t>
             </a:fld>
             <a:endParaRPr lang="de-DE"/>
           </a:p>
@@ -2666,7 +3109,7 @@
           <a:p>
             <a:fld id="{1887EDC2-B1DE-4E8C-96F7-0082F16C6727}" type="datetimeFigureOut">
               <a:rPr lang="de-DE" smtClean="0"/>
-              <a:t>02.03.2022</a:t>
+              <a:t>03.03.2022</a:t>
             </a:fld>
             <a:endParaRPr lang="de-DE"/>
           </a:p>
@@ -2907,7 +3350,7 @@
           <a:p>
             <a:fld id="{1887EDC2-B1DE-4E8C-96F7-0082F16C6727}" type="datetimeFigureOut">
               <a:rPr lang="de-DE" smtClean="0"/>
-              <a:t>02.03.2022</a:t>
+              <a:t>03.03.2022</a:t>
             </a:fld>
             <a:endParaRPr lang="de-DE"/>
           </a:p>
@@ -3989,7 +4432,7 @@
         </p:nvGrpSpPr>
         <p:grpSpPr>
           <a:xfrm>
-            <a:off x="7622384" y="1382607"/>
+            <a:off x="7733419" y="629614"/>
             <a:ext cx="1499879" cy="1479929"/>
             <a:chOff x="3868110" y="493597"/>
             <a:chExt cx="1499879" cy="1479929"/>
@@ -4061,7 +4504,7 @@
           </p:nvCxnSpPr>
           <p:spPr>
             <a:xfrm>
-              <a:off x="3868110" y="1157800"/>
+              <a:off x="3868110" y="863884"/>
               <a:ext cx="1499879" cy="0"/>
             </a:xfrm>
             <a:prstGeom prst="line">
@@ -4103,7 +4546,7 @@
           <p:spPr>
             <a:xfrm>
               <a:off x="3889850" y="493597"/>
-              <a:ext cx="1473566" cy="646331"/>
+              <a:ext cx="1473566" cy="369332"/>
             </a:xfrm>
             <a:prstGeom prst="rect">
               <a:avLst/>
@@ -4121,18 +4564,7 @@
                 <a:rPr lang="de-DE" dirty="0" err="1"/>
                 <a:t>HerediCare</a:t>
               </a:r>
-              <a:r>
-                <a:rPr lang="de-DE" dirty="0"/>
-                <a:t> &amp; </a:t>
-              </a:r>
-              <a:r>
-                <a:rPr lang="de-DE" dirty="0" err="1"/>
-                <a:t>others</a:t>
-              </a:r>
-              <a:r>
-                <a:rPr lang="de-DE" dirty="0"/>
-                <a:t>?</a:t>
-              </a:r>
+              <a:endParaRPr lang="de-DE" dirty="0"/>
             </a:p>
           </p:txBody>
         </p:sp>
@@ -4151,7 +4583,7 @@
         </p:nvGrpSpPr>
         <p:grpSpPr>
           <a:xfrm>
-            <a:off x="7622384" y="3737938"/>
+            <a:off x="7733419" y="2808603"/>
             <a:ext cx="1499879" cy="1481087"/>
             <a:chOff x="3868110" y="492439"/>
             <a:chExt cx="1499879" cy="1481087"/>
@@ -4355,7 +4787,7 @@
         <p:spPr>
           <a:xfrm flipH="1" flipV="1">
             <a:off x="5433775" y="1366890"/>
-            <a:ext cx="2201766" cy="758863"/>
+            <a:ext cx="2312801" cy="5870"/>
           </a:xfrm>
           <a:prstGeom prst="straightConnector1">
             <a:avLst/>
@@ -4581,7 +5013,7 @@
         <p:spPr>
           <a:xfrm>
             <a:off x="5446931" y="3534340"/>
-            <a:ext cx="2188610" cy="947902"/>
+            <a:ext cx="2299645" cy="18567"/>
           </a:xfrm>
           <a:prstGeom prst="straightConnector1">
             <a:avLst/>
@@ -4622,7 +5054,7 @@
         </p:nvSpPr>
         <p:spPr>
           <a:xfrm>
-            <a:off x="6387640" y="1244238"/>
+            <a:off x="6446816" y="1410563"/>
             <a:ext cx="401288" cy="401288"/>
           </a:xfrm>
           <a:prstGeom prst="ellipse">
@@ -4917,7 +5349,7 @@
         </p:nvSpPr>
         <p:spPr>
           <a:xfrm>
-            <a:off x="6342313" y="4188048"/>
+            <a:off x="6466374" y="3603661"/>
             <a:ext cx="401288" cy="401288"/>
           </a:xfrm>
           <a:prstGeom prst="ellipse">
@@ -4962,6 +5394,113 @@
           </a:p>
         </p:txBody>
       </p:sp>
+      <p:sp>
+        <p:nvSpPr>
+          <p:cNvPr id="37" name="Zylinder 36">
+            <a:extLst>
+              <a:ext uri="{FF2B5EF4-FFF2-40B4-BE49-F238E27FC236}">
+                <a16:creationId xmlns:a16="http://schemas.microsoft.com/office/drawing/2014/main" id="{D3172A11-94BF-497E-8954-DFE2987631BE}"/>
+              </a:ext>
+            </a:extLst>
+          </p:cNvPr>
+          <p:cNvSpPr/>
+          <p:nvPr/>
+        </p:nvSpPr>
+        <p:spPr>
+          <a:xfrm>
+            <a:off x="7755159" y="5051777"/>
+            <a:ext cx="1499119" cy="1343608"/>
+          </a:xfrm>
+          <a:prstGeom prst="can">
+            <a:avLst/>
+          </a:prstGeom>
+          <a:solidFill>
+            <a:schemeClr val="bg2">
+              <a:lumMod val="50000"/>
+            </a:schemeClr>
+          </a:solidFill>
+          <a:ln w="19050">
+            <a:solidFill>
+              <a:schemeClr val="tx1"/>
+            </a:solidFill>
+          </a:ln>
+        </p:spPr>
+        <p:style>
+          <a:lnRef idx="2">
+            <a:schemeClr val="accent1">
+              <a:shade val="50000"/>
+            </a:schemeClr>
+          </a:lnRef>
+          <a:fillRef idx="1">
+            <a:schemeClr val="accent1"/>
+          </a:fillRef>
+          <a:effectRef idx="0">
+            <a:schemeClr val="accent1"/>
+          </a:effectRef>
+          <a:fontRef idx="minor">
+            <a:schemeClr val="lt1"/>
+          </a:fontRef>
+        </p:style>
+        <p:txBody>
+          <a:bodyPr rtlCol="0" anchor="ctr"/>
+          <a:lstStyle/>
+          <a:p>
+            <a:pPr algn="ctr"/>
+            <a:r>
+              <a:rPr lang="de-DE" sz="2400" dirty="0"/>
+              <a:t>External Databases</a:t>
+            </a:r>
+            <a:endParaRPr lang="de-DE" sz="1200" dirty="0"/>
+          </a:p>
+        </p:txBody>
+      </p:sp>
+      <p:cxnSp>
+        <p:nvCxnSpPr>
+          <p:cNvPr id="41" name="Gerade Verbindung mit Pfeil 40">
+            <a:extLst>
+              <a:ext uri="{FF2B5EF4-FFF2-40B4-BE49-F238E27FC236}">
+                <a16:creationId xmlns:a16="http://schemas.microsoft.com/office/drawing/2014/main" id="{831FA9A9-02D0-4D69-B855-CDE3AB8B2048}"/>
+              </a:ext>
+            </a:extLst>
+          </p:cNvPr>
+          <p:cNvCxnSpPr>
+            <a:cxnSpLocks/>
+            <a:stCxn id="7" idx="3"/>
+            <a:endCxn id="37" idx="2"/>
+          </p:cNvCxnSpPr>
+          <p:nvPr/>
+        </p:nvCxnSpPr>
+        <p:spPr>
+          <a:xfrm>
+            <a:off x="5433775" y="5709311"/>
+            <a:ext cx="2321384" cy="14270"/>
+          </a:xfrm>
+          <a:prstGeom prst="straightConnector1">
+            <a:avLst/>
+          </a:prstGeom>
+          <a:ln w="38100">
+            <a:solidFill>
+              <a:schemeClr val="tx1"/>
+            </a:solidFill>
+            <a:headEnd type="triangle"/>
+            <a:tailEnd type="triangle"/>
+          </a:ln>
+        </p:spPr>
+        <p:style>
+          <a:lnRef idx="1">
+            <a:schemeClr val="accent1"/>
+          </a:lnRef>
+          <a:fillRef idx="0">
+            <a:schemeClr val="accent1"/>
+          </a:fillRef>
+          <a:effectRef idx="0">
+            <a:schemeClr val="accent1"/>
+          </a:effectRef>
+          <a:fontRef idx="minor">
+            <a:schemeClr val="tx1"/>
+          </a:fontRef>
+        </p:style>
+      </p:cxnSp>
     </p:spTree>
     <p:extLst>
       <p:ext uri="{BB962C8B-B14F-4D97-AF65-F5344CB8AC3E}">
@@ -5177,10 +5716,7 @@
               <a:rPr lang="de-DE" dirty="0" err="1"/>
               <a:t>HerediCare</a:t>
             </a:r>
-            <a:r>
-              <a:rPr lang="de-DE" dirty="0"/>
-              <a:t> / ?</a:t>
-            </a:r>
+            <a:endParaRPr lang="de-DE" dirty="0"/>
           </a:p>
           <a:p>
             <a:pPr marL="457200" lvl="1" indent="0">
@@ -5323,7 +5859,47 @@
             </a:r>
             <a:r>
               <a:rPr lang="de-DE" dirty="0"/>
-              <a:t>)</a:t>
+              <a:t>, multiple </a:t>
+            </a:r>
+            <a:r>
+              <a:rPr lang="de-DE" dirty="0" err="1"/>
+              <a:t>Seq-Ids</a:t>
+            </a:r>
+            <a:r>
+              <a:rPr lang="de-DE" dirty="0"/>
+              <a:t> </a:t>
+            </a:r>
+            <a:r>
+              <a:rPr lang="de-DE" dirty="0" err="1"/>
+              <a:t>might</a:t>
+            </a:r>
+            <a:r>
+              <a:rPr lang="de-DE" dirty="0"/>
+              <a:t> </a:t>
+            </a:r>
+            <a:r>
+              <a:rPr lang="de-DE" dirty="0" err="1"/>
+              <a:t>map</a:t>
+            </a:r>
+            <a:r>
+              <a:rPr lang="de-DE" dirty="0"/>
+              <a:t> </a:t>
+            </a:r>
+            <a:r>
+              <a:rPr lang="de-DE" dirty="0" err="1"/>
+              <a:t>to</a:t>
+            </a:r>
+            <a:r>
+              <a:rPr lang="de-DE" dirty="0"/>
+              <a:t> </a:t>
+            </a:r>
+            <a:r>
+              <a:rPr lang="de-DE" dirty="0" err="1"/>
+              <a:t>one</a:t>
+            </a:r>
+            <a:r>
+              <a:rPr lang="de-DE" dirty="0"/>
+              <a:t> variant)</a:t>
             </a:r>
           </a:p>
           <a:p>
@@ -5478,7 +6054,7 @@
               <a:t> </a:t>
             </a:r>
             <a:r>
-              <a:rPr lang="de-DE"/>
+              <a:rPr lang="de-DE" dirty="0" err="1"/>
               <a:t>experts</a:t>
             </a:r>
             <a:endParaRPr lang="de-DE" dirty="0"/>
@@ -5530,6 +6106,8550 @@
 </file>
 
 <file path=ppt/slides/slide4.xml><?xml version="1.0" encoding="utf-8"?>
+<p:sld xmlns:a="http://schemas.openxmlformats.org/drawingml/2006/main" xmlns:r="http://schemas.openxmlformats.org/officeDocument/2006/relationships" xmlns:p="http://schemas.openxmlformats.org/presentationml/2006/main">
+  <p:cSld>
+    <p:spTree>
+      <p:nvGrpSpPr>
+        <p:cNvPr id="1" name=""/>
+        <p:cNvGrpSpPr/>
+        <p:nvPr/>
+      </p:nvGrpSpPr>
+      <p:grpSpPr>
+        <a:xfrm>
+          <a:off x="0" y="0"/>
+          <a:ext cx="0" cy="0"/>
+          <a:chOff x="0" y="0"/>
+          <a:chExt cx="0" cy="0"/>
+        </a:xfrm>
+      </p:grpSpPr>
+      <p:cxnSp>
+        <p:nvCxnSpPr>
+          <p:cNvPr id="84" name="Verbinder: gewinkelt 83">
+            <a:extLst>
+              <a:ext uri="{FF2B5EF4-FFF2-40B4-BE49-F238E27FC236}">
+                <a16:creationId xmlns:a16="http://schemas.microsoft.com/office/drawing/2014/main" id="{FA6A163E-2104-4F28-A575-734E5AB5921A}"/>
+              </a:ext>
+            </a:extLst>
+          </p:cNvPr>
+          <p:cNvCxnSpPr>
+            <a:cxnSpLocks/>
+          </p:cNvCxnSpPr>
+          <p:nvPr/>
+        </p:nvCxnSpPr>
+        <p:spPr>
+          <a:xfrm flipV="1">
+            <a:off x="4238898" y="3133049"/>
+            <a:ext cx="1426606" cy="1385804"/>
+          </a:xfrm>
+          <a:prstGeom prst="bentConnector3">
+            <a:avLst>
+              <a:gd name="adj1" fmla="val 69229"/>
+            </a:avLst>
+          </a:prstGeom>
+          <a:ln w="25400">
+            <a:solidFill>
+              <a:schemeClr val="tx1"/>
+            </a:solidFill>
+            <a:tailEnd type="triangle"/>
+          </a:ln>
+        </p:spPr>
+        <p:style>
+          <a:lnRef idx="1">
+            <a:schemeClr val="accent1"/>
+          </a:lnRef>
+          <a:fillRef idx="0">
+            <a:schemeClr val="accent1"/>
+          </a:fillRef>
+          <a:effectRef idx="0">
+            <a:schemeClr val="accent1"/>
+          </a:effectRef>
+          <a:fontRef idx="minor">
+            <a:schemeClr val="tx1"/>
+          </a:fontRef>
+        </p:style>
+      </p:cxnSp>
+      <p:graphicFrame>
+        <p:nvGraphicFramePr>
+          <p:cNvPr id="2" name="Tabelle 1">
+            <a:extLst>
+              <a:ext uri="{FF2B5EF4-FFF2-40B4-BE49-F238E27FC236}">
+                <a16:creationId xmlns:a16="http://schemas.microsoft.com/office/drawing/2014/main" id="{96043AB2-B8DE-494F-AD87-32E9DE23FB86}"/>
+              </a:ext>
+            </a:extLst>
+          </p:cNvPr>
+          <p:cNvGraphicFramePr>
+            <a:graphicFrameLocks noGrp="1"/>
+          </p:cNvGraphicFramePr>
+          <p:nvPr>
+            <p:extLst>
+              <p:ext uri="{D42A27DB-BD31-4B8C-83A1-F6EECF244321}">
+                <p14:modId xmlns:p14="http://schemas.microsoft.com/office/powerpoint/2010/main" val="3689908726"/>
+              </p:ext>
+            </p:extLst>
+          </p:nvPr>
+        </p:nvGraphicFramePr>
+        <p:xfrm>
+          <a:off x="5665755" y="2812386"/>
+          <a:ext cx="1407888" cy="2103120"/>
+        </p:xfrm>
+        <a:graphic>
+          <a:graphicData uri="http://schemas.openxmlformats.org/drawingml/2006/table">
+            <a:tbl>
+              <a:tblPr firstRow="1" bandRow="1">
+                <a:tableStyleId>{2D5ABB26-0587-4C30-8999-92F81FD0307C}</a:tableStyleId>
+              </a:tblPr>
+              <a:tblGrid>
+                <a:gridCol w="852611">
+                  <a:extLst>
+                    <a:ext uri="{9D8B030D-6E8A-4147-A177-3AD203B41FA5}">
+                      <a16:colId xmlns:a16="http://schemas.microsoft.com/office/drawing/2014/main" val="650321458"/>
+                    </a:ext>
+                  </a:extLst>
+                </a:gridCol>
+                <a:gridCol w="555277">
+                  <a:extLst>
+                    <a:ext uri="{9D8B030D-6E8A-4147-A177-3AD203B41FA5}">
+                      <a16:colId xmlns:a16="http://schemas.microsoft.com/office/drawing/2014/main" val="4065165498"/>
+                    </a:ext>
+                  </a:extLst>
+                </a:gridCol>
+              </a:tblGrid>
+              <a:tr h="178635">
+                <a:tc>
+                  <a:txBody>
+                    <a:bodyPr/>
+                    <a:lstStyle/>
+                    <a:p>
+                      <a:r>
+                        <a:rPr lang="de-DE" sz="700" b="1" dirty="0"/>
+                        <a:t>variant</a:t>
+                      </a:r>
+                      <a:endParaRPr lang="de-DE" sz="500" b="1" dirty="0"/>
+                    </a:p>
+                  </a:txBody>
+                  <a:tcPr>
+                    <a:lnL w="12700" cap="flat" cmpd="sng" algn="ctr">
+                      <a:solidFill>
+                        <a:schemeClr val="tx1"/>
+                      </a:solidFill>
+                      <a:prstDash val="solid"/>
+                      <a:round/>
+                      <a:headEnd type="none" w="med" len="med"/>
+                      <a:tailEnd type="none" w="med" len="med"/>
+                    </a:lnL>
+                    <a:lnR w="12700" cap="flat" cmpd="sng" algn="ctr">
+                      <a:noFill/>
+                      <a:prstDash val="solid"/>
+                      <a:round/>
+                      <a:headEnd type="none" w="med" len="med"/>
+                      <a:tailEnd type="none" w="med" len="med"/>
+                    </a:lnR>
+                    <a:lnT w="12700" cap="flat" cmpd="sng" algn="ctr">
+                      <a:solidFill>
+                        <a:schemeClr val="tx1"/>
+                      </a:solidFill>
+                      <a:prstDash val="solid"/>
+                      <a:round/>
+                      <a:headEnd type="none" w="med" len="med"/>
+                      <a:tailEnd type="none" w="med" len="med"/>
+                    </a:lnT>
+                    <a:lnB w="12700" cap="flat" cmpd="sng" algn="ctr">
+                      <a:solidFill>
+                        <a:schemeClr val="tx1"/>
+                      </a:solidFill>
+                      <a:prstDash val="solid"/>
+                      <a:round/>
+                      <a:headEnd type="none" w="med" len="med"/>
+                      <a:tailEnd type="none" w="med" len="med"/>
+                    </a:lnB>
+                    <a:solidFill>
+                      <a:srgbClr val="FFC000"/>
+                    </a:solidFill>
+                  </a:tcPr>
+                </a:tc>
+                <a:tc>
+                  <a:txBody>
+                    <a:bodyPr/>
+                    <a:lstStyle/>
+                    <a:p>
+                      <a:endParaRPr lang="de-DE" sz="500" dirty="0"/>
+                    </a:p>
+                  </a:txBody>
+                  <a:tcPr>
+                    <a:lnL w="12700" cap="flat" cmpd="sng" algn="ctr">
+                      <a:noFill/>
+                      <a:prstDash val="solid"/>
+                      <a:round/>
+                      <a:headEnd type="none" w="med" len="med"/>
+                      <a:tailEnd type="none" w="med" len="med"/>
+                    </a:lnL>
+                    <a:lnR w="12700" cap="flat" cmpd="sng" algn="ctr">
+                      <a:solidFill>
+                        <a:schemeClr val="tx1"/>
+                      </a:solidFill>
+                      <a:prstDash val="solid"/>
+                      <a:round/>
+                      <a:headEnd type="none" w="med" len="med"/>
+                      <a:tailEnd type="none" w="med" len="med"/>
+                    </a:lnR>
+                    <a:lnT w="12700" cap="flat" cmpd="sng" algn="ctr">
+                      <a:solidFill>
+                        <a:schemeClr val="tx1"/>
+                      </a:solidFill>
+                      <a:prstDash val="solid"/>
+                      <a:round/>
+                      <a:headEnd type="none" w="med" len="med"/>
+                      <a:tailEnd type="none" w="med" len="med"/>
+                    </a:lnT>
+                    <a:lnB w="12700" cap="flat" cmpd="sng" algn="ctr">
+                      <a:solidFill>
+                        <a:schemeClr val="tx1"/>
+                      </a:solidFill>
+                      <a:prstDash val="solid"/>
+                      <a:round/>
+                      <a:headEnd type="none" w="med" len="med"/>
+                      <a:tailEnd type="none" w="med" len="med"/>
+                    </a:lnB>
+                    <a:solidFill>
+                      <a:srgbClr val="FFC000"/>
+                    </a:solidFill>
+                  </a:tcPr>
+                </a:tc>
+                <a:extLst>
+                  <a:ext uri="{0D108BD9-81ED-4DB2-BD59-A6C34878D82A}">
+                    <a16:rowId xmlns:a16="http://schemas.microsoft.com/office/drawing/2014/main" val="109647893"/>
+                  </a:ext>
+                </a:extLst>
+              </a:tr>
+              <a:tr h="178635">
+                <a:tc>
+                  <a:txBody>
+                    <a:bodyPr/>
+                    <a:lstStyle/>
+                    <a:p>
+                      <a:r>
+                        <a:rPr lang="de-DE" sz="700" dirty="0" err="1"/>
+                        <a:t>id</a:t>
+                      </a:r>
+                      <a:endParaRPr lang="de-DE" sz="700" dirty="0"/>
+                    </a:p>
+                  </a:txBody>
+                  <a:tcPr>
+                    <a:lnL w="12700" cap="flat" cmpd="sng" algn="ctr">
+                      <a:solidFill>
+                        <a:schemeClr val="tx1"/>
+                      </a:solidFill>
+                      <a:prstDash val="solid"/>
+                      <a:round/>
+                      <a:headEnd type="none" w="med" len="med"/>
+                      <a:tailEnd type="none" w="med" len="med"/>
+                    </a:lnL>
+                    <a:lnR w="12700" cap="flat" cmpd="sng" algn="ctr">
+                      <a:solidFill>
+                        <a:schemeClr val="tx1"/>
+                      </a:solidFill>
+                      <a:prstDash val="solid"/>
+                      <a:round/>
+                      <a:headEnd type="none" w="med" len="med"/>
+                      <a:tailEnd type="none" w="med" len="med"/>
+                    </a:lnR>
+                    <a:lnT w="12700" cap="flat" cmpd="sng" algn="ctr">
+                      <a:solidFill>
+                        <a:schemeClr val="tx1"/>
+                      </a:solidFill>
+                      <a:prstDash val="solid"/>
+                      <a:round/>
+                      <a:headEnd type="none" w="med" len="med"/>
+                      <a:tailEnd type="none" w="med" len="med"/>
+                    </a:lnT>
+                  </a:tcPr>
+                </a:tc>
+                <a:tc>
+                  <a:txBody>
+                    <a:bodyPr/>
+                    <a:lstStyle/>
+                    <a:p>
+                      <a:r>
+                        <a:rPr lang="de-DE" sz="700" dirty="0" err="1"/>
+                        <a:t>int</a:t>
+                      </a:r>
+                      <a:endParaRPr lang="de-DE" sz="700" dirty="0"/>
+                    </a:p>
+                  </a:txBody>
+                  <a:tcPr>
+                    <a:lnL w="12700" cap="flat" cmpd="sng" algn="ctr">
+                      <a:solidFill>
+                        <a:schemeClr val="tx1"/>
+                      </a:solidFill>
+                      <a:prstDash val="solid"/>
+                      <a:round/>
+                      <a:headEnd type="none" w="med" len="med"/>
+                      <a:tailEnd type="none" w="med" len="med"/>
+                    </a:lnL>
+                    <a:lnR w="12700" cap="flat" cmpd="sng" algn="ctr">
+                      <a:solidFill>
+                        <a:schemeClr val="tx1"/>
+                      </a:solidFill>
+                      <a:prstDash val="solid"/>
+                      <a:round/>
+                      <a:headEnd type="none" w="med" len="med"/>
+                      <a:tailEnd type="none" w="med" len="med"/>
+                    </a:lnR>
+                    <a:lnT w="12700" cap="flat" cmpd="sng" algn="ctr">
+                      <a:solidFill>
+                        <a:schemeClr val="tx1"/>
+                      </a:solidFill>
+                      <a:prstDash val="solid"/>
+                      <a:round/>
+                      <a:headEnd type="none" w="med" len="med"/>
+                      <a:tailEnd type="none" w="med" len="med"/>
+                    </a:lnT>
+                  </a:tcPr>
+                </a:tc>
+                <a:extLst>
+                  <a:ext uri="{0D108BD9-81ED-4DB2-BD59-A6C34878D82A}">
+                    <a16:rowId xmlns:a16="http://schemas.microsoft.com/office/drawing/2014/main" val="3560326657"/>
+                  </a:ext>
+                </a:extLst>
+              </a:tr>
+              <a:tr h="178635">
+                <a:tc>
+                  <a:txBody>
+                    <a:bodyPr/>
+                    <a:lstStyle/>
+                    <a:p>
+                      <a:r>
+                        <a:rPr lang="de-DE" sz="700" dirty="0" err="1"/>
+                        <a:t>rsnum</a:t>
+                      </a:r>
+                      <a:endParaRPr lang="de-DE" sz="700" dirty="0"/>
+                    </a:p>
+                  </a:txBody>
+                  <a:tcPr>
+                    <a:lnL w="12700" cap="flat" cmpd="sng" algn="ctr">
+                      <a:solidFill>
+                        <a:schemeClr val="tx1"/>
+                      </a:solidFill>
+                      <a:prstDash val="solid"/>
+                      <a:round/>
+                      <a:headEnd type="none" w="med" len="med"/>
+                      <a:tailEnd type="none" w="med" len="med"/>
+                    </a:lnL>
+                    <a:lnR w="12700" cap="flat" cmpd="sng" algn="ctr">
+                      <a:solidFill>
+                        <a:schemeClr val="tx1"/>
+                      </a:solidFill>
+                      <a:prstDash val="solid"/>
+                      <a:round/>
+                      <a:headEnd type="none" w="med" len="med"/>
+                      <a:tailEnd type="none" w="med" len="med"/>
+                    </a:lnR>
+                  </a:tcPr>
+                </a:tc>
+                <a:tc>
+                  <a:txBody>
+                    <a:bodyPr/>
+                    <a:lstStyle/>
+                    <a:p>
+                      <a:r>
+                        <a:rPr lang="de-DE" sz="700" dirty="0" err="1"/>
+                        <a:t>text</a:t>
+                      </a:r>
+                      <a:r>
+                        <a:rPr lang="de-DE" sz="700" dirty="0"/>
+                        <a:t> </a:t>
+                      </a:r>
+                      <a:r>
+                        <a:rPr lang="de-DE" sz="700" b="1" i="1" dirty="0"/>
+                        <a:t>(n)</a:t>
+                      </a:r>
+                      <a:endParaRPr lang="de-DE" sz="700" dirty="0"/>
+                    </a:p>
+                  </a:txBody>
+                  <a:tcPr>
+                    <a:lnL w="12700" cap="flat" cmpd="sng" algn="ctr">
+                      <a:solidFill>
+                        <a:schemeClr val="tx1"/>
+                      </a:solidFill>
+                      <a:prstDash val="solid"/>
+                      <a:round/>
+                      <a:headEnd type="none" w="med" len="med"/>
+                      <a:tailEnd type="none" w="med" len="med"/>
+                    </a:lnL>
+                    <a:lnR w="12700" cap="flat" cmpd="sng" algn="ctr">
+                      <a:solidFill>
+                        <a:schemeClr val="tx1"/>
+                      </a:solidFill>
+                      <a:prstDash val="solid"/>
+                      <a:round/>
+                      <a:headEnd type="none" w="med" len="med"/>
+                      <a:tailEnd type="none" w="med" len="med"/>
+                    </a:lnR>
+                  </a:tcPr>
+                </a:tc>
+                <a:extLst>
+                  <a:ext uri="{0D108BD9-81ED-4DB2-BD59-A6C34878D82A}">
+                    <a16:rowId xmlns:a16="http://schemas.microsoft.com/office/drawing/2014/main" val="1304942092"/>
+                  </a:ext>
+                </a:extLst>
+              </a:tr>
+              <a:tr h="178635">
+                <a:tc>
+                  <a:txBody>
+                    <a:bodyPr/>
+                    <a:lstStyle/>
+                    <a:p>
+                      <a:r>
+                        <a:rPr lang="de-DE" sz="700" dirty="0" err="1"/>
+                        <a:t>chr</a:t>
+                      </a:r>
+                      <a:endParaRPr lang="de-DE" sz="700" dirty="0"/>
+                    </a:p>
+                  </a:txBody>
+                  <a:tcPr>
+                    <a:lnL w="12700" cap="flat" cmpd="sng" algn="ctr">
+                      <a:solidFill>
+                        <a:schemeClr val="tx1"/>
+                      </a:solidFill>
+                      <a:prstDash val="solid"/>
+                      <a:round/>
+                      <a:headEnd type="none" w="med" len="med"/>
+                      <a:tailEnd type="none" w="med" len="med"/>
+                    </a:lnL>
+                    <a:lnR w="12700" cap="flat" cmpd="sng" algn="ctr">
+                      <a:solidFill>
+                        <a:schemeClr val="tx1"/>
+                      </a:solidFill>
+                      <a:prstDash val="solid"/>
+                      <a:round/>
+                      <a:headEnd type="none" w="med" len="med"/>
+                      <a:tailEnd type="none" w="med" len="med"/>
+                    </a:lnR>
+                  </a:tcPr>
+                </a:tc>
+                <a:tc>
+                  <a:txBody>
+                    <a:bodyPr/>
+                    <a:lstStyle/>
+                    <a:p>
+                      <a:r>
+                        <a:rPr lang="de-DE" sz="700" dirty="0" err="1"/>
+                        <a:t>enum</a:t>
+                      </a:r>
+                      <a:r>
+                        <a:rPr lang="de-DE" sz="700" dirty="0"/>
+                        <a:t> {chr1-22, </a:t>
+                      </a:r>
+                      <a:r>
+                        <a:rPr lang="de-DE" sz="700" dirty="0" err="1"/>
+                        <a:t>chrX,chrY,chrMT</a:t>
+                      </a:r>
+                      <a:r>
+                        <a:rPr lang="de-DE" sz="700" dirty="0"/>
+                        <a:t>}</a:t>
+                      </a:r>
+                    </a:p>
+                  </a:txBody>
+                  <a:tcPr>
+                    <a:lnL w="12700" cap="flat" cmpd="sng" algn="ctr">
+                      <a:solidFill>
+                        <a:schemeClr val="tx1"/>
+                      </a:solidFill>
+                      <a:prstDash val="solid"/>
+                      <a:round/>
+                      <a:headEnd type="none" w="med" len="med"/>
+                      <a:tailEnd type="none" w="med" len="med"/>
+                    </a:lnL>
+                    <a:lnR w="12700" cap="flat" cmpd="sng" algn="ctr">
+                      <a:solidFill>
+                        <a:schemeClr val="tx1"/>
+                      </a:solidFill>
+                      <a:prstDash val="solid"/>
+                      <a:round/>
+                      <a:headEnd type="none" w="med" len="med"/>
+                      <a:tailEnd type="none" w="med" len="med"/>
+                    </a:lnR>
+                  </a:tcPr>
+                </a:tc>
+                <a:extLst>
+                  <a:ext uri="{0D108BD9-81ED-4DB2-BD59-A6C34878D82A}">
+                    <a16:rowId xmlns:a16="http://schemas.microsoft.com/office/drawing/2014/main" val="3419355811"/>
+                  </a:ext>
+                </a:extLst>
+              </a:tr>
+              <a:tr h="178635">
+                <a:tc>
+                  <a:txBody>
+                    <a:bodyPr/>
+                    <a:lstStyle/>
+                    <a:p>
+                      <a:r>
+                        <a:rPr lang="de-DE" sz="700" dirty="0" err="1"/>
+                        <a:t>pos</a:t>
+                      </a:r>
+                      <a:endParaRPr lang="de-DE" sz="700" dirty="0"/>
+                    </a:p>
+                  </a:txBody>
+                  <a:tcPr>
+                    <a:lnL w="12700" cap="flat" cmpd="sng" algn="ctr">
+                      <a:solidFill>
+                        <a:schemeClr val="tx1"/>
+                      </a:solidFill>
+                      <a:prstDash val="solid"/>
+                      <a:round/>
+                      <a:headEnd type="none" w="med" len="med"/>
+                      <a:tailEnd type="none" w="med" len="med"/>
+                    </a:lnL>
+                    <a:lnR w="12700" cap="flat" cmpd="sng" algn="ctr">
+                      <a:solidFill>
+                        <a:schemeClr val="tx1"/>
+                      </a:solidFill>
+                      <a:prstDash val="solid"/>
+                      <a:round/>
+                      <a:headEnd type="none" w="med" len="med"/>
+                      <a:tailEnd type="none" w="med" len="med"/>
+                    </a:lnR>
+                  </a:tcPr>
+                </a:tc>
+                <a:tc>
+                  <a:txBody>
+                    <a:bodyPr/>
+                    <a:lstStyle/>
+                    <a:p>
+                      <a:r>
+                        <a:rPr lang="de-DE" sz="700" dirty="0" err="1"/>
+                        <a:t>int</a:t>
+                      </a:r>
+                      <a:endParaRPr lang="de-DE" sz="700" dirty="0"/>
+                    </a:p>
+                  </a:txBody>
+                  <a:tcPr>
+                    <a:lnL w="12700" cap="flat" cmpd="sng" algn="ctr">
+                      <a:solidFill>
+                        <a:schemeClr val="tx1"/>
+                      </a:solidFill>
+                      <a:prstDash val="solid"/>
+                      <a:round/>
+                      <a:headEnd type="none" w="med" len="med"/>
+                      <a:tailEnd type="none" w="med" len="med"/>
+                    </a:lnL>
+                    <a:lnR w="12700" cap="flat" cmpd="sng" algn="ctr">
+                      <a:solidFill>
+                        <a:schemeClr val="tx1"/>
+                      </a:solidFill>
+                      <a:prstDash val="solid"/>
+                      <a:round/>
+                      <a:headEnd type="none" w="med" len="med"/>
+                      <a:tailEnd type="none" w="med" len="med"/>
+                    </a:lnR>
+                  </a:tcPr>
+                </a:tc>
+                <a:extLst>
+                  <a:ext uri="{0D108BD9-81ED-4DB2-BD59-A6C34878D82A}">
+                    <a16:rowId xmlns:a16="http://schemas.microsoft.com/office/drawing/2014/main" val="1558571888"/>
+                  </a:ext>
+                </a:extLst>
+              </a:tr>
+              <a:tr h="178635">
+                <a:tc>
+                  <a:txBody>
+                    <a:bodyPr/>
+                    <a:lstStyle/>
+                    <a:p>
+                      <a:r>
+                        <a:rPr lang="de-DE" sz="700" dirty="0" err="1"/>
+                        <a:t>ref</a:t>
+                      </a:r>
+                      <a:endParaRPr lang="de-DE" sz="700" dirty="0"/>
+                    </a:p>
+                  </a:txBody>
+                  <a:tcPr>
+                    <a:lnL w="12700" cap="flat" cmpd="sng" algn="ctr">
+                      <a:solidFill>
+                        <a:schemeClr val="tx1"/>
+                      </a:solidFill>
+                      <a:prstDash val="solid"/>
+                      <a:round/>
+                      <a:headEnd type="none" w="med" len="med"/>
+                      <a:tailEnd type="none" w="med" len="med"/>
+                    </a:lnL>
+                    <a:lnR w="12700" cap="flat" cmpd="sng" algn="ctr">
+                      <a:solidFill>
+                        <a:schemeClr val="tx1"/>
+                      </a:solidFill>
+                      <a:prstDash val="solid"/>
+                      <a:round/>
+                      <a:headEnd type="none" w="med" len="med"/>
+                      <a:tailEnd type="none" w="med" len="med"/>
+                    </a:lnR>
+                  </a:tcPr>
+                </a:tc>
+                <a:tc>
+                  <a:txBody>
+                    <a:bodyPr/>
+                    <a:lstStyle/>
+                    <a:p>
+                      <a:r>
+                        <a:rPr lang="de-DE" sz="700" dirty="0" err="1"/>
+                        <a:t>text</a:t>
+                      </a:r>
+                      <a:endParaRPr lang="de-DE" sz="700" dirty="0"/>
+                    </a:p>
+                  </a:txBody>
+                  <a:tcPr>
+                    <a:lnL w="12700" cap="flat" cmpd="sng" algn="ctr">
+                      <a:solidFill>
+                        <a:schemeClr val="tx1"/>
+                      </a:solidFill>
+                      <a:prstDash val="solid"/>
+                      <a:round/>
+                      <a:headEnd type="none" w="med" len="med"/>
+                      <a:tailEnd type="none" w="med" len="med"/>
+                    </a:lnL>
+                    <a:lnR w="12700" cap="flat" cmpd="sng" algn="ctr">
+                      <a:solidFill>
+                        <a:schemeClr val="tx1"/>
+                      </a:solidFill>
+                      <a:prstDash val="solid"/>
+                      <a:round/>
+                      <a:headEnd type="none" w="med" len="med"/>
+                      <a:tailEnd type="none" w="med" len="med"/>
+                    </a:lnR>
+                  </a:tcPr>
+                </a:tc>
+                <a:extLst>
+                  <a:ext uri="{0D108BD9-81ED-4DB2-BD59-A6C34878D82A}">
+                    <a16:rowId xmlns:a16="http://schemas.microsoft.com/office/drawing/2014/main" val="891884874"/>
+                  </a:ext>
+                </a:extLst>
+              </a:tr>
+              <a:tr h="178635">
+                <a:tc>
+                  <a:txBody>
+                    <a:bodyPr/>
+                    <a:lstStyle/>
+                    <a:p>
+                      <a:r>
+                        <a:rPr lang="de-DE" sz="700" dirty="0"/>
+                        <a:t>alt</a:t>
+                      </a:r>
+                    </a:p>
+                  </a:txBody>
+                  <a:tcPr>
+                    <a:lnL w="12700" cap="flat" cmpd="sng" algn="ctr">
+                      <a:solidFill>
+                        <a:schemeClr val="tx1"/>
+                      </a:solidFill>
+                      <a:prstDash val="solid"/>
+                      <a:round/>
+                      <a:headEnd type="none" w="med" len="med"/>
+                      <a:tailEnd type="none" w="med" len="med"/>
+                    </a:lnL>
+                    <a:lnR w="12700" cap="flat" cmpd="sng" algn="ctr">
+                      <a:solidFill>
+                        <a:schemeClr val="tx1"/>
+                      </a:solidFill>
+                      <a:prstDash val="solid"/>
+                      <a:round/>
+                      <a:headEnd type="none" w="med" len="med"/>
+                      <a:tailEnd type="none" w="med" len="med"/>
+                    </a:lnR>
+                  </a:tcPr>
+                </a:tc>
+                <a:tc>
+                  <a:txBody>
+                    <a:bodyPr/>
+                    <a:lstStyle/>
+                    <a:p>
+                      <a:r>
+                        <a:rPr lang="de-DE" sz="700" dirty="0" err="1"/>
+                        <a:t>text</a:t>
+                      </a:r>
+                      <a:endParaRPr lang="de-DE" sz="700" dirty="0"/>
+                    </a:p>
+                  </a:txBody>
+                  <a:tcPr>
+                    <a:lnL w="12700" cap="flat" cmpd="sng" algn="ctr">
+                      <a:solidFill>
+                        <a:schemeClr val="tx1"/>
+                      </a:solidFill>
+                      <a:prstDash val="solid"/>
+                      <a:round/>
+                      <a:headEnd type="none" w="med" len="med"/>
+                      <a:tailEnd type="none" w="med" len="med"/>
+                    </a:lnL>
+                    <a:lnR w="12700" cap="flat" cmpd="sng" algn="ctr">
+                      <a:solidFill>
+                        <a:schemeClr val="tx1"/>
+                      </a:solidFill>
+                      <a:prstDash val="solid"/>
+                      <a:round/>
+                      <a:headEnd type="none" w="med" len="med"/>
+                      <a:tailEnd type="none" w="med" len="med"/>
+                    </a:lnR>
+                  </a:tcPr>
+                </a:tc>
+                <a:extLst>
+                  <a:ext uri="{0D108BD9-81ED-4DB2-BD59-A6C34878D82A}">
+                    <a16:rowId xmlns:a16="http://schemas.microsoft.com/office/drawing/2014/main" val="3979328003"/>
+                  </a:ext>
+                </a:extLst>
+              </a:tr>
+              <a:tr h="178635">
+                <a:tc>
+                  <a:txBody>
+                    <a:bodyPr/>
+                    <a:lstStyle/>
+                    <a:p>
+                      <a:r>
+                        <a:rPr lang="de-DE" sz="700" dirty="0" err="1"/>
+                        <a:t>heredicare_seqid</a:t>
+                      </a:r>
+                      <a:endParaRPr lang="de-DE" sz="700" dirty="0"/>
+                    </a:p>
+                  </a:txBody>
+                  <a:tcPr>
+                    <a:lnL w="12700" cap="flat" cmpd="sng" algn="ctr">
+                      <a:solidFill>
+                        <a:schemeClr val="tx1"/>
+                      </a:solidFill>
+                      <a:prstDash val="solid"/>
+                      <a:round/>
+                      <a:headEnd type="none" w="med" len="med"/>
+                      <a:tailEnd type="none" w="med" len="med"/>
+                    </a:lnL>
+                    <a:lnR w="12700" cap="flat" cmpd="sng" algn="ctr">
+                      <a:solidFill>
+                        <a:schemeClr val="tx1"/>
+                      </a:solidFill>
+                      <a:prstDash val="solid"/>
+                      <a:round/>
+                      <a:headEnd type="none" w="med" len="med"/>
+                      <a:tailEnd type="none" w="med" len="med"/>
+                    </a:lnR>
+                  </a:tcPr>
+                </a:tc>
+                <a:tc>
+                  <a:txBody>
+                    <a:bodyPr/>
+                    <a:lstStyle/>
+                    <a:p>
+                      <a:r>
+                        <a:rPr lang="de-DE" sz="700" dirty="0" err="1"/>
+                        <a:t>text</a:t>
+                      </a:r>
+                      <a:r>
+                        <a:rPr lang="de-DE" sz="700" dirty="0"/>
+                        <a:t>/</a:t>
+                      </a:r>
+                      <a:r>
+                        <a:rPr lang="de-DE" sz="700" dirty="0" err="1"/>
+                        <a:t>int</a:t>
+                      </a:r>
+                      <a:endParaRPr lang="de-DE" sz="700" dirty="0"/>
+                    </a:p>
+                  </a:txBody>
+                  <a:tcPr>
+                    <a:lnL w="12700" cap="flat" cmpd="sng" algn="ctr">
+                      <a:solidFill>
+                        <a:schemeClr val="tx1"/>
+                      </a:solidFill>
+                      <a:prstDash val="solid"/>
+                      <a:round/>
+                      <a:headEnd type="none" w="med" len="med"/>
+                      <a:tailEnd type="none" w="med" len="med"/>
+                    </a:lnL>
+                    <a:lnR w="12700" cap="flat" cmpd="sng" algn="ctr">
+                      <a:solidFill>
+                        <a:schemeClr val="tx1"/>
+                      </a:solidFill>
+                      <a:prstDash val="solid"/>
+                      <a:round/>
+                      <a:headEnd type="none" w="med" len="med"/>
+                      <a:tailEnd type="none" w="med" len="med"/>
+                    </a:lnR>
+                  </a:tcPr>
+                </a:tc>
+                <a:extLst>
+                  <a:ext uri="{0D108BD9-81ED-4DB2-BD59-A6C34878D82A}">
+                    <a16:rowId xmlns:a16="http://schemas.microsoft.com/office/drawing/2014/main" val="195224719"/>
+                  </a:ext>
+                </a:extLst>
+              </a:tr>
+              <a:tr h="178635">
+                <a:tc>
+                  <a:txBody>
+                    <a:bodyPr/>
+                    <a:lstStyle/>
+                    <a:p>
+                      <a:r>
+                        <a:rPr lang="de-DE" sz="700" dirty="0" err="1">
+                          <a:solidFill>
+                            <a:srgbClr val="FF0000"/>
+                          </a:solidFill>
+                        </a:rPr>
+                        <a:t>genotype</a:t>
+                      </a:r>
+                      <a:endParaRPr lang="de-DE" sz="700" dirty="0">
+                        <a:solidFill>
+                          <a:srgbClr val="FF0000"/>
+                        </a:solidFill>
+                      </a:endParaRPr>
+                    </a:p>
+                  </a:txBody>
+                  <a:tcPr>
+                    <a:lnL w="12700" cap="flat" cmpd="sng" algn="ctr">
+                      <a:solidFill>
+                        <a:schemeClr val="tx1"/>
+                      </a:solidFill>
+                      <a:prstDash val="solid"/>
+                      <a:round/>
+                      <a:headEnd type="none" w="med" len="med"/>
+                      <a:tailEnd type="none" w="med" len="med"/>
+                    </a:lnL>
+                    <a:lnR w="12700" cap="flat" cmpd="sng" algn="ctr">
+                      <a:solidFill>
+                        <a:schemeClr val="tx1"/>
+                      </a:solidFill>
+                      <a:prstDash val="solid"/>
+                      <a:round/>
+                      <a:headEnd type="none" w="med" len="med"/>
+                      <a:tailEnd type="none" w="med" len="med"/>
+                    </a:lnR>
+                    <a:lnB w="12700" cap="flat" cmpd="sng" algn="ctr">
+                      <a:solidFill>
+                        <a:schemeClr val="tx1"/>
+                      </a:solidFill>
+                      <a:prstDash val="solid"/>
+                      <a:round/>
+                      <a:headEnd type="none" w="med" len="med"/>
+                      <a:tailEnd type="none" w="med" len="med"/>
+                    </a:lnB>
+                  </a:tcPr>
+                </a:tc>
+                <a:tc>
+                  <a:txBody>
+                    <a:bodyPr/>
+                    <a:lstStyle/>
+                    <a:p>
+                      <a:r>
+                        <a:rPr lang="de-DE" sz="700" dirty="0" err="1">
+                          <a:solidFill>
+                            <a:srgbClr val="FF0000"/>
+                          </a:solidFill>
+                        </a:rPr>
+                        <a:t>enum</a:t>
+                      </a:r>
+                      <a:endParaRPr lang="de-DE" sz="700" dirty="0">
+                        <a:solidFill>
+                          <a:srgbClr val="FF0000"/>
+                        </a:solidFill>
+                      </a:endParaRPr>
+                    </a:p>
+                  </a:txBody>
+                  <a:tcPr>
+                    <a:lnL w="12700" cap="flat" cmpd="sng" algn="ctr">
+                      <a:solidFill>
+                        <a:schemeClr val="tx1"/>
+                      </a:solidFill>
+                      <a:prstDash val="solid"/>
+                      <a:round/>
+                      <a:headEnd type="none" w="med" len="med"/>
+                      <a:tailEnd type="none" w="med" len="med"/>
+                    </a:lnL>
+                    <a:lnR w="12700" cap="flat" cmpd="sng" algn="ctr">
+                      <a:solidFill>
+                        <a:schemeClr val="tx1"/>
+                      </a:solidFill>
+                      <a:prstDash val="solid"/>
+                      <a:round/>
+                      <a:headEnd type="none" w="med" len="med"/>
+                      <a:tailEnd type="none" w="med" len="med"/>
+                    </a:lnR>
+                    <a:lnB w="12700" cap="flat" cmpd="sng" algn="ctr">
+                      <a:solidFill>
+                        <a:schemeClr val="tx1"/>
+                      </a:solidFill>
+                      <a:prstDash val="solid"/>
+                      <a:round/>
+                      <a:headEnd type="none" w="med" len="med"/>
+                      <a:tailEnd type="none" w="med" len="med"/>
+                    </a:lnB>
+                  </a:tcPr>
+                </a:tc>
+                <a:extLst>
+                  <a:ext uri="{0D108BD9-81ED-4DB2-BD59-A6C34878D82A}">
+                    <a16:rowId xmlns:a16="http://schemas.microsoft.com/office/drawing/2014/main" val="1576307755"/>
+                  </a:ext>
+                </a:extLst>
+              </a:tr>
+            </a:tbl>
+          </a:graphicData>
+        </a:graphic>
+      </p:graphicFrame>
+      <p:graphicFrame>
+        <p:nvGraphicFramePr>
+          <p:cNvPr id="3" name="Tabelle 2">
+            <a:extLst>
+              <a:ext uri="{FF2B5EF4-FFF2-40B4-BE49-F238E27FC236}">
+                <a16:creationId xmlns:a16="http://schemas.microsoft.com/office/drawing/2014/main" id="{B75DB0B6-5816-4AB2-BB1A-EAEDD225BE54}"/>
+              </a:ext>
+            </a:extLst>
+          </p:cNvPr>
+          <p:cNvGraphicFramePr>
+            <a:graphicFrameLocks noGrp="1"/>
+          </p:cNvGraphicFramePr>
+          <p:nvPr>
+            <p:extLst>
+              <p:ext uri="{D42A27DB-BD31-4B8C-83A1-F6EECF244321}">
+                <p14:modId xmlns:p14="http://schemas.microsoft.com/office/powerpoint/2010/main" val="2031542523"/>
+              </p:ext>
+            </p:extLst>
+          </p:nvPr>
+        </p:nvGraphicFramePr>
+        <p:xfrm>
+          <a:off x="10570615" y="1236271"/>
+          <a:ext cx="1407888" cy="1188720"/>
+        </p:xfrm>
+        <a:graphic>
+          <a:graphicData uri="http://schemas.openxmlformats.org/drawingml/2006/table">
+            <a:tbl>
+              <a:tblPr firstRow="1" bandRow="1">
+                <a:tableStyleId>{2D5ABB26-0587-4C30-8999-92F81FD0307C}</a:tableStyleId>
+              </a:tblPr>
+              <a:tblGrid>
+                <a:gridCol w="922696">
+                  <a:extLst>
+                    <a:ext uri="{9D8B030D-6E8A-4147-A177-3AD203B41FA5}">
+                      <a16:colId xmlns:a16="http://schemas.microsoft.com/office/drawing/2014/main" val="650321458"/>
+                    </a:ext>
+                  </a:extLst>
+                </a:gridCol>
+                <a:gridCol w="485192">
+                  <a:extLst>
+                    <a:ext uri="{9D8B030D-6E8A-4147-A177-3AD203B41FA5}">
+                      <a16:colId xmlns:a16="http://schemas.microsoft.com/office/drawing/2014/main" val="4065165498"/>
+                    </a:ext>
+                  </a:extLst>
+                </a:gridCol>
+              </a:tblGrid>
+              <a:tr h="178635">
+                <a:tc>
+                  <a:txBody>
+                    <a:bodyPr/>
+                    <a:lstStyle/>
+                    <a:p>
+                      <a:r>
+                        <a:rPr lang="de-DE" sz="700" b="1" dirty="0" err="1"/>
+                        <a:t>user</a:t>
+                      </a:r>
+                      <a:endParaRPr lang="de-DE" sz="500" b="1" dirty="0"/>
+                    </a:p>
+                  </a:txBody>
+                  <a:tcPr>
+                    <a:lnL w="12700" cap="flat" cmpd="sng" algn="ctr">
+                      <a:solidFill>
+                        <a:schemeClr val="tx1"/>
+                      </a:solidFill>
+                      <a:prstDash val="solid"/>
+                      <a:round/>
+                      <a:headEnd type="none" w="med" len="med"/>
+                      <a:tailEnd type="none" w="med" len="med"/>
+                    </a:lnL>
+                    <a:lnR w="12700" cap="flat" cmpd="sng" algn="ctr">
+                      <a:noFill/>
+                      <a:prstDash val="solid"/>
+                      <a:round/>
+                      <a:headEnd type="none" w="med" len="med"/>
+                      <a:tailEnd type="none" w="med" len="med"/>
+                    </a:lnR>
+                    <a:lnT w="12700" cap="flat" cmpd="sng" algn="ctr">
+                      <a:solidFill>
+                        <a:schemeClr val="tx1"/>
+                      </a:solidFill>
+                      <a:prstDash val="solid"/>
+                      <a:round/>
+                      <a:headEnd type="none" w="med" len="med"/>
+                      <a:tailEnd type="none" w="med" len="med"/>
+                    </a:lnT>
+                    <a:lnB w="12700" cap="flat" cmpd="sng" algn="ctr">
+                      <a:solidFill>
+                        <a:schemeClr val="tx1"/>
+                      </a:solidFill>
+                      <a:prstDash val="solid"/>
+                      <a:round/>
+                      <a:headEnd type="none" w="med" len="med"/>
+                      <a:tailEnd type="none" w="med" len="med"/>
+                    </a:lnB>
+                  </a:tcPr>
+                </a:tc>
+                <a:tc>
+                  <a:txBody>
+                    <a:bodyPr/>
+                    <a:lstStyle/>
+                    <a:p>
+                      <a:endParaRPr lang="de-DE" sz="500" dirty="0"/>
+                    </a:p>
+                  </a:txBody>
+                  <a:tcPr>
+                    <a:lnL w="12700" cap="flat" cmpd="sng" algn="ctr">
+                      <a:noFill/>
+                      <a:prstDash val="solid"/>
+                      <a:round/>
+                      <a:headEnd type="none" w="med" len="med"/>
+                      <a:tailEnd type="none" w="med" len="med"/>
+                    </a:lnL>
+                    <a:lnR w="12700" cap="flat" cmpd="sng" algn="ctr">
+                      <a:solidFill>
+                        <a:schemeClr val="tx1"/>
+                      </a:solidFill>
+                      <a:prstDash val="solid"/>
+                      <a:round/>
+                      <a:headEnd type="none" w="med" len="med"/>
+                      <a:tailEnd type="none" w="med" len="med"/>
+                    </a:lnR>
+                    <a:lnT w="12700" cap="flat" cmpd="sng" algn="ctr">
+                      <a:solidFill>
+                        <a:schemeClr val="tx1"/>
+                      </a:solidFill>
+                      <a:prstDash val="solid"/>
+                      <a:round/>
+                      <a:headEnd type="none" w="med" len="med"/>
+                      <a:tailEnd type="none" w="med" len="med"/>
+                    </a:lnT>
+                    <a:lnB w="12700" cap="flat" cmpd="sng" algn="ctr">
+                      <a:solidFill>
+                        <a:schemeClr val="tx1"/>
+                      </a:solidFill>
+                      <a:prstDash val="solid"/>
+                      <a:round/>
+                      <a:headEnd type="none" w="med" len="med"/>
+                      <a:tailEnd type="none" w="med" len="med"/>
+                    </a:lnB>
+                  </a:tcPr>
+                </a:tc>
+                <a:extLst>
+                  <a:ext uri="{0D108BD9-81ED-4DB2-BD59-A6C34878D82A}">
+                    <a16:rowId xmlns:a16="http://schemas.microsoft.com/office/drawing/2014/main" val="109647893"/>
+                  </a:ext>
+                </a:extLst>
+              </a:tr>
+              <a:tr h="178635">
+                <a:tc>
+                  <a:txBody>
+                    <a:bodyPr/>
+                    <a:lstStyle/>
+                    <a:p>
+                      <a:r>
+                        <a:rPr lang="de-DE" sz="700" dirty="0" err="1"/>
+                        <a:t>id</a:t>
+                      </a:r>
+                      <a:endParaRPr lang="de-DE" sz="700" dirty="0"/>
+                    </a:p>
+                  </a:txBody>
+                  <a:tcPr>
+                    <a:lnL w="12700" cap="flat" cmpd="sng" algn="ctr">
+                      <a:solidFill>
+                        <a:schemeClr val="tx1"/>
+                      </a:solidFill>
+                      <a:prstDash val="solid"/>
+                      <a:round/>
+                      <a:headEnd type="none" w="med" len="med"/>
+                      <a:tailEnd type="none" w="med" len="med"/>
+                    </a:lnL>
+                    <a:lnR w="12700" cap="flat" cmpd="sng" algn="ctr">
+                      <a:solidFill>
+                        <a:schemeClr val="tx1"/>
+                      </a:solidFill>
+                      <a:prstDash val="solid"/>
+                      <a:round/>
+                      <a:headEnd type="none" w="med" len="med"/>
+                      <a:tailEnd type="none" w="med" len="med"/>
+                    </a:lnR>
+                    <a:lnT w="12700" cap="flat" cmpd="sng" algn="ctr">
+                      <a:solidFill>
+                        <a:schemeClr val="tx1"/>
+                      </a:solidFill>
+                      <a:prstDash val="solid"/>
+                      <a:round/>
+                      <a:headEnd type="none" w="med" len="med"/>
+                      <a:tailEnd type="none" w="med" len="med"/>
+                    </a:lnT>
+                    <a:lnB w="12700" cap="flat" cmpd="sng" algn="ctr">
+                      <a:noFill/>
+                      <a:prstDash val="solid"/>
+                      <a:round/>
+                      <a:headEnd type="none" w="med" len="med"/>
+                      <a:tailEnd type="none" w="med" len="med"/>
+                    </a:lnB>
+                  </a:tcPr>
+                </a:tc>
+                <a:tc>
+                  <a:txBody>
+                    <a:bodyPr/>
+                    <a:lstStyle/>
+                    <a:p>
+                      <a:r>
+                        <a:rPr lang="de-DE" sz="700" dirty="0" err="1"/>
+                        <a:t>int</a:t>
+                      </a:r>
+                      <a:endParaRPr lang="de-DE" sz="700" dirty="0"/>
+                    </a:p>
+                  </a:txBody>
+                  <a:tcPr>
+                    <a:lnL w="12700" cap="flat" cmpd="sng" algn="ctr">
+                      <a:solidFill>
+                        <a:schemeClr val="tx1"/>
+                      </a:solidFill>
+                      <a:prstDash val="solid"/>
+                      <a:round/>
+                      <a:headEnd type="none" w="med" len="med"/>
+                      <a:tailEnd type="none" w="med" len="med"/>
+                    </a:lnL>
+                    <a:lnR w="12700" cap="flat" cmpd="sng" algn="ctr">
+                      <a:solidFill>
+                        <a:schemeClr val="tx1"/>
+                      </a:solidFill>
+                      <a:prstDash val="solid"/>
+                      <a:round/>
+                      <a:headEnd type="none" w="med" len="med"/>
+                      <a:tailEnd type="none" w="med" len="med"/>
+                    </a:lnR>
+                    <a:lnT w="12700" cap="flat" cmpd="sng" algn="ctr">
+                      <a:solidFill>
+                        <a:schemeClr val="tx1"/>
+                      </a:solidFill>
+                      <a:prstDash val="solid"/>
+                      <a:round/>
+                      <a:headEnd type="none" w="med" len="med"/>
+                      <a:tailEnd type="none" w="med" len="med"/>
+                    </a:lnT>
+                    <a:lnB w="12700" cap="flat" cmpd="sng" algn="ctr">
+                      <a:noFill/>
+                      <a:prstDash val="solid"/>
+                      <a:round/>
+                      <a:headEnd type="none" w="med" len="med"/>
+                      <a:tailEnd type="none" w="med" len="med"/>
+                    </a:lnB>
+                  </a:tcPr>
+                </a:tc>
+                <a:extLst>
+                  <a:ext uri="{0D108BD9-81ED-4DB2-BD59-A6C34878D82A}">
+                    <a16:rowId xmlns:a16="http://schemas.microsoft.com/office/drawing/2014/main" val="3560326657"/>
+                  </a:ext>
+                </a:extLst>
+              </a:tr>
+              <a:tr h="178635">
+                <a:tc>
+                  <a:txBody>
+                    <a:bodyPr/>
+                    <a:lstStyle/>
+                    <a:p>
+                      <a:r>
+                        <a:rPr lang="de-DE" sz="700" dirty="0" err="1"/>
+                        <a:t>name</a:t>
+                      </a:r>
+                      <a:endParaRPr lang="de-DE" sz="700" dirty="0"/>
+                    </a:p>
+                  </a:txBody>
+                  <a:tcPr>
+                    <a:lnL w="12700" cap="flat" cmpd="sng" algn="ctr">
+                      <a:solidFill>
+                        <a:schemeClr val="tx1"/>
+                      </a:solidFill>
+                      <a:prstDash val="solid"/>
+                      <a:round/>
+                      <a:headEnd type="none" w="med" len="med"/>
+                      <a:tailEnd type="none" w="med" len="med"/>
+                    </a:lnL>
+                    <a:lnR w="12700" cap="flat" cmpd="sng" algn="ctr">
+                      <a:solidFill>
+                        <a:schemeClr val="tx1"/>
+                      </a:solidFill>
+                      <a:prstDash val="solid"/>
+                      <a:round/>
+                      <a:headEnd type="none" w="med" len="med"/>
+                      <a:tailEnd type="none" w="med" len="med"/>
+                    </a:lnR>
+                    <a:lnT w="12700" cap="flat" cmpd="sng" algn="ctr">
+                      <a:noFill/>
+                      <a:prstDash val="solid"/>
+                      <a:round/>
+                      <a:headEnd type="none" w="med" len="med"/>
+                      <a:tailEnd type="none" w="med" len="med"/>
+                    </a:lnT>
+                    <a:lnB w="12700" cap="flat" cmpd="sng" algn="ctr">
+                      <a:noFill/>
+                      <a:prstDash val="solid"/>
+                      <a:round/>
+                      <a:headEnd type="none" w="med" len="med"/>
+                      <a:tailEnd type="none" w="med" len="med"/>
+                    </a:lnB>
+                  </a:tcPr>
+                </a:tc>
+                <a:tc>
+                  <a:txBody>
+                    <a:bodyPr/>
+                    <a:lstStyle/>
+                    <a:p>
+                      <a:r>
+                        <a:rPr lang="de-DE" sz="700" dirty="0" err="1"/>
+                        <a:t>text</a:t>
+                      </a:r>
+                      <a:endParaRPr lang="de-DE" sz="700" dirty="0"/>
+                    </a:p>
+                  </a:txBody>
+                  <a:tcPr>
+                    <a:lnL w="12700" cap="flat" cmpd="sng" algn="ctr">
+                      <a:solidFill>
+                        <a:schemeClr val="tx1"/>
+                      </a:solidFill>
+                      <a:prstDash val="solid"/>
+                      <a:round/>
+                      <a:headEnd type="none" w="med" len="med"/>
+                      <a:tailEnd type="none" w="med" len="med"/>
+                    </a:lnL>
+                    <a:lnR w="12700" cap="flat" cmpd="sng" algn="ctr">
+                      <a:solidFill>
+                        <a:schemeClr val="tx1"/>
+                      </a:solidFill>
+                      <a:prstDash val="solid"/>
+                      <a:round/>
+                      <a:headEnd type="none" w="med" len="med"/>
+                      <a:tailEnd type="none" w="med" len="med"/>
+                    </a:lnR>
+                    <a:lnT w="12700" cap="flat" cmpd="sng" algn="ctr">
+                      <a:noFill/>
+                      <a:prstDash val="solid"/>
+                      <a:round/>
+                      <a:headEnd type="none" w="med" len="med"/>
+                      <a:tailEnd type="none" w="med" len="med"/>
+                    </a:lnT>
+                    <a:lnB w="12700" cap="flat" cmpd="sng" algn="ctr">
+                      <a:noFill/>
+                      <a:prstDash val="solid"/>
+                      <a:round/>
+                      <a:headEnd type="none" w="med" len="med"/>
+                      <a:tailEnd type="none" w="med" len="med"/>
+                    </a:lnB>
+                  </a:tcPr>
+                </a:tc>
+                <a:extLst>
+                  <a:ext uri="{0D108BD9-81ED-4DB2-BD59-A6C34878D82A}">
+                    <a16:rowId xmlns:a16="http://schemas.microsoft.com/office/drawing/2014/main" val="3888529307"/>
+                  </a:ext>
+                </a:extLst>
+              </a:tr>
+              <a:tr h="178635">
+                <a:tc>
+                  <a:txBody>
+                    <a:bodyPr/>
+                    <a:lstStyle/>
+                    <a:p>
+                      <a:r>
+                        <a:rPr lang="de-DE" sz="700" dirty="0" err="1"/>
+                        <a:t>affiliation</a:t>
+                      </a:r>
+                      <a:endParaRPr lang="de-DE" sz="700" dirty="0"/>
+                    </a:p>
+                  </a:txBody>
+                  <a:tcPr>
+                    <a:lnL w="12700" cap="flat" cmpd="sng" algn="ctr">
+                      <a:solidFill>
+                        <a:schemeClr val="tx1"/>
+                      </a:solidFill>
+                      <a:prstDash val="solid"/>
+                      <a:round/>
+                      <a:headEnd type="none" w="med" len="med"/>
+                      <a:tailEnd type="none" w="med" len="med"/>
+                    </a:lnL>
+                    <a:lnR w="12700" cap="flat" cmpd="sng" algn="ctr">
+                      <a:solidFill>
+                        <a:schemeClr val="tx1"/>
+                      </a:solidFill>
+                      <a:prstDash val="solid"/>
+                      <a:round/>
+                      <a:headEnd type="none" w="med" len="med"/>
+                      <a:tailEnd type="none" w="med" len="med"/>
+                    </a:lnR>
+                    <a:lnT w="12700" cap="flat" cmpd="sng" algn="ctr">
+                      <a:noFill/>
+                      <a:prstDash val="solid"/>
+                      <a:round/>
+                      <a:headEnd type="none" w="med" len="med"/>
+                      <a:tailEnd type="none" w="med" len="med"/>
+                    </a:lnT>
+                    <a:lnB w="12700" cap="flat" cmpd="sng" algn="ctr">
+                      <a:noFill/>
+                      <a:prstDash val="solid"/>
+                      <a:round/>
+                      <a:headEnd type="none" w="med" len="med"/>
+                      <a:tailEnd type="none" w="med" len="med"/>
+                    </a:lnB>
+                  </a:tcPr>
+                </a:tc>
+                <a:tc>
+                  <a:txBody>
+                    <a:bodyPr/>
+                    <a:lstStyle/>
+                    <a:p>
+                      <a:r>
+                        <a:rPr lang="de-DE" sz="700" dirty="0" err="1"/>
+                        <a:t>text</a:t>
+                      </a:r>
+                      <a:endParaRPr lang="de-DE" sz="700" dirty="0"/>
+                    </a:p>
+                  </a:txBody>
+                  <a:tcPr>
+                    <a:lnL w="12700" cap="flat" cmpd="sng" algn="ctr">
+                      <a:solidFill>
+                        <a:schemeClr val="tx1"/>
+                      </a:solidFill>
+                      <a:prstDash val="solid"/>
+                      <a:round/>
+                      <a:headEnd type="none" w="med" len="med"/>
+                      <a:tailEnd type="none" w="med" len="med"/>
+                    </a:lnL>
+                    <a:lnR w="12700" cap="flat" cmpd="sng" algn="ctr">
+                      <a:solidFill>
+                        <a:schemeClr val="tx1"/>
+                      </a:solidFill>
+                      <a:prstDash val="solid"/>
+                      <a:round/>
+                      <a:headEnd type="none" w="med" len="med"/>
+                      <a:tailEnd type="none" w="med" len="med"/>
+                    </a:lnR>
+                    <a:lnT w="12700" cap="flat" cmpd="sng" algn="ctr">
+                      <a:noFill/>
+                      <a:prstDash val="solid"/>
+                      <a:round/>
+                      <a:headEnd type="none" w="med" len="med"/>
+                      <a:tailEnd type="none" w="med" len="med"/>
+                    </a:lnT>
+                    <a:lnB w="12700" cap="flat" cmpd="sng" algn="ctr">
+                      <a:noFill/>
+                      <a:prstDash val="solid"/>
+                      <a:round/>
+                      <a:headEnd type="none" w="med" len="med"/>
+                      <a:tailEnd type="none" w="med" len="med"/>
+                    </a:lnB>
+                  </a:tcPr>
+                </a:tc>
+                <a:extLst>
+                  <a:ext uri="{0D108BD9-81ED-4DB2-BD59-A6C34878D82A}">
+                    <a16:rowId xmlns:a16="http://schemas.microsoft.com/office/drawing/2014/main" val="2712157836"/>
+                  </a:ext>
+                </a:extLst>
+              </a:tr>
+              <a:tr h="178635">
+                <a:tc>
+                  <a:txBody>
+                    <a:bodyPr/>
+                    <a:lstStyle/>
+                    <a:p>
+                      <a:r>
+                        <a:rPr lang="de-DE" sz="700" dirty="0"/>
+                        <a:t>mail</a:t>
+                      </a:r>
+                    </a:p>
+                  </a:txBody>
+                  <a:tcPr>
+                    <a:lnL w="12700" cap="flat" cmpd="sng" algn="ctr">
+                      <a:solidFill>
+                        <a:schemeClr val="tx1"/>
+                      </a:solidFill>
+                      <a:prstDash val="solid"/>
+                      <a:round/>
+                      <a:headEnd type="none" w="med" len="med"/>
+                      <a:tailEnd type="none" w="med" len="med"/>
+                    </a:lnL>
+                    <a:lnR w="12700" cap="flat" cmpd="sng" algn="ctr">
+                      <a:solidFill>
+                        <a:schemeClr val="tx1"/>
+                      </a:solidFill>
+                      <a:prstDash val="solid"/>
+                      <a:round/>
+                      <a:headEnd type="none" w="med" len="med"/>
+                      <a:tailEnd type="none" w="med" len="med"/>
+                    </a:lnR>
+                    <a:lnT w="12700" cap="flat" cmpd="sng" algn="ctr">
+                      <a:noFill/>
+                      <a:prstDash val="solid"/>
+                      <a:round/>
+                      <a:headEnd type="none" w="med" len="med"/>
+                      <a:tailEnd type="none" w="med" len="med"/>
+                    </a:lnT>
+                    <a:lnB w="12700" cap="flat" cmpd="sng" algn="ctr">
+                      <a:noFill/>
+                      <a:prstDash val="solid"/>
+                      <a:round/>
+                      <a:headEnd type="none" w="med" len="med"/>
+                      <a:tailEnd type="none" w="med" len="med"/>
+                    </a:lnB>
+                  </a:tcPr>
+                </a:tc>
+                <a:tc>
+                  <a:txBody>
+                    <a:bodyPr/>
+                    <a:lstStyle/>
+                    <a:p>
+                      <a:r>
+                        <a:rPr lang="de-DE" sz="700" dirty="0" err="1"/>
+                        <a:t>text</a:t>
+                      </a:r>
+                      <a:endParaRPr lang="de-DE" sz="700" dirty="0"/>
+                    </a:p>
+                  </a:txBody>
+                  <a:tcPr>
+                    <a:lnL w="12700" cap="flat" cmpd="sng" algn="ctr">
+                      <a:solidFill>
+                        <a:schemeClr val="tx1"/>
+                      </a:solidFill>
+                      <a:prstDash val="solid"/>
+                      <a:round/>
+                      <a:headEnd type="none" w="med" len="med"/>
+                      <a:tailEnd type="none" w="med" len="med"/>
+                    </a:lnL>
+                    <a:lnR w="12700" cap="flat" cmpd="sng" algn="ctr">
+                      <a:solidFill>
+                        <a:schemeClr val="tx1"/>
+                      </a:solidFill>
+                      <a:prstDash val="solid"/>
+                      <a:round/>
+                      <a:headEnd type="none" w="med" len="med"/>
+                      <a:tailEnd type="none" w="med" len="med"/>
+                    </a:lnR>
+                    <a:lnT w="12700" cap="flat" cmpd="sng" algn="ctr">
+                      <a:noFill/>
+                      <a:prstDash val="solid"/>
+                      <a:round/>
+                      <a:headEnd type="none" w="med" len="med"/>
+                      <a:tailEnd type="none" w="med" len="med"/>
+                    </a:lnT>
+                    <a:lnB w="12700" cap="flat" cmpd="sng" algn="ctr">
+                      <a:noFill/>
+                      <a:prstDash val="solid"/>
+                      <a:round/>
+                      <a:headEnd type="none" w="med" len="med"/>
+                      <a:tailEnd type="none" w="med" len="med"/>
+                    </a:lnB>
+                  </a:tcPr>
+                </a:tc>
+                <a:extLst>
+                  <a:ext uri="{0D108BD9-81ED-4DB2-BD59-A6C34878D82A}">
+                    <a16:rowId xmlns:a16="http://schemas.microsoft.com/office/drawing/2014/main" val="965009824"/>
+                  </a:ext>
+                </a:extLst>
+              </a:tr>
+              <a:tr h="178635">
+                <a:tc>
+                  <a:txBody>
+                    <a:bodyPr/>
+                    <a:lstStyle/>
+                    <a:p>
+                      <a:r>
+                        <a:rPr lang="de-DE" sz="700" dirty="0" err="1"/>
+                        <a:t>secret</a:t>
+                      </a:r>
+                      <a:endParaRPr lang="de-DE" sz="700" dirty="0"/>
+                    </a:p>
+                  </a:txBody>
+                  <a:tcPr>
+                    <a:lnL w="12700" cap="flat" cmpd="sng" algn="ctr">
+                      <a:solidFill>
+                        <a:schemeClr val="tx1"/>
+                      </a:solidFill>
+                      <a:prstDash val="solid"/>
+                      <a:round/>
+                      <a:headEnd type="none" w="med" len="med"/>
+                      <a:tailEnd type="none" w="med" len="med"/>
+                    </a:lnL>
+                    <a:lnR w="12700" cap="flat" cmpd="sng" algn="ctr">
+                      <a:solidFill>
+                        <a:schemeClr val="tx1"/>
+                      </a:solidFill>
+                      <a:prstDash val="solid"/>
+                      <a:round/>
+                      <a:headEnd type="none" w="med" len="med"/>
+                      <a:tailEnd type="none" w="med" len="med"/>
+                    </a:lnR>
+                    <a:lnT w="12700" cap="flat" cmpd="sng" algn="ctr">
+                      <a:noFill/>
+                      <a:prstDash val="solid"/>
+                      <a:round/>
+                      <a:headEnd type="none" w="med" len="med"/>
+                      <a:tailEnd type="none" w="med" len="med"/>
+                    </a:lnT>
+                    <a:lnB w="12700" cap="flat" cmpd="sng" algn="ctr">
+                      <a:solidFill>
+                        <a:schemeClr val="tx1"/>
+                      </a:solidFill>
+                      <a:prstDash val="solid"/>
+                      <a:round/>
+                      <a:headEnd type="none" w="med" len="med"/>
+                      <a:tailEnd type="none" w="med" len="med"/>
+                    </a:lnB>
+                  </a:tcPr>
+                </a:tc>
+                <a:tc>
+                  <a:txBody>
+                    <a:bodyPr/>
+                    <a:lstStyle/>
+                    <a:p>
+                      <a:r>
+                        <a:rPr lang="de-DE" sz="700" dirty="0" err="1"/>
+                        <a:t>text</a:t>
+                      </a:r>
+                      <a:endParaRPr lang="de-DE" sz="700" dirty="0"/>
+                    </a:p>
+                  </a:txBody>
+                  <a:tcPr>
+                    <a:lnL w="12700" cap="flat" cmpd="sng" algn="ctr">
+                      <a:solidFill>
+                        <a:schemeClr val="tx1"/>
+                      </a:solidFill>
+                      <a:prstDash val="solid"/>
+                      <a:round/>
+                      <a:headEnd type="none" w="med" len="med"/>
+                      <a:tailEnd type="none" w="med" len="med"/>
+                    </a:lnL>
+                    <a:lnR w="12700" cap="flat" cmpd="sng" algn="ctr">
+                      <a:solidFill>
+                        <a:schemeClr val="tx1"/>
+                      </a:solidFill>
+                      <a:prstDash val="solid"/>
+                      <a:round/>
+                      <a:headEnd type="none" w="med" len="med"/>
+                      <a:tailEnd type="none" w="med" len="med"/>
+                    </a:lnR>
+                    <a:lnT w="12700" cap="flat" cmpd="sng" algn="ctr">
+                      <a:noFill/>
+                      <a:prstDash val="solid"/>
+                      <a:round/>
+                      <a:headEnd type="none" w="med" len="med"/>
+                      <a:tailEnd type="none" w="med" len="med"/>
+                    </a:lnT>
+                    <a:lnB w="12700" cap="flat" cmpd="sng" algn="ctr">
+                      <a:solidFill>
+                        <a:schemeClr val="tx1"/>
+                      </a:solidFill>
+                      <a:prstDash val="solid"/>
+                      <a:round/>
+                      <a:headEnd type="none" w="med" len="med"/>
+                      <a:tailEnd type="none" w="med" len="med"/>
+                    </a:lnB>
+                  </a:tcPr>
+                </a:tc>
+                <a:extLst>
+                  <a:ext uri="{0D108BD9-81ED-4DB2-BD59-A6C34878D82A}">
+                    <a16:rowId xmlns:a16="http://schemas.microsoft.com/office/drawing/2014/main" val="1682664123"/>
+                  </a:ext>
+                </a:extLst>
+              </a:tr>
+            </a:tbl>
+          </a:graphicData>
+        </a:graphic>
+      </p:graphicFrame>
+      <p:graphicFrame>
+        <p:nvGraphicFramePr>
+          <p:cNvPr id="5" name="Tabelle 4">
+            <a:extLst>
+              <a:ext uri="{FF2B5EF4-FFF2-40B4-BE49-F238E27FC236}">
+                <a16:creationId xmlns:a16="http://schemas.microsoft.com/office/drawing/2014/main" id="{7308BA48-EA93-47E0-A9FD-90224F556627}"/>
+              </a:ext>
+            </a:extLst>
+          </p:cNvPr>
+          <p:cNvGraphicFramePr>
+            <a:graphicFrameLocks noGrp="1"/>
+          </p:cNvGraphicFramePr>
+          <p:nvPr>
+            <p:extLst>
+              <p:ext uri="{D42A27DB-BD31-4B8C-83A1-F6EECF244321}">
+                <p14:modId xmlns:p14="http://schemas.microsoft.com/office/powerpoint/2010/main" val="2466750595"/>
+              </p:ext>
+            </p:extLst>
+          </p:nvPr>
+        </p:nvGraphicFramePr>
+        <p:xfrm>
+          <a:off x="3005786" y="2332479"/>
+          <a:ext cx="1407888" cy="1402080"/>
+        </p:xfrm>
+        <a:graphic>
+          <a:graphicData uri="http://schemas.openxmlformats.org/drawingml/2006/table">
+            <a:tbl>
+              <a:tblPr firstRow="1" bandRow="1">
+                <a:tableStyleId>{2D5ABB26-0587-4C30-8999-92F81FD0307C}</a:tableStyleId>
+              </a:tblPr>
+              <a:tblGrid>
+                <a:gridCol w="872934">
+                  <a:extLst>
+                    <a:ext uri="{9D8B030D-6E8A-4147-A177-3AD203B41FA5}">
+                      <a16:colId xmlns:a16="http://schemas.microsoft.com/office/drawing/2014/main" val="650321458"/>
+                    </a:ext>
+                  </a:extLst>
+                </a:gridCol>
+                <a:gridCol w="534954">
+                  <a:extLst>
+                    <a:ext uri="{9D8B030D-6E8A-4147-A177-3AD203B41FA5}">
+                      <a16:colId xmlns:a16="http://schemas.microsoft.com/office/drawing/2014/main" val="4065165498"/>
+                    </a:ext>
+                  </a:extLst>
+                </a:gridCol>
+              </a:tblGrid>
+              <a:tr h="178635">
+                <a:tc>
+                  <a:txBody>
+                    <a:bodyPr/>
+                    <a:lstStyle/>
+                    <a:p>
+                      <a:r>
+                        <a:rPr lang="de-DE" sz="700" b="1" dirty="0" err="1"/>
+                        <a:t>variant_type</a:t>
+                      </a:r>
+                      <a:endParaRPr lang="de-DE" sz="500" b="1" dirty="0"/>
+                    </a:p>
+                  </a:txBody>
+                  <a:tcPr>
+                    <a:lnL w="12700" cap="flat" cmpd="sng" algn="ctr">
+                      <a:solidFill>
+                        <a:schemeClr val="tx1"/>
+                      </a:solidFill>
+                      <a:prstDash val="solid"/>
+                      <a:round/>
+                      <a:headEnd type="none" w="med" len="med"/>
+                      <a:tailEnd type="none" w="med" len="med"/>
+                    </a:lnL>
+                    <a:lnR w="12700" cap="flat" cmpd="sng" algn="ctr">
+                      <a:noFill/>
+                      <a:prstDash val="solid"/>
+                      <a:round/>
+                      <a:headEnd type="none" w="med" len="med"/>
+                      <a:tailEnd type="none" w="med" len="med"/>
+                    </a:lnR>
+                    <a:lnT w="12700" cap="flat" cmpd="sng" algn="ctr">
+                      <a:solidFill>
+                        <a:schemeClr val="tx1"/>
+                      </a:solidFill>
+                      <a:prstDash val="solid"/>
+                      <a:round/>
+                      <a:headEnd type="none" w="med" len="med"/>
+                      <a:tailEnd type="none" w="med" len="med"/>
+                    </a:lnT>
+                    <a:lnB w="12700" cap="flat" cmpd="sng" algn="ctr">
+                      <a:solidFill>
+                        <a:schemeClr val="tx1"/>
+                      </a:solidFill>
+                      <a:prstDash val="solid"/>
+                      <a:round/>
+                      <a:headEnd type="none" w="med" len="med"/>
+                      <a:tailEnd type="none" w="med" len="med"/>
+                    </a:lnB>
+                  </a:tcPr>
+                </a:tc>
+                <a:tc>
+                  <a:txBody>
+                    <a:bodyPr/>
+                    <a:lstStyle/>
+                    <a:p>
+                      <a:endParaRPr lang="de-DE" sz="500" dirty="0"/>
+                    </a:p>
+                  </a:txBody>
+                  <a:tcPr>
+                    <a:lnL w="12700" cap="flat" cmpd="sng" algn="ctr">
+                      <a:noFill/>
+                      <a:prstDash val="solid"/>
+                      <a:round/>
+                      <a:headEnd type="none" w="med" len="med"/>
+                      <a:tailEnd type="none" w="med" len="med"/>
+                    </a:lnL>
+                    <a:lnR w="12700" cap="flat" cmpd="sng" algn="ctr">
+                      <a:solidFill>
+                        <a:schemeClr val="tx1"/>
+                      </a:solidFill>
+                      <a:prstDash val="solid"/>
+                      <a:round/>
+                      <a:headEnd type="none" w="med" len="med"/>
+                      <a:tailEnd type="none" w="med" len="med"/>
+                    </a:lnR>
+                    <a:lnT w="12700" cap="flat" cmpd="sng" algn="ctr">
+                      <a:solidFill>
+                        <a:schemeClr val="tx1"/>
+                      </a:solidFill>
+                      <a:prstDash val="solid"/>
+                      <a:round/>
+                      <a:headEnd type="none" w="med" len="med"/>
+                      <a:tailEnd type="none" w="med" len="med"/>
+                    </a:lnT>
+                    <a:lnB w="12700" cap="flat" cmpd="sng" algn="ctr">
+                      <a:solidFill>
+                        <a:schemeClr val="tx1"/>
+                      </a:solidFill>
+                      <a:prstDash val="solid"/>
+                      <a:round/>
+                      <a:headEnd type="none" w="med" len="med"/>
+                      <a:tailEnd type="none" w="med" len="med"/>
+                    </a:lnB>
+                  </a:tcPr>
+                </a:tc>
+                <a:extLst>
+                  <a:ext uri="{0D108BD9-81ED-4DB2-BD59-A6C34878D82A}">
+                    <a16:rowId xmlns:a16="http://schemas.microsoft.com/office/drawing/2014/main" val="109647893"/>
+                  </a:ext>
+                </a:extLst>
+              </a:tr>
+              <a:tr h="178635">
+                <a:tc>
+                  <a:txBody>
+                    <a:bodyPr/>
+                    <a:lstStyle/>
+                    <a:p>
+                      <a:r>
+                        <a:rPr lang="de-DE" sz="700" dirty="0" err="1"/>
+                        <a:t>id</a:t>
+                      </a:r>
+                      <a:endParaRPr lang="de-DE" sz="700" dirty="0"/>
+                    </a:p>
+                  </a:txBody>
+                  <a:tcPr>
+                    <a:lnL w="12700" cap="flat" cmpd="sng" algn="ctr">
+                      <a:solidFill>
+                        <a:schemeClr val="tx1"/>
+                      </a:solidFill>
+                      <a:prstDash val="solid"/>
+                      <a:round/>
+                      <a:headEnd type="none" w="med" len="med"/>
+                      <a:tailEnd type="none" w="med" len="med"/>
+                    </a:lnL>
+                    <a:lnR w="12700" cap="flat" cmpd="sng" algn="ctr">
+                      <a:solidFill>
+                        <a:schemeClr val="tx1"/>
+                      </a:solidFill>
+                      <a:prstDash val="solid"/>
+                      <a:round/>
+                      <a:headEnd type="none" w="med" len="med"/>
+                      <a:tailEnd type="none" w="med" len="med"/>
+                    </a:lnR>
+                    <a:lnT w="12700" cap="flat" cmpd="sng" algn="ctr">
+                      <a:solidFill>
+                        <a:schemeClr val="tx1"/>
+                      </a:solidFill>
+                      <a:prstDash val="solid"/>
+                      <a:round/>
+                      <a:headEnd type="none" w="med" len="med"/>
+                      <a:tailEnd type="none" w="med" len="med"/>
+                    </a:lnT>
+                    <a:lnB w="12700" cap="flat" cmpd="sng" algn="ctr">
+                      <a:noFill/>
+                      <a:prstDash val="solid"/>
+                      <a:round/>
+                      <a:headEnd type="none" w="med" len="med"/>
+                      <a:tailEnd type="none" w="med" len="med"/>
+                    </a:lnB>
+                  </a:tcPr>
+                </a:tc>
+                <a:tc>
+                  <a:txBody>
+                    <a:bodyPr/>
+                    <a:lstStyle/>
+                    <a:p>
+                      <a:r>
+                        <a:rPr lang="de-DE" sz="700" dirty="0" err="1"/>
+                        <a:t>int</a:t>
+                      </a:r>
+                      <a:endParaRPr lang="de-DE" sz="700" dirty="0"/>
+                    </a:p>
+                  </a:txBody>
+                  <a:tcPr>
+                    <a:lnL w="12700" cap="flat" cmpd="sng" algn="ctr">
+                      <a:solidFill>
+                        <a:schemeClr val="tx1"/>
+                      </a:solidFill>
+                      <a:prstDash val="solid"/>
+                      <a:round/>
+                      <a:headEnd type="none" w="med" len="med"/>
+                      <a:tailEnd type="none" w="med" len="med"/>
+                    </a:lnL>
+                    <a:lnR w="12700" cap="flat" cmpd="sng" algn="ctr">
+                      <a:solidFill>
+                        <a:schemeClr val="tx1"/>
+                      </a:solidFill>
+                      <a:prstDash val="solid"/>
+                      <a:round/>
+                      <a:headEnd type="none" w="med" len="med"/>
+                      <a:tailEnd type="none" w="med" len="med"/>
+                    </a:lnR>
+                    <a:lnT w="12700" cap="flat" cmpd="sng" algn="ctr">
+                      <a:solidFill>
+                        <a:schemeClr val="tx1"/>
+                      </a:solidFill>
+                      <a:prstDash val="solid"/>
+                      <a:round/>
+                      <a:headEnd type="none" w="med" len="med"/>
+                      <a:tailEnd type="none" w="med" len="med"/>
+                    </a:lnT>
+                    <a:lnB w="12700" cap="flat" cmpd="sng" algn="ctr">
+                      <a:noFill/>
+                      <a:prstDash val="solid"/>
+                      <a:round/>
+                      <a:headEnd type="none" w="med" len="med"/>
+                      <a:tailEnd type="none" w="med" len="med"/>
+                    </a:lnB>
+                  </a:tcPr>
+                </a:tc>
+                <a:extLst>
+                  <a:ext uri="{0D108BD9-81ED-4DB2-BD59-A6C34878D82A}">
+                    <a16:rowId xmlns:a16="http://schemas.microsoft.com/office/drawing/2014/main" val="3560326657"/>
+                  </a:ext>
+                </a:extLst>
+              </a:tr>
+              <a:tr h="178635">
+                <a:tc>
+                  <a:txBody>
+                    <a:bodyPr/>
+                    <a:lstStyle/>
+                    <a:p>
+                      <a:r>
+                        <a:rPr lang="de-DE" sz="700" dirty="0" err="1"/>
+                        <a:t>name</a:t>
+                      </a:r>
+                      <a:endParaRPr lang="de-DE" sz="700" dirty="0"/>
+                    </a:p>
+                  </a:txBody>
+                  <a:tcPr>
+                    <a:lnL w="12700" cap="flat" cmpd="sng" algn="ctr">
+                      <a:solidFill>
+                        <a:schemeClr val="tx1"/>
+                      </a:solidFill>
+                      <a:prstDash val="solid"/>
+                      <a:round/>
+                      <a:headEnd type="none" w="med" len="med"/>
+                      <a:tailEnd type="none" w="med" len="med"/>
+                    </a:lnL>
+                    <a:lnR w="12700" cap="flat" cmpd="sng" algn="ctr">
+                      <a:solidFill>
+                        <a:schemeClr val="tx1"/>
+                      </a:solidFill>
+                      <a:prstDash val="solid"/>
+                      <a:round/>
+                      <a:headEnd type="none" w="med" len="med"/>
+                      <a:tailEnd type="none" w="med" len="med"/>
+                    </a:lnR>
+                    <a:lnT w="12700" cap="flat" cmpd="sng" algn="ctr">
+                      <a:noFill/>
+                      <a:prstDash val="solid"/>
+                      <a:round/>
+                      <a:headEnd type="none" w="med" len="med"/>
+                      <a:tailEnd type="none" w="med" len="med"/>
+                    </a:lnT>
+                    <a:lnB w="12700" cap="flat" cmpd="sng" algn="ctr">
+                      <a:noFill/>
+                      <a:prstDash val="solid"/>
+                      <a:round/>
+                      <a:headEnd type="none" w="med" len="med"/>
+                      <a:tailEnd type="none" w="med" len="med"/>
+                    </a:lnB>
+                  </a:tcPr>
+                </a:tc>
+                <a:tc>
+                  <a:txBody>
+                    <a:bodyPr/>
+                    <a:lstStyle/>
+                    <a:p>
+                      <a:r>
+                        <a:rPr lang="de-DE" sz="700" dirty="0" err="1"/>
+                        <a:t>text</a:t>
+                      </a:r>
+                      <a:endParaRPr lang="de-DE" sz="700" dirty="0"/>
+                    </a:p>
+                  </a:txBody>
+                  <a:tcPr>
+                    <a:lnL w="12700" cap="flat" cmpd="sng" algn="ctr">
+                      <a:solidFill>
+                        <a:schemeClr val="tx1"/>
+                      </a:solidFill>
+                      <a:prstDash val="solid"/>
+                      <a:round/>
+                      <a:headEnd type="none" w="med" len="med"/>
+                      <a:tailEnd type="none" w="med" len="med"/>
+                    </a:lnL>
+                    <a:lnR w="12700" cap="flat" cmpd="sng" algn="ctr">
+                      <a:solidFill>
+                        <a:schemeClr val="tx1"/>
+                      </a:solidFill>
+                      <a:prstDash val="solid"/>
+                      <a:round/>
+                      <a:headEnd type="none" w="med" len="med"/>
+                      <a:tailEnd type="none" w="med" len="med"/>
+                    </a:lnR>
+                    <a:lnT w="12700" cap="flat" cmpd="sng" algn="ctr">
+                      <a:noFill/>
+                      <a:prstDash val="solid"/>
+                      <a:round/>
+                      <a:headEnd type="none" w="med" len="med"/>
+                      <a:tailEnd type="none" w="med" len="med"/>
+                    </a:lnT>
+                    <a:lnB w="12700" cap="flat" cmpd="sng" algn="ctr">
+                      <a:noFill/>
+                      <a:prstDash val="solid"/>
+                      <a:round/>
+                      <a:headEnd type="none" w="med" len="med"/>
+                      <a:tailEnd type="none" w="med" len="med"/>
+                    </a:lnB>
+                  </a:tcPr>
+                </a:tc>
+                <a:extLst>
+                  <a:ext uri="{0D108BD9-81ED-4DB2-BD59-A6C34878D82A}">
+                    <a16:rowId xmlns:a16="http://schemas.microsoft.com/office/drawing/2014/main" val="1682664123"/>
+                  </a:ext>
+                </a:extLst>
+              </a:tr>
+              <a:tr h="178635">
+                <a:tc>
+                  <a:txBody>
+                    <a:bodyPr/>
+                    <a:lstStyle/>
+                    <a:p>
+                      <a:r>
+                        <a:rPr lang="de-DE" sz="700" dirty="0" err="1"/>
+                        <a:t>description</a:t>
+                      </a:r>
+                      <a:endParaRPr lang="de-DE" sz="700" dirty="0"/>
+                    </a:p>
+                  </a:txBody>
+                  <a:tcPr>
+                    <a:lnL w="12700" cap="flat" cmpd="sng" algn="ctr">
+                      <a:solidFill>
+                        <a:schemeClr val="tx1"/>
+                      </a:solidFill>
+                      <a:prstDash val="solid"/>
+                      <a:round/>
+                      <a:headEnd type="none" w="med" len="med"/>
+                      <a:tailEnd type="none" w="med" len="med"/>
+                    </a:lnL>
+                    <a:lnR w="12700" cap="flat" cmpd="sng" algn="ctr">
+                      <a:solidFill>
+                        <a:schemeClr val="tx1"/>
+                      </a:solidFill>
+                      <a:prstDash val="solid"/>
+                      <a:round/>
+                      <a:headEnd type="none" w="med" len="med"/>
+                      <a:tailEnd type="none" w="med" len="med"/>
+                    </a:lnR>
+                    <a:lnT w="12700" cap="flat" cmpd="sng" algn="ctr">
+                      <a:noFill/>
+                      <a:prstDash val="solid"/>
+                      <a:round/>
+                      <a:headEnd type="none" w="med" len="med"/>
+                      <a:tailEnd type="none" w="med" len="med"/>
+                    </a:lnT>
+                    <a:lnB w="12700" cap="flat" cmpd="sng" algn="ctr">
+                      <a:noFill/>
+                      <a:prstDash val="solid"/>
+                      <a:round/>
+                      <a:headEnd type="none" w="med" len="med"/>
+                      <a:tailEnd type="none" w="med" len="med"/>
+                    </a:lnB>
+                  </a:tcPr>
+                </a:tc>
+                <a:tc>
+                  <a:txBody>
+                    <a:bodyPr/>
+                    <a:lstStyle/>
+                    <a:p>
+                      <a:r>
+                        <a:rPr lang="de-DE" sz="700" dirty="0" err="1"/>
+                        <a:t>text</a:t>
+                      </a:r>
+                      <a:r>
+                        <a:rPr lang="de-DE" sz="700" b="1" i="1" dirty="0"/>
+                        <a:t> (n)</a:t>
+                      </a:r>
+                      <a:endParaRPr lang="de-DE" sz="700" dirty="0"/>
+                    </a:p>
+                  </a:txBody>
+                  <a:tcPr>
+                    <a:lnL w="12700" cap="flat" cmpd="sng" algn="ctr">
+                      <a:solidFill>
+                        <a:schemeClr val="tx1"/>
+                      </a:solidFill>
+                      <a:prstDash val="solid"/>
+                      <a:round/>
+                      <a:headEnd type="none" w="med" len="med"/>
+                      <a:tailEnd type="none" w="med" len="med"/>
+                    </a:lnL>
+                    <a:lnR w="12700" cap="flat" cmpd="sng" algn="ctr">
+                      <a:solidFill>
+                        <a:schemeClr val="tx1"/>
+                      </a:solidFill>
+                      <a:prstDash val="solid"/>
+                      <a:round/>
+                      <a:headEnd type="none" w="med" len="med"/>
+                      <a:tailEnd type="none" w="med" len="med"/>
+                    </a:lnR>
+                    <a:lnT w="12700" cap="flat" cmpd="sng" algn="ctr">
+                      <a:noFill/>
+                      <a:prstDash val="solid"/>
+                      <a:round/>
+                      <a:headEnd type="none" w="med" len="med"/>
+                      <a:tailEnd type="none" w="med" len="med"/>
+                    </a:lnT>
+                    <a:lnB w="12700" cap="flat" cmpd="sng" algn="ctr">
+                      <a:noFill/>
+                      <a:prstDash val="solid"/>
+                      <a:round/>
+                      <a:headEnd type="none" w="med" len="med"/>
+                      <a:tailEnd type="none" w="med" len="med"/>
+                    </a:lnB>
+                  </a:tcPr>
+                </a:tc>
+                <a:extLst>
+                  <a:ext uri="{0D108BD9-81ED-4DB2-BD59-A6C34878D82A}">
+                    <a16:rowId xmlns:a16="http://schemas.microsoft.com/office/drawing/2014/main" val="3959817049"/>
+                  </a:ext>
+                </a:extLst>
+              </a:tr>
+              <a:tr h="178635">
+                <a:tc>
+                  <a:txBody>
+                    <a:bodyPr/>
+                    <a:lstStyle/>
+                    <a:p>
+                      <a:r>
+                        <a:rPr lang="de-DE" sz="700" dirty="0"/>
+                        <a:t>type</a:t>
+                      </a:r>
+                    </a:p>
+                  </a:txBody>
+                  <a:tcPr>
+                    <a:lnL w="12700" cap="flat" cmpd="sng" algn="ctr">
+                      <a:solidFill>
+                        <a:schemeClr val="tx1"/>
+                      </a:solidFill>
+                      <a:prstDash val="solid"/>
+                      <a:round/>
+                      <a:headEnd type="none" w="med" len="med"/>
+                      <a:tailEnd type="none" w="med" len="med"/>
+                    </a:lnL>
+                    <a:lnR w="12700" cap="flat" cmpd="sng" algn="ctr">
+                      <a:solidFill>
+                        <a:schemeClr val="tx1"/>
+                      </a:solidFill>
+                      <a:prstDash val="solid"/>
+                      <a:round/>
+                      <a:headEnd type="none" w="med" len="med"/>
+                      <a:tailEnd type="none" w="med" len="med"/>
+                    </a:lnR>
+                    <a:lnT w="12700" cap="flat" cmpd="sng" algn="ctr">
+                      <a:noFill/>
+                      <a:prstDash val="solid"/>
+                      <a:round/>
+                      <a:headEnd type="none" w="med" len="med"/>
+                      <a:tailEnd type="none" w="med" len="med"/>
+                    </a:lnT>
+                    <a:lnB w="12700" cap="flat" cmpd="sng" algn="ctr">
+                      <a:noFill/>
+                      <a:prstDash val="solid"/>
+                      <a:round/>
+                      <a:headEnd type="none" w="med" len="med"/>
+                      <a:tailEnd type="none" w="med" len="med"/>
+                    </a:lnB>
+                  </a:tcPr>
+                </a:tc>
+                <a:tc>
+                  <a:txBody>
+                    <a:bodyPr/>
+                    <a:lstStyle/>
+                    <a:p>
+                      <a:r>
+                        <a:rPr lang="de-DE" sz="700" dirty="0" err="1"/>
+                        <a:t>enum</a:t>
+                      </a:r>
+                      <a:endParaRPr lang="de-DE" sz="700" dirty="0"/>
+                    </a:p>
+                    <a:p>
+                      <a:r>
+                        <a:rPr lang="de-DE" sz="700" dirty="0"/>
+                        <a:t>{</a:t>
+                      </a:r>
+                      <a:r>
+                        <a:rPr lang="de-DE" sz="700" dirty="0" err="1"/>
+                        <a:t>int,float</a:t>
+                      </a:r>
+                      <a:r>
+                        <a:rPr lang="de-DE" sz="700" dirty="0"/>
+                        <a:t>, </a:t>
+                      </a:r>
+                      <a:r>
+                        <a:rPr lang="de-DE" sz="700" dirty="0" err="1"/>
+                        <a:t>text</a:t>
+                      </a:r>
+                      <a:r>
+                        <a:rPr lang="de-DE" sz="700" dirty="0"/>
+                        <a:t>,…?}</a:t>
+                      </a:r>
+                    </a:p>
+                  </a:txBody>
+                  <a:tcPr>
+                    <a:lnL w="12700" cap="flat" cmpd="sng" algn="ctr">
+                      <a:solidFill>
+                        <a:schemeClr val="tx1"/>
+                      </a:solidFill>
+                      <a:prstDash val="solid"/>
+                      <a:round/>
+                      <a:headEnd type="none" w="med" len="med"/>
+                      <a:tailEnd type="none" w="med" len="med"/>
+                    </a:lnL>
+                    <a:lnR w="12700" cap="flat" cmpd="sng" algn="ctr">
+                      <a:solidFill>
+                        <a:schemeClr val="tx1"/>
+                      </a:solidFill>
+                      <a:prstDash val="solid"/>
+                      <a:round/>
+                      <a:headEnd type="none" w="med" len="med"/>
+                      <a:tailEnd type="none" w="med" len="med"/>
+                    </a:lnR>
+                    <a:lnT w="12700" cap="flat" cmpd="sng" algn="ctr">
+                      <a:noFill/>
+                      <a:prstDash val="solid"/>
+                      <a:round/>
+                      <a:headEnd type="none" w="med" len="med"/>
+                      <a:tailEnd type="none" w="med" len="med"/>
+                    </a:lnT>
+                    <a:lnB w="12700" cap="flat" cmpd="sng" algn="ctr">
+                      <a:noFill/>
+                      <a:prstDash val="solid"/>
+                      <a:round/>
+                      <a:headEnd type="none" w="med" len="med"/>
+                      <a:tailEnd type="none" w="med" len="med"/>
+                    </a:lnB>
+                  </a:tcPr>
+                </a:tc>
+                <a:extLst>
+                  <a:ext uri="{0D108BD9-81ED-4DB2-BD59-A6C34878D82A}">
+                    <a16:rowId xmlns:a16="http://schemas.microsoft.com/office/drawing/2014/main" val="4115687846"/>
+                  </a:ext>
+                </a:extLst>
+              </a:tr>
+              <a:tr h="178635">
+                <a:tc>
+                  <a:txBody>
+                    <a:bodyPr/>
+                    <a:lstStyle/>
+                    <a:p>
+                      <a:r>
+                        <a:rPr lang="de-DE" sz="700" dirty="0">
+                          <a:solidFill>
+                            <a:srgbClr val="FF0000"/>
+                          </a:solidFill>
+                        </a:rPr>
+                        <a:t>Source</a:t>
+                      </a:r>
+                    </a:p>
+                  </a:txBody>
+                  <a:tcPr>
+                    <a:lnL w="12700" cap="flat" cmpd="sng" algn="ctr">
+                      <a:solidFill>
+                        <a:schemeClr val="tx1"/>
+                      </a:solidFill>
+                      <a:prstDash val="solid"/>
+                      <a:round/>
+                      <a:headEnd type="none" w="med" len="med"/>
+                      <a:tailEnd type="none" w="med" len="med"/>
+                    </a:lnL>
+                    <a:lnR w="12700" cap="flat" cmpd="sng" algn="ctr">
+                      <a:solidFill>
+                        <a:schemeClr val="tx1"/>
+                      </a:solidFill>
+                      <a:prstDash val="solid"/>
+                      <a:round/>
+                      <a:headEnd type="none" w="med" len="med"/>
+                      <a:tailEnd type="none" w="med" len="med"/>
+                    </a:lnR>
+                    <a:lnT w="12700" cap="flat" cmpd="sng" algn="ctr">
+                      <a:noFill/>
+                      <a:prstDash val="solid"/>
+                      <a:round/>
+                      <a:headEnd type="none" w="med" len="med"/>
+                      <a:tailEnd type="none" w="med" len="med"/>
+                    </a:lnT>
+                    <a:lnB w="12700" cap="flat" cmpd="sng" algn="ctr">
+                      <a:solidFill>
+                        <a:schemeClr val="tx1"/>
+                      </a:solidFill>
+                      <a:prstDash val="solid"/>
+                      <a:round/>
+                      <a:headEnd type="none" w="med" len="med"/>
+                      <a:tailEnd type="none" w="med" len="med"/>
+                    </a:lnB>
+                  </a:tcPr>
+                </a:tc>
+                <a:tc>
+                  <a:txBody>
+                    <a:bodyPr/>
+                    <a:lstStyle/>
+                    <a:p>
+                      <a:r>
+                        <a:rPr lang="de-DE" sz="700" dirty="0">
+                          <a:solidFill>
+                            <a:srgbClr val="FF0000"/>
+                          </a:solidFill>
+                        </a:rPr>
+                        <a:t>Text</a:t>
+                      </a:r>
+                    </a:p>
+                  </a:txBody>
+                  <a:tcPr>
+                    <a:lnL w="12700" cap="flat" cmpd="sng" algn="ctr">
+                      <a:solidFill>
+                        <a:schemeClr val="tx1"/>
+                      </a:solidFill>
+                      <a:prstDash val="solid"/>
+                      <a:round/>
+                      <a:headEnd type="none" w="med" len="med"/>
+                      <a:tailEnd type="none" w="med" len="med"/>
+                    </a:lnL>
+                    <a:lnR w="12700" cap="flat" cmpd="sng" algn="ctr">
+                      <a:solidFill>
+                        <a:schemeClr val="tx1"/>
+                      </a:solidFill>
+                      <a:prstDash val="solid"/>
+                      <a:round/>
+                      <a:headEnd type="none" w="med" len="med"/>
+                      <a:tailEnd type="none" w="med" len="med"/>
+                    </a:lnR>
+                    <a:lnT w="12700" cap="flat" cmpd="sng" algn="ctr">
+                      <a:noFill/>
+                      <a:prstDash val="solid"/>
+                      <a:round/>
+                      <a:headEnd type="none" w="med" len="med"/>
+                      <a:tailEnd type="none" w="med" len="med"/>
+                    </a:lnT>
+                    <a:lnB w="12700" cap="flat" cmpd="sng" algn="ctr">
+                      <a:solidFill>
+                        <a:schemeClr val="tx1"/>
+                      </a:solidFill>
+                      <a:prstDash val="solid"/>
+                      <a:round/>
+                      <a:headEnd type="none" w="med" len="med"/>
+                      <a:tailEnd type="none" w="med" len="med"/>
+                    </a:lnB>
+                  </a:tcPr>
+                </a:tc>
+                <a:extLst>
+                  <a:ext uri="{0D108BD9-81ED-4DB2-BD59-A6C34878D82A}">
+                    <a16:rowId xmlns:a16="http://schemas.microsoft.com/office/drawing/2014/main" val="2245360409"/>
+                  </a:ext>
+                </a:extLst>
+              </a:tr>
+            </a:tbl>
+          </a:graphicData>
+        </a:graphic>
+      </p:graphicFrame>
+      <p:graphicFrame>
+        <p:nvGraphicFramePr>
+          <p:cNvPr id="8" name="Tabelle 7">
+            <a:extLst>
+              <a:ext uri="{FF2B5EF4-FFF2-40B4-BE49-F238E27FC236}">
+                <a16:creationId xmlns:a16="http://schemas.microsoft.com/office/drawing/2014/main" id="{E3810D2E-9041-4535-9AD7-AFCBC3E2124D}"/>
+              </a:ext>
+            </a:extLst>
+          </p:cNvPr>
+          <p:cNvGraphicFramePr>
+            <a:graphicFrameLocks noGrp="1"/>
+          </p:cNvGraphicFramePr>
+          <p:nvPr>
+            <p:extLst>
+              <p:ext uri="{D42A27DB-BD31-4B8C-83A1-F6EECF244321}">
+                <p14:modId xmlns:p14="http://schemas.microsoft.com/office/powerpoint/2010/main" val="2889954673"/>
+              </p:ext>
+            </p:extLst>
+          </p:nvPr>
+        </p:nvGraphicFramePr>
+        <p:xfrm>
+          <a:off x="772719" y="4026607"/>
+          <a:ext cx="1407888" cy="990600"/>
+        </p:xfrm>
+        <a:graphic>
+          <a:graphicData uri="http://schemas.openxmlformats.org/drawingml/2006/table">
+            <a:tbl>
+              <a:tblPr firstRow="1" bandRow="1">
+                <a:tableStyleId>{2D5ABB26-0587-4C30-8999-92F81FD0307C}</a:tableStyleId>
+              </a:tblPr>
+              <a:tblGrid>
+                <a:gridCol w="922696">
+                  <a:extLst>
+                    <a:ext uri="{9D8B030D-6E8A-4147-A177-3AD203B41FA5}">
+                      <a16:colId xmlns:a16="http://schemas.microsoft.com/office/drawing/2014/main" val="650321458"/>
+                    </a:ext>
+                  </a:extLst>
+                </a:gridCol>
+                <a:gridCol w="485192">
+                  <a:extLst>
+                    <a:ext uri="{9D8B030D-6E8A-4147-A177-3AD203B41FA5}">
+                      <a16:colId xmlns:a16="http://schemas.microsoft.com/office/drawing/2014/main" val="4065165498"/>
+                    </a:ext>
+                  </a:extLst>
+                </a:gridCol>
+              </a:tblGrid>
+              <a:tr h="178635">
+                <a:tc>
+                  <a:txBody>
+                    <a:bodyPr/>
+                    <a:lstStyle/>
+                    <a:p>
+                      <a:r>
+                        <a:rPr lang="de-DE" sz="700" b="1" dirty="0" err="1"/>
+                        <a:t>gene</a:t>
+                      </a:r>
+                      <a:endParaRPr lang="de-DE" sz="500" b="1" dirty="0"/>
+                    </a:p>
+                  </a:txBody>
+                  <a:tcPr>
+                    <a:lnL w="12700" cap="flat" cmpd="sng" algn="ctr">
+                      <a:solidFill>
+                        <a:schemeClr val="tx1"/>
+                      </a:solidFill>
+                      <a:prstDash val="solid"/>
+                      <a:round/>
+                      <a:headEnd type="none" w="med" len="med"/>
+                      <a:tailEnd type="none" w="med" len="med"/>
+                    </a:lnL>
+                    <a:lnR w="12700" cap="flat" cmpd="sng" algn="ctr">
+                      <a:noFill/>
+                      <a:prstDash val="solid"/>
+                      <a:round/>
+                      <a:headEnd type="none" w="med" len="med"/>
+                      <a:tailEnd type="none" w="med" len="med"/>
+                    </a:lnR>
+                    <a:lnT w="12700" cap="flat" cmpd="sng" algn="ctr">
+                      <a:solidFill>
+                        <a:schemeClr val="tx1"/>
+                      </a:solidFill>
+                      <a:prstDash val="solid"/>
+                      <a:round/>
+                      <a:headEnd type="none" w="med" len="med"/>
+                      <a:tailEnd type="none" w="med" len="med"/>
+                    </a:lnT>
+                    <a:lnB w="12700" cap="flat" cmpd="sng" algn="ctr">
+                      <a:solidFill>
+                        <a:schemeClr val="tx1"/>
+                      </a:solidFill>
+                      <a:prstDash val="solid"/>
+                      <a:round/>
+                      <a:headEnd type="none" w="med" len="med"/>
+                      <a:tailEnd type="none" w="med" len="med"/>
+                    </a:lnB>
+                  </a:tcPr>
+                </a:tc>
+                <a:tc>
+                  <a:txBody>
+                    <a:bodyPr/>
+                    <a:lstStyle/>
+                    <a:p>
+                      <a:endParaRPr lang="de-DE" sz="500" dirty="0"/>
+                    </a:p>
+                  </a:txBody>
+                  <a:tcPr>
+                    <a:lnL w="12700" cap="flat" cmpd="sng" algn="ctr">
+                      <a:noFill/>
+                      <a:prstDash val="solid"/>
+                      <a:round/>
+                      <a:headEnd type="none" w="med" len="med"/>
+                      <a:tailEnd type="none" w="med" len="med"/>
+                    </a:lnL>
+                    <a:lnR w="12700" cap="flat" cmpd="sng" algn="ctr">
+                      <a:solidFill>
+                        <a:schemeClr val="tx1"/>
+                      </a:solidFill>
+                      <a:prstDash val="solid"/>
+                      <a:round/>
+                      <a:headEnd type="none" w="med" len="med"/>
+                      <a:tailEnd type="none" w="med" len="med"/>
+                    </a:lnR>
+                    <a:lnT w="12700" cap="flat" cmpd="sng" algn="ctr">
+                      <a:solidFill>
+                        <a:schemeClr val="tx1"/>
+                      </a:solidFill>
+                      <a:prstDash val="solid"/>
+                      <a:round/>
+                      <a:headEnd type="none" w="med" len="med"/>
+                      <a:tailEnd type="none" w="med" len="med"/>
+                    </a:lnT>
+                    <a:lnB w="12700" cap="flat" cmpd="sng" algn="ctr">
+                      <a:solidFill>
+                        <a:schemeClr val="tx1"/>
+                      </a:solidFill>
+                      <a:prstDash val="solid"/>
+                      <a:round/>
+                      <a:headEnd type="none" w="med" len="med"/>
+                      <a:tailEnd type="none" w="med" len="med"/>
+                    </a:lnB>
+                  </a:tcPr>
+                </a:tc>
+                <a:extLst>
+                  <a:ext uri="{0D108BD9-81ED-4DB2-BD59-A6C34878D82A}">
+                    <a16:rowId xmlns:a16="http://schemas.microsoft.com/office/drawing/2014/main" val="109647893"/>
+                  </a:ext>
+                </a:extLst>
+              </a:tr>
+              <a:tr h="178635">
+                <a:tc>
+                  <a:txBody>
+                    <a:bodyPr/>
+                    <a:lstStyle/>
+                    <a:p>
+                      <a:r>
+                        <a:rPr lang="de-DE" sz="700" dirty="0" err="1"/>
+                        <a:t>id</a:t>
+                      </a:r>
+                      <a:endParaRPr lang="de-DE" sz="700" dirty="0"/>
+                    </a:p>
+                  </a:txBody>
+                  <a:tcPr>
+                    <a:lnL w="12700" cap="flat" cmpd="sng" algn="ctr">
+                      <a:solidFill>
+                        <a:schemeClr val="tx1"/>
+                      </a:solidFill>
+                      <a:prstDash val="solid"/>
+                      <a:round/>
+                      <a:headEnd type="none" w="med" len="med"/>
+                      <a:tailEnd type="none" w="med" len="med"/>
+                    </a:lnL>
+                    <a:lnR w="12700" cap="flat" cmpd="sng" algn="ctr">
+                      <a:solidFill>
+                        <a:schemeClr val="tx1"/>
+                      </a:solidFill>
+                      <a:prstDash val="solid"/>
+                      <a:round/>
+                      <a:headEnd type="none" w="med" len="med"/>
+                      <a:tailEnd type="none" w="med" len="med"/>
+                    </a:lnR>
+                    <a:lnT w="12700" cap="flat" cmpd="sng" algn="ctr">
+                      <a:solidFill>
+                        <a:schemeClr val="tx1"/>
+                      </a:solidFill>
+                      <a:prstDash val="solid"/>
+                      <a:round/>
+                      <a:headEnd type="none" w="med" len="med"/>
+                      <a:tailEnd type="none" w="med" len="med"/>
+                    </a:lnT>
+                    <a:lnB w="12700" cap="flat" cmpd="sng" algn="ctr">
+                      <a:noFill/>
+                      <a:prstDash val="solid"/>
+                      <a:round/>
+                      <a:headEnd type="none" w="med" len="med"/>
+                      <a:tailEnd type="none" w="med" len="med"/>
+                    </a:lnB>
+                  </a:tcPr>
+                </a:tc>
+                <a:tc>
+                  <a:txBody>
+                    <a:bodyPr/>
+                    <a:lstStyle/>
+                    <a:p>
+                      <a:r>
+                        <a:rPr lang="de-DE" sz="700" dirty="0" err="1"/>
+                        <a:t>int</a:t>
+                      </a:r>
+                      <a:endParaRPr lang="de-DE" sz="700" dirty="0"/>
+                    </a:p>
+                  </a:txBody>
+                  <a:tcPr>
+                    <a:lnL w="12700" cap="flat" cmpd="sng" algn="ctr">
+                      <a:solidFill>
+                        <a:schemeClr val="tx1"/>
+                      </a:solidFill>
+                      <a:prstDash val="solid"/>
+                      <a:round/>
+                      <a:headEnd type="none" w="med" len="med"/>
+                      <a:tailEnd type="none" w="med" len="med"/>
+                    </a:lnL>
+                    <a:lnR w="12700" cap="flat" cmpd="sng" algn="ctr">
+                      <a:solidFill>
+                        <a:schemeClr val="tx1"/>
+                      </a:solidFill>
+                      <a:prstDash val="solid"/>
+                      <a:round/>
+                      <a:headEnd type="none" w="med" len="med"/>
+                      <a:tailEnd type="none" w="med" len="med"/>
+                    </a:lnR>
+                    <a:lnT w="12700" cap="flat" cmpd="sng" algn="ctr">
+                      <a:solidFill>
+                        <a:schemeClr val="tx1"/>
+                      </a:solidFill>
+                      <a:prstDash val="solid"/>
+                      <a:round/>
+                      <a:headEnd type="none" w="med" len="med"/>
+                      <a:tailEnd type="none" w="med" len="med"/>
+                    </a:lnT>
+                    <a:lnB w="12700" cap="flat" cmpd="sng" algn="ctr">
+                      <a:noFill/>
+                      <a:prstDash val="solid"/>
+                      <a:round/>
+                      <a:headEnd type="none" w="med" len="med"/>
+                      <a:tailEnd type="none" w="med" len="med"/>
+                    </a:lnB>
+                  </a:tcPr>
+                </a:tc>
+                <a:extLst>
+                  <a:ext uri="{0D108BD9-81ED-4DB2-BD59-A6C34878D82A}">
+                    <a16:rowId xmlns:a16="http://schemas.microsoft.com/office/drawing/2014/main" val="3560326657"/>
+                  </a:ext>
+                </a:extLst>
+              </a:tr>
+              <a:tr h="178635">
+                <a:tc>
+                  <a:txBody>
+                    <a:bodyPr/>
+                    <a:lstStyle/>
+                    <a:p>
+                      <a:r>
+                        <a:rPr lang="de-DE" sz="700" dirty="0" err="1"/>
+                        <a:t>hgnc</a:t>
+                      </a:r>
+                      <a:endParaRPr lang="de-DE" sz="700" dirty="0"/>
+                    </a:p>
+                  </a:txBody>
+                  <a:tcPr>
+                    <a:lnL w="12700" cap="flat" cmpd="sng" algn="ctr">
+                      <a:solidFill>
+                        <a:schemeClr val="tx1"/>
+                      </a:solidFill>
+                      <a:prstDash val="solid"/>
+                      <a:round/>
+                      <a:headEnd type="none" w="med" len="med"/>
+                      <a:tailEnd type="none" w="med" len="med"/>
+                    </a:lnL>
+                    <a:lnR w="12700" cap="flat" cmpd="sng" algn="ctr">
+                      <a:solidFill>
+                        <a:schemeClr val="tx1"/>
+                      </a:solidFill>
+                      <a:prstDash val="solid"/>
+                      <a:round/>
+                      <a:headEnd type="none" w="med" len="med"/>
+                      <a:tailEnd type="none" w="med" len="med"/>
+                    </a:lnR>
+                    <a:lnT w="12700" cap="flat" cmpd="sng" algn="ctr">
+                      <a:noFill/>
+                      <a:prstDash val="solid"/>
+                      <a:round/>
+                      <a:headEnd type="none" w="med" len="med"/>
+                      <a:tailEnd type="none" w="med" len="med"/>
+                    </a:lnT>
+                    <a:lnB w="12700" cap="flat" cmpd="sng" algn="ctr">
+                      <a:noFill/>
+                      <a:prstDash val="solid"/>
+                      <a:round/>
+                      <a:headEnd type="none" w="med" len="med"/>
+                      <a:tailEnd type="none" w="med" len="med"/>
+                    </a:lnB>
+                  </a:tcPr>
+                </a:tc>
+                <a:tc>
+                  <a:txBody>
+                    <a:bodyPr/>
+                    <a:lstStyle/>
+                    <a:p>
+                      <a:r>
+                        <a:rPr lang="de-DE" sz="700" dirty="0" err="1"/>
+                        <a:t>text</a:t>
+                      </a:r>
+                      <a:r>
+                        <a:rPr lang="de-DE" sz="700" b="1" i="1" dirty="0"/>
+                        <a:t> (n)</a:t>
+                      </a:r>
+                      <a:endParaRPr lang="de-DE" sz="700" dirty="0"/>
+                    </a:p>
+                  </a:txBody>
+                  <a:tcPr>
+                    <a:lnL w="12700" cap="flat" cmpd="sng" algn="ctr">
+                      <a:solidFill>
+                        <a:schemeClr val="tx1"/>
+                      </a:solidFill>
+                      <a:prstDash val="solid"/>
+                      <a:round/>
+                      <a:headEnd type="none" w="med" len="med"/>
+                      <a:tailEnd type="none" w="med" len="med"/>
+                    </a:lnL>
+                    <a:lnR w="12700" cap="flat" cmpd="sng" algn="ctr">
+                      <a:solidFill>
+                        <a:schemeClr val="tx1"/>
+                      </a:solidFill>
+                      <a:prstDash val="solid"/>
+                      <a:round/>
+                      <a:headEnd type="none" w="med" len="med"/>
+                      <a:tailEnd type="none" w="med" len="med"/>
+                    </a:lnR>
+                    <a:lnT w="12700" cap="flat" cmpd="sng" algn="ctr">
+                      <a:noFill/>
+                      <a:prstDash val="solid"/>
+                      <a:round/>
+                      <a:headEnd type="none" w="med" len="med"/>
+                      <a:tailEnd type="none" w="med" len="med"/>
+                    </a:lnT>
+                    <a:lnB w="12700" cap="flat" cmpd="sng" algn="ctr">
+                      <a:noFill/>
+                      <a:prstDash val="solid"/>
+                      <a:round/>
+                      <a:headEnd type="none" w="med" len="med"/>
+                      <a:tailEnd type="none" w="med" len="med"/>
+                    </a:lnB>
+                  </a:tcPr>
+                </a:tc>
+                <a:extLst>
+                  <a:ext uri="{0D108BD9-81ED-4DB2-BD59-A6C34878D82A}">
+                    <a16:rowId xmlns:a16="http://schemas.microsoft.com/office/drawing/2014/main" val="1682664123"/>
+                  </a:ext>
+                </a:extLst>
+              </a:tr>
+              <a:tr h="178635">
+                <a:tc>
+                  <a:txBody>
+                    <a:bodyPr/>
+                    <a:lstStyle/>
+                    <a:p>
+                      <a:r>
+                        <a:rPr lang="de-DE" sz="700" dirty="0" err="1"/>
+                        <a:t>gene_symbol</a:t>
+                      </a:r>
+                      <a:endParaRPr lang="de-DE" sz="700" dirty="0"/>
+                    </a:p>
+                  </a:txBody>
+                  <a:tcPr>
+                    <a:lnL w="12700" cap="flat" cmpd="sng" algn="ctr">
+                      <a:solidFill>
+                        <a:schemeClr val="tx1"/>
+                      </a:solidFill>
+                      <a:prstDash val="solid"/>
+                      <a:round/>
+                      <a:headEnd type="none" w="med" len="med"/>
+                      <a:tailEnd type="none" w="med" len="med"/>
+                    </a:lnL>
+                    <a:lnR w="12700" cap="flat" cmpd="sng" algn="ctr">
+                      <a:solidFill>
+                        <a:schemeClr val="tx1"/>
+                      </a:solidFill>
+                      <a:prstDash val="solid"/>
+                      <a:round/>
+                      <a:headEnd type="none" w="med" len="med"/>
+                      <a:tailEnd type="none" w="med" len="med"/>
+                    </a:lnR>
+                    <a:lnT w="12700" cap="flat" cmpd="sng" algn="ctr">
+                      <a:noFill/>
+                      <a:prstDash val="solid"/>
+                      <a:round/>
+                      <a:headEnd type="none" w="med" len="med"/>
+                      <a:tailEnd type="none" w="med" len="med"/>
+                    </a:lnT>
+                    <a:lnB w="12700" cap="flat" cmpd="sng" algn="ctr">
+                      <a:noFill/>
+                      <a:prstDash val="solid"/>
+                      <a:round/>
+                      <a:headEnd type="none" w="med" len="med"/>
+                      <a:tailEnd type="none" w="med" len="med"/>
+                    </a:lnB>
+                  </a:tcPr>
+                </a:tc>
+                <a:tc>
+                  <a:txBody>
+                    <a:bodyPr/>
+                    <a:lstStyle/>
+                    <a:p>
+                      <a:r>
+                        <a:rPr lang="de-DE" sz="700" dirty="0" err="1"/>
+                        <a:t>text</a:t>
+                      </a:r>
+                      <a:r>
+                        <a:rPr lang="de-DE" sz="700" b="1" i="1" dirty="0"/>
+                        <a:t> (n)</a:t>
+                      </a:r>
+                      <a:endParaRPr lang="de-DE" sz="700" dirty="0"/>
+                    </a:p>
+                  </a:txBody>
+                  <a:tcPr>
+                    <a:lnL w="12700" cap="flat" cmpd="sng" algn="ctr">
+                      <a:solidFill>
+                        <a:schemeClr val="tx1"/>
+                      </a:solidFill>
+                      <a:prstDash val="solid"/>
+                      <a:round/>
+                      <a:headEnd type="none" w="med" len="med"/>
+                      <a:tailEnd type="none" w="med" len="med"/>
+                    </a:lnL>
+                    <a:lnR w="12700" cap="flat" cmpd="sng" algn="ctr">
+                      <a:solidFill>
+                        <a:schemeClr val="tx1"/>
+                      </a:solidFill>
+                      <a:prstDash val="solid"/>
+                      <a:round/>
+                      <a:headEnd type="none" w="med" len="med"/>
+                      <a:tailEnd type="none" w="med" len="med"/>
+                    </a:lnR>
+                    <a:lnT w="12700" cap="flat" cmpd="sng" algn="ctr">
+                      <a:noFill/>
+                      <a:prstDash val="solid"/>
+                      <a:round/>
+                      <a:headEnd type="none" w="med" len="med"/>
+                      <a:tailEnd type="none" w="med" len="med"/>
+                    </a:lnT>
+                    <a:lnB w="12700" cap="flat" cmpd="sng" algn="ctr">
+                      <a:noFill/>
+                      <a:prstDash val="solid"/>
+                      <a:round/>
+                      <a:headEnd type="none" w="med" len="med"/>
+                      <a:tailEnd type="none" w="med" len="med"/>
+                    </a:lnB>
+                  </a:tcPr>
+                </a:tc>
+                <a:extLst>
+                  <a:ext uri="{0D108BD9-81ED-4DB2-BD59-A6C34878D82A}">
+                    <a16:rowId xmlns:a16="http://schemas.microsoft.com/office/drawing/2014/main" val="3885326720"/>
+                  </a:ext>
+                </a:extLst>
+              </a:tr>
+              <a:tr h="178635">
+                <a:tc>
+                  <a:txBody>
+                    <a:bodyPr/>
+                    <a:lstStyle/>
+                    <a:p>
+                      <a:r>
+                        <a:rPr lang="de-DE" sz="700" dirty="0" err="1"/>
+                        <a:t>description</a:t>
+                      </a:r>
+                      <a:endParaRPr lang="de-DE" sz="700" dirty="0"/>
+                    </a:p>
+                  </a:txBody>
+                  <a:tcPr>
+                    <a:lnL w="12700" cap="flat" cmpd="sng" algn="ctr">
+                      <a:solidFill>
+                        <a:schemeClr val="tx1"/>
+                      </a:solidFill>
+                      <a:prstDash val="solid"/>
+                      <a:round/>
+                      <a:headEnd type="none" w="med" len="med"/>
+                      <a:tailEnd type="none" w="med" len="med"/>
+                    </a:lnL>
+                    <a:lnR w="12700" cap="flat" cmpd="sng" algn="ctr">
+                      <a:solidFill>
+                        <a:schemeClr val="tx1"/>
+                      </a:solidFill>
+                      <a:prstDash val="solid"/>
+                      <a:round/>
+                      <a:headEnd type="none" w="med" len="med"/>
+                      <a:tailEnd type="none" w="med" len="med"/>
+                    </a:lnR>
+                    <a:lnT w="12700" cap="flat" cmpd="sng" algn="ctr">
+                      <a:noFill/>
+                      <a:prstDash val="solid"/>
+                      <a:round/>
+                      <a:headEnd type="none" w="med" len="med"/>
+                      <a:tailEnd type="none" w="med" len="med"/>
+                    </a:lnT>
+                    <a:lnB w="12700" cap="flat" cmpd="sng" algn="ctr">
+                      <a:solidFill>
+                        <a:schemeClr val="tx1"/>
+                      </a:solidFill>
+                      <a:prstDash val="solid"/>
+                      <a:round/>
+                      <a:headEnd type="none" w="med" len="med"/>
+                      <a:tailEnd type="none" w="med" len="med"/>
+                    </a:lnB>
+                  </a:tcPr>
+                </a:tc>
+                <a:tc>
+                  <a:txBody>
+                    <a:bodyPr/>
+                    <a:lstStyle/>
+                    <a:p>
+                      <a:r>
+                        <a:rPr lang="de-DE" sz="700" dirty="0" err="1"/>
+                        <a:t>text</a:t>
+                      </a:r>
+                      <a:r>
+                        <a:rPr lang="de-DE" sz="700" b="1" i="1" dirty="0"/>
+                        <a:t> (n)</a:t>
+                      </a:r>
+                      <a:endParaRPr lang="de-DE" sz="700" dirty="0"/>
+                    </a:p>
+                  </a:txBody>
+                  <a:tcPr>
+                    <a:lnL w="12700" cap="flat" cmpd="sng" algn="ctr">
+                      <a:solidFill>
+                        <a:schemeClr val="tx1"/>
+                      </a:solidFill>
+                      <a:prstDash val="solid"/>
+                      <a:round/>
+                      <a:headEnd type="none" w="med" len="med"/>
+                      <a:tailEnd type="none" w="med" len="med"/>
+                    </a:lnL>
+                    <a:lnR w="12700" cap="flat" cmpd="sng" algn="ctr">
+                      <a:solidFill>
+                        <a:schemeClr val="tx1"/>
+                      </a:solidFill>
+                      <a:prstDash val="solid"/>
+                      <a:round/>
+                      <a:headEnd type="none" w="med" len="med"/>
+                      <a:tailEnd type="none" w="med" len="med"/>
+                    </a:lnR>
+                    <a:lnT w="12700" cap="flat" cmpd="sng" algn="ctr">
+                      <a:noFill/>
+                      <a:prstDash val="solid"/>
+                      <a:round/>
+                      <a:headEnd type="none" w="med" len="med"/>
+                      <a:tailEnd type="none" w="med" len="med"/>
+                    </a:lnT>
+                    <a:lnB w="12700" cap="flat" cmpd="sng" algn="ctr">
+                      <a:solidFill>
+                        <a:schemeClr val="tx1"/>
+                      </a:solidFill>
+                      <a:prstDash val="solid"/>
+                      <a:round/>
+                      <a:headEnd type="none" w="med" len="med"/>
+                      <a:tailEnd type="none" w="med" len="med"/>
+                    </a:lnB>
+                  </a:tcPr>
+                </a:tc>
+                <a:extLst>
+                  <a:ext uri="{0D108BD9-81ED-4DB2-BD59-A6C34878D82A}">
+                    <a16:rowId xmlns:a16="http://schemas.microsoft.com/office/drawing/2014/main" val="3968356380"/>
+                  </a:ext>
+                </a:extLst>
+              </a:tr>
+            </a:tbl>
+          </a:graphicData>
+        </a:graphic>
+      </p:graphicFrame>
+      <p:graphicFrame>
+        <p:nvGraphicFramePr>
+          <p:cNvPr id="9" name="Tabelle 8">
+            <a:extLst>
+              <a:ext uri="{FF2B5EF4-FFF2-40B4-BE49-F238E27FC236}">
+                <a16:creationId xmlns:a16="http://schemas.microsoft.com/office/drawing/2014/main" id="{0829249B-0C1F-4D29-9CCE-E64604663467}"/>
+              </a:ext>
+            </a:extLst>
+          </p:cNvPr>
+          <p:cNvGraphicFramePr>
+            <a:graphicFrameLocks noGrp="1"/>
+          </p:cNvGraphicFramePr>
+          <p:nvPr>
+            <p:extLst>
+              <p:ext uri="{D42A27DB-BD31-4B8C-83A1-F6EECF244321}">
+                <p14:modId xmlns:p14="http://schemas.microsoft.com/office/powerpoint/2010/main" val="509224442"/>
+              </p:ext>
+            </p:extLst>
+          </p:nvPr>
+        </p:nvGraphicFramePr>
+        <p:xfrm>
+          <a:off x="772719" y="5195404"/>
+          <a:ext cx="1407888" cy="1188720"/>
+        </p:xfrm>
+        <a:graphic>
+          <a:graphicData uri="http://schemas.openxmlformats.org/drawingml/2006/table">
+            <a:tbl>
+              <a:tblPr firstRow="1" bandRow="1">
+                <a:tableStyleId>{2D5ABB26-0587-4C30-8999-92F81FD0307C}</a:tableStyleId>
+              </a:tblPr>
+              <a:tblGrid>
+                <a:gridCol w="922696">
+                  <a:extLst>
+                    <a:ext uri="{9D8B030D-6E8A-4147-A177-3AD203B41FA5}">
+                      <a16:colId xmlns:a16="http://schemas.microsoft.com/office/drawing/2014/main" val="650321458"/>
+                    </a:ext>
+                  </a:extLst>
+                </a:gridCol>
+                <a:gridCol w="485192">
+                  <a:extLst>
+                    <a:ext uri="{9D8B030D-6E8A-4147-A177-3AD203B41FA5}">
+                      <a16:colId xmlns:a16="http://schemas.microsoft.com/office/drawing/2014/main" val="4065165498"/>
+                    </a:ext>
+                  </a:extLst>
+                </a:gridCol>
+              </a:tblGrid>
+              <a:tr h="178635">
+                <a:tc>
+                  <a:txBody>
+                    <a:bodyPr/>
+                    <a:lstStyle/>
+                    <a:p>
+                      <a:r>
+                        <a:rPr lang="de-DE" sz="700" b="1" dirty="0" err="1"/>
+                        <a:t>gene_annotation</a:t>
+                      </a:r>
+                      <a:endParaRPr lang="de-DE" sz="500" b="1" dirty="0"/>
+                    </a:p>
+                  </a:txBody>
+                  <a:tcPr>
+                    <a:lnL w="12700" cap="flat" cmpd="sng" algn="ctr">
+                      <a:solidFill>
+                        <a:schemeClr val="tx1"/>
+                      </a:solidFill>
+                      <a:prstDash val="solid"/>
+                      <a:round/>
+                      <a:headEnd type="none" w="med" len="med"/>
+                      <a:tailEnd type="none" w="med" len="med"/>
+                    </a:lnL>
+                    <a:lnR w="12700" cap="flat" cmpd="sng" algn="ctr">
+                      <a:noFill/>
+                      <a:prstDash val="solid"/>
+                      <a:round/>
+                      <a:headEnd type="none" w="med" len="med"/>
+                      <a:tailEnd type="none" w="med" len="med"/>
+                    </a:lnR>
+                    <a:lnT w="12700" cap="flat" cmpd="sng" algn="ctr">
+                      <a:solidFill>
+                        <a:schemeClr val="tx1"/>
+                      </a:solidFill>
+                      <a:prstDash val="solid"/>
+                      <a:round/>
+                      <a:headEnd type="none" w="med" len="med"/>
+                      <a:tailEnd type="none" w="med" len="med"/>
+                    </a:lnT>
+                    <a:lnB w="12700" cap="flat" cmpd="sng" algn="ctr">
+                      <a:solidFill>
+                        <a:schemeClr val="tx1"/>
+                      </a:solidFill>
+                      <a:prstDash val="solid"/>
+                      <a:round/>
+                      <a:headEnd type="none" w="med" len="med"/>
+                      <a:tailEnd type="none" w="med" len="med"/>
+                    </a:lnB>
+                  </a:tcPr>
+                </a:tc>
+                <a:tc>
+                  <a:txBody>
+                    <a:bodyPr/>
+                    <a:lstStyle/>
+                    <a:p>
+                      <a:endParaRPr lang="de-DE" sz="500" dirty="0"/>
+                    </a:p>
+                  </a:txBody>
+                  <a:tcPr>
+                    <a:lnL w="12700" cap="flat" cmpd="sng" algn="ctr">
+                      <a:noFill/>
+                      <a:prstDash val="solid"/>
+                      <a:round/>
+                      <a:headEnd type="none" w="med" len="med"/>
+                      <a:tailEnd type="none" w="med" len="med"/>
+                    </a:lnL>
+                    <a:lnR w="12700" cap="flat" cmpd="sng" algn="ctr">
+                      <a:solidFill>
+                        <a:schemeClr val="tx1"/>
+                      </a:solidFill>
+                      <a:prstDash val="solid"/>
+                      <a:round/>
+                      <a:headEnd type="none" w="med" len="med"/>
+                      <a:tailEnd type="none" w="med" len="med"/>
+                    </a:lnR>
+                    <a:lnT w="12700" cap="flat" cmpd="sng" algn="ctr">
+                      <a:solidFill>
+                        <a:schemeClr val="tx1"/>
+                      </a:solidFill>
+                      <a:prstDash val="solid"/>
+                      <a:round/>
+                      <a:headEnd type="none" w="med" len="med"/>
+                      <a:tailEnd type="none" w="med" len="med"/>
+                    </a:lnT>
+                    <a:lnB w="12700" cap="flat" cmpd="sng" algn="ctr">
+                      <a:solidFill>
+                        <a:schemeClr val="tx1"/>
+                      </a:solidFill>
+                      <a:prstDash val="solid"/>
+                      <a:round/>
+                      <a:headEnd type="none" w="med" len="med"/>
+                      <a:tailEnd type="none" w="med" len="med"/>
+                    </a:lnB>
+                  </a:tcPr>
+                </a:tc>
+                <a:extLst>
+                  <a:ext uri="{0D108BD9-81ED-4DB2-BD59-A6C34878D82A}">
+                    <a16:rowId xmlns:a16="http://schemas.microsoft.com/office/drawing/2014/main" val="109647893"/>
+                  </a:ext>
+                </a:extLst>
+              </a:tr>
+              <a:tr h="178635">
+                <a:tc>
+                  <a:txBody>
+                    <a:bodyPr/>
+                    <a:lstStyle/>
+                    <a:p>
+                      <a:r>
+                        <a:rPr lang="de-DE" sz="700" dirty="0" err="1"/>
+                        <a:t>id</a:t>
+                      </a:r>
+                      <a:endParaRPr lang="de-DE" sz="700" dirty="0"/>
+                    </a:p>
+                  </a:txBody>
+                  <a:tcPr>
+                    <a:lnL w="12700" cap="flat" cmpd="sng" algn="ctr">
+                      <a:solidFill>
+                        <a:schemeClr val="tx1"/>
+                      </a:solidFill>
+                      <a:prstDash val="solid"/>
+                      <a:round/>
+                      <a:headEnd type="none" w="med" len="med"/>
+                      <a:tailEnd type="none" w="med" len="med"/>
+                    </a:lnL>
+                    <a:lnR w="12700" cap="flat" cmpd="sng" algn="ctr">
+                      <a:solidFill>
+                        <a:schemeClr val="tx1"/>
+                      </a:solidFill>
+                      <a:prstDash val="solid"/>
+                      <a:round/>
+                      <a:headEnd type="none" w="med" len="med"/>
+                      <a:tailEnd type="none" w="med" len="med"/>
+                    </a:lnR>
+                    <a:lnT w="12700" cap="flat" cmpd="sng" algn="ctr">
+                      <a:solidFill>
+                        <a:schemeClr val="tx1"/>
+                      </a:solidFill>
+                      <a:prstDash val="solid"/>
+                      <a:round/>
+                      <a:headEnd type="none" w="med" len="med"/>
+                      <a:tailEnd type="none" w="med" len="med"/>
+                    </a:lnT>
+                    <a:lnB w="12700" cap="flat" cmpd="sng" algn="ctr">
+                      <a:noFill/>
+                      <a:prstDash val="solid"/>
+                      <a:round/>
+                      <a:headEnd type="none" w="med" len="med"/>
+                      <a:tailEnd type="none" w="med" len="med"/>
+                    </a:lnB>
+                  </a:tcPr>
+                </a:tc>
+                <a:tc>
+                  <a:txBody>
+                    <a:bodyPr/>
+                    <a:lstStyle/>
+                    <a:p>
+                      <a:r>
+                        <a:rPr lang="de-DE" sz="700" dirty="0" err="1"/>
+                        <a:t>int</a:t>
+                      </a:r>
+                      <a:endParaRPr lang="de-DE" sz="700" dirty="0"/>
+                    </a:p>
+                  </a:txBody>
+                  <a:tcPr>
+                    <a:lnL w="12700" cap="flat" cmpd="sng" algn="ctr">
+                      <a:solidFill>
+                        <a:schemeClr val="tx1"/>
+                      </a:solidFill>
+                      <a:prstDash val="solid"/>
+                      <a:round/>
+                      <a:headEnd type="none" w="med" len="med"/>
+                      <a:tailEnd type="none" w="med" len="med"/>
+                    </a:lnL>
+                    <a:lnR w="12700" cap="flat" cmpd="sng" algn="ctr">
+                      <a:solidFill>
+                        <a:schemeClr val="tx1"/>
+                      </a:solidFill>
+                      <a:prstDash val="solid"/>
+                      <a:round/>
+                      <a:headEnd type="none" w="med" len="med"/>
+                      <a:tailEnd type="none" w="med" len="med"/>
+                    </a:lnR>
+                    <a:lnT w="12700" cap="flat" cmpd="sng" algn="ctr">
+                      <a:solidFill>
+                        <a:schemeClr val="tx1"/>
+                      </a:solidFill>
+                      <a:prstDash val="solid"/>
+                      <a:round/>
+                      <a:headEnd type="none" w="med" len="med"/>
+                      <a:tailEnd type="none" w="med" len="med"/>
+                    </a:lnT>
+                    <a:lnB w="12700" cap="flat" cmpd="sng" algn="ctr">
+                      <a:noFill/>
+                      <a:prstDash val="solid"/>
+                      <a:round/>
+                      <a:headEnd type="none" w="med" len="med"/>
+                      <a:tailEnd type="none" w="med" len="med"/>
+                    </a:lnB>
+                  </a:tcPr>
+                </a:tc>
+                <a:extLst>
+                  <a:ext uri="{0D108BD9-81ED-4DB2-BD59-A6C34878D82A}">
+                    <a16:rowId xmlns:a16="http://schemas.microsoft.com/office/drawing/2014/main" val="312790266"/>
+                  </a:ext>
+                </a:extLst>
+              </a:tr>
+              <a:tr h="178635">
+                <a:tc>
+                  <a:txBody>
+                    <a:bodyPr/>
+                    <a:lstStyle/>
+                    <a:p>
+                      <a:r>
+                        <a:rPr lang="de-DE" sz="700" dirty="0" err="1"/>
+                        <a:t>gene_id</a:t>
+                      </a:r>
+                      <a:endParaRPr lang="de-DE" sz="700" dirty="0"/>
+                    </a:p>
+                  </a:txBody>
+                  <a:tcPr>
+                    <a:lnL w="12700" cap="flat" cmpd="sng" algn="ctr">
+                      <a:solidFill>
+                        <a:schemeClr val="tx1"/>
+                      </a:solidFill>
+                      <a:prstDash val="solid"/>
+                      <a:round/>
+                      <a:headEnd type="none" w="med" len="med"/>
+                      <a:tailEnd type="none" w="med" len="med"/>
+                    </a:lnL>
+                    <a:lnR w="12700" cap="flat" cmpd="sng" algn="ctr">
+                      <a:solidFill>
+                        <a:schemeClr val="tx1"/>
+                      </a:solidFill>
+                      <a:prstDash val="solid"/>
+                      <a:round/>
+                      <a:headEnd type="none" w="med" len="med"/>
+                      <a:tailEnd type="none" w="med" len="med"/>
+                    </a:lnR>
+                    <a:lnT w="12700" cap="flat" cmpd="sng" algn="ctr">
+                      <a:noFill/>
+                      <a:prstDash val="solid"/>
+                      <a:round/>
+                      <a:headEnd type="none" w="med" len="med"/>
+                      <a:tailEnd type="none" w="med" len="med"/>
+                    </a:lnT>
+                    <a:lnB w="12700" cap="flat" cmpd="sng" algn="ctr">
+                      <a:noFill/>
+                      <a:prstDash val="solid"/>
+                      <a:round/>
+                      <a:headEnd type="none" w="med" len="med"/>
+                      <a:tailEnd type="none" w="med" len="med"/>
+                    </a:lnB>
+                  </a:tcPr>
+                </a:tc>
+                <a:tc>
+                  <a:txBody>
+                    <a:bodyPr/>
+                    <a:lstStyle/>
+                    <a:p>
+                      <a:r>
+                        <a:rPr lang="de-DE" sz="700" dirty="0" err="1"/>
+                        <a:t>int</a:t>
+                      </a:r>
+                      <a:endParaRPr lang="de-DE" sz="700" dirty="0"/>
+                    </a:p>
+                  </a:txBody>
+                  <a:tcPr>
+                    <a:lnL w="12700" cap="flat" cmpd="sng" algn="ctr">
+                      <a:solidFill>
+                        <a:schemeClr val="tx1"/>
+                      </a:solidFill>
+                      <a:prstDash val="solid"/>
+                      <a:round/>
+                      <a:headEnd type="none" w="med" len="med"/>
+                      <a:tailEnd type="none" w="med" len="med"/>
+                    </a:lnL>
+                    <a:lnR w="12700" cap="flat" cmpd="sng" algn="ctr">
+                      <a:solidFill>
+                        <a:schemeClr val="tx1"/>
+                      </a:solidFill>
+                      <a:prstDash val="solid"/>
+                      <a:round/>
+                      <a:headEnd type="none" w="med" len="med"/>
+                      <a:tailEnd type="none" w="med" len="med"/>
+                    </a:lnR>
+                    <a:lnT w="12700" cap="flat" cmpd="sng" algn="ctr">
+                      <a:noFill/>
+                      <a:prstDash val="solid"/>
+                      <a:round/>
+                      <a:headEnd type="none" w="med" len="med"/>
+                      <a:tailEnd type="none" w="med" len="med"/>
+                    </a:lnT>
+                    <a:lnB w="12700" cap="flat" cmpd="sng" algn="ctr">
+                      <a:noFill/>
+                      <a:prstDash val="solid"/>
+                      <a:round/>
+                      <a:headEnd type="none" w="med" len="med"/>
+                      <a:tailEnd type="none" w="med" len="med"/>
+                    </a:lnB>
+                  </a:tcPr>
+                </a:tc>
+                <a:extLst>
+                  <a:ext uri="{0D108BD9-81ED-4DB2-BD59-A6C34878D82A}">
+                    <a16:rowId xmlns:a16="http://schemas.microsoft.com/office/drawing/2014/main" val="3560326657"/>
+                  </a:ext>
+                </a:extLst>
+              </a:tr>
+              <a:tr h="178635">
+                <a:tc>
+                  <a:txBody>
+                    <a:bodyPr/>
+                    <a:lstStyle/>
+                    <a:p>
+                      <a:r>
+                        <a:rPr lang="de-DE" sz="700" dirty="0" err="1"/>
+                        <a:t>annotation</a:t>
+                      </a:r>
+                      <a:endParaRPr lang="de-DE" sz="700" dirty="0"/>
+                    </a:p>
+                  </a:txBody>
+                  <a:tcPr>
+                    <a:lnL w="12700" cap="flat" cmpd="sng" algn="ctr">
+                      <a:solidFill>
+                        <a:schemeClr val="tx1"/>
+                      </a:solidFill>
+                      <a:prstDash val="solid"/>
+                      <a:round/>
+                      <a:headEnd type="none" w="med" len="med"/>
+                      <a:tailEnd type="none" w="med" len="med"/>
+                    </a:lnL>
+                    <a:lnR w="12700" cap="flat" cmpd="sng" algn="ctr">
+                      <a:solidFill>
+                        <a:schemeClr val="tx1"/>
+                      </a:solidFill>
+                      <a:prstDash val="solid"/>
+                      <a:round/>
+                      <a:headEnd type="none" w="med" len="med"/>
+                      <a:tailEnd type="none" w="med" len="med"/>
+                    </a:lnR>
+                    <a:lnT w="12700" cap="flat" cmpd="sng" algn="ctr">
+                      <a:noFill/>
+                      <a:prstDash val="solid"/>
+                      <a:round/>
+                      <a:headEnd type="none" w="med" len="med"/>
+                      <a:tailEnd type="none" w="med" len="med"/>
+                    </a:lnT>
+                    <a:lnB w="12700" cap="flat" cmpd="sng" algn="ctr">
+                      <a:noFill/>
+                      <a:prstDash val="solid"/>
+                      <a:round/>
+                      <a:headEnd type="none" w="med" len="med"/>
+                      <a:tailEnd type="none" w="med" len="med"/>
+                    </a:lnB>
+                  </a:tcPr>
+                </a:tc>
+                <a:tc>
+                  <a:txBody>
+                    <a:bodyPr/>
+                    <a:lstStyle/>
+                    <a:p>
+                      <a:r>
+                        <a:rPr lang="de-DE" sz="700" dirty="0" err="1"/>
+                        <a:t>text</a:t>
+                      </a:r>
+                      <a:endParaRPr lang="de-DE" sz="700" dirty="0"/>
+                    </a:p>
+                  </a:txBody>
+                  <a:tcPr>
+                    <a:lnL w="12700" cap="flat" cmpd="sng" algn="ctr">
+                      <a:solidFill>
+                        <a:schemeClr val="tx1"/>
+                      </a:solidFill>
+                      <a:prstDash val="solid"/>
+                      <a:round/>
+                      <a:headEnd type="none" w="med" len="med"/>
+                      <a:tailEnd type="none" w="med" len="med"/>
+                    </a:lnL>
+                    <a:lnR w="12700" cap="flat" cmpd="sng" algn="ctr">
+                      <a:solidFill>
+                        <a:schemeClr val="tx1"/>
+                      </a:solidFill>
+                      <a:prstDash val="solid"/>
+                      <a:round/>
+                      <a:headEnd type="none" w="med" len="med"/>
+                      <a:tailEnd type="none" w="med" len="med"/>
+                    </a:lnR>
+                    <a:lnT w="12700" cap="flat" cmpd="sng" algn="ctr">
+                      <a:noFill/>
+                      <a:prstDash val="solid"/>
+                      <a:round/>
+                      <a:headEnd type="none" w="med" len="med"/>
+                      <a:tailEnd type="none" w="med" len="med"/>
+                    </a:lnT>
+                    <a:lnB w="12700" cap="flat" cmpd="sng" algn="ctr">
+                      <a:noFill/>
+                      <a:prstDash val="solid"/>
+                      <a:round/>
+                      <a:headEnd type="none" w="med" len="med"/>
+                      <a:tailEnd type="none" w="med" len="med"/>
+                    </a:lnB>
+                  </a:tcPr>
+                </a:tc>
+                <a:extLst>
+                  <a:ext uri="{0D108BD9-81ED-4DB2-BD59-A6C34878D82A}">
+                    <a16:rowId xmlns:a16="http://schemas.microsoft.com/office/drawing/2014/main" val="1682664123"/>
+                  </a:ext>
+                </a:extLst>
+              </a:tr>
+              <a:tr h="178635">
+                <a:tc>
+                  <a:txBody>
+                    <a:bodyPr/>
+                    <a:lstStyle/>
+                    <a:p>
+                      <a:r>
+                        <a:rPr lang="de-DE" sz="700" dirty="0"/>
+                        <a:t>source</a:t>
+                      </a:r>
+                    </a:p>
+                  </a:txBody>
+                  <a:tcPr>
+                    <a:lnL w="12700" cap="flat" cmpd="sng" algn="ctr">
+                      <a:solidFill>
+                        <a:schemeClr val="tx1"/>
+                      </a:solidFill>
+                      <a:prstDash val="solid"/>
+                      <a:round/>
+                      <a:headEnd type="none" w="med" len="med"/>
+                      <a:tailEnd type="none" w="med" len="med"/>
+                    </a:lnL>
+                    <a:lnR w="12700" cap="flat" cmpd="sng" algn="ctr">
+                      <a:solidFill>
+                        <a:schemeClr val="tx1"/>
+                      </a:solidFill>
+                      <a:prstDash val="solid"/>
+                      <a:round/>
+                      <a:headEnd type="none" w="med" len="med"/>
+                      <a:tailEnd type="none" w="med" len="med"/>
+                    </a:lnR>
+                    <a:lnT w="12700" cap="flat" cmpd="sng" algn="ctr">
+                      <a:noFill/>
+                      <a:prstDash val="solid"/>
+                      <a:round/>
+                      <a:headEnd type="none" w="med" len="med"/>
+                      <a:tailEnd type="none" w="med" len="med"/>
+                    </a:lnT>
+                    <a:lnB w="12700" cap="flat" cmpd="sng" algn="ctr">
+                      <a:noFill/>
+                      <a:prstDash val="solid"/>
+                      <a:round/>
+                      <a:headEnd type="none" w="med" len="med"/>
+                      <a:tailEnd type="none" w="med" len="med"/>
+                    </a:lnB>
+                  </a:tcPr>
+                </a:tc>
+                <a:tc>
+                  <a:txBody>
+                    <a:bodyPr/>
+                    <a:lstStyle/>
+                    <a:p>
+                      <a:r>
+                        <a:rPr lang="de-DE" sz="700" dirty="0" err="1"/>
+                        <a:t>text</a:t>
+                      </a:r>
+                      <a:endParaRPr lang="de-DE" sz="700" dirty="0"/>
+                    </a:p>
+                  </a:txBody>
+                  <a:tcPr>
+                    <a:lnL w="12700" cap="flat" cmpd="sng" algn="ctr">
+                      <a:solidFill>
+                        <a:schemeClr val="tx1"/>
+                      </a:solidFill>
+                      <a:prstDash val="solid"/>
+                      <a:round/>
+                      <a:headEnd type="none" w="med" len="med"/>
+                      <a:tailEnd type="none" w="med" len="med"/>
+                    </a:lnL>
+                    <a:lnR w="12700" cap="flat" cmpd="sng" algn="ctr">
+                      <a:solidFill>
+                        <a:schemeClr val="tx1"/>
+                      </a:solidFill>
+                      <a:prstDash val="solid"/>
+                      <a:round/>
+                      <a:headEnd type="none" w="med" len="med"/>
+                      <a:tailEnd type="none" w="med" len="med"/>
+                    </a:lnR>
+                    <a:lnT w="12700" cap="flat" cmpd="sng" algn="ctr">
+                      <a:noFill/>
+                      <a:prstDash val="solid"/>
+                      <a:round/>
+                      <a:headEnd type="none" w="med" len="med"/>
+                      <a:tailEnd type="none" w="med" len="med"/>
+                    </a:lnT>
+                    <a:lnB w="12700" cap="flat" cmpd="sng" algn="ctr">
+                      <a:noFill/>
+                      <a:prstDash val="solid"/>
+                      <a:round/>
+                      <a:headEnd type="none" w="med" len="med"/>
+                      <a:tailEnd type="none" w="med" len="med"/>
+                    </a:lnB>
+                  </a:tcPr>
+                </a:tc>
+                <a:extLst>
+                  <a:ext uri="{0D108BD9-81ED-4DB2-BD59-A6C34878D82A}">
+                    <a16:rowId xmlns:a16="http://schemas.microsoft.com/office/drawing/2014/main" val="3885326720"/>
+                  </a:ext>
+                </a:extLst>
+              </a:tr>
+              <a:tr h="178635">
+                <a:tc>
+                  <a:txBody>
+                    <a:bodyPr/>
+                    <a:lstStyle/>
+                    <a:p>
+                      <a:r>
+                        <a:rPr lang="de-DE" sz="700" dirty="0" err="1"/>
+                        <a:t>description</a:t>
+                      </a:r>
+                      <a:endParaRPr lang="de-DE" sz="700" dirty="0"/>
+                    </a:p>
+                  </a:txBody>
+                  <a:tcPr>
+                    <a:lnL w="12700" cap="flat" cmpd="sng" algn="ctr">
+                      <a:solidFill>
+                        <a:schemeClr val="tx1"/>
+                      </a:solidFill>
+                      <a:prstDash val="solid"/>
+                      <a:round/>
+                      <a:headEnd type="none" w="med" len="med"/>
+                      <a:tailEnd type="none" w="med" len="med"/>
+                    </a:lnL>
+                    <a:lnR w="12700" cap="flat" cmpd="sng" algn="ctr">
+                      <a:solidFill>
+                        <a:schemeClr val="tx1"/>
+                      </a:solidFill>
+                      <a:prstDash val="solid"/>
+                      <a:round/>
+                      <a:headEnd type="none" w="med" len="med"/>
+                      <a:tailEnd type="none" w="med" len="med"/>
+                    </a:lnR>
+                    <a:lnT w="12700" cap="flat" cmpd="sng" algn="ctr">
+                      <a:noFill/>
+                      <a:prstDash val="solid"/>
+                      <a:round/>
+                      <a:headEnd type="none" w="med" len="med"/>
+                      <a:tailEnd type="none" w="med" len="med"/>
+                    </a:lnT>
+                    <a:lnB w="12700" cap="flat" cmpd="sng" algn="ctr">
+                      <a:solidFill>
+                        <a:schemeClr val="tx1"/>
+                      </a:solidFill>
+                      <a:prstDash val="solid"/>
+                      <a:round/>
+                      <a:headEnd type="none" w="med" len="med"/>
+                      <a:tailEnd type="none" w="med" len="med"/>
+                    </a:lnB>
+                  </a:tcPr>
+                </a:tc>
+                <a:tc>
+                  <a:txBody>
+                    <a:bodyPr/>
+                    <a:lstStyle/>
+                    <a:p>
+                      <a:r>
+                        <a:rPr lang="de-DE" sz="700" dirty="0" err="1"/>
+                        <a:t>text</a:t>
+                      </a:r>
+                      <a:r>
+                        <a:rPr lang="de-DE" sz="700" b="1" i="1" dirty="0"/>
+                        <a:t> (n)</a:t>
+                      </a:r>
+                      <a:endParaRPr lang="de-DE" sz="700" dirty="0"/>
+                    </a:p>
+                  </a:txBody>
+                  <a:tcPr>
+                    <a:lnL w="12700" cap="flat" cmpd="sng" algn="ctr">
+                      <a:solidFill>
+                        <a:schemeClr val="tx1"/>
+                      </a:solidFill>
+                      <a:prstDash val="solid"/>
+                      <a:round/>
+                      <a:headEnd type="none" w="med" len="med"/>
+                      <a:tailEnd type="none" w="med" len="med"/>
+                    </a:lnL>
+                    <a:lnR w="12700" cap="flat" cmpd="sng" algn="ctr">
+                      <a:solidFill>
+                        <a:schemeClr val="tx1"/>
+                      </a:solidFill>
+                      <a:prstDash val="solid"/>
+                      <a:round/>
+                      <a:headEnd type="none" w="med" len="med"/>
+                      <a:tailEnd type="none" w="med" len="med"/>
+                    </a:lnR>
+                    <a:lnT w="12700" cap="flat" cmpd="sng" algn="ctr">
+                      <a:noFill/>
+                      <a:prstDash val="solid"/>
+                      <a:round/>
+                      <a:headEnd type="none" w="med" len="med"/>
+                      <a:tailEnd type="none" w="med" len="med"/>
+                    </a:lnT>
+                    <a:lnB w="12700" cap="flat" cmpd="sng" algn="ctr">
+                      <a:solidFill>
+                        <a:schemeClr val="tx1"/>
+                      </a:solidFill>
+                      <a:prstDash val="solid"/>
+                      <a:round/>
+                      <a:headEnd type="none" w="med" len="med"/>
+                      <a:tailEnd type="none" w="med" len="med"/>
+                    </a:lnB>
+                  </a:tcPr>
+                </a:tc>
+                <a:extLst>
+                  <a:ext uri="{0D108BD9-81ED-4DB2-BD59-A6C34878D82A}">
+                    <a16:rowId xmlns:a16="http://schemas.microsoft.com/office/drawing/2014/main" val="3968356380"/>
+                  </a:ext>
+                </a:extLst>
+              </a:tr>
+            </a:tbl>
+          </a:graphicData>
+        </a:graphic>
+      </p:graphicFrame>
+      <p:cxnSp>
+        <p:nvCxnSpPr>
+          <p:cNvPr id="11" name="Verbinder: gewinkelt 10">
+            <a:extLst>
+              <a:ext uri="{FF2B5EF4-FFF2-40B4-BE49-F238E27FC236}">
+                <a16:creationId xmlns:a16="http://schemas.microsoft.com/office/drawing/2014/main" id="{9CB022A1-7BF7-4866-B8DD-70D4666D91E2}"/>
+              </a:ext>
+            </a:extLst>
+          </p:cNvPr>
+          <p:cNvCxnSpPr>
+            <a:cxnSpLocks/>
+          </p:cNvCxnSpPr>
+          <p:nvPr/>
+        </p:nvCxnSpPr>
+        <p:spPr>
+          <a:xfrm>
+            <a:off x="4017538" y="1599799"/>
+            <a:ext cx="1649514" cy="1535093"/>
+          </a:xfrm>
+          <a:prstGeom prst="bentConnector3">
+            <a:avLst>
+              <a:gd name="adj1" fmla="val 73362"/>
+            </a:avLst>
+          </a:prstGeom>
+          <a:ln w="25400">
+            <a:solidFill>
+              <a:schemeClr val="tx1"/>
+            </a:solidFill>
+            <a:tailEnd type="triangle"/>
+          </a:ln>
+        </p:spPr>
+        <p:style>
+          <a:lnRef idx="1">
+            <a:schemeClr val="accent1"/>
+          </a:lnRef>
+          <a:fillRef idx="0">
+            <a:schemeClr val="accent1"/>
+          </a:fillRef>
+          <a:effectRef idx="0">
+            <a:schemeClr val="accent1"/>
+          </a:effectRef>
+          <a:fontRef idx="minor">
+            <a:schemeClr val="tx1"/>
+          </a:fontRef>
+        </p:style>
+      </p:cxnSp>
+      <p:grpSp>
+        <p:nvGrpSpPr>
+          <p:cNvPr id="62" name="Gruppieren 61">
+            <a:extLst>
+              <a:ext uri="{FF2B5EF4-FFF2-40B4-BE49-F238E27FC236}">
+                <a16:creationId xmlns:a16="http://schemas.microsoft.com/office/drawing/2014/main" id="{683DBD5B-C06E-4237-A4F0-28F5FC403360}"/>
+              </a:ext>
+            </a:extLst>
+          </p:cNvPr>
+          <p:cNvGrpSpPr/>
+          <p:nvPr/>
+        </p:nvGrpSpPr>
+        <p:grpSpPr>
+          <a:xfrm>
+            <a:off x="4413674" y="1723655"/>
+            <a:ext cx="160799" cy="916545"/>
+            <a:chOff x="6742921" y="2255985"/>
+            <a:chExt cx="160799" cy="916545"/>
+          </a:xfrm>
+        </p:grpSpPr>
+        <p:cxnSp>
+          <p:nvCxnSpPr>
+            <p:cNvPr id="51" name="Verbinder: gewinkelt 50">
+              <a:extLst>
+                <a:ext uri="{FF2B5EF4-FFF2-40B4-BE49-F238E27FC236}">
+                  <a16:creationId xmlns:a16="http://schemas.microsoft.com/office/drawing/2014/main" id="{25BFA7A3-B7C6-4C31-88A7-90AF969C8200}"/>
+                </a:ext>
+              </a:extLst>
+            </p:cNvPr>
+            <p:cNvCxnSpPr>
+              <a:cxnSpLocks/>
+            </p:cNvCxnSpPr>
+            <p:nvPr/>
+          </p:nvCxnSpPr>
+          <p:spPr>
+            <a:xfrm rot="16200000" flipH="1">
+              <a:off x="6361553" y="2643425"/>
+              <a:ext cx="916545" cy="141666"/>
+            </a:xfrm>
+            <a:prstGeom prst="bentConnector3">
+              <a:avLst>
+                <a:gd name="adj1" fmla="val 117"/>
+              </a:avLst>
+            </a:prstGeom>
+            <a:ln w="25400">
+              <a:solidFill>
+                <a:schemeClr val="tx1"/>
+              </a:solidFill>
+            </a:ln>
+          </p:spPr>
+          <p:style>
+            <a:lnRef idx="1">
+              <a:schemeClr val="accent1"/>
+            </a:lnRef>
+            <a:fillRef idx="0">
+              <a:schemeClr val="accent1"/>
+            </a:fillRef>
+            <a:effectRef idx="0">
+              <a:schemeClr val="accent1"/>
+            </a:effectRef>
+            <a:fontRef idx="minor">
+              <a:schemeClr val="tx1"/>
+            </a:fontRef>
+          </p:style>
+        </p:cxnSp>
+        <p:cxnSp>
+          <p:nvCxnSpPr>
+            <p:cNvPr id="60" name="Gerade Verbindung mit Pfeil 59">
+              <a:extLst>
+                <a:ext uri="{FF2B5EF4-FFF2-40B4-BE49-F238E27FC236}">
+                  <a16:creationId xmlns:a16="http://schemas.microsoft.com/office/drawing/2014/main" id="{5B3C7C0A-EEBC-4B30-BB1E-9F7E206A50D4}"/>
+                </a:ext>
+              </a:extLst>
+            </p:cNvPr>
+            <p:cNvCxnSpPr>
+              <a:cxnSpLocks/>
+            </p:cNvCxnSpPr>
+            <p:nvPr/>
+          </p:nvCxnSpPr>
+          <p:spPr>
+            <a:xfrm flipH="1">
+              <a:off x="6742921" y="3165413"/>
+              <a:ext cx="160799" cy="0"/>
+            </a:xfrm>
+            <a:prstGeom prst="straightConnector1">
+              <a:avLst/>
+            </a:prstGeom>
+            <a:ln w="25400">
+              <a:solidFill>
+                <a:schemeClr val="tx1"/>
+              </a:solidFill>
+              <a:tailEnd type="triangle"/>
+            </a:ln>
+          </p:spPr>
+          <p:style>
+            <a:lnRef idx="1">
+              <a:schemeClr val="accent1"/>
+            </a:lnRef>
+            <a:fillRef idx="0">
+              <a:schemeClr val="accent1"/>
+            </a:fillRef>
+            <a:effectRef idx="0">
+              <a:schemeClr val="accent1"/>
+            </a:effectRef>
+            <a:fontRef idx="minor">
+              <a:schemeClr val="tx1"/>
+            </a:fontRef>
+          </p:style>
+        </p:cxnSp>
+      </p:grpSp>
+      <p:grpSp>
+        <p:nvGrpSpPr>
+          <p:cNvPr id="65" name="Gruppieren 64">
+            <a:extLst>
+              <a:ext uri="{FF2B5EF4-FFF2-40B4-BE49-F238E27FC236}">
+                <a16:creationId xmlns:a16="http://schemas.microsoft.com/office/drawing/2014/main" id="{EEDF1258-2AE2-4EF9-9DBD-7EC6A9FDA544}"/>
+              </a:ext>
+            </a:extLst>
+          </p:cNvPr>
+          <p:cNvGrpSpPr/>
+          <p:nvPr/>
+        </p:nvGrpSpPr>
+        <p:grpSpPr>
+          <a:xfrm flipH="1" flipV="1">
+            <a:off x="529068" y="4318032"/>
+            <a:ext cx="247416" cy="1402081"/>
+            <a:chOff x="6730186" y="2255985"/>
+            <a:chExt cx="160799" cy="916545"/>
+          </a:xfrm>
+        </p:grpSpPr>
+        <p:cxnSp>
+          <p:nvCxnSpPr>
+            <p:cNvPr id="66" name="Verbinder: gewinkelt 65">
+              <a:extLst>
+                <a:ext uri="{FF2B5EF4-FFF2-40B4-BE49-F238E27FC236}">
+                  <a16:creationId xmlns:a16="http://schemas.microsoft.com/office/drawing/2014/main" id="{964FC879-050A-465D-84E4-66E388FCDD1F}"/>
+                </a:ext>
+              </a:extLst>
+            </p:cNvPr>
+            <p:cNvCxnSpPr>
+              <a:cxnSpLocks/>
+            </p:cNvCxnSpPr>
+            <p:nvPr/>
+          </p:nvCxnSpPr>
+          <p:spPr>
+            <a:xfrm rot="16200000" flipH="1">
+              <a:off x="6361553" y="2643425"/>
+              <a:ext cx="916545" cy="141666"/>
+            </a:xfrm>
+            <a:prstGeom prst="bentConnector3">
+              <a:avLst>
+                <a:gd name="adj1" fmla="val 117"/>
+              </a:avLst>
+            </a:prstGeom>
+            <a:ln w="25400">
+              <a:solidFill>
+                <a:schemeClr val="tx1"/>
+              </a:solidFill>
+            </a:ln>
+          </p:spPr>
+          <p:style>
+            <a:lnRef idx="1">
+              <a:schemeClr val="accent1"/>
+            </a:lnRef>
+            <a:fillRef idx="0">
+              <a:schemeClr val="accent1"/>
+            </a:fillRef>
+            <a:effectRef idx="0">
+              <a:schemeClr val="accent1"/>
+            </a:effectRef>
+            <a:fontRef idx="minor">
+              <a:schemeClr val="tx1"/>
+            </a:fontRef>
+          </p:style>
+        </p:cxnSp>
+        <p:cxnSp>
+          <p:nvCxnSpPr>
+            <p:cNvPr id="67" name="Gerade Verbindung mit Pfeil 66">
+              <a:extLst>
+                <a:ext uri="{FF2B5EF4-FFF2-40B4-BE49-F238E27FC236}">
+                  <a16:creationId xmlns:a16="http://schemas.microsoft.com/office/drawing/2014/main" id="{8FCB3BE4-586E-49B1-A402-CF8F0AE107BB}"/>
+                </a:ext>
+              </a:extLst>
+            </p:cNvPr>
+            <p:cNvCxnSpPr>
+              <a:cxnSpLocks/>
+            </p:cNvCxnSpPr>
+            <p:nvPr/>
+          </p:nvCxnSpPr>
+          <p:spPr>
+            <a:xfrm flipH="1">
+              <a:off x="6730186" y="3165413"/>
+              <a:ext cx="160799" cy="0"/>
+            </a:xfrm>
+            <a:prstGeom prst="straightConnector1">
+              <a:avLst/>
+            </a:prstGeom>
+            <a:ln w="25400">
+              <a:solidFill>
+                <a:schemeClr val="tx1"/>
+              </a:solidFill>
+              <a:tailEnd type="triangle"/>
+            </a:ln>
+          </p:spPr>
+          <p:style>
+            <a:lnRef idx="1">
+              <a:schemeClr val="accent1"/>
+            </a:lnRef>
+            <a:fillRef idx="0">
+              <a:schemeClr val="accent1"/>
+            </a:fillRef>
+            <a:effectRef idx="0">
+              <a:schemeClr val="accent1"/>
+            </a:effectRef>
+            <a:fontRef idx="minor">
+              <a:schemeClr val="tx1"/>
+            </a:fontRef>
+          </p:style>
+        </p:cxnSp>
+      </p:grpSp>
+      <p:cxnSp>
+        <p:nvCxnSpPr>
+          <p:cNvPr id="68" name="Verbinder: gewinkelt 67">
+            <a:extLst>
+              <a:ext uri="{FF2B5EF4-FFF2-40B4-BE49-F238E27FC236}">
+                <a16:creationId xmlns:a16="http://schemas.microsoft.com/office/drawing/2014/main" id="{53602E63-ABD1-4430-9142-AE2E78523A43}"/>
+              </a:ext>
+            </a:extLst>
+          </p:cNvPr>
+          <p:cNvCxnSpPr>
+            <a:cxnSpLocks/>
+          </p:cNvCxnSpPr>
+          <p:nvPr/>
+        </p:nvCxnSpPr>
+        <p:spPr>
+          <a:xfrm rot="10800000" flipV="1">
+            <a:off x="7073645" y="1830630"/>
+            <a:ext cx="1610406" cy="1263227"/>
+          </a:xfrm>
+          <a:prstGeom prst="bentConnector3">
+            <a:avLst>
+              <a:gd name="adj1" fmla="val 60951"/>
+            </a:avLst>
+          </a:prstGeom>
+          <a:ln w="25400">
+            <a:solidFill>
+              <a:schemeClr val="tx1"/>
+            </a:solidFill>
+            <a:tailEnd type="triangle"/>
+          </a:ln>
+        </p:spPr>
+        <p:style>
+          <a:lnRef idx="1">
+            <a:schemeClr val="accent1"/>
+          </a:lnRef>
+          <a:fillRef idx="0">
+            <a:schemeClr val="accent1"/>
+          </a:fillRef>
+          <a:effectRef idx="0">
+            <a:schemeClr val="accent1"/>
+          </a:effectRef>
+          <a:fontRef idx="minor">
+            <a:schemeClr val="tx1"/>
+          </a:fontRef>
+        </p:style>
+      </p:cxnSp>
+      <p:sp>
+        <p:nvSpPr>
+          <p:cNvPr id="77" name="Textfeld 76">
+            <a:extLst>
+              <a:ext uri="{FF2B5EF4-FFF2-40B4-BE49-F238E27FC236}">
+                <a16:creationId xmlns:a16="http://schemas.microsoft.com/office/drawing/2014/main" id="{3F62EC33-3527-464C-9177-38C505C31648}"/>
+              </a:ext>
+            </a:extLst>
+          </p:cNvPr>
+          <p:cNvSpPr txBox="1"/>
+          <p:nvPr/>
+        </p:nvSpPr>
+        <p:spPr>
+          <a:xfrm>
+            <a:off x="1675120" y="101997"/>
+            <a:ext cx="2568652" cy="523220"/>
+          </a:xfrm>
+          <a:prstGeom prst="rect">
+            <a:avLst/>
+          </a:prstGeom>
+          <a:noFill/>
+        </p:spPr>
+        <p:txBody>
+          <a:bodyPr wrap="none" rtlCol="0">
+            <a:spAutoFit/>
+          </a:bodyPr>
+          <a:lstStyle/>
+          <a:p>
+            <a:r>
+              <a:rPr lang="de-DE" sz="2800" dirty="0"/>
+              <a:t>Database Model</a:t>
+            </a:r>
+          </a:p>
+        </p:txBody>
+      </p:sp>
+      <p:graphicFrame>
+        <p:nvGraphicFramePr>
+          <p:cNvPr id="83" name="Tabelle 82">
+            <a:extLst>
+              <a:ext uri="{FF2B5EF4-FFF2-40B4-BE49-F238E27FC236}">
+                <a16:creationId xmlns:a16="http://schemas.microsoft.com/office/drawing/2014/main" id="{A2FE7587-571A-40B4-BF85-DFC49242A192}"/>
+              </a:ext>
+            </a:extLst>
+          </p:cNvPr>
+          <p:cNvGraphicFramePr>
+            <a:graphicFrameLocks noGrp="1"/>
+          </p:cNvGraphicFramePr>
+          <p:nvPr>
+            <p:extLst>
+              <p:ext uri="{D42A27DB-BD31-4B8C-83A1-F6EECF244321}">
+                <p14:modId xmlns:p14="http://schemas.microsoft.com/office/powerpoint/2010/main" val="3383731055"/>
+              </p:ext>
+            </p:extLst>
+          </p:nvPr>
+        </p:nvGraphicFramePr>
+        <p:xfrm>
+          <a:off x="747547" y="1049831"/>
+          <a:ext cx="1407888" cy="1402080"/>
+        </p:xfrm>
+        <a:graphic>
+          <a:graphicData uri="http://schemas.openxmlformats.org/drawingml/2006/table">
+            <a:tbl>
+              <a:tblPr firstRow="1" bandRow="1">
+                <a:tableStyleId>{2D5ABB26-0587-4C30-8999-92F81FD0307C}</a:tableStyleId>
+              </a:tblPr>
+              <a:tblGrid>
+                <a:gridCol w="922696">
+                  <a:extLst>
+                    <a:ext uri="{9D8B030D-6E8A-4147-A177-3AD203B41FA5}">
+                      <a16:colId xmlns:a16="http://schemas.microsoft.com/office/drawing/2014/main" val="650321458"/>
+                    </a:ext>
+                  </a:extLst>
+                </a:gridCol>
+                <a:gridCol w="485192">
+                  <a:extLst>
+                    <a:ext uri="{9D8B030D-6E8A-4147-A177-3AD203B41FA5}">
+                      <a16:colId xmlns:a16="http://schemas.microsoft.com/office/drawing/2014/main" val="4065165498"/>
+                    </a:ext>
+                  </a:extLst>
+                </a:gridCol>
+              </a:tblGrid>
+              <a:tr h="178635">
+                <a:tc gridSpan="2">
+                  <a:txBody>
+                    <a:bodyPr/>
+                    <a:lstStyle/>
+                    <a:p>
+                      <a:r>
+                        <a:rPr lang="de-DE" sz="700" b="1" dirty="0" err="1"/>
+                        <a:t>supplementary_documents</a:t>
+                      </a:r>
+                      <a:endParaRPr lang="de-DE" sz="500" b="1" dirty="0"/>
+                    </a:p>
+                  </a:txBody>
+                  <a:tcPr>
+                    <a:lnL w="12700" cap="flat" cmpd="sng" algn="ctr">
+                      <a:solidFill>
+                        <a:schemeClr val="tx1"/>
+                      </a:solidFill>
+                      <a:prstDash val="solid"/>
+                      <a:round/>
+                      <a:headEnd type="none" w="med" len="med"/>
+                      <a:tailEnd type="none" w="med" len="med"/>
+                    </a:lnL>
+                    <a:lnR w="12700" cap="flat" cmpd="sng" algn="ctr">
+                      <a:solidFill>
+                        <a:schemeClr val="tx1"/>
+                      </a:solidFill>
+                      <a:prstDash val="solid"/>
+                      <a:round/>
+                      <a:headEnd type="none" w="med" len="med"/>
+                      <a:tailEnd type="none" w="med" len="med"/>
+                    </a:lnR>
+                    <a:lnT w="12700" cap="flat" cmpd="sng" algn="ctr">
+                      <a:solidFill>
+                        <a:schemeClr val="tx1"/>
+                      </a:solidFill>
+                      <a:prstDash val="solid"/>
+                      <a:round/>
+                      <a:headEnd type="none" w="med" len="med"/>
+                      <a:tailEnd type="none" w="med" len="med"/>
+                    </a:lnT>
+                    <a:lnB w="12700" cap="flat" cmpd="sng" algn="ctr">
+                      <a:solidFill>
+                        <a:schemeClr val="tx1"/>
+                      </a:solidFill>
+                      <a:prstDash val="solid"/>
+                      <a:round/>
+                      <a:headEnd type="none" w="med" len="med"/>
+                      <a:tailEnd type="none" w="med" len="med"/>
+                    </a:lnB>
+                  </a:tcPr>
+                </a:tc>
+                <a:tc hMerge="1">
+                  <a:txBody>
+                    <a:bodyPr/>
+                    <a:lstStyle/>
+                    <a:p>
+                      <a:endParaRPr lang="de-DE" sz="500" dirty="0"/>
+                    </a:p>
+                  </a:txBody>
+                  <a:tcPr>
+                    <a:lnL w="12700" cap="flat" cmpd="sng" algn="ctr">
+                      <a:noFill/>
+                      <a:prstDash val="solid"/>
+                      <a:round/>
+                      <a:headEnd type="none" w="med" len="med"/>
+                      <a:tailEnd type="none" w="med" len="med"/>
+                    </a:lnL>
+                    <a:lnR w="12700" cap="flat" cmpd="sng" algn="ctr">
+                      <a:solidFill>
+                        <a:schemeClr val="tx1"/>
+                      </a:solidFill>
+                      <a:prstDash val="solid"/>
+                      <a:round/>
+                      <a:headEnd type="none" w="med" len="med"/>
+                      <a:tailEnd type="none" w="med" len="med"/>
+                    </a:lnR>
+                    <a:lnT w="12700" cap="flat" cmpd="sng" algn="ctr">
+                      <a:solidFill>
+                        <a:schemeClr val="tx1"/>
+                      </a:solidFill>
+                      <a:prstDash val="solid"/>
+                      <a:round/>
+                      <a:headEnd type="none" w="med" len="med"/>
+                      <a:tailEnd type="none" w="med" len="med"/>
+                    </a:lnT>
+                    <a:lnB w="12700" cap="flat" cmpd="sng" algn="ctr">
+                      <a:solidFill>
+                        <a:schemeClr val="tx1"/>
+                      </a:solidFill>
+                      <a:prstDash val="solid"/>
+                      <a:round/>
+                      <a:headEnd type="none" w="med" len="med"/>
+                      <a:tailEnd type="none" w="med" len="med"/>
+                    </a:lnB>
+                  </a:tcPr>
+                </a:tc>
+                <a:extLst>
+                  <a:ext uri="{0D108BD9-81ED-4DB2-BD59-A6C34878D82A}">
+                    <a16:rowId xmlns:a16="http://schemas.microsoft.com/office/drawing/2014/main" val="109647893"/>
+                  </a:ext>
+                </a:extLst>
+              </a:tr>
+              <a:tr h="178635">
+                <a:tc>
+                  <a:txBody>
+                    <a:bodyPr/>
+                    <a:lstStyle/>
+                    <a:p>
+                      <a:r>
+                        <a:rPr lang="de-DE" sz="700" dirty="0" err="1"/>
+                        <a:t>id</a:t>
+                      </a:r>
+                      <a:endParaRPr lang="de-DE" sz="700" dirty="0"/>
+                    </a:p>
+                  </a:txBody>
+                  <a:tcPr>
+                    <a:lnL w="12700" cap="flat" cmpd="sng" algn="ctr">
+                      <a:solidFill>
+                        <a:schemeClr val="tx1"/>
+                      </a:solidFill>
+                      <a:prstDash val="solid"/>
+                      <a:round/>
+                      <a:headEnd type="none" w="med" len="med"/>
+                      <a:tailEnd type="none" w="med" len="med"/>
+                    </a:lnL>
+                    <a:lnR w="12700" cap="flat" cmpd="sng" algn="ctr">
+                      <a:solidFill>
+                        <a:schemeClr val="tx1"/>
+                      </a:solidFill>
+                      <a:prstDash val="solid"/>
+                      <a:round/>
+                      <a:headEnd type="none" w="med" len="med"/>
+                      <a:tailEnd type="none" w="med" len="med"/>
+                    </a:lnR>
+                    <a:lnT w="12700" cap="flat" cmpd="sng" algn="ctr">
+                      <a:solidFill>
+                        <a:schemeClr val="tx1"/>
+                      </a:solidFill>
+                      <a:prstDash val="solid"/>
+                      <a:round/>
+                      <a:headEnd type="none" w="med" len="med"/>
+                      <a:tailEnd type="none" w="med" len="med"/>
+                    </a:lnT>
+                    <a:lnB w="12700" cap="flat" cmpd="sng" algn="ctr">
+                      <a:noFill/>
+                      <a:prstDash val="solid"/>
+                      <a:round/>
+                      <a:headEnd type="none" w="med" len="med"/>
+                      <a:tailEnd type="none" w="med" len="med"/>
+                    </a:lnB>
+                  </a:tcPr>
+                </a:tc>
+                <a:tc>
+                  <a:txBody>
+                    <a:bodyPr/>
+                    <a:lstStyle/>
+                    <a:p>
+                      <a:r>
+                        <a:rPr lang="de-DE" sz="700" dirty="0" err="1"/>
+                        <a:t>int</a:t>
+                      </a:r>
+                      <a:endParaRPr lang="de-DE" sz="700" dirty="0"/>
+                    </a:p>
+                  </a:txBody>
+                  <a:tcPr>
+                    <a:lnL w="12700" cap="flat" cmpd="sng" algn="ctr">
+                      <a:solidFill>
+                        <a:schemeClr val="tx1"/>
+                      </a:solidFill>
+                      <a:prstDash val="solid"/>
+                      <a:round/>
+                      <a:headEnd type="none" w="med" len="med"/>
+                      <a:tailEnd type="none" w="med" len="med"/>
+                    </a:lnL>
+                    <a:lnR w="12700" cap="flat" cmpd="sng" algn="ctr">
+                      <a:solidFill>
+                        <a:schemeClr val="tx1"/>
+                      </a:solidFill>
+                      <a:prstDash val="solid"/>
+                      <a:round/>
+                      <a:headEnd type="none" w="med" len="med"/>
+                      <a:tailEnd type="none" w="med" len="med"/>
+                    </a:lnR>
+                    <a:lnT w="12700" cap="flat" cmpd="sng" algn="ctr">
+                      <a:solidFill>
+                        <a:schemeClr val="tx1"/>
+                      </a:solidFill>
+                      <a:prstDash val="solid"/>
+                      <a:round/>
+                      <a:headEnd type="none" w="med" len="med"/>
+                      <a:tailEnd type="none" w="med" len="med"/>
+                    </a:lnT>
+                    <a:lnB w="12700" cap="flat" cmpd="sng" algn="ctr">
+                      <a:noFill/>
+                      <a:prstDash val="solid"/>
+                      <a:round/>
+                      <a:headEnd type="none" w="med" len="med"/>
+                      <a:tailEnd type="none" w="med" len="med"/>
+                    </a:lnB>
+                  </a:tcPr>
+                </a:tc>
+                <a:extLst>
+                  <a:ext uri="{0D108BD9-81ED-4DB2-BD59-A6C34878D82A}">
+                    <a16:rowId xmlns:a16="http://schemas.microsoft.com/office/drawing/2014/main" val="3560326657"/>
+                  </a:ext>
+                </a:extLst>
+              </a:tr>
+              <a:tr h="178635">
+                <a:tc>
+                  <a:txBody>
+                    <a:bodyPr/>
+                    <a:lstStyle/>
+                    <a:p>
+                      <a:r>
+                        <a:rPr lang="de-DE" sz="700" dirty="0" err="1"/>
+                        <a:t>table_name</a:t>
+                      </a:r>
+                      <a:endParaRPr lang="de-DE" sz="700" dirty="0"/>
+                    </a:p>
+                  </a:txBody>
+                  <a:tcPr>
+                    <a:lnL w="12700" cap="flat" cmpd="sng" algn="ctr">
+                      <a:solidFill>
+                        <a:schemeClr val="tx1"/>
+                      </a:solidFill>
+                      <a:prstDash val="solid"/>
+                      <a:round/>
+                      <a:headEnd type="none" w="med" len="med"/>
+                      <a:tailEnd type="none" w="med" len="med"/>
+                    </a:lnL>
+                    <a:lnR w="12700" cap="flat" cmpd="sng" algn="ctr">
+                      <a:solidFill>
+                        <a:schemeClr val="tx1"/>
+                      </a:solidFill>
+                      <a:prstDash val="solid"/>
+                      <a:round/>
+                      <a:headEnd type="none" w="med" len="med"/>
+                      <a:tailEnd type="none" w="med" len="med"/>
+                    </a:lnR>
+                    <a:lnT w="12700" cap="flat" cmpd="sng" algn="ctr">
+                      <a:noFill/>
+                      <a:prstDash val="solid"/>
+                      <a:round/>
+                      <a:headEnd type="none" w="med" len="med"/>
+                      <a:tailEnd type="none" w="med" len="med"/>
+                    </a:lnT>
+                    <a:lnB w="12700" cap="flat" cmpd="sng" algn="ctr">
+                      <a:noFill/>
+                      <a:prstDash val="solid"/>
+                      <a:round/>
+                      <a:headEnd type="none" w="med" len="med"/>
+                      <a:tailEnd type="none" w="med" len="med"/>
+                    </a:lnB>
+                  </a:tcPr>
+                </a:tc>
+                <a:tc>
+                  <a:txBody>
+                    <a:bodyPr/>
+                    <a:lstStyle/>
+                    <a:p>
+                      <a:r>
+                        <a:rPr lang="de-DE" sz="700" dirty="0" err="1"/>
+                        <a:t>text</a:t>
+                      </a:r>
+                      <a:endParaRPr lang="de-DE" sz="700" dirty="0"/>
+                    </a:p>
+                  </a:txBody>
+                  <a:tcPr>
+                    <a:lnL w="12700" cap="flat" cmpd="sng" algn="ctr">
+                      <a:solidFill>
+                        <a:schemeClr val="tx1"/>
+                      </a:solidFill>
+                      <a:prstDash val="solid"/>
+                      <a:round/>
+                      <a:headEnd type="none" w="med" len="med"/>
+                      <a:tailEnd type="none" w="med" len="med"/>
+                    </a:lnL>
+                    <a:lnR w="12700" cap="flat" cmpd="sng" algn="ctr">
+                      <a:solidFill>
+                        <a:schemeClr val="tx1"/>
+                      </a:solidFill>
+                      <a:prstDash val="solid"/>
+                      <a:round/>
+                      <a:headEnd type="none" w="med" len="med"/>
+                      <a:tailEnd type="none" w="med" len="med"/>
+                    </a:lnR>
+                    <a:lnT w="12700" cap="flat" cmpd="sng" algn="ctr">
+                      <a:noFill/>
+                      <a:prstDash val="solid"/>
+                      <a:round/>
+                      <a:headEnd type="none" w="med" len="med"/>
+                      <a:tailEnd type="none" w="med" len="med"/>
+                    </a:lnT>
+                    <a:lnB w="12700" cap="flat" cmpd="sng" algn="ctr">
+                      <a:noFill/>
+                      <a:prstDash val="solid"/>
+                      <a:round/>
+                      <a:headEnd type="none" w="med" len="med"/>
+                      <a:tailEnd type="none" w="med" len="med"/>
+                    </a:lnB>
+                  </a:tcPr>
+                </a:tc>
+                <a:extLst>
+                  <a:ext uri="{0D108BD9-81ED-4DB2-BD59-A6C34878D82A}">
+                    <a16:rowId xmlns:a16="http://schemas.microsoft.com/office/drawing/2014/main" val="934562184"/>
+                  </a:ext>
+                </a:extLst>
+              </a:tr>
+              <a:tr h="178635">
+                <a:tc>
+                  <a:txBody>
+                    <a:bodyPr/>
+                    <a:lstStyle/>
+                    <a:p>
+                      <a:r>
+                        <a:rPr lang="de-DE" sz="700" dirty="0" err="1"/>
+                        <a:t>row_id</a:t>
+                      </a:r>
+                      <a:endParaRPr lang="de-DE" sz="700" dirty="0"/>
+                    </a:p>
+                  </a:txBody>
+                  <a:tcPr>
+                    <a:lnL w="12700" cap="flat" cmpd="sng" algn="ctr">
+                      <a:solidFill>
+                        <a:schemeClr val="tx1"/>
+                      </a:solidFill>
+                      <a:prstDash val="solid"/>
+                      <a:round/>
+                      <a:headEnd type="none" w="med" len="med"/>
+                      <a:tailEnd type="none" w="med" len="med"/>
+                    </a:lnL>
+                    <a:lnR w="12700" cap="flat" cmpd="sng" algn="ctr">
+                      <a:solidFill>
+                        <a:schemeClr val="tx1"/>
+                      </a:solidFill>
+                      <a:prstDash val="solid"/>
+                      <a:round/>
+                      <a:headEnd type="none" w="med" len="med"/>
+                      <a:tailEnd type="none" w="med" len="med"/>
+                    </a:lnR>
+                    <a:lnT w="12700" cap="flat" cmpd="sng" algn="ctr">
+                      <a:noFill/>
+                      <a:prstDash val="solid"/>
+                      <a:round/>
+                      <a:headEnd type="none" w="med" len="med"/>
+                      <a:tailEnd type="none" w="med" len="med"/>
+                    </a:lnT>
+                    <a:lnB w="12700" cap="flat" cmpd="sng" algn="ctr">
+                      <a:noFill/>
+                      <a:prstDash val="solid"/>
+                      <a:round/>
+                      <a:headEnd type="none" w="med" len="med"/>
+                      <a:tailEnd type="none" w="med" len="med"/>
+                    </a:lnB>
+                  </a:tcPr>
+                </a:tc>
+                <a:tc>
+                  <a:txBody>
+                    <a:bodyPr/>
+                    <a:lstStyle/>
+                    <a:p>
+                      <a:r>
+                        <a:rPr lang="de-DE" sz="700" dirty="0" err="1"/>
+                        <a:t>int</a:t>
+                      </a:r>
+                      <a:endParaRPr lang="de-DE" sz="700" dirty="0"/>
+                    </a:p>
+                  </a:txBody>
+                  <a:tcPr>
+                    <a:lnL w="12700" cap="flat" cmpd="sng" algn="ctr">
+                      <a:solidFill>
+                        <a:schemeClr val="tx1"/>
+                      </a:solidFill>
+                      <a:prstDash val="solid"/>
+                      <a:round/>
+                      <a:headEnd type="none" w="med" len="med"/>
+                      <a:tailEnd type="none" w="med" len="med"/>
+                    </a:lnL>
+                    <a:lnR w="12700" cap="flat" cmpd="sng" algn="ctr">
+                      <a:solidFill>
+                        <a:schemeClr val="tx1"/>
+                      </a:solidFill>
+                      <a:prstDash val="solid"/>
+                      <a:round/>
+                      <a:headEnd type="none" w="med" len="med"/>
+                      <a:tailEnd type="none" w="med" len="med"/>
+                    </a:lnR>
+                    <a:lnT w="12700" cap="flat" cmpd="sng" algn="ctr">
+                      <a:noFill/>
+                      <a:prstDash val="solid"/>
+                      <a:round/>
+                      <a:headEnd type="none" w="med" len="med"/>
+                      <a:tailEnd type="none" w="med" len="med"/>
+                    </a:lnT>
+                    <a:lnB w="12700" cap="flat" cmpd="sng" algn="ctr">
+                      <a:noFill/>
+                      <a:prstDash val="solid"/>
+                      <a:round/>
+                      <a:headEnd type="none" w="med" len="med"/>
+                      <a:tailEnd type="none" w="med" len="med"/>
+                    </a:lnB>
+                  </a:tcPr>
+                </a:tc>
+                <a:extLst>
+                  <a:ext uri="{0D108BD9-81ED-4DB2-BD59-A6C34878D82A}">
+                    <a16:rowId xmlns:a16="http://schemas.microsoft.com/office/drawing/2014/main" val="3091389870"/>
+                  </a:ext>
+                </a:extLst>
+              </a:tr>
+              <a:tr h="178635">
+                <a:tc>
+                  <a:txBody>
+                    <a:bodyPr/>
+                    <a:lstStyle/>
+                    <a:p>
+                      <a:r>
+                        <a:rPr lang="de-DE" sz="700" dirty="0"/>
+                        <a:t>type</a:t>
+                      </a:r>
+                    </a:p>
+                  </a:txBody>
+                  <a:tcPr>
+                    <a:lnL w="12700" cap="flat" cmpd="sng" algn="ctr">
+                      <a:solidFill>
+                        <a:schemeClr val="tx1"/>
+                      </a:solidFill>
+                      <a:prstDash val="solid"/>
+                      <a:round/>
+                      <a:headEnd type="none" w="med" len="med"/>
+                      <a:tailEnd type="none" w="med" len="med"/>
+                    </a:lnL>
+                    <a:lnR w="12700" cap="flat" cmpd="sng" algn="ctr">
+                      <a:solidFill>
+                        <a:schemeClr val="tx1"/>
+                      </a:solidFill>
+                      <a:prstDash val="solid"/>
+                      <a:round/>
+                      <a:headEnd type="none" w="med" len="med"/>
+                      <a:tailEnd type="none" w="med" len="med"/>
+                    </a:lnR>
+                    <a:lnT w="12700" cap="flat" cmpd="sng" algn="ctr">
+                      <a:noFill/>
+                      <a:prstDash val="solid"/>
+                      <a:round/>
+                      <a:headEnd type="none" w="med" len="med"/>
+                      <a:tailEnd type="none" w="med" len="med"/>
+                    </a:lnT>
+                    <a:lnB w="12700" cap="flat" cmpd="sng" algn="ctr">
+                      <a:noFill/>
+                      <a:prstDash val="solid"/>
+                      <a:round/>
+                      <a:headEnd type="none" w="med" len="med"/>
+                      <a:tailEnd type="none" w="med" len="med"/>
+                    </a:lnB>
+                  </a:tcPr>
+                </a:tc>
+                <a:tc>
+                  <a:txBody>
+                    <a:bodyPr/>
+                    <a:lstStyle/>
+                    <a:p>
+                      <a:r>
+                        <a:rPr lang="de-DE" sz="700" dirty="0" err="1"/>
+                        <a:t>enum</a:t>
+                      </a:r>
+                      <a:r>
+                        <a:rPr lang="de-DE" sz="700" dirty="0"/>
+                        <a:t> {PDF, PNG,…}</a:t>
+                      </a:r>
+                    </a:p>
+                  </a:txBody>
+                  <a:tcPr>
+                    <a:lnL w="12700" cap="flat" cmpd="sng" algn="ctr">
+                      <a:solidFill>
+                        <a:schemeClr val="tx1"/>
+                      </a:solidFill>
+                      <a:prstDash val="solid"/>
+                      <a:round/>
+                      <a:headEnd type="none" w="med" len="med"/>
+                      <a:tailEnd type="none" w="med" len="med"/>
+                    </a:lnL>
+                    <a:lnR w="12700" cap="flat" cmpd="sng" algn="ctr">
+                      <a:solidFill>
+                        <a:schemeClr val="tx1"/>
+                      </a:solidFill>
+                      <a:prstDash val="solid"/>
+                      <a:round/>
+                      <a:headEnd type="none" w="med" len="med"/>
+                      <a:tailEnd type="none" w="med" len="med"/>
+                    </a:lnR>
+                    <a:lnT w="12700" cap="flat" cmpd="sng" algn="ctr">
+                      <a:noFill/>
+                      <a:prstDash val="solid"/>
+                      <a:round/>
+                      <a:headEnd type="none" w="med" len="med"/>
+                      <a:tailEnd type="none" w="med" len="med"/>
+                    </a:lnT>
+                    <a:lnB w="12700" cap="flat" cmpd="sng" algn="ctr">
+                      <a:noFill/>
+                      <a:prstDash val="solid"/>
+                      <a:round/>
+                      <a:headEnd type="none" w="med" len="med"/>
+                      <a:tailEnd type="none" w="med" len="med"/>
+                    </a:lnB>
+                  </a:tcPr>
+                </a:tc>
+                <a:extLst>
+                  <a:ext uri="{0D108BD9-81ED-4DB2-BD59-A6C34878D82A}">
+                    <a16:rowId xmlns:a16="http://schemas.microsoft.com/office/drawing/2014/main" val="2753685843"/>
+                  </a:ext>
+                </a:extLst>
+              </a:tr>
+              <a:tr h="178635">
+                <a:tc>
+                  <a:txBody>
+                    <a:bodyPr/>
+                    <a:lstStyle/>
+                    <a:p>
+                      <a:r>
+                        <a:rPr lang="de-DE" sz="700" dirty="0" err="1"/>
+                        <a:t>document</a:t>
+                      </a:r>
+                      <a:endParaRPr lang="de-DE" sz="700" dirty="0"/>
+                    </a:p>
+                  </a:txBody>
+                  <a:tcPr>
+                    <a:lnL w="12700" cap="flat" cmpd="sng" algn="ctr">
+                      <a:solidFill>
+                        <a:schemeClr val="tx1"/>
+                      </a:solidFill>
+                      <a:prstDash val="solid"/>
+                      <a:round/>
+                      <a:headEnd type="none" w="med" len="med"/>
+                      <a:tailEnd type="none" w="med" len="med"/>
+                    </a:lnL>
+                    <a:lnR w="12700" cap="flat" cmpd="sng" algn="ctr">
+                      <a:solidFill>
+                        <a:schemeClr val="tx1"/>
+                      </a:solidFill>
+                      <a:prstDash val="solid"/>
+                      <a:round/>
+                      <a:headEnd type="none" w="med" len="med"/>
+                      <a:tailEnd type="none" w="med" len="med"/>
+                    </a:lnR>
+                    <a:lnT w="12700" cap="flat" cmpd="sng" algn="ctr">
+                      <a:noFill/>
+                      <a:prstDash val="solid"/>
+                      <a:round/>
+                      <a:headEnd type="none" w="med" len="med"/>
+                      <a:tailEnd type="none" w="med" len="med"/>
+                    </a:lnT>
+                    <a:lnB w="12700" cap="flat" cmpd="sng" algn="ctr">
+                      <a:solidFill>
+                        <a:schemeClr val="tx1"/>
+                      </a:solidFill>
+                      <a:prstDash val="solid"/>
+                      <a:round/>
+                      <a:headEnd type="none" w="med" len="med"/>
+                      <a:tailEnd type="none" w="med" len="med"/>
+                    </a:lnB>
+                  </a:tcPr>
+                </a:tc>
+                <a:tc>
+                  <a:txBody>
+                    <a:bodyPr/>
+                    <a:lstStyle/>
+                    <a:p>
+                      <a:r>
+                        <a:rPr lang="de-DE" sz="700" dirty="0" err="1"/>
+                        <a:t>blob</a:t>
+                      </a:r>
+                      <a:endParaRPr lang="de-DE" sz="700" dirty="0"/>
+                    </a:p>
+                  </a:txBody>
+                  <a:tcPr>
+                    <a:lnL w="12700" cap="flat" cmpd="sng" algn="ctr">
+                      <a:solidFill>
+                        <a:schemeClr val="tx1"/>
+                      </a:solidFill>
+                      <a:prstDash val="solid"/>
+                      <a:round/>
+                      <a:headEnd type="none" w="med" len="med"/>
+                      <a:tailEnd type="none" w="med" len="med"/>
+                    </a:lnL>
+                    <a:lnR w="12700" cap="flat" cmpd="sng" algn="ctr">
+                      <a:solidFill>
+                        <a:schemeClr val="tx1"/>
+                      </a:solidFill>
+                      <a:prstDash val="solid"/>
+                      <a:round/>
+                      <a:headEnd type="none" w="med" len="med"/>
+                      <a:tailEnd type="none" w="med" len="med"/>
+                    </a:lnR>
+                    <a:lnT w="12700" cap="flat" cmpd="sng" algn="ctr">
+                      <a:noFill/>
+                      <a:prstDash val="solid"/>
+                      <a:round/>
+                      <a:headEnd type="none" w="med" len="med"/>
+                      <a:tailEnd type="none" w="med" len="med"/>
+                    </a:lnT>
+                    <a:lnB w="12700" cap="flat" cmpd="sng" algn="ctr">
+                      <a:solidFill>
+                        <a:schemeClr val="tx1"/>
+                      </a:solidFill>
+                      <a:prstDash val="solid"/>
+                      <a:round/>
+                      <a:headEnd type="none" w="med" len="med"/>
+                      <a:tailEnd type="none" w="med" len="med"/>
+                    </a:lnB>
+                  </a:tcPr>
+                </a:tc>
+                <a:extLst>
+                  <a:ext uri="{0D108BD9-81ED-4DB2-BD59-A6C34878D82A}">
+                    <a16:rowId xmlns:a16="http://schemas.microsoft.com/office/drawing/2014/main" val="1737684597"/>
+                  </a:ext>
+                </a:extLst>
+              </a:tr>
+            </a:tbl>
+          </a:graphicData>
+        </a:graphic>
+      </p:graphicFrame>
+      <p:graphicFrame>
+        <p:nvGraphicFramePr>
+          <p:cNvPr id="4" name="Tabelle 3">
+            <a:extLst>
+              <a:ext uri="{FF2B5EF4-FFF2-40B4-BE49-F238E27FC236}">
+                <a16:creationId xmlns:a16="http://schemas.microsoft.com/office/drawing/2014/main" id="{0D4C09F3-27BB-41C7-9913-CF3319CE1347}"/>
+              </a:ext>
+            </a:extLst>
+          </p:cNvPr>
+          <p:cNvGraphicFramePr>
+            <a:graphicFrameLocks noGrp="1"/>
+          </p:cNvGraphicFramePr>
+          <p:nvPr>
+            <p:extLst>
+              <p:ext uri="{D42A27DB-BD31-4B8C-83A1-F6EECF244321}">
+                <p14:modId xmlns:p14="http://schemas.microsoft.com/office/powerpoint/2010/main" val="2546623978"/>
+              </p:ext>
+            </p:extLst>
+          </p:nvPr>
+        </p:nvGraphicFramePr>
+        <p:xfrm>
+          <a:off x="3005786" y="1049831"/>
+          <a:ext cx="1401497" cy="990600"/>
+        </p:xfrm>
+        <a:graphic>
+          <a:graphicData uri="http://schemas.openxmlformats.org/drawingml/2006/table">
+            <a:tbl>
+              <a:tblPr firstRow="1" bandRow="1">
+                <a:tableStyleId>{2D5ABB26-0587-4C30-8999-92F81FD0307C}</a:tableStyleId>
+              </a:tblPr>
+              <a:tblGrid>
+                <a:gridCol w="916305">
+                  <a:extLst>
+                    <a:ext uri="{9D8B030D-6E8A-4147-A177-3AD203B41FA5}">
+                      <a16:colId xmlns:a16="http://schemas.microsoft.com/office/drawing/2014/main" val="650321458"/>
+                    </a:ext>
+                  </a:extLst>
+                </a:gridCol>
+                <a:gridCol w="485192">
+                  <a:extLst>
+                    <a:ext uri="{9D8B030D-6E8A-4147-A177-3AD203B41FA5}">
+                      <a16:colId xmlns:a16="http://schemas.microsoft.com/office/drawing/2014/main" val="4065165498"/>
+                    </a:ext>
+                  </a:extLst>
+                </a:gridCol>
+              </a:tblGrid>
+              <a:tr h="178635">
+                <a:tc>
+                  <a:txBody>
+                    <a:bodyPr/>
+                    <a:lstStyle/>
+                    <a:p>
+                      <a:r>
+                        <a:rPr lang="de-DE" sz="700" b="1" dirty="0" err="1"/>
+                        <a:t>variant_annotation</a:t>
+                      </a:r>
+                      <a:endParaRPr lang="de-DE" sz="500" b="1" dirty="0"/>
+                    </a:p>
+                  </a:txBody>
+                  <a:tcPr>
+                    <a:lnL w="12700" cap="flat" cmpd="sng" algn="ctr">
+                      <a:solidFill>
+                        <a:schemeClr val="tx1"/>
+                      </a:solidFill>
+                      <a:prstDash val="solid"/>
+                      <a:round/>
+                      <a:headEnd type="none" w="med" len="med"/>
+                      <a:tailEnd type="none" w="med" len="med"/>
+                    </a:lnL>
+                    <a:lnR w="12700" cap="flat" cmpd="sng" algn="ctr">
+                      <a:noFill/>
+                      <a:prstDash val="solid"/>
+                      <a:round/>
+                      <a:headEnd type="none" w="med" len="med"/>
+                      <a:tailEnd type="none" w="med" len="med"/>
+                    </a:lnR>
+                    <a:lnT w="12700" cap="flat" cmpd="sng" algn="ctr">
+                      <a:solidFill>
+                        <a:schemeClr val="tx1"/>
+                      </a:solidFill>
+                      <a:prstDash val="solid"/>
+                      <a:round/>
+                      <a:headEnd type="none" w="med" len="med"/>
+                      <a:tailEnd type="none" w="med" len="med"/>
+                    </a:lnT>
+                    <a:lnB w="12700" cap="flat" cmpd="sng" algn="ctr">
+                      <a:solidFill>
+                        <a:schemeClr val="tx1"/>
+                      </a:solidFill>
+                      <a:prstDash val="solid"/>
+                      <a:round/>
+                      <a:headEnd type="none" w="med" len="med"/>
+                      <a:tailEnd type="none" w="med" len="med"/>
+                    </a:lnB>
+                  </a:tcPr>
+                </a:tc>
+                <a:tc>
+                  <a:txBody>
+                    <a:bodyPr/>
+                    <a:lstStyle/>
+                    <a:p>
+                      <a:endParaRPr lang="de-DE" sz="500" dirty="0"/>
+                    </a:p>
+                  </a:txBody>
+                  <a:tcPr>
+                    <a:lnL w="12700" cap="flat" cmpd="sng" algn="ctr">
+                      <a:noFill/>
+                      <a:prstDash val="solid"/>
+                      <a:round/>
+                      <a:headEnd type="none" w="med" len="med"/>
+                      <a:tailEnd type="none" w="med" len="med"/>
+                    </a:lnL>
+                    <a:lnR w="12700" cap="flat" cmpd="sng" algn="ctr">
+                      <a:solidFill>
+                        <a:schemeClr val="tx1"/>
+                      </a:solidFill>
+                      <a:prstDash val="solid"/>
+                      <a:round/>
+                      <a:headEnd type="none" w="med" len="med"/>
+                      <a:tailEnd type="none" w="med" len="med"/>
+                    </a:lnR>
+                    <a:lnT w="12700" cap="flat" cmpd="sng" algn="ctr">
+                      <a:solidFill>
+                        <a:schemeClr val="tx1"/>
+                      </a:solidFill>
+                      <a:prstDash val="solid"/>
+                      <a:round/>
+                      <a:headEnd type="none" w="med" len="med"/>
+                      <a:tailEnd type="none" w="med" len="med"/>
+                    </a:lnT>
+                    <a:lnB w="12700" cap="flat" cmpd="sng" algn="ctr">
+                      <a:solidFill>
+                        <a:schemeClr val="tx1"/>
+                      </a:solidFill>
+                      <a:prstDash val="solid"/>
+                      <a:round/>
+                      <a:headEnd type="none" w="med" len="med"/>
+                      <a:tailEnd type="none" w="med" len="med"/>
+                    </a:lnB>
+                  </a:tcPr>
+                </a:tc>
+                <a:extLst>
+                  <a:ext uri="{0D108BD9-81ED-4DB2-BD59-A6C34878D82A}">
+                    <a16:rowId xmlns:a16="http://schemas.microsoft.com/office/drawing/2014/main" val="109647893"/>
+                  </a:ext>
+                </a:extLst>
+              </a:tr>
+              <a:tr h="178635">
+                <a:tc>
+                  <a:txBody>
+                    <a:bodyPr/>
+                    <a:lstStyle/>
+                    <a:p>
+                      <a:r>
+                        <a:rPr lang="de-DE" sz="700" dirty="0" err="1"/>
+                        <a:t>id</a:t>
+                      </a:r>
+                      <a:endParaRPr lang="de-DE" sz="700" dirty="0"/>
+                    </a:p>
+                  </a:txBody>
+                  <a:tcPr>
+                    <a:lnL w="12700" cap="flat" cmpd="sng" algn="ctr">
+                      <a:solidFill>
+                        <a:schemeClr val="tx1"/>
+                      </a:solidFill>
+                      <a:prstDash val="solid"/>
+                      <a:round/>
+                      <a:headEnd type="none" w="med" len="med"/>
+                      <a:tailEnd type="none" w="med" len="med"/>
+                    </a:lnL>
+                    <a:lnR w="12700" cap="flat" cmpd="sng" algn="ctr">
+                      <a:solidFill>
+                        <a:schemeClr val="tx1"/>
+                      </a:solidFill>
+                      <a:prstDash val="solid"/>
+                      <a:round/>
+                      <a:headEnd type="none" w="med" len="med"/>
+                      <a:tailEnd type="none" w="med" len="med"/>
+                    </a:lnR>
+                    <a:lnT w="12700" cap="flat" cmpd="sng" algn="ctr">
+                      <a:solidFill>
+                        <a:schemeClr val="tx1"/>
+                      </a:solidFill>
+                      <a:prstDash val="solid"/>
+                      <a:round/>
+                      <a:headEnd type="none" w="med" len="med"/>
+                      <a:tailEnd type="none" w="med" len="med"/>
+                    </a:lnT>
+                    <a:lnB w="12700" cap="flat" cmpd="sng" algn="ctr">
+                      <a:noFill/>
+                      <a:prstDash val="solid"/>
+                      <a:round/>
+                      <a:headEnd type="none" w="med" len="med"/>
+                      <a:tailEnd type="none" w="med" len="med"/>
+                    </a:lnB>
+                    <a:solidFill>
+                      <a:schemeClr val="bg1"/>
+                    </a:solidFill>
+                  </a:tcPr>
+                </a:tc>
+                <a:tc>
+                  <a:txBody>
+                    <a:bodyPr/>
+                    <a:lstStyle/>
+                    <a:p>
+                      <a:r>
+                        <a:rPr lang="de-DE" sz="700" dirty="0" err="1"/>
+                        <a:t>int</a:t>
+                      </a:r>
+                      <a:endParaRPr lang="de-DE" sz="700" dirty="0"/>
+                    </a:p>
+                  </a:txBody>
+                  <a:tcPr>
+                    <a:lnL w="12700" cap="flat" cmpd="sng" algn="ctr">
+                      <a:solidFill>
+                        <a:schemeClr val="tx1"/>
+                      </a:solidFill>
+                      <a:prstDash val="solid"/>
+                      <a:round/>
+                      <a:headEnd type="none" w="med" len="med"/>
+                      <a:tailEnd type="none" w="med" len="med"/>
+                    </a:lnL>
+                    <a:lnR w="12700" cap="flat" cmpd="sng" algn="ctr">
+                      <a:solidFill>
+                        <a:schemeClr val="tx1"/>
+                      </a:solidFill>
+                      <a:prstDash val="solid"/>
+                      <a:round/>
+                      <a:headEnd type="none" w="med" len="med"/>
+                      <a:tailEnd type="none" w="med" len="med"/>
+                    </a:lnR>
+                    <a:lnT w="12700" cap="flat" cmpd="sng" algn="ctr">
+                      <a:solidFill>
+                        <a:schemeClr val="tx1"/>
+                      </a:solidFill>
+                      <a:prstDash val="solid"/>
+                      <a:round/>
+                      <a:headEnd type="none" w="med" len="med"/>
+                      <a:tailEnd type="none" w="med" len="med"/>
+                    </a:lnT>
+                    <a:lnB w="12700" cap="flat" cmpd="sng" algn="ctr">
+                      <a:noFill/>
+                      <a:prstDash val="solid"/>
+                      <a:round/>
+                      <a:headEnd type="none" w="med" len="med"/>
+                      <a:tailEnd type="none" w="med" len="med"/>
+                    </a:lnB>
+                    <a:solidFill>
+                      <a:schemeClr val="bg1"/>
+                    </a:solidFill>
+                  </a:tcPr>
+                </a:tc>
+                <a:extLst>
+                  <a:ext uri="{0D108BD9-81ED-4DB2-BD59-A6C34878D82A}">
+                    <a16:rowId xmlns:a16="http://schemas.microsoft.com/office/drawing/2014/main" val="3560326657"/>
+                  </a:ext>
+                </a:extLst>
+              </a:tr>
+              <a:tr h="178635">
+                <a:tc>
+                  <a:txBody>
+                    <a:bodyPr/>
+                    <a:lstStyle/>
+                    <a:p>
+                      <a:r>
+                        <a:rPr lang="de-DE" sz="700" dirty="0" err="1"/>
+                        <a:t>variant_id</a:t>
+                      </a:r>
+                      <a:endParaRPr lang="de-DE" sz="700" dirty="0"/>
+                    </a:p>
+                  </a:txBody>
+                  <a:tcPr>
+                    <a:lnL w="12700" cap="flat" cmpd="sng" algn="ctr">
+                      <a:solidFill>
+                        <a:schemeClr val="tx1"/>
+                      </a:solidFill>
+                      <a:prstDash val="solid"/>
+                      <a:round/>
+                      <a:headEnd type="none" w="med" len="med"/>
+                      <a:tailEnd type="none" w="med" len="med"/>
+                    </a:lnL>
+                    <a:lnR w="12700" cap="flat" cmpd="sng" algn="ctr">
+                      <a:solidFill>
+                        <a:schemeClr val="tx1"/>
+                      </a:solidFill>
+                      <a:prstDash val="solid"/>
+                      <a:round/>
+                      <a:headEnd type="none" w="med" len="med"/>
+                      <a:tailEnd type="none" w="med" len="med"/>
+                    </a:lnR>
+                    <a:lnT w="12700" cap="flat" cmpd="sng" algn="ctr">
+                      <a:noFill/>
+                      <a:prstDash val="solid"/>
+                      <a:round/>
+                      <a:headEnd type="none" w="med" len="med"/>
+                      <a:tailEnd type="none" w="med" len="med"/>
+                    </a:lnT>
+                    <a:lnB w="12700" cap="flat" cmpd="sng" algn="ctr">
+                      <a:noFill/>
+                      <a:prstDash val="solid"/>
+                      <a:round/>
+                      <a:headEnd type="none" w="med" len="med"/>
+                      <a:tailEnd type="none" w="med" len="med"/>
+                    </a:lnB>
+                    <a:solidFill>
+                      <a:schemeClr val="bg1"/>
+                    </a:solidFill>
+                  </a:tcPr>
+                </a:tc>
+                <a:tc>
+                  <a:txBody>
+                    <a:bodyPr/>
+                    <a:lstStyle/>
+                    <a:p>
+                      <a:r>
+                        <a:rPr lang="de-DE" sz="700" dirty="0" err="1"/>
+                        <a:t>int</a:t>
+                      </a:r>
+                      <a:endParaRPr lang="de-DE" sz="700" dirty="0"/>
+                    </a:p>
+                  </a:txBody>
+                  <a:tcPr>
+                    <a:lnL w="12700" cap="flat" cmpd="sng" algn="ctr">
+                      <a:solidFill>
+                        <a:schemeClr val="tx1"/>
+                      </a:solidFill>
+                      <a:prstDash val="solid"/>
+                      <a:round/>
+                      <a:headEnd type="none" w="med" len="med"/>
+                      <a:tailEnd type="none" w="med" len="med"/>
+                    </a:lnL>
+                    <a:lnR w="12700" cap="flat" cmpd="sng" algn="ctr">
+                      <a:solidFill>
+                        <a:schemeClr val="tx1"/>
+                      </a:solidFill>
+                      <a:prstDash val="solid"/>
+                      <a:round/>
+                      <a:headEnd type="none" w="med" len="med"/>
+                      <a:tailEnd type="none" w="med" len="med"/>
+                    </a:lnR>
+                    <a:lnT w="12700" cap="flat" cmpd="sng" algn="ctr">
+                      <a:noFill/>
+                      <a:prstDash val="solid"/>
+                      <a:round/>
+                      <a:headEnd type="none" w="med" len="med"/>
+                      <a:tailEnd type="none" w="med" len="med"/>
+                    </a:lnT>
+                    <a:lnB w="12700" cap="flat" cmpd="sng" algn="ctr">
+                      <a:noFill/>
+                      <a:prstDash val="solid"/>
+                      <a:round/>
+                      <a:headEnd type="none" w="med" len="med"/>
+                      <a:tailEnd type="none" w="med" len="med"/>
+                    </a:lnB>
+                    <a:solidFill>
+                      <a:schemeClr val="bg1"/>
+                    </a:solidFill>
+                  </a:tcPr>
+                </a:tc>
+                <a:extLst>
+                  <a:ext uri="{0D108BD9-81ED-4DB2-BD59-A6C34878D82A}">
+                    <a16:rowId xmlns:a16="http://schemas.microsoft.com/office/drawing/2014/main" val="1682664123"/>
+                  </a:ext>
+                </a:extLst>
+              </a:tr>
+              <a:tr h="178635">
+                <a:tc>
+                  <a:txBody>
+                    <a:bodyPr/>
+                    <a:lstStyle/>
+                    <a:p>
+                      <a:r>
+                        <a:rPr lang="de-DE" sz="700" dirty="0" err="1"/>
+                        <a:t>variant_type_id</a:t>
+                      </a:r>
+                      <a:endParaRPr lang="de-DE" sz="700" dirty="0"/>
+                    </a:p>
+                  </a:txBody>
+                  <a:tcPr>
+                    <a:lnL w="12700" cap="flat" cmpd="sng" algn="ctr">
+                      <a:solidFill>
+                        <a:schemeClr val="tx1"/>
+                      </a:solidFill>
+                      <a:prstDash val="solid"/>
+                      <a:round/>
+                      <a:headEnd type="none" w="med" len="med"/>
+                      <a:tailEnd type="none" w="med" len="med"/>
+                    </a:lnL>
+                    <a:lnR w="12700" cap="flat" cmpd="sng" algn="ctr">
+                      <a:solidFill>
+                        <a:schemeClr val="tx1"/>
+                      </a:solidFill>
+                      <a:prstDash val="solid"/>
+                      <a:round/>
+                      <a:headEnd type="none" w="med" len="med"/>
+                      <a:tailEnd type="none" w="med" len="med"/>
+                    </a:lnR>
+                    <a:lnT w="12700" cap="flat" cmpd="sng" algn="ctr">
+                      <a:noFill/>
+                      <a:prstDash val="solid"/>
+                      <a:round/>
+                      <a:headEnd type="none" w="med" len="med"/>
+                      <a:tailEnd type="none" w="med" len="med"/>
+                    </a:lnT>
+                    <a:lnB w="12700" cap="flat" cmpd="sng" algn="ctr">
+                      <a:noFill/>
+                      <a:prstDash val="solid"/>
+                      <a:round/>
+                      <a:headEnd type="none" w="med" len="med"/>
+                      <a:tailEnd type="none" w="med" len="med"/>
+                    </a:lnB>
+                    <a:solidFill>
+                      <a:schemeClr val="bg1"/>
+                    </a:solidFill>
+                  </a:tcPr>
+                </a:tc>
+                <a:tc>
+                  <a:txBody>
+                    <a:bodyPr/>
+                    <a:lstStyle/>
+                    <a:p>
+                      <a:r>
+                        <a:rPr lang="de-DE" sz="700" dirty="0" err="1"/>
+                        <a:t>int</a:t>
+                      </a:r>
+                      <a:endParaRPr lang="de-DE" sz="700" dirty="0"/>
+                    </a:p>
+                  </a:txBody>
+                  <a:tcPr>
+                    <a:lnL w="12700" cap="flat" cmpd="sng" algn="ctr">
+                      <a:solidFill>
+                        <a:schemeClr val="tx1"/>
+                      </a:solidFill>
+                      <a:prstDash val="solid"/>
+                      <a:round/>
+                      <a:headEnd type="none" w="med" len="med"/>
+                      <a:tailEnd type="none" w="med" len="med"/>
+                    </a:lnL>
+                    <a:lnR w="12700" cap="flat" cmpd="sng" algn="ctr">
+                      <a:solidFill>
+                        <a:schemeClr val="tx1"/>
+                      </a:solidFill>
+                      <a:prstDash val="solid"/>
+                      <a:round/>
+                      <a:headEnd type="none" w="med" len="med"/>
+                      <a:tailEnd type="none" w="med" len="med"/>
+                    </a:lnR>
+                    <a:lnT w="12700" cap="flat" cmpd="sng" algn="ctr">
+                      <a:noFill/>
+                      <a:prstDash val="solid"/>
+                      <a:round/>
+                      <a:headEnd type="none" w="med" len="med"/>
+                      <a:tailEnd type="none" w="med" len="med"/>
+                    </a:lnT>
+                    <a:lnB w="12700" cap="flat" cmpd="sng" algn="ctr">
+                      <a:noFill/>
+                      <a:prstDash val="solid"/>
+                      <a:round/>
+                      <a:headEnd type="none" w="med" len="med"/>
+                      <a:tailEnd type="none" w="med" len="med"/>
+                    </a:lnB>
+                    <a:solidFill>
+                      <a:schemeClr val="bg1"/>
+                    </a:solidFill>
+                  </a:tcPr>
+                </a:tc>
+                <a:extLst>
+                  <a:ext uri="{0D108BD9-81ED-4DB2-BD59-A6C34878D82A}">
+                    <a16:rowId xmlns:a16="http://schemas.microsoft.com/office/drawing/2014/main" val="3959817049"/>
+                  </a:ext>
+                </a:extLst>
+              </a:tr>
+              <a:tr h="178635">
+                <a:tc>
+                  <a:txBody>
+                    <a:bodyPr/>
+                    <a:lstStyle/>
+                    <a:p>
+                      <a:r>
+                        <a:rPr lang="de-DE" sz="700" dirty="0" err="1"/>
+                        <a:t>value</a:t>
+                      </a:r>
+                      <a:endParaRPr lang="de-DE" sz="700" dirty="0"/>
+                    </a:p>
+                  </a:txBody>
+                  <a:tcPr>
+                    <a:lnL w="12700" cap="flat" cmpd="sng" algn="ctr">
+                      <a:solidFill>
+                        <a:schemeClr val="tx1"/>
+                      </a:solidFill>
+                      <a:prstDash val="solid"/>
+                      <a:round/>
+                      <a:headEnd type="none" w="med" len="med"/>
+                      <a:tailEnd type="none" w="med" len="med"/>
+                    </a:lnL>
+                    <a:lnR w="12700" cap="flat" cmpd="sng" algn="ctr">
+                      <a:solidFill>
+                        <a:schemeClr val="tx1"/>
+                      </a:solidFill>
+                      <a:prstDash val="solid"/>
+                      <a:round/>
+                      <a:headEnd type="none" w="med" len="med"/>
+                      <a:tailEnd type="none" w="med" len="med"/>
+                    </a:lnR>
+                    <a:lnT w="12700" cap="flat" cmpd="sng" algn="ctr">
+                      <a:noFill/>
+                      <a:prstDash val="solid"/>
+                      <a:round/>
+                      <a:headEnd type="none" w="med" len="med"/>
+                      <a:tailEnd type="none" w="med" len="med"/>
+                    </a:lnT>
+                    <a:lnB w="12700" cap="flat" cmpd="sng" algn="ctr">
+                      <a:solidFill>
+                        <a:schemeClr val="tx1"/>
+                      </a:solidFill>
+                      <a:prstDash val="solid"/>
+                      <a:round/>
+                      <a:headEnd type="none" w="med" len="med"/>
+                      <a:tailEnd type="none" w="med" len="med"/>
+                    </a:lnB>
+                    <a:solidFill>
+                      <a:schemeClr val="bg1"/>
+                    </a:solidFill>
+                  </a:tcPr>
+                </a:tc>
+                <a:tc>
+                  <a:txBody>
+                    <a:bodyPr/>
+                    <a:lstStyle/>
+                    <a:p>
+                      <a:r>
+                        <a:rPr lang="de-DE" sz="700" dirty="0" err="1"/>
+                        <a:t>text</a:t>
+                      </a:r>
+                      <a:endParaRPr lang="de-DE" sz="700" dirty="0"/>
+                    </a:p>
+                  </a:txBody>
+                  <a:tcPr>
+                    <a:lnL w="12700" cap="flat" cmpd="sng" algn="ctr">
+                      <a:solidFill>
+                        <a:schemeClr val="tx1"/>
+                      </a:solidFill>
+                      <a:prstDash val="solid"/>
+                      <a:round/>
+                      <a:headEnd type="none" w="med" len="med"/>
+                      <a:tailEnd type="none" w="med" len="med"/>
+                    </a:lnL>
+                    <a:lnR w="12700" cap="flat" cmpd="sng" algn="ctr">
+                      <a:solidFill>
+                        <a:schemeClr val="tx1"/>
+                      </a:solidFill>
+                      <a:prstDash val="solid"/>
+                      <a:round/>
+                      <a:headEnd type="none" w="med" len="med"/>
+                      <a:tailEnd type="none" w="med" len="med"/>
+                    </a:lnR>
+                    <a:lnT w="12700" cap="flat" cmpd="sng" algn="ctr">
+                      <a:noFill/>
+                      <a:prstDash val="solid"/>
+                      <a:round/>
+                      <a:headEnd type="none" w="med" len="med"/>
+                      <a:tailEnd type="none" w="med" len="med"/>
+                    </a:lnT>
+                    <a:lnB w="12700" cap="flat" cmpd="sng" algn="ctr">
+                      <a:solidFill>
+                        <a:schemeClr val="tx1"/>
+                      </a:solidFill>
+                      <a:prstDash val="solid"/>
+                      <a:round/>
+                      <a:headEnd type="none" w="med" len="med"/>
+                      <a:tailEnd type="none" w="med" len="med"/>
+                    </a:lnB>
+                    <a:solidFill>
+                      <a:schemeClr val="bg1"/>
+                    </a:solidFill>
+                  </a:tcPr>
+                </a:tc>
+                <a:extLst>
+                  <a:ext uri="{0D108BD9-81ED-4DB2-BD59-A6C34878D82A}">
+                    <a16:rowId xmlns:a16="http://schemas.microsoft.com/office/drawing/2014/main" val="4115687846"/>
+                  </a:ext>
+                </a:extLst>
+              </a:tr>
+            </a:tbl>
+          </a:graphicData>
+        </a:graphic>
+      </p:graphicFrame>
+      <p:graphicFrame>
+        <p:nvGraphicFramePr>
+          <p:cNvPr id="7" name="Tabelle 6">
+            <a:extLst>
+              <a:ext uri="{FF2B5EF4-FFF2-40B4-BE49-F238E27FC236}">
+                <a16:creationId xmlns:a16="http://schemas.microsoft.com/office/drawing/2014/main" id="{EC242DAB-8316-4C9B-A227-6BB838FF916C}"/>
+              </a:ext>
+            </a:extLst>
+          </p:cNvPr>
+          <p:cNvGraphicFramePr>
+            <a:graphicFrameLocks noGrp="1"/>
+          </p:cNvGraphicFramePr>
+          <p:nvPr>
+            <p:extLst>
+              <p:ext uri="{D42A27DB-BD31-4B8C-83A1-F6EECF244321}">
+                <p14:modId xmlns:p14="http://schemas.microsoft.com/office/powerpoint/2010/main" val="1963343526"/>
+              </p:ext>
+            </p:extLst>
+          </p:nvPr>
+        </p:nvGraphicFramePr>
+        <p:xfrm>
+          <a:off x="8265638" y="3117097"/>
+          <a:ext cx="1407888" cy="1295400"/>
+        </p:xfrm>
+        <a:graphic>
+          <a:graphicData uri="http://schemas.openxmlformats.org/drawingml/2006/table">
+            <a:tbl>
+              <a:tblPr firstRow="1" bandRow="1">
+                <a:tableStyleId>{2D5ABB26-0587-4C30-8999-92F81FD0307C}</a:tableStyleId>
+              </a:tblPr>
+              <a:tblGrid>
+                <a:gridCol w="922696">
+                  <a:extLst>
+                    <a:ext uri="{9D8B030D-6E8A-4147-A177-3AD203B41FA5}">
+                      <a16:colId xmlns:a16="http://schemas.microsoft.com/office/drawing/2014/main" val="650321458"/>
+                    </a:ext>
+                  </a:extLst>
+                </a:gridCol>
+                <a:gridCol w="485192">
+                  <a:extLst>
+                    <a:ext uri="{9D8B030D-6E8A-4147-A177-3AD203B41FA5}">
+                      <a16:colId xmlns:a16="http://schemas.microsoft.com/office/drawing/2014/main" val="4065165498"/>
+                    </a:ext>
+                  </a:extLst>
+                </a:gridCol>
+              </a:tblGrid>
+              <a:tr h="178635">
+                <a:tc gridSpan="2">
+                  <a:txBody>
+                    <a:bodyPr/>
+                    <a:lstStyle/>
+                    <a:p>
+                      <a:r>
+                        <a:rPr lang="de-DE" sz="700" b="1" dirty="0" err="1"/>
+                        <a:t>consensus_classification</a:t>
+                      </a:r>
+                      <a:endParaRPr lang="de-DE" sz="500" b="1" dirty="0"/>
+                    </a:p>
+                  </a:txBody>
+                  <a:tcPr>
+                    <a:lnL w="12700" cap="flat" cmpd="sng" algn="ctr">
+                      <a:solidFill>
+                        <a:schemeClr val="tx1"/>
+                      </a:solidFill>
+                      <a:prstDash val="solid"/>
+                      <a:round/>
+                      <a:headEnd type="none" w="med" len="med"/>
+                      <a:tailEnd type="none" w="med" len="med"/>
+                    </a:lnL>
+                    <a:lnR w="12700" cap="flat" cmpd="sng" algn="ctr">
+                      <a:solidFill>
+                        <a:schemeClr val="tx1"/>
+                      </a:solidFill>
+                      <a:prstDash val="solid"/>
+                      <a:round/>
+                      <a:headEnd type="none" w="med" len="med"/>
+                      <a:tailEnd type="none" w="med" len="med"/>
+                    </a:lnR>
+                    <a:lnT w="12700" cap="flat" cmpd="sng" algn="ctr">
+                      <a:solidFill>
+                        <a:schemeClr val="tx1"/>
+                      </a:solidFill>
+                      <a:prstDash val="solid"/>
+                      <a:round/>
+                      <a:headEnd type="none" w="med" len="med"/>
+                      <a:tailEnd type="none" w="med" len="med"/>
+                    </a:lnT>
+                    <a:lnB w="12700" cap="flat" cmpd="sng" algn="ctr">
+                      <a:solidFill>
+                        <a:schemeClr val="tx1"/>
+                      </a:solidFill>
+                      <a:prstDash val="solid"/>
+                      <a:round/>
+                      <a:headEnd type="none" w="med" len="med"/>
+                      <a:tailEnd type="none" w="med" len="med"/>
+                    </a:lnB>
+                  </a:tcPr>
+                </a:tc>
+                <a:tc hMerge="1">
+                  <a:txBody>
+                    <a:bodyPr/>
+                    <a:lstStyle/>
+                    <a:p>
+                      <a:endParaRPr lang="de-DE" sz="500" dirty="0"/>
+                    </a:p>
+                  </a:txBody>
+                  <a:tcPr>
+                    <a:lnL w="12700" cap="flat" cmpd="sng" algn="ctr">
+                      <a:noFill/>
+                      <a:prstDash val="solid"/>
+                      <a:round/>
+                      <a:headEnd type="none" w="med" len="med"/>
+                      <a:tailEnd type="none" w="med" len="med"/>
+                    </a:lnL>
+                    <a:lnR w="12700" cap="flat" cmpd="sng" algn="ctr">
+                      <a:solidFill>
+                        <a:schemeClr val="tx1"/>
+                      </a:solidFill>
+                      <a:prstDash val="solid"/>
+                      <a:round/>
+                      <a:headEnd type="none" w="med" len="med"/>
+                      <a:tailEnd type="none" w="med" len="med"/>
+                    </a:lnR>
+                    <a:lnT w="12700" cap="flat" cmpd="sng" algn="ctr">
+                      <a:solidFill>
+                        <a:schemeClr val="tx1"/>
+                      </a:solidFill>
+                      <a:prstDash val="solid"/>
+                      <a:round/>
+                      <a:headEnd type="none" w="med" len="med"/>
+                      <a:tailEnd type="none" w="med" len="med"/>
+                    </a:lnT>
+                    <a:lnB w="12700" cap="flat" cmpd="sng" algn="ctr">
+                      <a:solidFill>
+                        <a:schemeClr val="tx1"/>
+                      </a:solidFill>
+                      <a:prstDash val="solid"/>
+                      <a:round/>
+                      <a:headEnd type="none" w="med" len="med"/>
+                      <a:tailEnd type="none" w="med" len="med"/>
+                    </a:lnB>
+                  </a:tcPr>
+                </a:tc>
+                <a:extLst>
+                  <a:ext uri="{0D108BD9-81ED-4DB2-BD59-A6C34878D82A}">
+                    <a16:rowId xmlns:a16="http://schemas.microsoft.com/office/drawing/2014/main" val="109647893"/>
+                  </a:ext>
+                </a:extLst>
+              </a:tr>
+              <a:tr h="178635">
+                <a:tc>
+                  <a:txBody>
+                    <a:bodyPr/>
+                    <a:lstStyle/>
+                    <a:p>
+                      <a:r>
+                        <a:rPr lang="de-DE" sz="700" dirty="0" err="1"/>
+                        <a:t>id</a:t>
+                      </a:r>
+                      <a:endParaRPr lang="de-DE" sz="700" dirty="0"/>
+                    </a:p>
+                  </a:txBody>
+                  <a:tcPr>
+                    <a:lnL w="12700" cap="flat" cmpd="sng" algn="ctr">
+                      <a:solidFill>
+                        <a:schemeClr val="tx1"/>
+                      </a:solidFill>
+                      <a:prstDash val="solid"/>
+                      <a:round/>
+                      <a:headEnd type="none" w="med" len="med"/>
+                      <a:tailEnd type="none" w="med" len="med"/>
+                    </a:lnL>
+                    <a:lnR w="12700" cap="flat" cmpd="sng" algn="ctr">
+                      <a:solidFill>
+                        <a:schemeClr val="tx1"/>
+                      </a:solidFill>
+                      <a:prstDash val="solid"/>
+                      <a:round/>
+                      <a:headEnd type="none" w="med" len="med"/>
+                      <a:tailEnd type="none" w="med" len="med"/>
+                    </a:lnR>
+                    <a:lnT w="12700" cap="flat" cmpd="sng" algn="ctr">
+                      <a:solidFill>
+                        <a:schemeClr val="tx1"/>
+                      </a:solidFill>
+                      <a:prstDash val="solid"/>
+                      <a:round/>
+                      <a:headEnd type="none" w="med" len="med"/>
+                      <a:tailEnd type="none" w="med" len="med"/>
+                    </a:lnT>
+                    <a:lnB w="12700" cap="flat" cmpd="sng" algn="ctr">
+                      <a:noFill/>
+                      <a:prstDash val="solid"/>
+                      <a:round/>
+                      <a:headEnd type="none" w="med" len="med"/>
+                      <a:tailEnd type="none" w="med" len="med"/>
+                    </a:lnB>
+                    <a:solidFill>
+                      <a:schemeClr val="bg1"/>
+                    </a:solidFill>
+                  </a:tcPr>
+                </a:tc>
+                <a:tc>
+                  <a:txBody>
+                    <a:bodyPr/>
+                    <a:lstStyle/>
+                    <a:p>
+                      <a:r>
+                        <a:rPr lang="de-DE" sz="700" dirty="0" err="1"/>
+                        <a:t>int</a:t>
+                      </a:r>
+                      <a:endParaRPr lang="de-DE" sz="700" dirty="0"/>
+                    </a:p>
+                  </a:txBody>
+                  <a:tcPr>
+                    <a:lnL w="12700" cap="flat" cmpd="sng" algn="ctr">
+                      <a:solidFill>
+                        <a:schemeClr val="tx1"/>
+                      </a:solidFill>
+                      <a:prstDash val="solid"/>
+                      <a:round/>
+                      <a:headEnd type="none" w="med" len="med"/>
+                      <a:tailEnd type="none" w="med" len="med"/>
+                    </a:lnL>
+                    <a:lnR w="12700" cap="flat" cmpd="sng" algn="ctr">
+                      <a:solidFill>
+                        <a:schemeClr val="tx1"/>
+                      </a:solidFill>
+                      <a:prstDash val="solid"/>
+                      <a:round/>
+                      <a:headEnd type="none" w="med" len="med"/>
+                      <a:tailEnd type="none" w="med" len="med"/>
+                    </a:lnR>
+                    <a:lnT w="12700" cap="flat" cmpd="sng" algn="ctr">
+                      <a:solidFill>
+                        <a:schemeClr val="tx1"/>
+                      </a:solidFill>
+                      <a:prstDash val="solid"/>
+                      <a:round/>
+                      <a:headEnd type="none" w="med" len="med"/>
+                      <a:tailEnd type="none" w="med" len="med"/>
+                    </a:lnT>
+                    <a:lnB w="12700" cap="flat" cmpd="sng" algn="ctr">
+                      <a:noFill/>
+                      <a:prstDash val="solid"/>
+                      <a:round/>
+                      <a:headEnd type="none" w="med" len="med"/>
+                      <a:tailEnd type="none" w="med" len="med"/>
+                    </a:lnB>
+                    <a:solidFill>
+                      <a:schemeClr val="bg1"/>
+                    </a:solidFill>
+                  </a:tcPr>
+                </a:tc>
+                <a:extLst>
+                  <a:ext uri="{0D108BD9-81ED-4DB2-BD59-A6C34878D82A}">
+                    <a16:rowId xmlns:a16="http://schemas.microsoft.com/office/drawing/2014/main" val="3120204146"/>
+                  </a:ext>
+                </a:extLst>
+              </a:tr>
+              <a:tr h="178635">
+                <a:tc>
+                  <a:txBody>
+                    <a:bodyPr/>
+                    <a:lstStyle/>
+                    <a:p>
+                      <a:r>
+                        <a:rPr lang="de-DE" sz="700" dirty="0" err="1"/>
+                        <a:t>variant_id</a:t>
+                      </a:r>
+                      <a:endParaRPr lang="de-DE" sz="700" dirty="0"/>
+                    </a:p>
+                  </a:txBody>
+                  <a:tcPr>
+                    <a:lnL w="12700" cap="flat" cmpd="sng" algn="ctr">
+                      <a:solidFill>
+                        <a:schemeClr val="tx1"/>
+                      </a:solidFill>
+                      <a:prstDash val="solid"/>
+                      <a:round/>
+                      <a:headEnd type="none" w="med" len="med"/>
+                      <a:tailEnd type="none" w="med" len="med"/>
+                    </a:lnL>
+                    <a:lnR w="12700" cap="flat" cmpd="sng" algn="ctr">
+                      <a:solidFill>
+                        <a:schemeClr val="tx1"/>
+                      </a:solidFill>
+                      <a:prstDash val="solid"/>
+                      <a:round/>
+                      <a:headEnd type="none" w="med" len="med"/>
+                      <a:tailEnd type="none" w="med" len="med"/>
+                    </a:lnR>
+                    <a:lnT w="12700" cap="flat" cmpd="sng" algn="ctr">
+                      <a:noFill/>
+                      <a:prstDash val="solid"/>
+                      <a:round/>
+                      <a:headEnd type="none" w="med" len="med"/>
+                      <a:tailEnd type="none" w="med" len="med"/>
+                    </a:lnT>
+                    <a:lnB w="12700" cap="flat" cmpd="sng" algn="ctr">
+                      <a:noFill/>
+                      <a:prstDash val="solid"/>
+                      <a:round/>
+                      <a:headEnd type="none" w="med" len="med"/>
+                      <a:tailEnd type="none" w="med" len="med"/>
+                    </a:lnB>
+                    <a:solidFill>
+                      <a:schemeClr val="bg1"/>
+                    </a:solidFill>
+                  </a:tcPr>
+                </a:tc>
+                <a:tc>
+                  <a:txBody>
+                    <a:bodyPr/>
+                    <a:lstStyle/>
+                    <a:p>
+                      <a:r>
+                        <a:rPr lang="de-DE" sz="700" dirty="0" err="1"/>
+                        <a:t>int</a:t>
+                      </a:r>
+                      <a:endParaRPr lang="de-DE" sz="700" dirty="0"/>
+                    </a:p>
+                  </a:txBody>
+                  <a:tcPr>
+                    <a:lnL w="12700" cap="flat" cmpd="sng" algn="ctr">
+                      <a:solidFill>
+                        <a:schemeClr val="tx1"/>
+                      </a:solidFill>
+                      <a:prstDash val="solid"/>
+                      <a:round/>
+                      <a:headEnd type="none" w="med" len="med"/>
+                      <a:tailEnd type="none" w="med" len="med"/>
+                    </a:lnL>
+                    <a:lnR w="12700" cap="flat" cmpd="sng" algn="ctr">
+                      <a:solidFill>
+                        <a:schemeClr val="tx1"/>
+                      </a:solidFill>
+                      <a:prstDash val="solid"/>
+                      <a:round/>
+                      <a:headEnd type="none" w="med" len="med"/>
+                      <a:tailEnd type="none" w="med" len="med"/>
+                    </a:lnR>
+                    <a:lnT w="12700" cap="flat" cmpd="sng" algn="ctr">
+                      <a:noFill/>
+                      <a:prstDash val="solid"/>
+                      <a:round/>
+                      <a:headEnd type="none" w="med" len="med"/>
+                      <a:tailEnd type="none" w="med" len="med"/>
+                    </a:lnT>
+                    <a:lnB w="12700" cap="flat" cmpd="sng" algn="ctr">
+                      <a:noFill/>
+                      <a:prstDash val="solid"/>
+                      <a:round/>
+                      <a:headEnd type="none" w="med" len="med"/>
+                      <a:tailEnd type="none" w="med" len="med"/>
+                    </a:lnB>
+                    <a:solidFill>
+                      <a:schemeClr val="bg1"/>
+                    </a:solidFill>
+                  </a:tcPr>
+                </a:tc>
+                <a:extLst>
+                  <a:ext uri="{0D108BD9-81ED-4DB2-BD59-A6C34878D82A}">
+                    <a16:rowId xmlns:a16="http://schemas.microsoft.com/office/drawing/2014/main" val="3560326657"/>
+                  </a:ext>
+                </a:extLst>
+              </a:tr>
+              <a:tr h="178635">
+                <a:tc>
+                  <a:txBody>
+                    <a:bodyPr/>
+                    <a:lstStyle/>
+                    <a:p>
+                      <a:r>
+                        <a:rPr lang="de-DE" sz="700" dirty="0" err="1"/>
+                        <a:t>classification</a:t>
+                      </a:r>
+                      <a:endParaRPr lang="de-DE" sz="700" dirty="0"/>
+                    </a:p>
+                  </a:txBody>
+                  <a:tcPr>
+                    <a:lnL w="12700" cap="flat" cmpd="sng" algn="ctr">
+                      <a:solidFill>
+                        <a:schemeClr val="tx1"/>
+                      </a:solidFill>
+                      <a:prstDash val="solid"/>
+                      <a:round/>
+                      <a:headEnd type="none" w="med" len="med"/>
+                      <a:tailEnd type="none" w="med" len="med"/>
+                    </a:lnL>
+                    <a:lnR w="12700" cap="flat" cmpd="sng" algn="ctr">
+                      <a:solidFill>
+                        <a:schemeClr val="tx1"/>
+                      </a:solidFill>
+                      <a:prstDash val="solid"/>
+                      <a:round/>
+                      <a:headEnd type="none" w="med" len="med"/>
+                      <a:tailEnd type="none" w="med" len="med"/>
+                    </a:lnR>
+                    <a:lnT w="12700" cap="flat" cmpd="sng" algn="ctr">
+                      <a:noFill/>
+                      <a:prstDash val="solid"/>
+                      <a:round/>
+                      <a:headEnd type="none" w="med" len="med"/>
+                      <a:tailEnd type="none" w="med" len="med"/>
+                    </a:lnT>
+                    <a:lnB w="12700" cap="flat" cmpd="sng" algn="ctr">
+                      <a:noFill/>
+                      <a:prstDash val="solid"/>
+                      <a:round/>
+                      <a:headEnd type="none" w="med" len="med"/>
+                      <a:tailEnd type="none" w="med" len="med"/>
+                    </a:lnB>
+                    <a:solidFill>
+                      <a:schemeClr val="bg1"/>
+                    </a:solidFill>
+                  </a:tcPr>
+                </a:tc>
+                <a:tc>
+                  <a:txBody>
+                    <a:bodyPr/>
+                    <a:lstStyle/>
+                    <a:p>
+                      <a:r>
+                        <a:rPr lang="de-DE" sz="700" dirty="0" err="1"/>
+                        <a:t>enum</a:t>
+                      </a:r>
+                      <a:endParaRPr lang="de-DE" sz="700" dirty="0"/>
+                    </a:p>
+                    <a:p>
+                      <a:r>
+                        <a:rPr lang="de-DE" sz="700" dirty="0"/>
+                        <a:t>{1-5}</a:t>
+                      </a:r>
+                    </a:p>
+                  </a:txBody>
+                  <a:tcPr>
+                    <a:lnL w="12700" cap="flat" cmpd="sng" algn="ctr">
+                      <a:solidFill>
+                        <a:schemeClr val="tx1"/>
+                      </a:solidFill>
+                      <a:prstDash val="solid"/>
+                      <a:round/>
+                      <a:headEnd type="none" w="med" len="med"/>
+                      <a:tailEnd type="none" w="med" len="med"/>
+                    </a:lnL>
+                    <a:lnR w="12700" cap="flat" cmpd="sng" algn="ctr">
+                      <a:solidFill>
+                        <a:schemeClr val="tx1"/>
+                      </a:solidFill>
+                      <a:prstDash val="solid"/>
+                      <a:round/>
+                      <a:headEnd type="none" w="med" len="med"/>
+                      <a:tailEnd type="none" w="med" len="med"/>
+                    </a:lnR>
+                    <a:lnT w="12700" cap="flat" cmpd="sng" algn="ctr">
+                      <a:noFill/>
+                      <a:prstDash val="solid"/>
+                      <a:round/>
+                      <a:headEnd type="none" w="med" len="med"/>
+                      <a:tailEnd type="none" w="med" len="med"/>
+                    </a:lnT>
+                    <a:lnB w="12700" cap="flat" cmpd="sng" algn="ctr">
+                      <a:noFill/>
+                      <a:prstDash val="solid"/>
+                      <a:round/>
+                      <a:headEnd type="none" w="med" len="med"/>
+                      <a:tailEnd type="none" w="med" len="med"/>
+                    </a:lnB>
+                    <a:solidFill>
+                      <a:schemeClr val="bg1"/>
+                    </a:solidFill>
+                  </a:tcPr>
+                </a:tc>
+                <a:extLst>
+                  <a:ext uri="{0D108BD9-81ED-4DB2-BD59-A6C34878D82A}">
+                    <a16:rowId xmlns:a16="http://schemas.microsoft.com/office/drawing/2014/main" val="1164608919"/>
+                  </a:ext>
+                </a:extLst>
+              </a:tr>
+              <a:tr h="178635">
+                <a:tc>
+                  <a:txBody>
+                    <a:bodyPr/>
+                    <a:lstStyle/>
+                    <a:p>
+                      <a:r>
+                        <a:rPr lang="de-DE" sz="700" dirty="0" err="1"/>
+                        <a:t>comment</a:t>
+                      </a:r>
+                      <a:endParaRPr lang="de-DE" sz="700" dirty="0"/>
+                    </a:p>
+                  </a:txBody>
+                  <a:tcPr>
+                    <a:lnL w="12700" cap="flat" cmpd="sng" algn="ctr">
+                      <a:solidFill>
+                        <a:schemeClr val="tx1"/>
+                      </a:solidFill>
+                      <a:prstDash val="solid"/>
+                      <a:round/>
+                      <a:headEnd type="none" w="med" len="med"/>
+                      <a:tailEnd type="none" w="med" len="med"/>
+                    </a:lnL>
+                    <a:lnR w="12700" cap="flat" cmpd="sng" algn="ctr">
+                      <a:solidFill>
+                        <a:schemeClr val="tx1"/>
+                      </a:solidFill>
+                      <a:prstDash val="solid"/>
+                      <a:round/>
+                      <a:headEnd type="none" w="med" len="med"/>
+                      <a:tailEnd type="none" w="med" len="med"/>
+                    </a:lnR>
+                    <a:lnT w="12700" cap="flat" cmpd="sng" algn="ctr">
+                      <a:noFill/>
+                      <a:prstDash val="solid"/>
+                      <a:round/>
+                      <a:headEnd type="none" w="med" len="med"/>
+                      <a:tailEnd type="none" w="med" len="med"/>
+                    </a:lnT>
+                    <a:lnB w="12700" cap="flat" cmpd="sng" algn="ctr">
+                      <a:noFill/>
+                      <a:prstDash val="solid"/>
+                      <a:round/>
+                      <a:headEnd type="none" w="med" len="med"/>
+                      <a:tailEnd type="none" w="med" len="med"/>
+                    </a:lnB>
+                    <a:solidFill>
+                      <a:schemeClr val="bg1"/>
+                    </a:solidFill>
+                  </a:tcPr>
+                </a:tc>
+                <a:tc>
+                  <a:txBody>
+                    <a:bodyPr/>
+                    <a:lstStyle/>
+                    <a:p>
+                      <a:r>
+                        <a:rPr lang="de-DE" sz="700" dirty="0" err="1"/>
+                        <a:t>text</a:t>
+                      </a:r>
+                      <a:r>
+                        <a:rPr lang="de-DE" sz="700" b="1" i="1" dirty="0"/>
+                        <a:t> (n)</a:t>
+                      </a:r>
+                      <a:endParaRPr lang="de-DE" sz="700" dirty="0"/>
+                    </a:p>
+                  </a:txBody>
+                  <a:tcPr>
+                    <a:lnL w="12700" cap="flat" cmpd="sng" algn="ctr">
+                      <a:solidFill>
+                        <a:schemeClr val="tx1"/>
+                      </a:solidFill>
+                      <a:prstDash val="solid"/>
+                      <a:round/>
+                      <a:headEnd type="none" w="med" len="med"/>
+                      <a:tailEnd type="none" w="med" len="med"/>
+                    </a:lnL>
+                    <a:lnR w="12700" cap="flat" cmpd="sng" algn="ctr">
+                      <a:solidFill>
+                        <a:schemeClr val="tx1"/>
+                      </a:solidFill>
+                      <a:prstDash val="solid"/>
+                      <a:round/>
+                      <a:headEnd type="none" w="med" len="med"/>
+                      <a:tailEnd type="none" w="med" len="med"/>
+                    </a:lnR>
+                    <a:lnT w="12700" cap="flat" cmpd="sng" algn="ctr">
+                      <a:noFill/>
+                      <a:prstDash val="solid"/>
+                      <a:round/>
+                      <a:headEnd type="none" w="med" len="med"/>
+                      <a:tailEnd type="none" w="med" len="med"/>
+                    </a:lnT>
+                    <a:lnB w="12700" cap="flat" cmpd="sng" algn="ctr">
+                      <a:noFill/>
+                      <a:prstDash val="solid"/>
+                      <a:round/>
+                      <a:headEnd type="none" w="med" len="med"/>
+                      <a:tailEnd type="none" w="med" len="med"/>
+                    </a:lnB>
+                    <a:solidFill>
+                      <a:schemeClr val="bg1"/>
+                    </a:solidFill>
+                  </a:tcPr>
+                </a:tc>
+                <a:extLst>
+                  <a:ext uri="{0D108BD9-81ED-4DB2-BD59-A6C34878D82A}">
+                    <a16:rowId xmlns:a16="http://schemas.microsoft.com/office/drawing/2014/main" val="2037149430"/>
+                  </a:ext>
+                </a:extLst>
+              </a:tr>
+              <a:tr h="178635">
+                <a:tc>
+                  <a:txBody>
+                    <a:bodyPr/>
+                    <a:lstStyle/>
+                    <a:p>
+                      <a:r>
+                        <a:rPr lang="de-DE" sz="700" dirty="0" err="1"/>
+                        <a:t>submission_date</a:t>
+                      </a:r>
+                      <a:endParaRPr lang="de-DE" sz="700" dirty="0"/>
+                    </a:p>
+                  </a:txBody>
+                  <a:tcPr>
+                    <a:lnL w="12700" cap="flat" cmpd="sng" algn="ctr">
+                      <a:solidFill>
+                        <a:schemeClr val="tx1"/>
+                      </a:solidFill>
+                      <a:prstDash val="solid"/>
+                      <a:round/>
+                      <a:headEnd type="none" w="med" len="med"/>
+                      <a:tailEnd type="none" w="med" len="med"/>
+                    </a:lnL>
+                    <a:lnR w="12700" cap="flat" cmpd="sng" algn="ctr">
+                      <a:solidFill>
+                        <a:schemeClr val="tx1"/>
+                      </a:solidFill>
+                      <a:prstDash val="solid"/>
+                      <a:round/>
+                      <a:headEnd type="none" w="med" len="med"/>
+                      <a:tailEnd type="none" w="med" len="med"/>
+                    </a:lnR>
+                    <a:lnT w="12700" cap="flat" cmpd="sng" algn="ctr">
+                      <a:noFill/>
+                      <a:prstDash val="solid"/>
+                      <a:round/>
+                      <a:headEnd type="none" w="med" len="med"/>
+                      <a:tailEnd type="none" w="med" len="med"/>
+                    </a:lnT>
+                    <a:lnB w="12700" cap="flat" cmpd="sng" algn="ctr">
+                      <a:solidFill>
+                        <a:schemeClr val="tx1"/>
+                      </a:solidFill>
+                      <a:prstDash val="solid"/>
+                      <a:round/>
+                      <a:headEnd type="none" w="med" len="med"/>
+                      <a:tailEnd type="none" w="med" len="med"/>
+                    </a:lnB>
+                    <a:solidFill>
+                      <a:schemeClr val="bg1"/>
+                    </a:solidFill>
+                  </a:tcPr>
+                </a:tc>
+                <a:tc>
+                  <a:txBody>
+                    <a:bodyPr/>
+                    <a:lstStyle/>
+                    <a:p>
+                      <a:r>
+                        <a:rPr lang="de-DE" sz="700" dirty="0"/>
+                        <a:t>date</a:t>
+                      </a:r>
+                    </a:p>
+                  </a:txBody>
+                  <a:tcPr>
+                    <a:lnL w="12700" cap="flat" cmpd="sng" algn="ctr">
+                      <a:solidFill>
+                        <a:schemeClr val="tx1"/>
+                      </a:solidFill>
+                      <a:prstDash val="solid"/>
+                      <a:round/>
+                      <a:headEnd type="none" w="med" len="med"/>
+                      <a:tailEnd type="none" w="med" len="med"/>
+                    </a:lnL>
+                    <a:lnR w="12700" cap="flat" cmpd="sng" algn="ctr">
+                      <a:solidFill>
+                        <a:schemeClr val="tx1"/>
+                      </a:solidFill>
+                      <a:prstDash val="solid"/>
+                      <a:round/>
+                      <a:headEnd type="none" w="med" len="med"/>
+                      <a:tailEnd type="none" w="med" len="med"/>
+                    </a:lnR>
+                    <a:lnT w="12700" cap="flat" cmpd="sng" algn="ctr">
+                      <a:noFill/>
+                      <a:prstDash val="solid"/>
+                      <a:round/>
+                      <a:headEnd type="none" w="med" len="med"/>
+                      <a:tailEnd type="none" w="med" len="med"/>
+                    </a:lnT>
+                    <a:lnB w="12700" cap="flat" cmpd="sng" algn="ctr">
+                      <a:solidFill>
+                        <a:schemeClr val="tx1"/>
+                      </a:solidFill>
+                      <a:prstDash val="solid"/>
+                      <a:round/>
+                      <a:headEnd type="none" w="med" len="med"/>
+                      <a:tailEnd type="none" w="med" len="med"/>
+                    </a:lnB>
+                    <a:solidFill>
+                      <a:schemeClr val="bg1"/>
+                    </a:solidFill>
+                  </a:tcPr>
+                </a:tc>
+                <a:extLst>
+                  <a:ext uri="{0D108BD9-81ED-4DB2-BD59-A6C34878D82A}">
+                    <a16:rowId xmlns:a16="http://schemas.microsoft.com/office/drawing/2014/main" val="1836843118"/>
+                  </a:ext>
+                </a:extLst>
+              </a:tr>
+            </a:tbl>
+          </a:graphicData>
+        </a:graphic>
+      </p:graphicFrame>
+      <p:cxnSp>
+        <p:nvCxnSpPr>
+          <p:cNvPr id="106" name="Verbinder: gewinkelt 105">
+            <a:extLst>
+              <a:ext uri="{FF2B5EF4-FFF2-40B4-BE49-F238E27FC236}">
+                <a16:creationId xmlns:a16="http://schemas.microsoft.com/office/drawing/2014/main" id="{23D11035-E3B8-4898-88F8-FA1C32371F43}"/>
+              </a:ext>
+            </a:extLst>
+          </p:cNvPr>
+          <p:cNvCxnSpPr>
+            <a:cxnSpLocks/>
+          </p:cNvCxnSpPr>
+          <p:nvPr/>
+        </p:nvCxnSpPr>
+        <p:spPr>
+          <a:xfrm flipV="1">
+            <a:off x="9627333" y="1545441"/>
+            <a:ext cx="943282" cy="541796"/>
+          </a:xfrm>
+          <a:prstGeom prst="bentConnector3">
+            <a:avLst>
+              <a:gd name="adj1" fmla="val 50000"/>
+            </a:avLst>
+          </a:prstGeom>
+          <a:ln w="25400">
+            <a:solidFill>
+              <a:schemeClr val="tx1"/>
+            </a:solidFill>
+            <a:tailEnd type="triangle"/>
+          </a:ln>
+        </p:spPr>
+        <p:style>
+          <a:lnRef idx="1">
+            <a:schemeClr val="accent1"/>
+          </a:lnRef>
+          <a:fillRef idx="0">
+            <a:schemeClr val="accent1"/>
+          </a:fillRef>
+          <a:effectRef idx="0">
+            <a:schemeClr val="accent1"/>
+          </a:effectRef>
+          <a:fontRef idx="minor">
+            <a:schemeClr val="tx1"/>
+          </a:fontRef>
+        </p:style>
+      </p:cxnSp>
+      <p:graphicFrame>
+        <p:nvGraphicFramePr>
+          <p:cNvPr id="6" name="Tabelle 5">
+            <a:extLst>
+              <a:ext uri="{FF2B5EF4-FFF2-40B4-BE49-F238E27FC236}">
+                <a16:creationId xmlns:a16="http://schemas.microsoft.com/office/drawing/2014/main" id="{8023E633-29AF-4A37-AD0F-561B7B6ED56B}"/>
+              </a:ext>
+            </a:extLst>
+          </p:cNvPr>
+          <p:cNvGraphicFramePr>
+            <a:graphicFrameLocks noGrp="1"/>
+          </p:cNvGraphicFramePr>
+          <p:nvPr>
+            <p:extLst>
+              <p:ext uri="{D42A27DB-BD31-4B8C-83A1-F6EECF244321}">
+                <p14:modId xmlns:p14="http://schemas.microsoft.com/office/powerpoint/2010/main" val="2511686065"/>
+              </p:ext>
+            </p:extLst>
+          </p:nvPr>
+        </p:nvGraphicFramePr>
+        <p:xfrm>
+          <a:off x="8269739" y="1075883"/>
+          <a:ext cx="1357594" cy="1493520"/>
+        </p:xfrm>
+        <a:graphic>
+          <a:graphicData uri="http://schemas.openxmlformats.org/drawingml/2006/table">
+            <a:tbl>
+              <a:tblPr firstRow="1" bandRow="1">
+                <a:tableStyleId>{2D5ABB26-0587-4C30-8999-92F81FD0307C}</a:tableStyleId>
+              </a:tblPr>
+              <a:tblGrid>
+                <a:gridCol w="835080">
+                  <a:extLst>
+                    <a:ext uri="{9D8B030D-6E8A-4147-A177-3AD203B41FA5}">
+                      <a16:colId xmlns:a16="http://schemas.microsoft.com/office/drawing/2014/main" val="650321458"/>
+                    </a:ext>
+                  </a:extLst>
+                </a:gridCol>
+                <a:gridCol w="522514">
+                  <a:extLst>
+                    <a:ext uri="{9D8B030D-6E8A-4147-A177-3AD203B41FA5}">
+                      <a16:colId xmlns:a16="http://schemas.microsoft.com/office/drawing/2014/main" val="4065165498"/>
+                    </a:ext>
+                  </a:extLst>
+                </a:gridCol>
+              </a:tblGrid>
+              <a:tr h="178635">
+                <a:tc>
+                  <a:txBody>
+                    <a:bodyPr/>
+                    <a:lstStyle/>
+                    <a:p>
+                      <a:r>
+                        <a:rPr lang="de-DE" sz="700" b="1" dirty="0" err="1"/>
+                        <a:t>classification</a:t>
+                      </a:r>
+                      <a:endParaRPr lang="de-DE" sz="500" b="1" dirty="0"/>
+                    </a:p>
+                  </a:txBody>
+                  <a:tcPr>
+                    <a:lnL w="12700" cap="flat" cmpd="sng" algn="ctr">
+                      <a:solidFill>
+                        <a:schemeClr val="tx1"/>
+                      </a:solidFill>
+                      <a:prstDash val="solid"/>
+                      <a:round/>
+                      <a:headEnd type="none" w="med" len="med"/>
+                      <a:tailEnd type="none" w="med" len="med"/>
+                    </a:lnL>
+                    <a:lnR w="12700" cap="flat" cmpd="sng" algn="ctr">
+                      <a:noFill/>
+                      <a:prstDash val="solid"/>
+                      <a:round/>
+                      <a:headEnd type="none" w="med" len="med"/>
+                      <a:tailEnd type="none" w="med" len="med"/>
+                    </a:lnR>
+                    <a:lnT w="12700" cap="flat" cmpd="sng" algn="ctr">
+                      <a:solidFill>
+                        <a:schemeClr val="tx1"/>
+                      </a:solidFill>
+                      <a:prstDash val="solid"/>
+                      <a:round/>
+                      <a:headEnd type="none" w="med" len="med"/>
+                      <a:tailEnd type="none" w="med" len="med"/>
+                    </a:lnT>
+                    <a:lnB w="12700" cap="flat" cmpd="sng" algn="ctr">
+                      <a:solidFill>
+                        <a:schemeClr val="tx1"/>
+                      </a:solidFill>
+                      <a:prstDash val="solid"/>
+                      <a:round/>
+                      <a:headEnd type="none" w="med" len="med"/>
+                      <a:tailEnd type="none" w="med" len="med"/>
+                    </a:lnB>
+                  </a:tcPr>
+                </a:tc>
+                <a:tc>
+                  <a:txBody>
+                    <a:bodyPr/>
+                    <a:lstStyle/>
+                    <a:p>
+                      <a:endParaRPr lang="de-DE" sz="500" dirty="0"/>
+                    </a:p>
+                  </a:txBody>
+                  <a:tcPr>
+                    <a:lnL w="12700" cap="flat" cmpd="sng" algn="ctr">
+                      <a:noFill/>
+                      <a:prstDash val="solid"/>
+                      <a:round/>
+                      <a:headEnd type="none" w="med" len="med"/>
+                      <a:tailEnd type="none" w="med" len="med"/>
+                    </a:lnL>
+                    <a:lnR w="12700" cap="flat" cmpd="sng" algn="ctr">
+                      <a:solidFill>
+                        <a:schemeClr val="tx1"/>
+                      </a:solidFill>
+                      <a:prstDash val="solid"/>
+                      <a:round/>
+                      <a:headEnd type="none" w="med" len="med"/>
+                      <a:tailEnd type="none" w="med" len="med"/>
+                    </a:lnR>
+                    <a:lnT w="12700" cap="flat" cmpd="sng" algn="ctr">
+                      <a:solidFill>
+                        <a:schemeClr val="tx1"/>
+                      </a:solidFill>
+                      <a:prstDash val="solid"/>
+                      <a:round/>
+                      <a:headEnd type="none" w="med" len="med"/>
+                      <a:tailEnd type="none" w="med" len="med"/>
+                    </a:lnT>
+                    <a:lnB w="12700" cap="flat" cmpd="sng" algn="ctr">
+                      <a:solidFill>
+                        <a:schemeClr val="tx1"/>
+                      </a:solidFill>
+                      <a:prstDash val="solid"/>
+                      <a:round/>
+                      <a:headEnd type="none" w="med" len="med"/>
+                      <a:tailEnd type="none" w="med" len="med"/>
+                    </a:lnB>
+                  </a:tcPr>
+                </a:tc>
+                <a:extLst>
+                  <a:ext uri="{0D108BD9-81ED-4DB2-BD59-A6C34878D82A}">
+                    <a16:rowId xmlns:a16="http://schemas.microsoft.com/office/drawing/2014/main" val="109647893"/>
+                  </a:ext>
+                </a:extLst>
+              </a:tr>
+              <a:tr h="178635">
+                <a:tc>
+                  <a:txBody>
+                    <a:bodyPr/>
+                    <a:lstStyle/>
+                    <a:p>
+                      <a:r>
+                        <a:rPr lang="de-DE" sz="700" dirty="0" err="1"/>
+                        <a:t>id</a:t>
+                      </a:r>
+                      <a:endParaRPr lang="de-DE" sz="700" dirty="0"/>
+                    </a:p>
+                  </a:txBody>
+                  <a:tcPr>
+                    <a:lnL w="12700" cap="flat" cmpd="sng" algn="ctr">
+                      <a:solidFill>
+                        <a:schemeClr val="tx1"/>
+                      </a:solidFill>
+                      <a:prstDash val="solid"/>
+                      <a:round/>
+                      <a:headEnd type="none" w="med" len="med"/>
+                      <a:tailEnd type="none" w="med" len="med"/>
+                    </a:lnL>
+                    <a:lnR w="12700" cap="flat" cmpd="sng" algn="ctr">
+                      <a:solidFill>
+                        <a:schemeClr val="tx1"/>
+                      </a:solidFill>
+                      <a:prstDash val="solid"/>
+                      <a:round/>
+                      <a:headEnd type="none" w="med" len="med"/>
+                      <a:tailEnd type="none" w="med" len="med"/>
+                    </a:lnR>
+                    <a:lnT w="12700" cap="flat" cmpd="sng" algn="ctr">
+                      <a:solidFill>
+                        <a:schemeClr val="tx1"/>
+                      </a:solidFill>
+                      <a:prstDash val="solid"/>
+                      <a:round/>
+                      <a:headEnd type="none" w="med" len="med"/>
+                      <a:tailEnd type="none" w="med" len="med"/>
+                    </a:lnT>
+                    <a:lnB w="12700" cap="flat" cmpd="sng" algn="ctr">
+                      <a:noFill/>
+                      <a:prstDash val="solid"/>
+                      <a:round/>
+                      <a:headEnd type="none" w="med" len="med"/>
+                      <a:tailEnd type="none" w="med" len="med"/>
+                    </a:lnB>
+                    <a:solidFill>
+                      <a:schemeClr val="bg1"/>
+                    </a:solidFill>
+                  </a:tcPr>
+                </a:tc>
+                <a:tc>
+                  <a:txBody>
+                    <a:bodyPr/>
+                    <a:lstStyle/>
+                    <a:p>
+                      <a:r>
+                        <a:rPr lang="de-DE" sz="700" dirty="0" err="1"/>
+                        <a:t>int</a:t>
+                      </a:r>
+                      <a:endParaRPr lang="de-DE" sz="700" dirty="0"/>
+                    </a:p>
+                  </a:txBody>
+                  <a:tcPr>
+                    <a:lnL w="12700" cap="flat" cmpd="sng" algn="ctr">
+                      <a:solidFill>
+                        <a:schemeClr val="tx1"/>
+                      </a:solidFill>
+                      <a:prstDash val="solid"/>
+                      <a:round/>
+                      <a:headEnd type="none" w="med" len="med"/>
+                      <a:tailEnd type="none" w="med" len="med"/>
+                    </a:lnL>
+                    <a:lnR w="12700" cap="flat" cmpd="sng" algn="ctr">
+                      <a:solidFill>
+                        <a:schemeClr val="tx1"/>
+                      </a:solidFill>
+                      <a:prstDash val="solid"/>
+                      <a:round/>
+                      <a:headEnd type="none" w="med" len="med"/>
+                      <a:tailEnd type="none" w="med" len="med"/>
+                    </a:lnR>
+                    <a:lnT w="12700" cap="flat" cmpd="sng" algn="ctr">
+                      <a:solidFill>
+                        <a:schemeClr val="tx1"/>
+                      </a:solidFill>
+                      <a:prstDash val="solid"/>
+                      <a:round/>
+                      <a:headEnd type="none" w="med" len="med"/>
+                      <a:tailEnd type="none" w="med" len="med"/>
+                    </a:lnT>
+                    <a:lnB w="12700" cap="flat" cmpd="sng" algn="ctr">
+                      <a:noFill/>
+                      <a:prstDash val="solid"/>
+                      <a:round/>
+                      <a:headEnd type="none" w="med" len="med"/>
+                      <a:tailEnd type="none" w="med" len="med"/>
+                    </a:lnB>
+                    <a:solidFill>
+                      <a:schemeClr val="bg1"/>
+                    </a:solidFill>
+                  </a:tcPr>
+                </a:tc>
+                <a:extLst>
+                  <a:ext uri="{0D108BD9-81ED-4DB2-BD59-A6C34878D82A}">
+                    <a16:rowId xmlns:a16="http://schemas.microsoft.com/office/drawing/2014/main" val="1544147349"/>
+                  </a:ext>
+                </a:extLst>
+              </a:tr>
+              <a:tr h="178635">
+                <a:tc>
+                  <a:txBody>
+                    <a:bodyPr/>
+                    <a:lstStyle/>
+                    <a:p>
+                      <a:r>
+                        <a:rPr lang="de-DE" sz="700" dirty="0" err="1"/>
+                        <a:t>classification</a:t>
+                      </a:r>
+                      <a:endParaRPr lang="de-DE" sz="700" dirty="0"/>
+                    </a:p>
+                  </a:txBody>
+                  <a:tcPr>
+                    <a:lnL w="12700" cap="flat" cmpd="sng" algn="ctr">
+                      <a:solidFill>
+                        <a:schemeClr val="tx1"/>
+                      </a:solidFill>
+                      <a:prstDash val="solid"/>
+                      <a:round/>
+                      <a:headEnd type="none" w="med" len="med"/>
+                      <a:tailEnd type="none" w="med" len="med"/>
+                    </a:lnL>
+                    <a:lnR w="12700" cap="flat" cmpd="sng" algn="ctr">
+                      <a:solidFill>
+                        <a:schemeClr val="tx1"/>
+                      </a:solidFill>
+                      <a:prstDash val="solid"/>
+                      <a:round/>
+                      <a:headEnd type="none" w="med" len="med"/>
+                      <a:tailEnd type="none" w="med" len="med"/>
+                    </a:lnR>
+                    <a:lnT w="12700" cap="flat" cmpd="sng" algn="ctr">
+                      <a:noFill/>
+                      <a:prstDash val="solid"/>
+                      <a:round/>
+                      <a:headEnd type="none" w="med" len="med"/>
+                      <a:tailEnd type="none" w="med" len="med"/>
+                    </a:lnT>
+                    <a:lnB w="12700" cap="flat" cmpd="sng" algn="ctr">
+                      <a:noFill/>
+                      <a:prstDash val="solid"/>
+                      <a:round/>
+                      <a:headEnd type="none" w="med" len="med"/>
+                      <a:tailEnd type="none" w="med" len="med"/>
+                    </a:lnB>
+                    <a:solidFill>
+                      <a:schemeClr val="bg1"/>
+                    </a:solidFill>
+                  </a:tcPr>
+                </a:tc>
+                <a:tc>
+                  <a:txBody>
+                    <a:bodyPr/>
+                    <a:lstStyle/>
+                    <a:p>
+                      <a:r>
+                        <a:rPr lang="de-DE" sz="700" dirty="0" err="1"/>
+                        <a:t>enum</a:t>
+                      </a:r>
+                      <a:endParaRPr lang="de-DE" sz="700" dirty="0"/>
+                    </a:p>
+                    <a:p>
+                      <a:r>
+                        <a:rPr lang="de-DE" sz="700" dirty="0"/>
+                        <a:t>{1-5}</a:t>
+                      </a:r>
+                    </a:p>
+                  </a:txBody>
+                  <a:tcPr>
+                    <a:lnL w="12700" cap="flat" cmpd="sng" algn="ctr">
+                      <a:solidFill>
+                        <a:schemeClr val="tx1"/>
+                      </a:solidFill>
+                      <a:prstDash val="solid"/>
+                      <a:round/>
+                      <a:headEnd type="none" w="med" len="med"/>
+                      <a:tailEnd type="none" w="med" len="med"/>
+                    </a:lnL>
+                    <a:lnR w="12700" cap="flat" cmpd="sng" algn="ctr">
+                      <a:solidFill>
+                        <a:schemeClr val="tx1"/>
+                      </a:solidFill>
+                      <a:prstDash val="solid"/>
+                      <a:round/>
+                      <a:headEnd type="none" w="med" len="med"/>
+                      <a:tailEnd type="none" w="med" len="med"/>
+                    </a:lnR>
+                    <a:lnT w="12700" cap="flat" cmpd="sng" algn="ctr">
+                      <a:noFill/>
+                      <a:prstDash val="solid"/>
+                      <a:round/>
+                      <a:headEnd type="none" w="med" len="med"/>
+                      <a:tailEnd type="none" w="med" len="med"/>
+                    </a:lnT>
+                    <a:lnB w="12700" cap="flat" cmpd="sng" algn="ctr">
+                      <a:noFill/>
+                      <a:prstDash val="solid"/>
+                      <a:round/>
+                      <a:headEnd type="none" w="med" len="med"/>
+                      <a:tailEnd type="none" w="med" len="med"/>
+                    </a:lnB>
+                    <a:solidFill>
+                      <a:schemeClr val="bg1"/>
+                    </a:solidFill>
+                  </a:tcPr>
+                </a:tc>
+                <a:extLst>
+                  <a:ext uri="{0D108BD9-81ED-4DB2-BD59-A6C34878D82A}">
+                    <a16:rowId xmlns:a16="http://schemas.microsoft.com/office/drawing/2014/main" val="3560326657"/>
+                  </a:ext>
+                </a:extLst>
+              </a:tr>
+              <a:tr h="178635">
+                <a:tc>
+                  <a:txBody>
+                    <a:bodyPr/>
+                    <a:lstStyle/>
+                    <a:p>
+                      <a:r>
+                        <a:rPr lang="de-DE" sz="700" dirty="0" err="1"/>
+                        <a:t>variant_id</a:t>
+                      </a:r>
+                      <a:endParaRPr lang="de-DE" sz="700" dirty="0"/>
+                    </a:p>
+                  </a:txBody>
+                  <a:tcPr>
+                    <a:lnL w="12700" cap="flat" cmpd="sng" algn="ctr">
+                      <a:solidFill>
+                        <a:schemeClr val="tx1"/>
+                      </a:solidFill>
+                      <a:prstDash val="solid"/>
+                      <a:round/>
+                      <a:headEnd type="none" w="med" len="med"/>
+                      <a:tailEnd type="none" w="med" len="med"/>
+                    </a:lnL>
+                    <a:lnR w="12700" cap="flat" cmpd="sng" algn="ctr">
+                      <a:solidFill>
+                        <a:schemeClr val="tx1"/>
+                      </a:solidFill>
+                      <a:prstDash val="solid"/>
+                      <a:round/>
+                      <a:headEnd type="none" w="med" len="med"/>
+                      <a:tailEnd type="none" w="med" len="med"/>
+                    </a:lnR>
+                    <a:lnT w="12700" cap="flat" cmpd="sng" algn="ctr">
+                      <a:noFill/>
+                      <a:prstDash val="solid"/>
+                      <a:round/>
+                      <a:headEnd type="none" w="med" len="med"/>
+                      <a:tailEnd type="none" w="med" len="med"/>
+                    </a:lnT>
+                    <a:lnB w="12700" cap="flat" cmpd="sng" algn="ctr">
+                      <a:noFill/>
+                      <a:prstDash val="solid"/>
+                      <a:round/>
+                      <a:headEnd type="none" w="med" len="med"/>
+                      <a:tailEnd type="none" w="med" len="med"/>
+                    </a:lnB>
+                    <a:solidFill>
+                      <a:schemeClr val="bg1"/>
+                    </a:solidFill>
+                  </a:tcPr>
+                </a:tc>
+                <a:tc>
+                  <a:txBody>
+                    <a:bodyPr/>
+                    <a:lstStyle/>
+                    <a:p>
+                      <a:r>
+                        <a:rPr lang="de-DE" sz="700" dirty="0" err="1"/>
+                        <a:t>int</a:t>
+                      </a:r>
+                      <a:endParaRPr lang="de-DE" sz="700" dirty="0"/>
+                    </a:p>
+                  </a:txBody>
+                  <a:tcPr>
+                    <a:lnL w="12700" cap="flat" cmpd="sng" algn="ctr">
+                      <a:solidFill>
+                        <a:schemeClr val="tx1"/>
+                      </a:solidFill>
+                      <a:prstDash val="solid"/>
+                      <a:round/>
+                      <a:headEnd type="none" w="med" len="med"/>
+                      <a:tailEnd type="none" w="med" len="med"/>
+                    </a:lnL>
+                    <a:lnR w="12700" cap="flat" cmpd="sng" algn="ctr">
+                      <a:solidFill>
+                        <a:schemeClr val="tx1"/>
+                      </a:solidFill>
+                      <a:prstDash val="solid"/>
+                      <a:round/>
+                      <a:headEnd type="none" w="med" len="med"/>
+                      <a:tailEnd type="none" w="med" len="med"/>
+                    </a:lnR>
+                    <a:lnT w="12700" cap="flat" cmpd="sng" algn="ctr">
+                      <a:noFill/>
+                      <a:prstDash val="solid"/>
+                      <a:round/>
+                      <a:headEnd type="none" w="med" len="med"/>
+                      <a:tailEnd type="none" w="med" len="med"/>
+                    </a:lnT>
+                    <a:lnB w="12700" cap="flat" cmpd="sng" algn="ctr">
+                      <a:noFill/>
+                      <a:prstDash val="solid"/>
+                      <a:round/>
+                      <a:headEnd type="none" w="med" len="med"/>
+                      <a:tailEnd type="none" w="med" len="med"/>
+                    </a:lnB>
+                    <a:solidFill>
+                      <a:schemeClr val="bg1"/>
+                    </a:solidFill>
+                  </a:tcPr>
+                </a:tc>
+                <a:extLst>
+                  <a:ext uri="{0D108BD9-81ED-4DB2-BD59-A6C34878D82A}">
+                    <a16:rowId xmlns:a16="http://schemas.microsoft.com/office/drawing/2014/main" val="4115687846"/>
+                  </a:ext>
+                </a:extLst>
+              </a:tr>
+              <a:tr h="178635">
+                <a:tc>
+                  <a:txBody>
+                    <a:bodyPr/>
+                    <a:lstStyle/>
+                    <a:p>
+                      <a:r>
+                        <a:rPr lang="de-DE" sz="700" dirty="0" err="1"/>
+                        <a:t>user_id</a:t>
+                      </a:r>
+                      <a:endParaRPr lang="de-DE" sz="700" dirty="0"/>
+                    </a:p>
+                  </a:txBody>
+                  <a:tcPr>
+                    <a:lnL w="12700" cap="flat" cmpd="sng" algn="ctr">
+                      <a:solidFill>
+                        <a:schemeClr val="tx1"/>
+                      </a:solidFill>
+                      <a:prstDash val="solid"/>
+                      <a:round/>
+                      <a:headEnd type="none" w="med" len="med"/>
+                      <a:tailEnd type="none" w="med" len="med"/>
+                    </a:lnL>
+                    <a:lnR w="12700" cap="flat" cmpd="sng" algn="ctr">
+                      <a:solidFill>
+                        <a:schemeClr val="tx1"/>
+                      </a:solidFill>
+                      <a:prstDash val="solid"/>
+                      <a:round/>
+                      <a:headEnd type="none" w="med" len="med"/>
+                      <a:tailEnd type="none" w="med" len="med"/>
+                    </a:lnR>
+                    <a:lnT w="12700" cap="flat" cmpd="sng" algn="ctr">
+                      <a:noFill/>
+                      <a:prstDash val="solid"/>
+                      <a:round/>
+                      <a:headEnd type="none" w="med" len="med"/>
+                      <a:tailEnd type="none" w="med" len="med"/>
+                    </a:lnT>
+                    <a:lnB w="12700" cap="flat" cmpd="sng" algn="ctr">
+                      <a:noFill/>
+                      <a:prstDash val="solid"/>
+                      <a:round/>
+                      <a:headEnd type="none" w="med" len="med"/>
+                      <a:tailEnd type="none" w="med" len="med"/>
+                    </a:lnB>
+                    <a:solidFill>
+                      <a:schemeClr val="bg1"/>
+                    </a:solidFill>
+                  </a:tcPr>
+                </a:tc>
+                <a:tc>
+                  <a:txBody>
+                    <a:bodyPr/>
+                    <a:lstStyle/>
+                    <a:p>
+                      <a:r>
+                        <a:rPr lang="de-DE" sz="700" dirty="0" err="1"/>
+                        <a:t>int</a:t>
+                      </a:r>
+                      <a:endParaRPr lang="de-DE" sz="700" dirty="0"/>
+                    </a:p>
+                  </a:txBody>
+                  <a:tcPr>
+                    <a:lnL w="12700" cap="flat" cmpd="sng" algn="ctr">
+                      <a:solidFill>
+                        <a:schemeClr val="tx1"/>
+                      </a:solidFill>
+                      <a:prstDash val="solid"/>
+                      <a:round/>
+                      <a:headEnd type="none" w="med" len="med"/>
+                      <a:tailEnd type="none" w="med" len="med"/>
+                    </a:lnL>
+                    <a:lnR w="12700" cap="flat" cmpd="sng" algn="ctr">
+                      <a:solidFill>
+                        <a:schemeClr val="tx1"/>
+                      </a:solidFill>
+                      <a:prstDash val="solid"/>
+                      <a:round/>
+                      <a:headEnd type="none" w="med" len="med"/>
+                      <a:tailEnd type="none" w="med" len="med"/>
+                    </a:lnR>
+                    <a:lnT w="12700" cap="flat" cmpd="sng" algn="ctr">
+                      <a:noFill/>
+                      <a:prstDash val="solid"/>
+                      <a:round/>
+                      <a:headEnd type="none" w="med" len="med"/>
+                      <a:tailEnd type="none" w="med" len="med"/>
+                    </a:lnT>
+                    <a:lnB w="12700" cap="flat" cmpd="sng" algn="ctr">
+                      <a:noFill/>
+                      <a:prstDash val="solid"/>
+                      <a:round/>
+                      <a:headEnd type="none" w="med" len="med"/>
+                      <a:tailEnd type="none" w="med" len="med"/>
+                    </a:lnB>
+                    <a:solidFill>
+                      <a:schemeClr val="bg1"/>
+                    </a:solidFill>
+                  </a:tcPr>
+                </a:tc>
+                <a:extLst>
+                  <a:ext uri="{0D108BD9-81ED-4DB2-BD59-A6C34878D82A}">
+                    <a16:rowId xmlns:a16="http://schemas.microsoft.com/office/drawing/2014/main" val="1164608919"/>
+                  </a:ext>
+                </a:extLst>
+              </a:tr>
+              <a:tr h="178635">
+                <a:tc>
+                  <a:txBody>
+                    <a:bodyPr/>
+                    <a:lstStyle/>
+                    <a:p>
+                      <a:r>
+                        <a:rPr lang="de-DE" sz="700" dirty="0" err="1"/>
+                        <a:t>comment</a:t>
+                      </a:r>
+                      <a:endParaRPr lang="de-DE" sz="700" dirty="0"/>
+                    </a:p>
+                  </a:txBody>
+                  <a:tcPr>
+                    <a:lnL w="12700" cap="flat" cmpd="sng" algn="ctr">
+                      <a:solidFill>
+                        <a:schemeClr val="tx1"/>
+                      </a:solidFill>
+                      <a:prstDash val="solid"/>
+                      <a:round/>
+                      <a:headEnd type="none" w="med" len="med"/>
+                      <a:tailEnd type="none" w="med" len="med"/>
+                    </a:lnL>
+                    <a:lnR w="12700" cap="flat" cmpd="sng" algn="ctr">
+                      <a:solidFill>
+                        <a:schemeClr val="tx1"/>
+                      </a:solidFill>
+                      <a:prstDash val="solid"/>
+                      <a:round/>
+                      <a:headEnd type="none" w="med" len="med"/>
+                      <a:tailEnd type="none" w="med" len="med"/>
+                    </a:lnR>
+                    <a:lnT w="12700" cap="flat" cmpd="sng" algn="ctr">
+                      <a:noFill/>
+                      <a:prstDash val="solid"/>
+                      <a:round/>
+                      <a:headEnd type="none" w="med" len="med"/>
+                      <a:tailEnd type="none" w="med" len="med"/>
+                    </a:lnT>
+                    <a:lnB w="12700" cap="flat" cmpd="sng" algn="ctr">
+                      <a:noFill/>
+                      <a:prstDash val="solid"/>
+                      <a:round/>
+                      <a:headEnd type="none" w="med" len="med"/>
+                      <a:tailEnd type="none" w="med" len="med"/>
+                    </a:lnB>
+                    <a:solidFill>
+                      <a:schemeClr val="bg1"/>
+                    </a:solidFill>
+                  </a:tcPr>
+                </a:tc>
+                <a:tc>
+                  <a:txBody>
+                    <a:bodyPr/>
+                    <a:lstStyle/>
+                    <a:p>
+                      <a:r>
+                        <a:rPr lang="de-DE" sz="700" dirty="0" err="1"/>
+                        <a:t>text</a:t>
+                      </a:r>
+                      <a:r>
+                        <a:rPr lang="de-DE" sz="700" b="1" i="1" dirty="0"/>
+                        <a:t> (n)</a:t>
+                      </a:r>
+                    </a:p>
+                  </a:txBody>
+                  <a:tcPr>
+                    <a:lnL w="12700" cap="flat" cmpd="sng" algn="ctr">
+                      <a:solidFill>
+                        <a:schemeClr val="tx1"/>
+                      </a:solidFill>
+                      <a:prstDash val="solid"/>
+                      <a:round/>
+                      <a:headEnd type="none" w="med" len="med"/>
+                      <a:tailEnd type="none" w="med" len="med"/>
+                    </a:lnL>
+                    <a:lnR w="12700" cap="flat" cmpd="sng" algn="ctr">
+                      <a:solidFill>
+                        <a:schemeClr val="tx1"/>
+                      </a:solidFill>
+                      <a:prstDash val="solid"/>
+                      <a:round/>
+                      <a:headEnd type="none" w="med" len="med"/>
+                      <a:tailEnd type="none" w="med" len="med"/>
+                    </a:lnR>
+                    <a:lnT w="12700" cap="flat" cmpd="sng" algn="ctr">
+                      <a:noFill/>
+                      <a:prstDash val="solid"/>
+                      <a:round/>
+                      <a:headEnd type="none" w="med" len="med"/>
+                      <a:tailEnd type="none" w="med" len="med"/>
+                    </a:lnT>
+                    <a:lnB w="12700" cap="flat" cmpd="sng" algn="ctr">
+                      <a:noFill/>
+                      <a:prstDash val="solid"/>
+                      <a:round/>
+                      <a:headEnd type="none" w="med" len="med"/>
+                      <a:tailEnd type="none" w="med" len="med"/>
+                    </a:lnB>
+                    <a:solidFill>
+                      <a:schemeClr val="bg1"/>
+                    </a:solidFill>
+                  </a:tcPr>
+                </a:tc>
+                <a:extLst>
+                  <a:ext uri="{0D108BD9-81ED-4DB2-BD59-A6C34878D82A}">
+                    <a16:rowId xmlns:a16="http://schemas.microsoft.com/office/drawing/2014/main" val="2037149430"/>
+                  </a:ext>
+                </a:extLst>
+              </a:tr>
+              <a:tr h="178635">
+                <a:tc>
+                  <a:txBody>
+                    <a:bodyPr/>
+                    <a:lstStyle/>
+                    <a:p>
+                      <a:r>
+                        <a:rPr lang="de-DE" sz="700" dirty="0" err="1"/>
+                        <a:t>submission_date</a:t>
+                      </a:r>
+                      <a:endParaRPr lang="de-DE" sz="700" dirty="0"/>
+                    </a:p>
+                  </a:txBody>
+                  <a:tcPr>
+                    <a:lnL w="12700" cap="flat" cmpd="sng" algn="ctr">
+                      <a:solidFill>
+                        <a:schemeClr val="tx1"/>
+                      </a:solidFill>
+                      <a:prstDash val="solid"/>
+                      <a:round/>
+                      <a:headEnd type="none" w="med" len="med"/>
+                      <a:tailEnd type="none" w="med" len="med"/>
+                    </a:lnL>
+                    <a:lnR w="12700" cap="flat" cmpd="sng" algn="ctr">
+                      <a:solidFill>
+                        <a:schemeClr val="tx1"/>
+                      </a:solidFill>
+                      <a:prstDash val="solid"/>
+                      <a:round/>
+                      <a:headEnd type="none" w="med" len="med"/>
+                      <a:tailEnd type="none" w="med" len="med"/>
+                    </a:lnR>
+                    <a:lnT w="12700" cap="flat" cmpd="sng" algn="ctr">
+                      <a:noFill/>
+                      <a:prstDash val="solid"/>
+                      <a:round/>
+                      <a:headEnd type="none" w="med" len="med"/>
+                      <a:tailEnd type="none" w="med" len="med"/>
+                    </a:lnT>
+                    <a:lnB w="12700" cap="flat" cmpd="sng" algn="ctr">
+                      <a:solidFill>
+                        <a:schemeClr val="tx1"/>
+                      </a:solidFill>
+                      <a:prstDash val="solid"/>
+                      <a:round/>
+                      <a:headEnd type="none" w="med" len="med"/>
+                      <a:tailEnd type="none" w="med" len="med"/>
+                    </a:lnB>
+                    <a:solidFill>
+                      <a:schemeClr val="bg1"/>
+                    </a:solidFill>
+                  </a:tcPr>
+                </a:tc>
+                <a:tc>
+                  <a:txBody>
+                    <a:bodyPr/>
+                    <a:lstStyle/>
+                    <a:p>
+                      <a:r>
+                        <a:rPr lang="de-DE" sz="700" dirty="0"/>
+                        <a:t>date</a:t>
+                      </a:r>
+                    </a:p>
+                  </a:txBody>
+                  <a:tcPr>
+                    <a:lnL w="12700" cap="flat" cmpd="sng" algn="ctr">
+                      <a:solidFill>
+                        <a:schemeClr val="tx1"/>
+                      </a:solidFill>
+                      <a:prstDash val="solid"/>
+                      <a:round/>
+                      <a:headEnd type="none" w="med" len="med"/>
+                      <a:tailEnd type="none" w="med" len="med"/>
+                    </a:lnL>
+                    <a:lnR w="12700" cap="flat" cmpd="sng" algn="ctr">
+                      <a:solidFill>
+                        <a:schemeClr val="tx1"/>
+                      </a:solidFill>
+                      <a:prstDash val="solid"/>
+                      <a:round/>
+                      <a:headEnd type="none" w="med" len="med"/>
+                      <a:tailEnd type="none" w="med" len="med"/>
+                    </a:lnR>
+                    <a:lnT w="12700" cap="flat" cmpd="sng" algn="ctr">
+                      <a:noFill/>
+                      <a:prstDash val="solid"/>
+                      <a:round/>
+                      <a:headEnd type="none" w="med" len="med"/>
+                      <a:tailEnd type="none" w="med" len="med"/>
+                    </a:lnT>
+                    <a:lnB w="12700" cap="flat" cmpd="sng" algn="ctr">
+                      <a:solidFill>
+                        <a:schemeClr val="tx1"/>
+                      </a:solidFill>
+                      <a:prstDash val="solid"/>
+                      <a:round/>
+                      <a:headEnd type="none" w="med" len="med"/>
+                      <a:tailEnd type="none" w="med" len="med"/>
+                    </a:lnB>
+                    <a:solidFill>
+                      <a:schemeClr val="bg1"/>
+                    </a:solidFill>
+                  </a:tcPr>
+                </a:tc>
+                <a:extLst>
+                  <a:ext uri="{0D108BD9-81ED-4DB2-BD59-A6C34878D82A}">
+                    <a16:rowId xmlns:a16="http://schemas.microsoft.com/office/drawing/2014/main" val="630270417"/>
+                  </a:ext>
+                </a:extLst>
+              </a:tr>
+            </a:tbl>
+          </a:graphicData>
+        </a:graphic>
+      </p:graphicFrame>
+      <p:cxnSp>
+        <p:nvCxnSpPr>
+          <p:cNvPr id="113" name="Verbinder: gewinkelt 112">
+            <a:extLst>
+              <a:ext uri="{FF2B5EF4-FFF2-40B4-BE49-F238E27FC236}">
+                <a16:creationId xmlns:a16="http://schemas.microsoft.com/office/drawing/2014/main" id="{1EF78D6D-3691-49B3-A02B-56C6EF0B30C0}"/>
+              </a:ext>
+            </a:extLst>
+          </p:cNvPr>
+          <p:cNvCxnSpPr>
+            <a:cxnSpLocks/>
+          </p:cNvCxnSpPr>
+          <p:nvPr/>
+        </p:nvCxnSpPr>
+        <p:spPr>
+          <a:xfrm rot="10800000">
+            <a:off x="2192719" y="4318032"/>
+            <a:ext cx="2111434" cy="2017455"/>
+          </a:xfrm>
+          <a:prstGeom prst="bentConnector3">
+            <a:avLst>
+              <a:gd name="adj1" fmla="val 87430"/>
+            </a:avLst>
+          </a:prstGeom>
+          <a:ln w="25400">
+            <a:solidFill>
+              <a:schemeClr val="tx1"/>
+            </a:solidFill>
+            <a:tailEnd type="triangle"/>
+          </a:ln>
+        </p:spPr>
+        <p:style>
+          <a:lnRef idx="1">
+            <a:schemeClr val="accent1"/>
+          </a:lnRef>
+          <a:fillRef idx="0">
+            <a:schemeClr val="accent1"/>
+          </a:fillRef>
+          <a:effectRef idx="0">
+            <a:schemeClr val="accent1"/>
+          </a:effectRef>
+          <a:fontRef idx="minor">
+            <a:schemeClr val="tx1"/>
+          </a:fontRef>
+        </p:style>
+      </p:cxnSp>
+      <p:graphicFrame>
+        <p:nvGraphicFramePr>
+          <p:cNvPr id="82" name="Tabelle 81">
+            <a:extLst>
+              <a:ext uri="{FF2B5EF4-FFF2-40B4-BE49-F238E27FC236}">
+                <a16:creationId xmlns:a16="http://schemas.microsoft.com/office/drawing/2014/main" id="{40ADAAFB-C1A8-43FF-878F-B3C45A359976}"/>
+              </a:ext>
+            </a:extLst>
+          </p:cNvPr>
+          <p:cNvGraphicFramePr>
+            <a:graphicFrameLocks noGrp="1"/>
+          </p:cNvGraphicFramePr>
+          <p:nvPr>
+            <p:extLst>
+              <p:ext uri="{D42A27DB-BD31-4B8C-83A1-F6EECF244321}">
+                <p14:modId xmlns:p14="http://schemas.microsoft.com/office/powerpoint/2010/main" val="1714192146"/>
+              </p:ext>
+            </p:extLst>
+          </p:nvPr>
+        </p:nvGraphicFramePr>
+        <p:xfrm>
+          <a:off x="2884155" y="4026607"/>
+          <a:ext cx="1854354" cy="2392680"/>
+        </p:xfrm>
+        <a:graphic>
+          <a:graphicData uri="http://schemas.openxmlformats.org/drawingml/2006/table">
+            <a:tbl>
+              <a:tblPr firstRow="1" bandRow="1">
+                <a:tableStyleId>{2D5ABB26-0587-4C30-8999-92F81FD0307C}</a:tableStyleId>
+              </a:tblPr>
+              <a:tblGrid>
+                <a:gridCol w="894234">
+                  <a:extLst>
+                    <a:ext uri="{9D8B030D-6E8A-4147-A177-3AD203B41FA5}">
+                      <a16:colId xmlns:a16="http://schemas.microsoft.com/office/drawing/2014/main" val="650321458"/>
+                    </a:ext>
+                  </a:extLst>
+                </a:gridCol>
+                <a:gridCol w="960120">
+                  <a:extLst>
+                    <a:ext uri="{9D8B030D-6E8A-4147-A177-3AD203B41FA5}">
+                      <a16:colId xmlns:a16="http://schemas.microsoft.com/office/drawing/2014/main" val="4065165498"/>
+                    </a:ext>
+                  </a:extLst>
+                </a:gridCol>
+              </a:tblGrid>
+              <a:tr h="169617">
+                <a:tc gridSpan="2">
+                  <a:txBody>
+                    <a:bodyPr/>
+                    <a:lstStyle/>
+                    <a:p>
+                      <a:r>
+                        <a:rPr lang="de-DE" sz="700" b="1" dirty="0" err="1"/>
+                        <a:t>variant_consequence</a:t>
+                      </a:r>
+                      <a:endParaRPr lang="de-DE" sz="500" b="1" dirty="0"/>
+                    </a:p>
+                  </a:txBody>
+                  <a:tcPr>
+                    <a:lnL w="12700" cap="flat" cmpd="sng" algn="ctr">
+                      <a:solidFill>
+                        <a:schemeClr val="tx1"/>
+                      </a:solidFill>
+                      <a:prstDash val="solid"/>
+                      <a:round/>
+                      <a:headEnd type="none" w="med" len="med"/>
+                      <a:tailEnd type="none" w="med" len="med"/>
+                    </a:lnL>
+                    <a:lnR w="12700" cap="flat" cmpd="sng" algn="ctr">
+                      <a:solidFill>
+                        <a:schemeClr val="tx1"/>
+                      </a:solidFill>
+                      <a:prstDash val="solid"/>
+                      <a:round/>
+                      <a:headEnd type="none" w="med" len="med"/>
+                      <a:tailEnd type="none" w="med" len="med"/>
+                    </a:lnR>
+                    <a:lnT w="12700" cap="flat" cmpd="sng" algn="ctr">
+                      <a:solidFill>
+                        <a:schemeClr val="tx1"/>
+                      </a:solidFill>
+                      <a:prstDash val="solid"/>
+                      <a:round/>
+                      <a:headEnd type="none" w="med" len="med"/>
+                      <a:tailEnd type="none" w="med" len="med"/>
+                    </a:lnT>
+                    <a:lnB w="12700" cap="flat" cmpd="sng" algn="ctr">
+                      <a:solidFill>
+                        <a:schemeClr val="tx1"/>
+                      </a:solidFill>
+                      <a:prstDash val="solid"/>
+                      <a:round/>
+                      <a:headEnd type="none" w="med" len="med"/>
+                      <a:tailEnd type="none" w="med" len="med"/>
+                    </a:lnB>
+                  </a:tcPr>
+                </a:tc>
+                <a:tc hMerge="1">
+                  <a:txBody>
+                    <a:bodyPr/>
+                    <a:lstStyle/>
+                    <a:p>
+                      <a:endParaRPr lang="de-DE" sz="500" dirty="0"/>
+                    </a:p>
+                  </a:txBody>
+                  <a:tcPr>
+                    <a:lnL w="12700" cap="flat" cmpd="sng" algn="ctr">
+                      <a:noFill/>
+                      <a:prstDash val="solid"/>
+                      <a:round/>
+                      <a:headEnd type="none" w="med" len="med"/>
+                      <a:tailEnd type="none" w="med" len="med"/>
+                    </a:lnL>
+                    <a:lnR w="12700" cap="flat" cmpd="sng" algn="ctr">
+                      <a:solidFill>
+                        <a:schemeClr val="tx1"/>
+                      </a:solidFill>
+                      <a:prstDash val="solid"/>
+                      <a:round/>
+                      <a:headEnd type="none" w="med" len="med"/>
+                      <a:tailEnd type="none" w="med" len="med"/>
+                    </a:lnR>
+                    <a:lnT w="12700" cap="flat" cmpd="sng" algn="ctr">
+                      <a:solidFill>
+                        <a:schemeClr val="tx1"/>
+                      </a:solidFill>
+                      <a:prstDash val="solid"/>
+                      <a:round/>
+                      <a:headEnd type="none" w="med" len="med"/>
+                      <a:tailEnd type="none" w="med" len="med"/>
+                    </a:lnT>
+                    <a:lnB w="12700" cap="flat" cmpd="sng" algn="ctr">
+                      <a:solidFill>
+                        <a:schemeClr val="tx1"/>
+                      </a:solidFill>
+                      <a:prstDash val="solid"/>
+                      <a:round/>
+                      <a:headEnd type="none" w="med" len="med"/>
+                      <a:tailEnd type="none" w="med" len="med"/>
+                    </a:lnB>
+                  </a:tcPr>
+                </a:tc>
+                <a:extLst>
+                  <a:ext uri="{0D108BD9-81ED-4DB2-BD59-A6C34878D82A}">
+                    <a16:rowId xmlns:a16="http://schemas.microsoft.com/office/drawing/2014/main" val="109647893"/>
+                  </a:ext>
+                </a:extLst>
+              </a:tr>
+              <a:tr h="178635">
+                <a:tc>
+                  <a:txBody>
+                    <a:bodyPr/>
+                    <a:lstStyle/>
+                    <a:p>
+                      <a:r>
+                        <a:rPr lang="de-DE" sz="700" dirty="0" err="1"/>
+                        <a:t>id</a:t>
+                      </a:r>
+                      <a:endParaRPr lang="de-DE" sz="700" dirty="0"/>
+                    </a:p>
+                  </a:txBody>
+                  <a:tcPr>
+                    <a:lnL w="12700" cap="flat" cmpd="sng" algn="ctr">
+                      <a:solidFill>
+                        <a:schemeClr val="tx1"/>
+                      </a:solidFill>
+                      <a:prstDash val="solid"/>
+                      <a:round/>
+                      <a:headEnd type="none" w="med" len="med"/>
+                      <a:tailEnd type="none" w="med" len="med"/>
+                    </a:lnL>
+                    <a:lnR w="12700" cap="flat" cmpd="sng" algn="ctr">
+                      <a:solidFill>
+                        <a:schemeClr val="tx1"/>
+                      </a:solidFill>
+                      <a:prstDash val="solid"/>
+                      <a:round/>
+                      <a:headEnd type="none" w="med" len="med"/>
+                      <a:tailEnd type="none" w="med" len="med"/>
+                    </a:lnR>
+                    <a:lnT w="12700" cap="flat" cmpd="sng" algn="ctr">
+                      <a:solidFill>
+                        <a:schemeClr val="tx1"/>
+                      </a:solidFill>
+                      <a:prstDash val="solid"/>
+                      <a:round/>
+                      <a:headEnd type="none" w="med" len="med"/>
+                      <a:tailEnd type="none" w="med" len="med"/>
+                    </a:lnT>
+                    <a:lnB w="12700" cap="flat" cmpd="sng" algn="ctr">
+                      <a:noFill/>
+                      <a:prstDash val="solid"/>
+                      <a:round/>
+                      <a:headEnd type="none" w="med" len="med"/>
+                      <a:tailEnd type="none" w="med" len="med"/>
+                    </a:lnB>
+                    <a:solidFill>
+                      <a:schemeClr val="bg1"/>
+                    </a:solidFill>
+                  </a:tcPr>
+                </a:tc>
+                <a:tc>
+                  <a:txBody>
+                    <a:bodyPr/>
+                    <a:lstStyle/>
+                    <a:p>
+                      <a:r>
+                        <a:rPr lang="de-DE" sz="700" dirty="0" err="1"/>
+                        <a:t>int</a:t>
+                      </a:r>
+                      <a:endParaRPr lang="de-DE" sz="700" dirty="0"/>
+                    </a:p>
+                  </a:txBody>
+                  <a:tcPr>
+                    <a:lnL w="12700" cap="flat" cmpd="sng" algn="ctr">
+                      <a:solidFill>
+                        <a:schemeClr val="tx1"/>
+                      </a:solidFill>
+                      <a:prstDash val="solid"/>
+                      <a:round/>
+                      <a:headEnd type="none" w="med" len="med"/>
+                      <a:tailEnd type="none" w="med" len="med"/>
+                    </a:lnL>
+                    <a:lnR w="12700" cap="flat" cmpd="sng" algn="ctr">
+                      <a:solidFill>
+                        <a:schemeClr val="tx1"/>
+                      </a:solidFill>
+                      <a:prstDash val="solid"/>
+                      <a:round/>
+                      <a:headEnd type="none" w="med" len="med"/>
+                      <a:tailEnd type="none" w="med" len="med"/>
+                    </a:lnR>
+                    <a:lnT w="12700" cap="flat" cmpd="sng" algn="ctr">
+                      <a:solidFill>
+                        <a:schemeClr val="tx1"/>
+                      </a:solidFill>
+                      <a:prstDash val="solid"/>
+                      <a:round/>
+                      <a:headEnd type="none" w="med" len="med"/>
+                      <a:tailEnd type="none" w="med" len="med"/>
+                    </a:lnT>
+                    <a:lnB w="12700" cap="flat" cmpd="sng" algn="ctr">
+                      <a:noFill/>
+                      <a:prstDash val="solid"/>
+                      <a:round/>
+                      <a:headEnd type="none" w="med" len="med"/>
+                      <a:tailEnd type="none" w="med" len="med"/>
+                    </a:lnB>
+                    <a:solidFill>
+                      <a:schemeClr val="bg1"/>
+                    </a:solidFill>
+                  </a:tcPr>
+                </a:tc>
+                <a:extLst>
+                  <a:ext uri="{0D108BD9-81ED-4DB2-BD59-A6C34878D82A}">
+                    <a16:rowId xmlns:a16="http://schemas.microsoft.com/office/drawing/2014/main" val="3560326657"/>
+                  </a:ext>
+                </a:extLst>
+              </a:tr>
+              <a:tr h="178635">
+                <a:tc>
+                  <a:txBody>
+                    <a:bodyPr/>
+                    <a:lstStyle/>
+                    <a:p>
+                      <a:r>
+                        <a:rPr lang="de-DE" sz="700" dirty="0" err="1"/>
+                        <a:t>variant_id</a:t>
+                      </a:r>
+                      <a:endParaRPr lang="de-DE" sz="700" dirty="0"/>
+                    </a:p>
+                  </a:txBody>
+                  <a:tcPr>
+                    <a:lnL w="12700" cap="flat" cmpd="sng" algn="ctr">
+                      <a:solidFill>
+                        <a:schemeClr val="tx1"/>
+                      </a:solidFill>
+                      <a:prstDash val="solid"/>
+                      <a:round/>
+                      <a:headEnd type="none" w="med" len="med"/>
+                      <a:tailEnd type="none" w="med" len="med"/>
+                    </a:lnL>
+                    <a:lnR w="12700" cap="flat" cmpd="sng" algn="ctr">
+                      <a:solidFill>
+                        <a:schemeClr val="tx1"/>
+                      </a:solidFill>
+                      <a:prstDash val="solid"/>
+                      <a:round/>
+                      <a:headEnd type="none" w="med" len="med"/>
+                      <a:tailEnd type="none" w="med" len="med"/>
+                    </a:lnR>
+                    <a:lnT w="12700" cap="flat" cmpd="sng" algn="ctr">
+                      <a:noFill/>
+                      <a:prstDash val="solid"/>
+                      <a:round/>
+                      <a:headEnd type="none" w="med" len="med"/>
+                      <a:tailEnd type="none" w="med" len="med"/>
+                    </a:lnT>
+                    <a:lnB w="12700" cap="flat" cmpd="sng" algn="ctr">
+                      <a:noFill/>
+                      <a:prstDash val="solid"/>
+                      <a:round/>
+                      <a:headEnd type="none" w="med" len="med"/>
+                      <a:tailEnd type="none" w="med" len="med"/>
+                    </a:lnB>
+                    <a:solidFill>
+                      <a:schemeClr val="bg1"/>
+                    </a:solidFill>
+                  </a:tcPr>
+                </a:tc>
+                <a:tc>
+                  <a:txBody>
+                    <a:bodyPr/>
+                    <a:lstStyle/>
+                    <a:p>
+                      <a:r>
+                        <a:rPr lang="de-DE" sz="700" dirty="0" err="1"/>
+                        <a:t>int</a:t>
+                      </a:r>
+                      <a:endParaRPr lang="de-DE" sz="700" dirty="0"/>
+                    </a:p>
+                  </a:txBody>
+                  <a:tcPr>
+                    <a:lnL w="12700" cap="flat" cmpd="sng" algn="ctr">
+                      <a:solidFill>
+                        <a:schemeClr val="tx1"/>
+                      </a:solidFill>
+                      <a:prstDash val="solid"/>
+                      <a:round/>
+                      <a:headEnd type="none" w="med" len="med"/>
+                      <a:tailEnd type="none" w="med" len="med"/>
+                    </a:lnL>
+                    <a:lnR w="12700" cap="flat" cmpd="sng" algn="ctr">
+                      <a:solidFill>
+                        <a:schemeClr val="tx1"/>
+                      </a:solidFill>
+                      <a:prstDash val="solid"/>
+                      <a:round/>
+                      <a:headEnd type="none" w="med" len="med"/>
+                      <a:tailEnd type="none" w="med" len="med"/>
+                    </a:lnR>
+                    <a:lnT w="12700" cap="flat" cmpd="sng" algn="ctr">
+                      <a:noFill/>
+                      <a:prstDash val="solid"/>
+                      <a:round/>
+                      <a:headEnd type="none" w="med" len="med"/>
+                      <a:tailEnd type="none" w="med" len="med"/>
+                    </a:lnT>
+                    <a:lnB w="12700" cap="flat" cmpd="sng" algn="ctr">
+                      <a:noFill/>
+                      <a:prstDash val="solid"/>
+                      <a:round/>
+                      <a:headEnd type="none" w="med" len="med"/>
+                      <a:tailEnd type="none" w="med" len="med"/>
+                    </a:lnB>
+                    <a:solidFill>
+                      <a:schemeClr val="bg1"/>
+                    </a:solidFill>
+                  </a:tcPr>
+                </a:tc>
+                <a:extLst>
+                  <a:ext uri="{0D108BD9-81ED-4DB2-BD59-A6C34878D82A}">
+                    <a16:rowId xmlns:a16="http://schemas.microsoft.com/office/drawing/2014/main" val="1682664123"/>
+                  </a:ext>
+                </a:extLst>
+              </a:tr>
+              <a:tr h="178635">
+                <a:tc>
+                  <a:txBody>
+                    <a:bodyPr/>
+                    <a:lstStyle/>
+                    <a:p>
+                      <a:r>
+                        <a:rPr lang="de-DE" sz="700" dirty="0" err="1"/>
+                        <a:t>transcript_name</a:t>
+                      </a:r>
+                      <a:endParaRPr lang="de-DE" sz="700" dirty="0"/>
+                    </a:p>
+                  </a:txBody>
+                  <a:tcPr>
+                    <a:lnL w="12700" cap="flat" cmpd="sng" algn="ctr">
+                      <a:solidFill>
+                        <a:schemeClr val="tx1"/>
+                      </a:solidFill>
+                      <a:prstDash val="solid"/>
+                      <a:round/>
+                      <a:headEnd type="none" w="med" len="med"/>
+                      <a:tailEnd type="none" w="med" len="med"/>
+                    </a:lnL>
+                    <a:lnR w="12700" cap="flat" cmpd="sng" algn="ctr">
+                      <a:solidFill>
+                        <a:schemeClr val="tx1"/>
+                      </a:solidFill>
+                      <a:prstDash val="solid"/>
+                      <a:round/>
+                      <a:headEnd type="none" w="med" len="med"/>
+                      <a:tailEnd type="none" w="med" len="med"/>
+                    </a:lnR>
+                    <a:lnT w="12700" cap="flat" cmpd="sng" algn="ctr">
+                      <a:noFill/>
+                      <a:prstDash val="solid"/>
+                      <a:round/>
+                      <a:headEnd type="none" w="med" len="med"/>
+                      <a:tailEnd type="none" w="med" len="med"/>
+                    </a:lnT>
+                    <a:lnB w="12700" cap="flat" cmpd="sng" algn="ctr">
+                      <a:noFill/>
+                      <a:prstDash val="solid"/>
+                      <a:round/>
+                      <a:headEnd type="none" w="med" len="med"/>
+                      <a:tailEnd type="none" w="med" len="med"/>
+                    </a:lnB>
+                    <a:solidFill>
+                      <a:schemeClr val="bg1"/>
+                    </a:solidFill>
+                  </a:tcPr>
+                </a:tc>
+                <a:tc>
+                  <a:txBody>
+                    <a:bodyPr/>
+                    <a:lstStyle/>
+                    <a:p>
+                      <a:r>
+                        <a:rPr lang="de-DE" sz="700" dirty="0" err="1"/>
+                        <a:t>text</a:t>
+                      </a:r>
+                      <a:r>
+                        <a:rPr lang="de-DE" sz="700" b="1" i="1" dirty="0"/>
+                        <a:t> (n)</a:t>
+                      </a:r>
+                      <a:endParaRPr lang="de-DE" sz="700" dirty="0"/>
+                    </a:p>
+                  </a:txBody>
+                  <a:tcPr>
+                    <a:lnL w="12700" cap="flat" cmpd="sng" algn="ctr">
+                      <a:solidFill>
+                        <a:schemeClr val="tx1"/>
+                      </a:solidFill>
+                      <a:prstDash val="solid"/>
+                      <a:round/>
+                      <a:headEnd type="none" w="med" len="med"/>
+                      <a:tailEnd type="none" w="med" len="med"/>
+                    </a:lnL>
+                    <a:lnR w="12700" cap="flat" cmpd="sng" algn="ctr">
+                      <a:solidFill>
+                        <a:schemeClr val="tx1"/>
+                      </a:solidFill>
+                      <a:prstDash val="solid"/>
+                      <a:round/>
+                      <a:headEnd type="none" w="med" len="med"/>
+                      <a:tailEnd type="none" w="med" len="med"/>
+                    </a:lnR>
+                    <a:lnT w="12700" cap="flat" cmpd="sng" algn="ctr">
+                      <a:noFill/>
+                      <a:prstDash val="solid"/>
+                      <a:round/>
+                      <a:headEnd type="none" w="med" len="med"/>
+                      <a:tailEnd type="none" w="med" len="med"/>
+                    </a:lnT>
+                    <a:lnB w="12700" cap="flat" cmpd="sng" algn="ctr">
+                      <a:noFill/>
+                      <a:prstDash val="solid"/>
+                      <a:round/>
+                      <a:headEnd type="none" w="med" len="med"/>
+                      <a:tailEnd type="none" w="med" len="med"/>
+                    </a:lnB>
+                    <a:solidFill>
+                      <a:schemeClr val="bg1"/>
+                    </a:solidFill>
+                  </a:tcPr>
+                </a:tc>
+                <a:extLst>
+                  <a:ext uri="{0D108BD9-81ED-4DB2-BD59-A6C34878D82A}">
+                    <a16:rowId xmlns:a16="http://schemas.microsoft.com/office/drawing/2014/main" val="3885326720"/>
+                  </a:ext>
+                </a:extLst>
+              </a:tr>
+              <a:tr h="178635">
+                <a:tc>
+                  <a:txBody>
+                    <a:bodyPr/>
+                    <a:lstStyle/>
+                    <a:p>
+                      <a:r>
+                        <a:rPr lang="de-DE" sz="700" dirty="0" err="1"/>
+                        <a:t>hgvs_c</a:t>
+                      </a:r>
+                      <a:endParaRPr lang="de-DE" sz="700" dirty="0"/>
+                    </a:p>
+                  </a:txBody>
+                  <a:tcPr>
+                    <a:lnL w="12700" cap="flat" cmpd="sng" algn="ctr">
+                      <a:solidFill>
+                        <a:schemeClr val="tx1"/>
+                      </a:solidFill>
+                      <a:prstDash val="solid"/>
+                      <a:round/>
+                      <a:headEnd type="none" w="med" len="med"/>
+                      <a:tailEnd type="none" w="med" len="med"/>
+                    </a:lnL>
+                    <a:lnR w="12700" cap="flat" cmpd="sng" algn="ctr">
+                      <a:solidFill>
+                        <a:schemeClr val="tx1"/>
+                      </a:solidFill>
+                      <a:prstDash val="solid"/>
+                      <a:round/>
+                      <a:headEnd type="none" w="med" len="med"/>
+                      <a:tailEnd type="none" w="med" len="med"/>
+                    </a:lnR>
+                    <a:lnT w="12700" cap="flat" cmpd="sng" algn="ctr">
+                      <a:noFill/>
+                      <a:prstDash val="solid"/>
+                      <a:round/>
+                      <a:headEnd type="none" w="med" len="med"/>
+                      <a:tailEnd type="none" w="med" len="med"/>
+                    </a:lnT>
+                    <a:lnB w="12700" cap="flat" cmpd="sng" algn="ctr">
+                      <a:noFill/>
+                      <a:prstDash val="solid"/>
+                      <a:round/>
+                      <a:headEnd type="none" w="med" len="med"/>
+                      <a:tailEnd type="none" w="med" len="med"/>
+                    </a:lnB>
+                    <a:solidFill>
+                      <a:schemeClr val="bg1"/>
+                    </a:solidFill>
+                  </a:tcPr>
+                </a:tc>
+                <a:tc>
+                  <a:txBody>
+                    <a:bodyPr/>
+                    <a:lstStyle/>
+                    <a:p>
+                      <a:r>
+                        <a:rPr lang="de-DE" sz="700" dirty="0" err="1"/>
+                        <a:t>text</a:t>
+                      </a:r>
+                      <a:r>
+                        <a:rPr lang="de-DE" sz="700" b="1" i="1" dirty="0"/>
+                        <a:t> (n)</a:t>
+                      </a:r>
+                      <a:endParaRPr lang="de-DE" sz="700" dirty="0"/>
+                    </a:p>
+                  </a:txBody>
+                  <a:tcPr>
+                    <a:lnL w="12700" cap="flat" cmpd="sng" algn="ctr">
+                      <a:solidFill>
+                        <a:schemeClr val="tx1"/>
+                      </a:solidFill>
+                      <a:prstDash val="solid"/>
+                      <a:round/>
+                      <a:headEnd type="none" w="med" len="med"/>
+                      <a:tailEnd type="none" w="med" len="med"/>
+                    </a:lnL>
+                    <a:lnR w="12700" cap="flat" cmpd="sng" algn="ctr">
+                      <a:solidFill>
+                        <a:schemeClr val="tx1"/>
+                      </a:solidFill>
+                      <a:prstDash val="solid"/>
+                      <a:round/>
+                      <a:headEnd type="none" w="med" len="med"/>
+                      <a:tailEnd type="none" w="med" len="med"/>
+                    </a:lnR>
+                    <a:lnT w="12700" cap="flat" cmpd="sng" algn="ctr">
+                      <a:noFill/>
+                      <a:prstDash val="solid"/>
+                      <a:round/>
+                      <a:headEnd type="none" w="med" len="med"/>
+                      <a:tailEnd type="none" w="med" len="med"/>
+                    </a:lnT>
+                    <a:lnB w="12700" cap="flat" cmpd="sng" algn="ctr">
+                      <a:noFill/>
+                      <a:prstDash val="solid"/>
+                      <a:round/>
+                      <a:headEnd type="none" w="med" len="med"/>
+                      <a:tailEnd type="none" w="med" len="med"/>
+                    </a:lnB>
+                    <a:solidFill>
+                      <a:schemeClr val="bg1"/>
+                    </a:solidFill>
+                  </a:tcPr>
+                </a:tc>
+                <a:extLst>
+                  <a:ext uri="{0D108BD9-81ED-4DB2-BD59-A6C34878D82A}">
+                    <a16:rowId xmlns:a16="http://schemas.microsoft.com/office/drawing/2014/main" val="3968356380"/>
+                  </a:ext>
+                </a:extLst>
+              </a:tr>
+              <a:tr h="178635">
+                <a:tc>
+                  <a:txBody>
+                    <a:bodyPr/>
+                    <a:lstStyle/>
+                    <a:p>
+                      <a:r>
+                        <a:rPr lang="de-DE" sz="700" dirty="0" err="1"/>
+                        <a:t>hgvs_p</a:t>
+                      </a:r>
+                      <a:endParaRPr lang="de-DE" sz="700" dirty="0"/>
+                    </a:p>
+                  </a:txBody>
+                  <a:tcPr>
+                    <a:lnL w="12700" cap="flat" cmpd="sng" algn="ctr">
+                      <a:solidFill>
+                        <a:schemeClr val="tx1"/>
+                      </a:solidFill>
+                      <a:prstDash val="solid"/>
+                      <a:round/>
+                      <a:headEnd type="none" w="med" len="med"/>
+                      <a:tailEnd type="none" w="med" len="med"/>
+                    </a:lnL>
+                    <a:lnR w="12700" cap="flat" cmpd="sng" algn="ctr">
+                      <a:solidFill>
+                        <a:schemeClr val="tx1"/>
+                      </a:solidFill>
+                      <a:prstDash val="solid"/>
+                      <a:round/>
+                      <a:headEnd type="none" w="med" len="med"/>
+                      <a:tailEnd type="none" w="med" len="med"/>
+                    </a:lnR>
+                    <a:lnT w="12700" cap="flat" cmpd="sng" algn="ctr">
+                      <a:noFill/>
+                      <a:prstDash val="solid"/>
+                      <a:round/>
+                      <a:headEnd type="none" w="med" len="med"/>
+                      <a:tailEnd type="none" w="med" len="med"/>
+                    </a:lnT>
+                    <a:lnB w="12700" cap="flat" cmpd="sng" algn="ctr">
+                      <a:noFill/>
+                      <a:prstDash val="solid"/>
+                      <a:round/>
+                      <a:headEnd type="none" w="med" len="med"/>
+                      <a:tailEnd type="none" w="med" len="med"/>
+                    </a:lnB>
+                    <a:solidFill>
+                      <a:schemeClr val="bg1"/>
+                    </a:solidFill>
+                  </a:tcPr>
+                </a:tc>
+                <a:tc>
+                  <a:txBody>
+                    <a:bodyPr/>
+                    <a:lstStyle/>
+                    <a:p>
+                      <a:r>
+                        <a:rPr lang="de-DE" sz="700" dirty="0" err="1"/>
+                        <a:t>text</a:t>
+                      </a:r>
+                      <a:r>
+                        <a:rPr lang="de-DE" sz="700" b="1" i="1" dirty="0"/>
+                        <a:t> (n)</a:t>
+                      </a:r>
+                      <a:endParaRPr lang="de-DE" sz="700" dirty="0"/>
+                    </a:p>
+                  </a:txBody>
+                  <a:tcPr>
+                    <a:lnL w="12700" cap="flat" cmpd="sng" algn="ctr">
+                      <a:solidFill>
+                        <a:schemeClr val="tx1"/>
+                      </a:solidFill>
+                      <a:prstDash val="solid"/>
+                      <a:round/>
+                      <a:headEnd type="none" w="med" len="med"/>
+                      <a:tailEnd type="none" w="med" len="med"/>
+                    </a:lnL>
+                    <a:lnR w="12700" cap="flat" cmpd="sng" algn="ctr">
+                      <a:solidFill>
+                        <a:schemeClr val="tx1"/>
+                      </a:solidFill>
+                      <a:prstDash val="solid"/>
+                      <a:round/>
+                      <a:headEnd type="none" w="med" len="med"/>
+                      <a:tailEnd type="none" w="med" len="med"/>
+                    </a:lnR>
+                    <a:lnT w="12700" cap="flat" cmpd="sng" algn="ctr">
+                      <a:noFill/>
+                      <a:prstDash val="solid"/>
+                      <a:round/>
+                      <a:headEnd type="none" w="med" len="med"/>
+                      <a:tailEnd type="none" w="med" len="med"/>
+                    </a:lnT>
+                    <a:lnB w="12700" cap="flat" cmpd="sng" algn="ctr">
+                      <a:noFill/>
+                      <a:prstDash val="solid"/>
+                      <a:round/>
+                      <a:headEnd type="none" w="med" len="med"/>
+                      <a:tailEnd type="none" w="med" len="med"/>
+                    </a:lnB>
+                    <a:solidFill>
+                      <a:schemeClr val="bg1"/>
+                    </a:solidFill>
+                  </a:tcPr>
+                </a:tc>
+                <a:extLst>
+                  <a:ext uri="{0D108BD9-81ED-4DB2-BD59-A6C34878D82A}">
+                    <a16:rowId xmlns:a16="http://schemas.microsoft.com/office/drawing/2014/main" val="171504458"/>
+                  </a:ext>
+                </a:extLst>
+              </a:tr>
+              <a:tr h="178635">
+                <a:tc>
+                  <a:txBody>
+                    <a:bodyPr/>
+                    <a:lstStyle/>
+                    <a:p>
+                      <a:r>
+                        <a:rPr lang="de-DE" sz="700" dirty="0"/>
+                        <a:t>type</a:t>
+                      </a:r>
+                    </a:p>
+                  </a:txBody>
+                  <a:tcPr>
+                    <a:lnL w="12700" cap="flat" cmpd="sng" algn="ctr">
+                      <a:solidFill>
+                        <a:schemeClr val="tx1"/>
+                      </a:solidFill>
+                      <a:prstDash val="solid"/>
+                      <a:round/>
+                      <a:headEnd type="none" w="med" len="med"/>
+                      <a:tailEnd type="none" w="med" len="med"/>
+                    </a:lnL>
+                    <a:lnR w="12700" cap="flat" cmpd="sng" algn="ctr">
+                      <a:solidFill>
+                        <a:schemeClr val="tx1"/>
+                      </a:solidFill>
+                      <a:prstDash val="solid"/>
+                      <a:round/>
+                      <a:headEnd type="none" w="med" len="med"/>
+                      <a:tailEnd type="none" w="med" len="med"/>
+                    </a:lnR>
+                    <a:lnT w="12700" cap="flat" cmpd="sng" algn="ctr">
+                      <a:noFill/>
+                      <a:prstDash val="solid"/>
+                      <a:round/>
+                      <a:headEnd type="none" w="med" len="med"/>
+                      <a:tailEnd type="none" w="med" len="med"/>
+                    </a:lnT>
+                    <a:lnB w="12700" cap="flat" cmpd="sng" algn="ctr">
+                      <a:noFill/>
+                      <a:prstDash val="solid"/>
+                      <a:round/>
+                      <a:headEnd type="none" w="med" len="med"/>
+                      <a:tailEnd type="none" w="med" len="med"/>
+                    </a:lnB>
+                    <a:solidFill>
+                      <a:schemeClr val="bg1"/>
+                    </a:solidFill>
+                  </a:tcPr>
+                </a:tc>
+                <a:tc>
+                  <a:txBody>
+                    <a:bodyPr/>
+                    <a:lstStyle/>
+                    <a:p>
+                      <a:r>
+                        <a:rPr lang="de-DE" sz="700" dirty="0" err="1"/>
+                        <a:t>text</a:t>
+                      </a:r>
+                      <a:endParaRPr lang="de-DE" sz="700" dirty="0"/>
+                    </a:p>
+                  </a:txBody>
+                  <a:tcPr>
+                    <a:lnL w="12700" cap="flat" cmpd="sng" algn="ctr">
+                      <a:solidFill>
+                        <a:schemeClr val="tx1"/>
+                      </a:solidFill>
+                      <a:prstDash val="solid"/>
+                      <a:round/>
+                      <a:headEnd type="none" w="med" len="med"/>
+                      <a:tailEnd type="none" w="med" len="med"/>
+                    </a:lnL>
+                    <a:lnR w="12700" cap="flat" cmpd="sng" algn="ctr">
+                      <a:solidFill>
+                        <a:schemeClr val="tx1"/>
+                      </a:solidFill>
+                      <a:prstDash val="solid"/>
+                      <a:round/>
+                      <a:headEnd type="none" w="med" len="med"/>
+                      <a:tailEnd type="none" w="med" len="med"/>
+                    </a:lnR>
+                    <a:lnT w="12700" cap="flat" cmpd="sng" algn="ctr">
+                      <a:noFill/>
+                      <a:prstDash val="solid"/>
+                      <a:round/>
+                      <a:headEnd type="none" w="med" len="med"/>
+                      <a:tailEnd type="none" w="med" len="med"/>
+                    </a:lnT>
+                    <a:lnB w="12700" cap="flat" cmpd="sng" algn="ctr">
+                      <a:noFill/>
+                      <a:prstDash val="solid"/>
+                      <a:round/>
+                      <a:headEnd type="none" w="med" len="med"/>
+                      <a:tailEnd type="none" w="med" len="med"/>
+                    </a:lnB>
+                    <a:solidFill>
+                      <a:schemeClr val="bg1"/>
+                    </a:solidFill>
+                  </a:tcPr>
+                </a:tc>
+                <a:extLst>
+                  <a:ext uri="{0D108BD9-81ED-4DB2-BD59-A6C34878D82A}">
+                    <a16:rowId xmlns:a16="http://schemas.microsoft.com/office/drawing/2014/main" val="1616864138"/>
+                  </a:ext>
+                </a:extLst>
+              </a:tr>
+              <a:tr h="178635">
+                <a:tc>
+                  <a:txBody>
+                    <a:bodyPr/>
+                    <a:lstStyle/>
+                    <a:p>
+                      <a:r>
+                        <a:rPr lang="de-DE" sz="700" dirty="0" err="1"/>
+                        <a:t>impact</a:t>
+                      </a:r>
+                      <a:endParaRPr lang="de-DE" sz="700" dirty="0"/>
+                    </a:p>
+                  </a:txBody>
+                  <a:tcPr>
+                    <a:lnL w="12700" cap="flat" cmpd="sng" algn="ctr">
+                      <a:solidFill>
+                        <a:schemeClr val="tx1"/>
+                      </a:solidFill>
+                      <a:prstDash val="solid"/>
+                      <a:round/>
+                      <a:headEnd type="none" w="med" len="med"/>
+                      <a:tailEnd type="none" w="med" len="med"/>
+                    </a:lnL>
+                    <a:lnR w="12700" cap="flat" cmpd="sng" algn="ctr">
+                      <a:solidFill>
+                        <a:schemeClr val="tx1"/>
+                      </a:solidFill>
+                      <a:prstDash val="solid"/>
+                      <a:round/>
+                      <a:headEnd type="none" w="med" len="med"/>
+                      <a:tailEnd type="none" w="med" len="med"/>
+                    </a:lnR>
+                    <a:lnT w="12700" cap="flat" cmpd="sng" algn="ctr">
+                      <a:noFill/>
+                      <a:prstDash val="solid"/>
+                      <a:round/>
+                      <a:headEnd type="none" w="med" len="med"/>
+                      <a:tailEnd type="none" w="med" len="med"/>
+                    </a:lnT>
+                    <a:lnB w="12700" cap="flat" cmpd="sng" algn="ctr">
+                      <a:noFill/>
+                      <a:prstDash val="solid"/>
+                      <a:round/>
+                      <a:headEnd type="none" w="med" len="med"/>
+                      <a:tailEnd type="none" w="med" len="med"/>
+                    </a:lnB>
+                    <a:solidFill>
+                      <a:schemeClr val="bg1"/>
+                    </a:solidFill>
+                  </a:tcPr>
+                </a:tc>
+                <a:tc>
+                  <a:txBody>
+                    <a:bodyPr/>
+                    <a:lstStyle/>
+                    <a:p>
+                      <a:r>
+                        <a:rPr lang="de-DE" sz="700" dirty="0" err="1"/>
+                        <a:t>enum</a:t>
+                      </a:r>
+                      <a:endParaRPr lang="de-DE" sz="700" dirty="0"/>
+                    </a:p>
+                    <a:p>
+                      <a:r>
+                        <a:rPr lang="de-DE" sz="700" dirty="0"/>
+                        <a:t>{high, moderate, </a:t>
+                      </a:r>
+                      <a:r>
+                        <a:rPr lang="de-DE" sz="700" dirty="0" err="1"/>
+                        <a:t>low</a:t>
+                      </a:r>
+                      <a:r>
+                        <a:rPr lang="de-DE" sz="700" dirty="0"/>
+                        <a:t>, </a:t>
+                      </a:r>
+                      <a:r>
+                        <a:rPr lang="de-DE" sz="700" dirty="0" err="1"/>
+                        <a:t>modifier</a:t>
+                      </a:r>
+                      <a:r>
+                        <a:rPr lang="de-DE" sz="700" dirty="0"/>
+                        <a:t>}</a:t>
+                      </a:r>
+                    </a:p>
+                  </a:txBody>
+                  <a:tcPr>
+                    <a:lnL w="12700" cap="flat" cmpd="sng" algn="ctr">
+                      <a:solidFill>
+                        <a:schemeClr val="tx1"/>
+                      </a:solidFill>
+                      <a:prstDash val="solid"/>
+                      <a:round/>
+                      <a:headEnd type="none" w="med" len="med"/>
+                      <a:tailEnd type="none" w="med" len="med"/>
+                    </a:lnL>
+                    <a:lnR w="12700" cap="flat" cmpd="sng" algn="ctr">
+                      <a:solidFill>
+                        <a:schemeClr val="tx1"/>
+                      </a:solidFill>
+                      <a:prstDash val="solid"/>
+                      <a:round/>
+                      <a:headEnd type="none" w="med" len="med"/>
+                      <a:tailEnd type="none" w="med" len="med"/>
+                    </a:lnR>
+                    <a:lnT w="12700" cap="flat" cmpd="sng" algn="ctr">
+                      <a:noFill/>
+                      <a:prstDash val="solid"/>
+                      <a:round/>
+                      <a:headEnd type="none" w="med" len="med"/>
+                      <a:tailEnd type="none" w="med" len="med"/>
+                    </a:lnT>
+                    <a:lnB w="12700" cap="flat" cmpd="sng" algn="ctr">
+                      <a:noFill/>
+                      <a:prstDash val="solid"/>
+                      <a:round/>
+                      <a:headEnd type="none" w="med" len="med"/>
+                      <a:tailEnd type="none" w="med" len="med"/>
+                    </a:lnB>
+                    <a:solidFill>
+                      <a:schemeClr val="bg1"/>
+                    </a:solidFill>
+                  </a:tcPr>
+                </a:tc>
+                <a:extLst>
+                  <a:ext uri="{0D108BD9-81ED-4DB2-BD59-A6C34878D82A}">
+                    <a16:rowId xmlns:a16="http://schemas.microsoft.com/office/drawing/2014/main" val="4127375100"/>
+                  </a:ext>
+                </a:extLst>
+              </a:tr>
+              <a:tr h="178635">
+                <a:tc>
+                  <a:txBody>
+                    <a:bodyPr/>
+                    <a:lstStyle/>
+                    <a:p>
+                      <a:r>
+                        <a:rPr lang="de-DE" sz="700" dirty="0" err="1"/>
+                        <a:t>exon_nr</a:t>
+                      </a:r>
+                      <a:endParaRPr lang="de-DE" sz="700" dirty="0"/>
+                    </a:p>
+                  </a:txBody>
+                  <a:tcPr>
+                    <a:lnL w="12700" cap="flat" cmpd="sng" algn="ctr">
+                      <a:solidFill>
+                        <a:schemeClr val="tx1"/>
+                      </a:solidFill>
+                      <a:prstDash val="solid"/>
+                      <a:round/>
+                      <a:headEnd type="none" w="med" len="med"/>
+                      <a:tailEnd type="none" w="med" len="med"/>
+                    </a:lnL>
+                    <a:lnR w="12700" cap="flat" cmpd="sng" algn="ctr">
+                      <a:solidFill>
+                        <a:schemeClr val="tx1"/>
+                      </a:solidFill>
+                      <a:prstDash val="solid"/>
+                      <a:round/>
+                      <a:headEnd type="none" w="med" len="med"/>
+                      <a:tailEnd type="none" w="med" len="med"/>
+                    </a:lnR>
+                    <a:lnT w="12700" cap="flat" cmpd="sng" algn="ctr">
+                      <a:noFill/>
+                      <a:prstDash val="solid"/>
+                      <a:round/>
+                      <a:headEnd type="none" w="med" len="med"/>
+                      <a:tailEnd type="none" w="med" len="med"/>
+                    </a:lnT>
+                    <a:lnB w="12700" cap="flat" cmpd="sng" algn="ctr">
+                      <a:noFill/>
+                      <a:prstDash val="solid"/>
+                      <a:round/>
+                      <a:headEnd type="none" w="med" len="med"/>
+                      <a:tailEnd type="none" w="med" len="med"/>
+                    </a:lnB>
+                    <a:solidFill>
+                      <a:schemeClr val="bg1"/>
+                    </a:solidFill>
+                  </a:tcPr>
+                </a:tc>
+                <a:tc>
+                  <a:txBody>
+                    <a:bodyPr/>
+                    <a:lstStyle/>
+                    <a:p>
+                      <a:r>
+                        <a:rPr lang="de-DE" sz="700" dirty="0" err="1"/>
+                        <a:t>int</a:t>
+                      </a:r>
+                      <a:r>
+                        <a:rPr lang="de-DE" sz="700" b="1" i="1" dirty="0"/>
+                        <a:t> (n)</a:t>
+                      </a:r>
+                      <a:endParaRPr lang="de-DE" sz="700" dirty="0"/>
+                    </a:p>
+                  </a:txBody>
+                  <a:tcPr>
+                    <a:lnL w="12700" cap="flat" cmpd="sng" algn="ctr">
+                      <a:solidFill>
+                        <a:schemeClr val="tx1"/>
+                      </a:solidFill>
+                      <a:prstDash val="solid"/>
+                      <a:round/>
+                      <a:headEnd type="none" w="med" len="med"/>
+                      <a:tailEnd type="none" w="med" len="med"/>
+                    </a:lnL>
+                    <a:lnR w="12700" cap="flat" cmpd="sng" algn="ctr">
+                      <a:solidFill>
+                        <a:schemeClr val="tx1"/>
+                      </a:solidFill>
+                      <a:prstDash val="solid"/>
+                      <a:round/>
+                      <a:headEnd type="none" w="med" len="med"/>
+                      <a:tailEnd type="none" w="med" len="med"/>
+                    </a:lnR>
+                    <a:lnT w="12700" cap="flat" cmpd="sng" algn="ctr">
+                      <a:noFill/>
+                      <a:prstDash val="solid"/>
+                      <a:round/>
+                      <a:headEnd type="none" w="med" len="med"/>
+                      <a:tailEnd type="none" w="med" len="med"/>
+                    </a:lnT>
+                    <a:lnB w="12700" cap="flat" cmpd="sng" algn="ctr">
+                      <a:noFill/>
+                      <a:prstDash val="solid"/>
+                      <a:round/>
+                      <a:headEnd type="none" w="med" len="med"/>
+                      <a:tailEnd type="none" w="med" len="med"/>
+                    </a:lnB>
+                    <a:solidFill>
+                      <a:schemeClr val="bg1"/>
+                    </a:solidFill>
+                  </a:tcPr>
+                </a:tc>
+                <a:extLst>
+                  <a:ext uri="{0D108BD9-81ED-4DB2-BD59-A6C34878D82A}">
+                    <a16:rowId xmlns:a16="http://schemas.microsoft.com/office/drawing/2014/main" val="2643911450"/>
+                  </a:ext>
+                </a:extLst>
+              </a:tr>
+              <a:tr h="178635">
+                <a:tc>
+                  <a:txBody>
+                    <a:bodyPr/>
+                    <a:lstStyle/>
+                    <a:p>
+                      <a:r>
+                        <a:rPr lang="de-DE" sz="700" dirty="0" err="1"/>
+                        <a:t>intron_nr</a:t>
+                      </a:r>
+                      <a:endParaRPr lang="de-DE" sz="700" dirty="0"/>
+                    </a:p>
+                  </a:txBody>
+                  <a:tcPr>
+                    <a:lnL w="12700" cap="flat" cmpd="sng" algn="ctr">
+                      <a:solidFill>
+                        <a:schemeClr val="tx1"/>
+                      </a:solidFill>
+                      <a:prstDash val="solid"/>
+                      <a:round/>
+                      <a:headEnd type="none" w="med" len="med"/>
+                      <a:tailEnd type="none" w="med" len="med"/>
+                    </a:lnL>
+                    <a:lnR w="12700" cap="flat" cmpd="sng" algn="ctr">
+                      <a:solidFill>
+                        <a:schemeClr val="tx1"/>
+                      </a:solidFill>
+                      <a:prstDash val="solid"/>
+                      <a:round/>
+                      <a:headEnd type="none" w="med" len="med"/>
+                      <a:tailEnd type="none" w="med" len="med"/>
+                    </a:lnR>
+                    <a:lnT w="12700" cap="flat" cmpd="sng" algn="ctr">
+                      <a:noFill/>
+                      <a:prstDash val="solid"/>
+                      <a:round/>
+                      <a:headEnd type="none" w="med" len="med"/>
+                      <a:tailEnd type="none" w="med" len="med"/>
+                    </a:lnT>
+                    <a:lnB w="12700" cap="flat" cmpd="sng" algn="ctr">
+                      <a:noFill/>
+                      <a:prstDash val="solid"/>
+                      <a:round/>
+                      <a:headEnd type="none" w="med" len="med"/>
+                      <a:tailEnd type="none" w="med" len="med"/>
+                    </a:lnB>
+                    <a:solidFill>
+                      <a:schemeClr val="bg1"/>
+                    </a:solidFill>
+                  </a:tcPr>
+                </a:tc>
+                <a:tc>
+                  <a:txBody>
+                    <a:bodyPr/>
+                    <a:lstStyle/>
+                    <a:p>
+                      <a:r>
+                        <a:rPr lang="de-DE" sz="700" dirty="0" err="1"/>
+                        <a:t>int</a:t>
+                      </a:r>
+                      <a:r>
+                        <a:rPr lang="de-DE" sz="700" b="1" i="1" dirty="0"/>
+                        <a:t> (n)</a:t>
+                      </a:r>
+                      <a:endParaRPr lang="de-DE" sz="700" dirty="0"/>
+                    </a:p>
+                  </a:txBody>
+                  <a:tcPr>
+                    <a:lnL w="12700" cap="flat" cmpd="sng" algn="ctr">
+                      <a:solidFill>
+                        <a:schemeClr val="tx1"/>
+                      </a:solidFill>
+                      <a:prstDash val="solid"/>
+                      <a:round/>
+                      <a:headEnd type="none" w="med" len="med"/>
+                      <a:tailEnd type="none" w="med" len="med"/>
+                    </a:lnL>
+                    <a:lnR w="12700" cap="flat" cmpd="sng" algn="ctr">
+                      <a:solidFill>
+                        <a:schemeClr val="tx1"/>
+                      </a:solidFill>
+                      <a:prstDash val="solid"/>
+                      <a:round/>
+                      <a:headEnd type="none" w="med" len="med"/>
+                      <a:tailEnd type="none" w="med" len="med"/>
+                    </a:lnR>
+                    <a:lnT w="12700" cap="flat" cmpd="sng" algn="ctr">
+                      <a:noFill/>
+                      <a:prstDash val="solid"/>
+                      <a:round/>
+                      <a:headEnd type="none" w="med" len="med"/>
+                      <a:tailEnd type="none" w="med" len="med"/>
+                    </a:lnT>
+                    <a:lnB w="12700" cap="flat" cmpd="sng" algn="ctr">
+                      <a:noFill/>
+                      <a:prstDash val="solid"/>
+                      <a:round/>
+                      <a:headEnd type="none" w="med" len="med"/>
+                      <a:tailEnd type="none" w="med" len="med"/>
+                    </a:lnB>
+                    <a:solidFill>
+                      <a:schemeClr val="bg1"/>
+                    </a:solidFill>
+                  </a:tcPr>
+                </a:tc>
+                <a:extLst>
+                  <a:ext uri="{0D108BD9-81ED-4DB2-BD59-A6C34878D82A}">
+                    <a16:rowId xmlns:a16="http://schemas.microsoft.com/office/drawing/2014/main" val="2104424527"/>
+                  </a:ext>
+                </a:extLst>
+              </a:tr>
+              <a:tr h="178635">
+                <a:tc>
+                  <a:txBody>
+                    <a:bodyPr/>
+                    <a:lstStyle/>
+                    <a:p>
+                      <a:r>
+                        <a:rPr lang="de-DE" sz="700" dirty="0" err="1"/>
+                        <a:t>gene_id</a:t>
+                      </a:r>
+                      <a:endParaRPr lang="de-DE" sz="700" dirty="0"/>
+                    </a:p>
+                  </a:txBody>
+                  <a:tcPr>
+                    <a:lnL w="12700" cap="flat" cmpd="sng" algn="ctr">
+                      <a:solidFill>
+                        <a:schemeClr val="tx1"/>
+                      </a:solidFill>
+                      <a:prstDash val="solid"/>
+                      <a:round/>
+                      <a:headEnd type="none" w="med" len="med"/>
+                      <a:tailEnd type="none" w="med" len="med"/>
+                    </a:lnL>
+                    <a:lnR w="12700" cap="flat" cmpd="sng" algn="ctr">
+                      <a:solidFill>
+                        <a:schemeClr val="tx1"/>
+                      </a:solidFill>
+                      <a:prstDash val="solid"/>
+                      <a:round/>
+                      <a:headEnd type="none" w="med" len="med"/>
+                      <a:tailEnd type="none" w="med" len="med"/>
+                    </a:lnR>
+                    <a:lnT w="12700" cap="flat" cmpd="sng" algn="ctr">
+                      <a:noFill/>
+                      <a:prstDash val="solid"/>
+                      <a:round/>
+                      <a:headEnd type="none" w="med" len="med"/>
+                      <a:tailEnd type="none" w="med" len="med"/>
+                    </a:lnT>
+                    <a:lnB w="12700" cap="flat" cmpd="sng" algn="ctr">
+                      <a:solidFill>
+                        <a:schemeClr val="tx1"/>
+                      </a:solidFill>
+                      <a:prstDash val="solid"/>
+                      <a:round/>
+                      <a:headEnd type="none" w="med" len="med"/>
+                      <a:tailEnd type="none" w="med" len="med"/>
+                    </a:lnB>
+                    <a:solidFill>
+                      <a:schemeClr val="bg1"/>
+                    </a:solidFill>
+                  </a:tcPr>
+                </a:tc>
+                <a:tc>
+                  <a:txBody>
+                    <a:bodyPr/>
+                    <a:lstStyle/>
+                    <a:p>
+                      <a:r>
+                        <a:rPr lang="de-DE" sz="700" dirty="0" err="1"/>
+                        <a:t>int</a:t>
+                      </a:r>
+                      <a:r>
+                        <a:rPr lang="de-DE" sz="700" b="1" i="1" dirty="0"/>
+                        <a:t> (n)</a:t>
+                      </a:r>
+                      <a:endParaRPr lang="de-DE" sz="700" dirty="0"/>
+                    </a:p>
+                  </a:txBody>
+                  <a:tcPr>
+                    <a:lnL w="12700" cap="flat" cmpd="sng" algn="ctr">
+                      <a:solidFill>
+                        <a:schemeClr val="tx1"/>
+                      </a:solidFill>
+                      <a:prstDash val="solid"/>
+                      <a:round/>
+                      <a:headEnd type="none" w="med" len="med"/>
+                      <a:tailEnd type="none" w="med" len="med"/>
+                    </a:lnL>
+                    <a:lnR w="12700" cap="flat" cmpd="sng" algn="ctr">
+                      <a:solidFill>
+                        <a:schemeClr val="tx1"/>
+                      </a:solidFill>
+                      <a:prstDash val="solid"/>
+                      <a:round/>
+                      <a:headEnd type="none" w="med" len="med"/>
+                      <a:tailEnd type="none" w="med" len="med"/>
+                    </a:lnR>
+                    <a:lnT w="12700" cap="flat" cmpd="sng" algn="ctr">
+                      <a:noFill/>
+                      <a:prstDash val="solid"/>
+                      <a:round/>
+                      <a:headEnd type="none" w="med" len="med"/>
+                      <a:tailEnd type="none" w="med" len="med"/>
+                    </a:lnT>
+                    <a:lnB w="12700" cap="flat" cmpd="sng" algn="ctr">
+                      <a:solidFill>
+                        <a:schemeClr val="tx1"/>
+                      </a:solidFill>
+                      <a:prstDash val="solid"/>
+                      <a:round/>
+                      <a:headEnd type="none" w="med" len="med"/>
+                      <a:tailEnd type="none" w="med" len="med"/>
+                    </a:lnB>
+                    <a:solidFill>
+                      <a:schemeClr val="bg1"/>
+                    </a:solidFill>
+                  </a:tcPr>
+                </a:tc>
+                <a:extLst>
+                  <a:ext uri="{0D108BD9-81ED-4DB2-BD59-A6C34878D82A}">
+                    <a16:rowId xmlns:a16="http://schemas.microsoft.com/office/drawing/2014/main" val="934562184"/>
+                  </a:ext>
+                </a:extLst>
+              </a:tr>
+            </a:tbl>
+          </a:graphicData>
+        </a:graphic>
+      </p:graphicFrame>
+      <p:cxnSp>
+        <p:nvCxnSpPr>
+          <p:cNvPr id="119" name="Verbinder: gewinkelt 118">
+            <a:extLst>
+              <a:ext uri="{FF2B5EF4-FFF2-40B4-BE49-F238E27FC236}">
+                <a16:creationId xmlns:a16="http://schemas.microsoft.com/office/drawing/2014/main" id="{985F9CE9-9084-40F0-A433-21090DFD75D4}"/>
+              </a:ext>
+            </a:extLst>
+          </p:cNvPr>
+          <p:cNvCxnSpPr>
+            <a:cxnSpLocks/>
+          </p:cNvCxnSpPr>
+          <p:nvPr/>
+        </p:nvCxnSpPr>
+        <p:spPr>
+          <a:xfrm rot="10800000">
+            <a:off x="7073646" y="3093857"/>
+            <a:ext cx="1202485" cy="547695"/>
+          </a:xfrm>
+          <a:prstGeom prst="bentConnector3">
+            <a:avLst>
+              <a:gd name="adj1" fmla="val 47827"/>
+            </a:avLst>
+          </a:prstGeom>
+          <a:ln w="25400">
+            <a:solidFill>
+              <a:schemeClr val="tx1"/>
+            </a:solidFill>
+            <a:tailEnd type="triangle"/>
+          </a:ln>
+        </p:spPr>
+        <p:style>
+          <a:lnRef idx="1">
+            <a:schemeClr val="accent1"/>
+          </a:lnRef>
+          <a:fillRef idx="0">
+            <a:schemeClr val="accent1"/>
+          </a:fillRef>
+          <a:effectRef idx="0">
+            <a:schemeClr val="accent1"/>
+          </a:effectRef>
+          <a:fontRef idx="minor">
+            <a:schemeClr val="tx1"/>
+          </a:fontRef>
+        </p:style>
+      </p:cxnSp>
+    </p:spTree>
+    <p:extLst>
+      <p:ext uri="{BB962C8B-B14F-4D97-AF65-F5344CB8AC3E}">
+        <p14:creationId xmlns:p14="http://schemas.microsoft.com/office/powerpoint/2010/main" val="1113574012"/>
+      </p:ext>
+    </p:extLst>
+  </p:cSld>
+  <p:clrMapOvr>
+    <a:masterClrMapping/>
+  </p:clrMapOvr>
+</p:sld>
+</file>
+
+<file path=ppt/slides/slide5.xml><?xml version="1.0" encoding="utf-8"?>
+<p:sld xmlns:a="http://schemas.openxmlformats.org/drawingml/2006/main" xmlns:r="http://schemas.openxmlformats.org/officeDocument/2006/relationships" xmlns:p="http://schemas.openxmlformats.org/presentationml/2006/main">
+  <p:cSld>
+    <p:spTree>
+      <p:nvGrpSpPr>
+        <p:cNvPr id="1" name=""/>
+        <p:cNvGrpSpPr/>
+        <p:nvPr/>
+      </p:nvGrpSpPr>
+      <p:grpSpPr>
+        <a:xfrm>
+          <a:off x="0" y="0"/>
+          <a:ext cx="0" cy="0"/>
+          <a:chOff x="0" y="0"/>
+          <a:chExt cx="0" cy="0"/>
+        </a:xfrm>
+      </p:grpSpPr>
+      <p:sp>
+        <p:nvSpPr>
+          <p:cNvPr id="2" name="Titel 1">
+            <a:extLst>
+              <a:ext uri="{FF2B5EF4-FFF2-40B4-BE49-F238E27FC236}">
+                <a16:creationId xmlns:a16="http://schemas.microsoft.com/office/drawing/2014/main" id="{EDADB55C-FB3D-4F47-A01B-13F7E4169EDA}"/>
+              </a:ext>
+            </a:extLst>
+          </p:cNvPr>
+          <p:cNvSpPr>
+            <a:spLocks noGrp="1"/>
+          </p:cNvSpPr>
+          <p:nvPr>
+            <p:ph type="title"/>
+          </p:nvPr>
+        </p:nvSpPr>
+        <p:spPr/>
+        <p:txBody>
+          <a:bodyPr/>
+          <a:lstStyle/>
+          <a:p>
+            <a:r>
+              <a:rPr lang="de-DE" dirty="0"/>
+              <a:t>Databases/</a:t>
+            </a:r>
+            <a:r>
+              <a:rPr lang="de-DE" dirty="0" err="1"/>
+              <a:t>Algorithms</a:t>
+            </a:r>
+            <a:r>
+              <a:rPr lang="de-DE" dirty="0"/>
+              <a:t> </a:t>
+            </a:r>
+            <a:r>
+              <a:rPr lang="de-DE" dirty="0" err="1"/>
+              <a:t>for</a:t>
+            </a:r>
+            <a:r>
+              <a:rPr lang="de-DE" dirty="0"/>
+              <a:t> Variant Annotation</a:t>
+            </a:r>
+          </a:p>
+        </p:txBody>
+      </p:sp>
+      <p:sp>
+        <p:nvSpPr>
+          <p:cNvPr id="3" name="Inhaltsplatzhalter 2">
+            <a:extLst>
+              <a:ext uri="{FF2B5EF4-FFF2-40B4-BE49-F238E27FC236}">
+                <a16:creationId xmlns:a16="http://schemas.microsoft.com/office/drawing/2014/main" id="{F140AC40-6AE1-4D42-AD55-587DFAE33EB3}"/>
+              </a:ext>
+            </a:extLst>
+          </p:cNvPr>
+          <p:cNvSpPr>
+            <a:spLocks noGrp="1"/>
+          </p:cNvSpPr>
+          <p:nvPr>
+            <p:ph idx="1"/>
+          </p:nvPr>
+        </p:nvSpPr>
+        <p:spPr/>
+        <p:txBody>
+          <a:bodyPr>
+            <a:normAutofit fontScale="40000" lnSpcReduction="20000"/>
+          </a:bodyPr>
+          <a:lstStyle/>
+          <a:p>
+            <a:r>
+              <a:rPr lang="de-DE" dirty="0"/>
+              <a:t>VEP &amp; VEP/</a:t>
+            </a:r>
+            <a:r>
+              <a:rPr lang="de-DE" dirty="0" err="1"/>
+              <a:t>tool</a:t>
+            </a:r>
+            <a:endParaRPr lang="de-DE" dirty="0"/>
+          </a:p>
+          <a:p>
+            <a:r>
+              <a:rPr lang="de-DE" dirty="0" err="1"/>
+              <a:t>genomAD</a:t>
+            </a:r>
+            <a:endParaRPr lang="de-DE" dirty="0"/>
+          </a:p>
+          <a:p>
+            <a:r>
+              <a:rPr lang="de-DE" dirty="0" err="1"/>
+              <a:t>HerediCare</a:t>
+            </a:r>
+            <a:endParaRPr lang="de-DE" dirty="0"/>
+          </a:p>
+          <a:p>
+            <a:r>
+              <a:rPr lang="de-DE" dirty="0" err="1"/>
+              <a:t>ClinVar</a:t>
+            </a:r>
+            <a:endParaRPr lang="de-DE" dirty="0"/>
+          </a:p>
+          <a:p>
+            <a:r>
+              <a:rPr lang="de-DE" dirty="0"/>
+              <a:t>PFAM, </a:t>
+            </a:r>
+            <a:r>
+              <a:rPr lang="de-DE" dirty="0" err="1"/>
+              <a:t>Uniprot</a:t>
+            </a:r>
+            <a:r>
+              <a:rPr lang="de-DE" dirty="0"/>
+              <a:t>, VUS-TF (Proteindomänen)</a:t>
+            </a:r>
+          </a:p>
+          <a:p>
+            <a:r>
+              <a:rPr lang="de-DE" dirty="0" err="1"/>
+              <a:t>dbSNP</a:t>
+            </a:r>
+            <a:r>
+              <a:rPr lang="de-DE" dirty="0"/>
+              <a:t> </a:t>
+            </a:r>
+          </a:p>
+          <a:p>
+            <a:r>
+              <a:rPr lang="de-DE" dirty="0"/>
+              <a:t>BRCA </a:t>
+            </a:r>
+            <a:r>
+              <a:rPr lang="de-DE" dirty="0" err="1"/>
+              <a:t>exchange</a:t>
+            </a:r>
+            <a:endParaRPr lang="de-DE" dirty="0"/>
+          </a:p>
+          <a:p>
+            <a:r>
+              <a:rPr lang="de-DE" dirty="0"/>
+              <a:t>FOSSIES</a:t>
+            </a:r>
+          </a:p>
+          <a:p>
+            <a:r>
+              <a:rPr lang="de-DE" dirty="0"/>
+              <a:t>ARUP BRCA1 / BRCA2</a:t>
+            </a:r>
+          </a:p>
+          <a:p>
+            <a:r>
+              <a:rPr lang="de-DE" dirty="0"/>
+              <a:t>IARC TP53 Database</a:t>
+            </a:r>
+          </a:p>
+          <a:p>
+            <a:r>
+              <a:rPr lang="de-DE" dirty="0"/>
+              <a:t>Cancer </a:t>
+            </a:r>
+            <a:r>
+              <a:rPr lang="de-DE" dirty="0" err="1"/>
+              <a:t>hotspots</a:t>
+            </a:r>
+            <a:endParaRPr lang="de-DE" dirty="0"/>
+          </a:p>
+          <a:p>
+            <a:r>
+              <a:rPr lang="en-US" dirty="0"/>
+              <a:t>HCI Database of Prior Probabilities of Pathogenicity for Single Nucleotide Substitutions</a:t>
+            </a:r>
+          </a:p>
+          <a:p>
+            <a:r>
+              <a:rPr lang="de-DE" dirty="0"/>
+              <a:t>TP53 Database</a:t>
+            </a:r>
+          </a:p>
+          <a:p>
+            <a:r>
+              <a:rPr lang="de-DE" dirty="0"/>
+              <a:t>PHANTM </a:t>
+            </a:r>
+            <a:r>
+              <a:rPr lang="de-DE" dirty="0" err="1"/>
+              <a:t>classifier</a:t>
+            </a:r>
+            <a:r>
+              <a:rPr lang="de-DE" dirty="0"/>
+              <a:t> </a:t>
+            </a:r>
+          </a:p>
+          <a:p>
+            <a:endParaRPr lang="de-DE" dirty="0"/>
+          </a:p>
+          <a:p>
+            <a:r>
+              <a:rPr lang="de-DE" dirty="0" err="1"/>
+              <a:t>HexoSplice</a:t>
+            </a:r>
+            <a:endParaRPr lang="de-DE" dirty="0"/>
+          </a:p>
+          <a:p>
+            <a:r>
+              <a:rPr lang="de-DE" dirty="0" err="1"/>
+              <a:t>Automatic</a:t>
+            </a:r>
+            <a:r>
+              <a:rPr lang="de-DE" dirty="0"/>
+              <a:t> Annotation </a:t>
+            </a:r>
+            <a:r>
+              <a:rPr lang="de-DE" dirty="0" err="1"/>
+              <a:t>developed</a:t>
+            </a:r>
+            <a:r>
+              <a:rPr lang="de-DE" dirty="0"/>
+              <a:t> in Hannover</a:t>
+            </a:r>
+          </a:p>
+        </p:txBody>
+      </p:sp>
+      <p:graphicFrame>
+        <p:nvGraphicFramePr>
+          <p:cNvPr id="4" name="Tabelle 3">
+            <a:extLst>
+              <a:ext uri="{FF2B5EF4-FFF2-40B4-BE49-F238E27FC236}">
+                <a16:creationId xmlns:a16="http://schemas.microsoft.com/office/drawing/2014/main" id="{257EBD02-B09F-4876-B733-EF4F4795C2E1}"/>
+              </a:ext>
+            </a:extLst>
+          </p:cNvPr>
+          <p:cNvGraphicFramePr>
+            <a:graphicFrameLocks noGrp="1"/>
+          </p:cNvGraphicFramePr>
+          <p:nvPr>
+            <p:extLst>
+              <p:ext uri="{D42A27DB-BD31-4B8C-83A1-F6EECF244321}">
+                <p14:modId xmlns:p14="http://schemas.microsoft.com/office/powerpoint/2010/main" val="538262155"/>
+              </p:ext>
+            </p:extLst>
+          </p:nvPr>
+        </p:nvGraphicFramePr>
+        <p:xfrm>
+          <a:off x="6886303" y="3252651"/>
+          <a:ext cx="4597400" cy="1333500"/>
+        </p:xfrm>
+        <a:graphic>
+          <a:graphicData uri="http://schemas.openxmlformats.org/drawingml/2006/table">
+            <a:tbl>
+              <a:tblPr>
+                <a:tableStyleId>{5C22544A-7EE6-4342-B048-85BDC9FD1C3A}</a:tableStyleId>
+              </a:tblPr>
+              <a:tblGrid>
+                <a:gridCol w="4597400">
+                  <a:extLst>
+                    <a:ext uri="{9D8B030D-6E8A-4147-A177-3AD203B41FA5}">
+                      <a16:colId xmlns:a16="http://schemas.microsoft.com/office/drawing/2014/main" val="955071560"/>
+                    </a:ext>
+                  </a:extLst>
+                </a:gridCol>
+              </a:tblGrid>
+              <a:tr h="190500">
+                <a:tc>
+                  <a:txBody>
+                    <a:bodyPr/>
+                    <a:lstStyle/>
+                    <a:p>
+                      <a:pPr algn="l" fontAlgn="b"/>
+                      <a:r>
+                        <a:rPr lang="de-DE" sz="1100" u="none" strike="noStrike">
+                          <a:effectLst/>
+                        </a:rPr>
+                        <a:t>VarSome</a:t>
+                      </a:r>
+                      <a:endParaRPr lang="de-DE" sz="1100" b="0" i="0" u="none" strike="noStrike">
+                        <a:solidFill>
+                          <a:srgbClr val="000000"/>
+                        </a:solidFill>
+                        <a:effectLst/>
+                        <a:latin typeface="Calibri" panose="020F0502020204030204" pitchFamily="34" charset="0"/>
+                      </a:endParaRPr>
+                    </a:p>
+                  </a:txBody>
+                  <a:tcPr marL="9525" marR="9525" marT="9525" marB="0" anchor="b"/>
+                </a:tc>
+                <a:extLst>
+                  <a:ext uri="{0D108BD9-81ED-4DB2-BD59-A6C34878D82A}">
+                    <a16:rowId xmlns:a16="http://schemas.microsoft.com/office/drawing/2014/main" val="789360377"/>
+                  </a:ext>
+                </a:extLst>
+              </a:tr>
+              <a:tr h="190500">
+                <a:tc>
+                  <a:txBody>
+                    <a:bodyPr/>
+                    <a:lstStyle/>
+                    <a:p>
+                      <a:pPr algn="l" fontAlgn="b"/>
+                      <a:r>
+                        <a:rPr lang="de-DE" sz="1100" u="none" strike="noStrike" dirty="0">
+                          <a:effectLst/>
+                        </a:rPr>
+                        <a:t>UCSC </a:t>
+                      </a:r>
+                      <a:r>
+                        <a:rPr lang="de-DE" sz="1100" u="none" strike="noStrike" dirty="0" err="1">
+                          <a:effectLst/>
+                        </a:rPr>
+                        <a:t>genome</a:t>
+                      </a:r>
+                      <a:r>
+                        <a:rPr lang="de-DE" sz="1100" u="none" strike="noStrike" dirty="0">
+                          <a:effectLst/>
+                        </a:rPr>
+                        <a:t> </a:t>
+                      </a:r>
+                      <a:r>
+                        <a:rPr lang="de-DE" sz="1100" u="none" strike="noStrike" dirty="0" err="1">
+                          <a:effectLst/>
+                        </a:rPr>
+                        <a:t>browser</a:t>
+                      </a:r>
+                      <a:endParaRPr lang="de-DE" sz="1100" b="0" i="0" u="none" strike="noStrike" dirty="0">
+                        <a:solidFill>
+                          <a:srgbClr val="000000"/>
+                        </a:solidFill>
+                        <a:effectLst/>
+                        <a:latin typeface="Calibri" panose="020F0502020204030204" pitchFamily="34" charset="0"/>
+                      </a:endParaRPr>
+                    </a:p>
+                  </a:txBody>
+                  <a:tcPr marL="9525" marR="9525" marT="9525" marB="0" anchor="b"/>
+                </a:tc>
+                <a:extLst>
+                  <a:ext uri="{0D108BD9-81ED-4DB2-BD59-A6C34878D82A}">
+                    <a16:rowId xmlns:a16="http://schemas.microsoft.com/office/drawing/2014/main" val="1565434375"/>
+                  </a:ext>
+                </a:extLst>
+              </a:tr>
+              <a:tr h="190500">
+                <a:tc>
+                  <a:txBody>
+                    <a:bodyPr/>
+                    <a:lstStyle/>
+                    <a:p>
+                      <a:pPr algn="l" fontAlgn="b"/>
+                      <a:r>
+                        <a:rPr lang="de-DE" sz="1100" u="none" strike="noStrike">
+                          <a:effectLst/>
+                        </a:rPr>
+                        <a:t>Google-Suche (Variatensuche mit 1-Buchstaben, 3-Buchstaben, rs-Nummer)</a:t>
+                      </a:r>
+                      <a:endParaRPr lang="de-DE" sz="1100" b="0" i="0" u="none" strike="noStrike">
+                        <a:solidFill>
+                          <a:srgbClr val="000000"/>
+                        </a:solidFill>
+                        <a:effectLst/>
+                        <a:latin typeface="Calibri" panose="020F0502020204030204" pitchFamily="34" charset="0"/>
+                      </a:endParaRPr>
+                    </a:p>
+                  </a:txBody>
+                  <a:tcPr marL="9525" marR="9525" marT="9525" marB="0" anchor="b"/>
+                </a:tc>
+                <a:extLst>
+                  <a:ext uri="{0D108BD9-81ED-4DB2-BD59-A6C34878D82A}">
+                    <a16:rowId xmlns:a16="http://schemas.microsoft.com/office/drawing/2014/main" val="4251630455"/>
+                  </a:ext>
+                </a:extLst>
+              </a:tr>
+              <a:tr h="190500">
+                <a:tc>
+                  <a:txBody>
+                    <a:bodyPr/>
+                    <a:lstStyle/>
+                    <a:p>
+                      <a:pPr algn="l" fontAlgn="b"/>
+                      <a:r>
+                        <a:rPr lang="de-DE" sz="1100" u="none" strike="noStrike" dirty="0">
+                          <a:effectLst/>
+                        </a:rPr>
+                        <a:t>COSMIC</a:t>
+                      </a:r>
+                      <a:endParaRPr lang="de-DE" sz="1100" b="0" i="0" u="none" strike="noStrike" dirty="0">
+                        <a:solidFill>
+                          <a:srgbClr val="000000"/>
+                        </a:solidFill>
+                        <a:effectLst/>
+                        <a:latin typeface="Calibri" panose="020F0502020204030204" pitchFamily="34" charset="0"/>
+                      </a:endParaRPr>
+                    </a:p>
+                  </a:txBody>
+                  <a:tcPr marL="9525" marR="9525" marT="9525" marB="0" anchor="b"/>
+                </a:tc>
+                <a:extLst>
+                  <a:ext uri="{0D108BD9-81ED-4DB2-BD59-A6C34878D82A}">
+                    <a16:rowId xmlns:a16="http://schemas.microsoft.com/office/drawing/2014/main" val="960426112"/>
+                  </a:ext>
+                </a:extLst>
+              </a:tr>
+              <a:tr h="190500">
+                <a:tc>
+                  <a:txBody>
+                    <a:bodyPr/>
+                    <a:lstStyle/>
+                    <a:p>
+                      <a:pPr algn="l" fontAlgn="b"/>
+                      <a:r>
+                        <a:rPr lang="de-DE" sz="1100" u="none" strike="noStrike">
+                          <a:effectLst/>
+                        </a:rPr>
+                        <a:t>cBioPortal</a:t>
+                      </a:r>
+                      <a:endParaRPr lang="de-DE" sz="1100" b="0" i="0" u="none" strike="noStrike">
+                        <a:solidFill>
+                          <a:srgbClr val="000000"/>
+                        </a:solidFill>
+                        <a:effectLst/>
+                        <a:latin typeface="Calibri" panose="020F0502020204030204" pitchFamily="34" charset="0"/>
+                      </a:endParaRPr>
+                    </a:p>
+                  </a:txBody>
+                  <a:tcPr marL="9525" marR="9525" marT="9525" marB="0" anchor="b"/>
+                </a:tc>
+                <a:extLst>
+                  <a:ext uri="{0D108BD9-81ED-4DB2-BD59-A6C34878D82A}">
+                    <a16:rowId xmlns:a16="http://schemas.microsoft.com/office/drawing/2014/main" val="1355126572"/>
+                  </a:ext>
+                </a:extLst>
+              </a:tr>
+              <a:tr h="190500">
+                <a:tc>
+                  <a:txBody>
+                    <a:bodyPr/>
+                    <a:lstStyle/>
+                    <a:p>
+                      <a:pPr algn="l" fontAlgn="b"/>
+                      <a:r>
+                        <a:rPr lang="de-DE" sz="1100" u="none" strike="noStrike">
+                          <a:effectLst/>
+                        </a:rPr>
+                        <a:t>OMIM</a:t>
+                      </a:r>
+                      <a:endParaRPr lang="de-DE" sz="1100" b="0" i="0" u="none" strike="noStrike">
+                        <a:solidFill>
+                          <a:srgbClr val="000000"/>
+                        </a:solidFill>
+                        <a:effectLst/>
+                        <a:latin typeface="Calibri" panose="020F0502020204030204" pitchFamily="34" charset="0"/>
+                      </a:endParaRPr>
+                    </a:p>
+                  </a:txBody>
+                  <a:tcPr marL="9525" marR="9525" marT="9525" marB="0" anchor="b"/>
+                </a:tc>
+                <a:extLst>
+                  <a:ext uri="{0D108BD9-81ED-4DB2-BD59-A6C34878D82A}">
+                    <a16:rowId xmlns:a16="http://schemas.microsoft.com/office/drawing/2014/main" val="1917556045"/>
+                  </a:ext>
+                </a:extLst>
+              </a:tr>
+              <a:tr h="190500">
+                <a:tc>
+                  <a:txBody>
+                    <a:bodyPr/>
+                    <a:lstStyle/>
+                    <a:p>
+                      <a:pPr algn="l" fontAlgn="b"/>
+                      <a:r>
+                        <a:rPr lang="de-DE" sz="1100" u="none" strike="noStrike" dirty="0" err="1">
+                          <a:effectLst/>
+                        </a:rPr>
+                        <a:t>OrphaNet</a:t>
+                      </a:r>
+                      <a:endParaRPr lang="de-DE" sz="1100" b="0" i="0" u="none" strike="noStrike" dirty="0">
+                        <a:solidFill>
+                          <a:srgbClr val="000000"/>
+                        </a:solidFill>
+                        <a:effectLst/>
+                        <a:latin typeface="Calibri" panose="020F0502020204030204" pitchFamily="34" charset="0"/>
+                      </a:endParaRPr>
+                    </a:p>
+                  </a:txBody>
+                  <a:tcPr marL="9525" marR="9525" marT="9525" marB="0" anchor="b"/>
+                </a:tc>
+                <a:extLst>
+                  <a:ext uri="{0D108BD9-81ED-4DB2-BD59-A6C34878D82A}">
+                    <a16:rowId xmlns:a16="http://schemas.microsoft.com/office/drawing/2014/main" val="2742670919"/>
+                  </a:ext>
+                </a:extLst>
+              </a:tr>
+            </a:tbl>
+          </a:graphicData>
+        </a:graphic>
+      </p:graphicFrame>
+    </p:spTree>
+    <p:extLst>
+      <p:ext uri="{BB962C8B-B14F-4D97-AF65-F5344CB8AC3E}">
+        <p14:creationId xmlns:p14="http://schemas.microsoft.com/office/powerpoint/2010/main" val="2732601855"/>
+      </p:ext>
+    </p:extLst>
+  </p:cSld>
+  <p:clrMapOvr>
+    <a:masterClrMapping/>
+  </p:clrMapOvr>
+</p:sld>
+</file>
+
+<file path=ppt/slides/slide6.xml><?xml version="1.0" encoding="utf-8"?>
 <p:sld xmlns:a="http://schemas.openxmlformats.org/drawingml/2006/main" xmlns:r="http://schemas.openxmlformats.org/officeDocument/2006/relationships" xmlns:p="http://schemas.openxmlformats.org/presentationml/2006/main">
   <p:cSld>
     <p:spTree>
@@ -5908,4 +15028,299 @@
     </a:ext>
   </a:extLst>
 </a:theme>
+</file>
+
+<file path=ppt/theme/theme2.xml><?xml version="1.0" encoding="utf-8"?>
+<a:theme xmlns:a="http://schemas.openxmlformats.org/drawingml/2006/main" name="Office">
+  <a:themeElements>
+    <a:clrScheme name="Office">
+      <a:dk1>
+        <a:sysClr val="windowText" lastClr="000000"/>
+      </a:dk1>
+      <a:lt1>
+        <a:sysClr val="window" lastClr="FFFFFF"/>
+      </a:lt1>
+      <a:dk2>
+        <a:srgbClr val="44546A"/>
+      </a:dk2>
+      <a:lt2>
+        <a:srgbClr val="E7E6E6"/>
+      </a:lt2>
+      <a:accent1>
+        <a:srgbClr val="4472C4"/>
+      </a:accent1>
+      <a:accent2>
+        <a:srgbClr val="ED7D31"/>
+      </a:accent2>
+      <a:accent3>
+        <a:srgbClr val="A5A5A5"/>
+      </a:accent3>
+      <a:accent4>
+        <a:srgbClr val="FFC000"/>
+      </a:accent4>
+      <a:accent5>
+        <a:srgbClr val="5B9BD5"/>
+      </a:accent5>
+      <a:accent6>
+        <a:srgbClr val="70AD47"/>
+      </a:accent6>
+      <a:hlink>
+        <a:srgbClr val="0563C1"/>
+      </a:hlink>
+      <a:folHlink>
+        <a:srgbClr val="954F72"/>
+      </a:folHlink>
+    </a:clrScheme>
+    <a:fontScheme name="Office">
+      <a:majorFont>
+        <a:latin typeface="Calibri Light" panose="020F0302020204030204"/>
+        <a:ea typeface=""/>
+        <a:cs typeface=""/>
+        <a:font script="Jpan" typeface="游ゴシック Light"/>
+        <a:font script="Hang" typeface="맑은 고딕"/>
+        <a:font script="Hans" typeface="等线 Light"/>
+        <a:font script="Hant" typeface="新細明體"/>
+        <a:font script="Arab" typeface="Times New Roman"/>
+        <a:font script="Hebr" typeface="Times New Roman"/>
+        <a:font script="Thai" typeface="Angsana New"/>
+        <a:font script="Ethi" typeface="Nyala"/>
+        <a:font script="Beng" typeface="Vrinda"/>
+        <a:font script="Gujr" typeface="Shruti"/>
+        <a:font script="Khmr" typeface="MoolBoran"/>
+        <a:font script="Knda" typeface="Tunga"/>
+        <a:font script="Guru" typeface="Raavi"/>
+        <a:font script="Cans" typeface="Euphemia"/>
+        <a:font script="Cher" typeface="Plantagenet Cherokee"/>
+        <a:font script="Yiii" typeface="Microsoft Yi Baiti"/>
+        <a:font script="Tibt" typeface="Microsoft Himalaya"/>
+        <a:font script="Thaa" typeface="MV Boli"/>
+        <a:font script="Deva" typeface="Mangal"/>
+        <a:font script="Telu" typeface="Gautami"/>
+        <a:font script="Taml" typeface="Latha"/>
+        <a:font script="Syrc" typeface="Estrangelo Edessa"/>
+        <a:font script="Orya" typeface="Kalinga"/>
+        <a:font script="Mlym" typeface="Kartika"/>
+        <a:font script="Laoo" typeface="DokChampa"/>
+        <a:font script="Sinh" typeface="Iskoola Pota"/>
+        <a:font script="Mong" typeface="Mongolian Baiti"/>
+        <a:font script="Viet" typeface="Times New Roman"/>
+        <a:font script="Uigh" typeface="Microsoft Uighur"/>
+        <a:font script="Geor" typeface="Sylfaen"/>
+        <a:font script="Armn" typeface="Arial"/>
+        <a:font script="Bugi" typeface="Leelawadee UI"/>
+        <a:font script="Bopo" typeface="Microsoft JhengHei"/>
+        <a:font script="Java" typeface="Javanese Text"/>
+        <a:font script="Lisu" typeface="Segoe UI"/>
+        <a:font script="Mymr" typeface="Myanmar Text"/>
+        <a:font script="Nkoo" typeface="Ebrima"/>
+        <a:font script="Olck" typeface="Nirmala UI"/>
+        <a:font script="Osma" typeface="Ebrima"/>
+        <a:font script="Phag" typeface="Phagspa"/>
+        <a:font script="Syrn" typeface="Estrangelo Edessa"/>
+        <a:font script="Syrj" typeface="Estrangelo Edessa"/>
+        <a:font script="Syre" typeface="Estrangelo Edessa"/>
+        <a:font script="Sora" typeface="Nirmala UI"/>
+        <a:font script="Tale" typeface="Microsoft Tai Le"/>
+        <a:font script="Talu" typeface="Microsoft New Tai Lue"/>
+        <a:font script="Tfng" typeface="Ebrima"/>
+      </a:majorFont>
+      <a:minorFont>
+        <a:latin typeface="Calibri" panose="020F0502020204030204"/>
+        <a:ea typeface=""/>
+        <a:cs typeface=""/>
+        <a:font script="Jpan" typeface="游ゴシック"/>
+        <a:font script="Hang" typeface="맑은 고딕"/>
+        <a:font script="Hans" typeface="等线"/>
+        <a:font script="Hant" typeface="新細明體"/>
+        <a:font script="Arab" typeface="Arial"/>
+        <a:font script="Hebr" typeface="Arial"/>
+        <a:font script="Thai" typeface="Cordia New"/>
+        <a:font script="Ethi" typeface="Nyala"/>
+        <a:font script="Beng" typeface="Vrinda"/>
+        <a:font script="Gujr" typeface="Shruti"/>
+        <a:font script="Khmr" typeface="DaunPenh"/>
+        <a:font script="Knda" typeface="Tunga"/>
+        <a:font script="Guru" typeface="Raavi"/>
+        <a:font script="Cans" typeface="Euphemia"/>
+        <a:font script="Cher" typeface="Plantagenet Cherokee"/>
+        <a:font script="Yiii" typeface="Microsoft Yi Baiti"/>
+        <a:font script="Tibt" typeface="Microsoft Himalaya"/>
+        <a:font script="Thaa" typeface="MV Boli"/>
+        <a:font script="Deva" typeface="Mangal"/>
+        <a:font script="Telu" typeface="Gautami"/>
+        <a:font script="Taml" typeface="Latha"/>
+        <a:font script="Syrc" typeface="Estrangelo Edessa"/>
+        <a:font script="Orya" typeface="Kalinga"/>
+        <a:font script="Mlym" typeface="Kartika"/>
+        <a:font script="Laoo" typeface="DokChampa"/>
+        <a:font script="Sinh" typeface="Iskoola Pota"/>
+        <a:font script="Mong" typeface="Mongolian Baiti"/>
+        <a:font script="Viet" typeface="Arial"/>
+        <a:font script="Uigh" typeface="Microsoft Uighur"/>
+        <a:font script="Geor" typeface="Sylfaen"/>
+        <a:font script="Armn" typeface="Arial"/>
+        <a:font script="Bugi" typeface="Leelawadee UI"/>
+        <a:font script="Bopo" typeface="Microsoft JhengHei"/>
+        <a:font script="Java" typeface="Javanese Text"/>
+        <a:font script="Lisu" typeface="Segoe UI"/>
+        <a:font script="Mymr" typeface="Myanmar Text"/>
+        <a:font script="Nkoo" typeface="Ebrima"/>
+        <a:font script="Olck" typeface="Nirmala UI"/>
+        <a:font script="Osma" typeface="Ebrima"/>
+        <a:font script="Phag" typeface="Phagspa"/>
+        <a:font script="Syrn" typeface="Estrangelo Edessa"/>
+        <a:font script="Syrj" typeface="Estrangelo Edessa"/>
+        <a:font script="Syre" typeface="Estrangelo Edessa"/>
+        <a:font script="Sora" typeface="Nirmala UI"/>
+        <a:font script="Tale" typeface="Microsoft Tai Le"/>
+        <a:font script="Talu" typeface="Microsoft New Tai Lue"/>
+        <a:font script="Tfng" typeface="Ebrima"/>
+      </a:minorFont>
+    </a:fontScheme>
+    <a:fmtScheme name="Office">
+      <a:fillStyleLst>
+        <a:solidFill>
+          <a:schemeClr val="phClr"/>
+        </a:solidFill>
+        <a:gradFill rotWithShape="1">
+          <a:gsLst>
+            <a:gs pos="0">
+              <a:schemeClr val="phClr">
+                <a:lumMod val="110000"/>
+                <a:satMod val="105000"/>
+                <a:tint val="67000"/>
+              </a:schemeClr>
+            </a:gs>
+            <a:gs pos="50000">
+              <a:schemeClr val="phClr">
+                <a:lumMod val="105000"/>
+                <a:satMod val="103000"/>
+                <a:tint val="73000"/>
+              </a:schemeClr>
+            </a:gs>
+            <a:gs pos="100000">
+              <a:schemeClr val="phClr">
+                <a:lumMod val="105000"/>
+                <a:satMod val="109000"/>
+                <a:tint val="81000"/>
+              </a:schemeClr>
+            </a:gs>
+          </a:gsLst>
+          <a:lin ang="5400000" scaled="0"/>
+        </a:gradFill>
+        <a:gradFill rotWithShape="1">
+          <a:gsLst>
+            <a:gs pos="0">
+              <a:schemeClr val="phClr">
+                <a:satMod val="103000"/>
+                <a:lumMod val="102000"/>
+                <a:tint val="94000"/>
+              </a:schemeClr>
+            </a:gs>
+            <a:gs pos="50000">
+              <a:schemeClr val="phClr">
+                <a:satMod val="110000"/>
+                <a:lumMod val="100000"/>
+                <a:shade val="100000"/>
+              </a:schemeClr>
+            </a:gs>
+            <a:gs pos="100000">
+              <a:schemeClr val="phClr">
+                <a:lumMod val="99000"/>
+                <a:satMod val="120000"/>
+                <a:shade val="78000"/>
+              </a:schemeClr>
+            </a:gs>
+          </a:gsLst>
+          <a:lin ang="5400000" scaled="0"/>
+        </a:gradFill>
+      </a:fillStyleLst>
+      <a:lnStyleLst>
+        <a:ln w="6350" cap="flat" cmpd="sng" algn="ctr">
+          <a:solidFill>
+            <a:schemeClr val="phClr"/>
+          </a:solidFill>
+          <a:prstDash val="solid"/>
+          <a:miter lim="800000"/>
+        </a:ln>
+        <a:ln w="12700" cap="flat" cmpd="sng" algn="ctr">
+          <a:solidFill>
+            <a:schemeClr val="phClr"/>
+          </a:solidFill>
+          <a:prstDash val="solid"/>
+          <a:miter lim="800000"/>
+        </a:ln>
+        <a:ln w="19050" cap="flat" cmpd="sng" algn="ctr">
+          <a:solidFill>
+            <a:schemeClr val="phClr"/>
+          </a:solidFill>
+          <a:prstDash val="solid"/>
+          <a:miter lim="800000"/>
+        </a:ln>
+      </a:lnStyleLst>
+      <a:effectStyleLst>
+        <a:effectStyle>
+          <a:effectLst/>
+        </a:effectStyle>
+        <a:effectStyle>
+          <a:effectLst/>
+        </a:effectStyle>
+        <a:effectStyle>
+          <a:effectLst>
+            <a:outerShdw blurRad="57150" dist="19050" dir="5400000" algn="ctr" rotWithShape="0">
+              <a:srgbClr val="000000">
+                <a:alpha val="63000"/>
+              </a:srgbClr>
+            </a:outerShdw>
+          </a:effectLst>
+        </a:effectStyle>
+      </a:effectStyleLst>
+      <a:bgFillStyleLst>
+        <a:solidFill>
+          <a:schemeClr val="phClr"/>
+        </a:solidFill>
+        <a:solidFill>
+          <a:schemeClr val="phClr">
+            <a:tint val="95000"/>
+            <a:satMod val="170000"/>
+          </a:schemeClr>
+        </a:solidFill>
+        <a:gradFill rotWithShape="1">
+          <a:gsLst>
+            <a:gs pos="0">
+              <a:schemeClr val="phClr">
+                <a:tint val="93000"/>
+                <a:satMod val="150000"/>
+                <a:shade val="98000"/>
+                <a:lumMod val="102000"/>
+              </a:schemeClr>
+            </a:gs>
+            <a:gs pos="50000">
+              <a:schemeClr val="phClr">
+                <a:tint val="98000"/>
+                <a:satMod val="130000"/>
+                <a:shade val="90000"/>
+                <a:lumMod val="103000"/>
+              </a:schemeClr>
+            </a:gs>
+            <a:gs pos="100000">
+              <a:schemeClr val="phClr">
+                <a:shade val="63000"/>
+                <a:satMod val="120000"/>
+              </a:schemeClr>
+            </a:gs>
+          </a:gsLst>
+          <a:lin ang="5400000" scaled="0"/>
+        </a:gradFill>
+      </a:bgFillStyleLst>
+    </a:fmtScheme>
+  </a:themeElements>
+  <a:objectDefaults/>
+  <a:extraClrSchemeLst/>
+  <a:extLst>
+    <a:ext uri="{05A4C25C-085E-4340-85A3-A5531E510DB2}">
+      <thm15:themeFamily xmlns:thm15="http://schemas.microsoft.com/office/thememl/2012/main" name="Office Theme" id="{62F939B6-93AF-4DB8-9C6B-D6C7DFDC589F}" vid="{4A3C46E8-61CC-4603-A589-7422A47A8E4A}"/>
+    </a:ext>
+  </a:extLst>
+</a:theme>
 </file>
--- a/doc/presentations/02_03_22_project_sketch.pptx
+++ b/doc/presentations/02_03_22_project_sketch.pptx
@@ -5,7 +5,7 @@
     <p:sldMasterId id="2147483648" r:id="rId1"/>
   </p:sldMasterIdLst>
   <p:notesMasterIdLst>
-    <p:notesMasterId r:id="rId8"/>
+    <p:notesMasterId r:id="rId11"/>
   </p:notesMasterIdLst>
   <p:sldIdLst>
     <p:sldId id="256" r:id="rId2"/>
@@ -13,7 +13,10 @@
     <p:sldId id="258" r:id="rId4"/>
     <p:sldId id="260" r:id="rId5"/>
     <p:sldId id="261" r:id="rId6"/>
-    <p:sldId id="259" r:id="rId7"/>
+    <p:sldId id="263" r:id="rId7"/>
+    <p:sldId id="262" r:id="rId8"/>
+    <p:sldId id="264" r:id="rId9"/>
+    <p:sldId id="259" r:id="rId10"/>
   </p:sldIdLst>
   <p:sldSz cx="12192000" cy="6858000"/>
   <p:notesSz cx="6858000" cy="9144000"/>
@@ -202,7 +205,7 @@
           <a:p>
             <a:fld id="{32D3377B-B692-4F8C-8BE9-143A32B75211}" type="datetimeFigureOut">
               <a:rPr lang="de-DE" smtClean="0"/>
-              <a:t>03.03.2022</a:t>
+              <a:t>04.03.2022</a:t>
             </a:fld>
             <a:endParaRPr lang="de-DE"/>
           </a:p>
@@ -700,7 +703,7 @@
           <a:p>
             <a:fld id="{1887EDC2-B1DE-4E8C-96F7-0082F16C6727}" type="datetimeFigureOut">
               <a:rPr lang="de-DE" smtClean="0"/>
-              <a:t>03.03.2022</a:t>
+              <a:t>04.03.2022</a:t>
             </a:fld>
             <a:endParaRPr lang="de-DE"/>
           </a:p>
@@ -898,7 +901,7 @@
           <a:p>
             <a:fld id="{1887EDC2-B1DE-4E8C-96F7-0082F16C6727}" type="datetimeFigureOut">
               <a:rPr lang="de-DE" smtClean="0"/>
-              <a:t>03.03.2022</a:t>
+              <a:t>04.03.2022</a:t>
             </a:fld>
             <a:endParaRPr lang="de-DE"/>
           </a:p>
@@ -1106,7 +1109,7 @@
           <a:p>
             <a:fld id="{1887EDC2-B1DE-4E8C-96F7-0082F16C6727}" type="datetimeFigureOut">
               <a:rPr lang="de-DE" smtClean="0"/>
-              <a:t>03.03.2022</a:t>
+              <a:t>04.03.2022</a:t>
             </a:fld>
             <a:endParaRPr lang="de-DE"/>
           </a:p>
@@ -1304,7 +1307,7 @@
           <a:p>
             <a:fld id="{1887EDC2-B1DE-4E8C-96F7-0082F16C6727}" type="datetimeFigureOut">
               <a:rPr lang="de-DE" smtClean="0"/>
-              <a:t>03.03.2022</a:t>
+              <a:t>04.03.2022</a:t>
             </a:fld>
             <a:endParaRPr lang="de-DE"/>
           </a:p>
@@ -1579,7 +1582,7 @@
           <a:p>
             <a:fld id="{1887EDC2-B1DE-4E8C-96F7-0082F16C6727}" type="datetimeFigureOut">
               <a:rPr lang="de-DE" smtClean="0"/>
-              <a:t>03.03.2022</a:t>
+              <a:t>04.03.2022</a:t>
             </a:fld>
             <a:endParaRPr lang="de-DE"/>
           </a:p>
@@ -1844,7 +1847,7 @@
           <a:p>
             <a:fld id="{1887EDC2-B1DE-4E8C-96F7-0082F16C6727}" type="datetimeFigureOut">
               <a:rPr lang="de-DE" smtClean="0"/>
-              <a:t>03.03.2022</a:t>
+              <a:t>04.03.2022</a:t>
             </a:fld>
             <a:endParaRPr lang="de-DE"/>
           </a:p>
@@ -2256,7 +2259,7 @@
           <a:p>
             <a:fld id="{1887EDC2-B1DE-4E8C-96F7-0082F16C6727}" type="datetimeFigureOut">
               <a:rPr lang="de-DE" smtClean="0"/>
-              <a:t>03.03.2022</a:t>
+              <a:t>04.03.2022</a:t>
             </a:fld>
             <a:endParaRPr lang="de-DE"/>
           </a:p>
@@ -2397,7 +2400,7 @@
           <a:p>
             <a:fld id="{1887EDC2-B1DE-4E8C-96F7-0082F16C6727}" type="datetimeFigureOut">
               <a:rPr lang="de-DE" smtClean="0"/>
-              <a:t>03.03.2022</a:t>
+              <a:t>04.03.2022</a:t>
             </a:fld>
             <a:endParaRPr lang="de-DE"/>
           </a:p>
@@ -2510,7 +2513,7 @@
           <a:p>
             <a:fld id="{1887EDC2-B1DE-4E8C-96F7-0082F16C6727}" type="datetimeFigureOut">
               <a:rPr lang="de-DE" smtClean="0"/>
-              <a:t>03.03.2022</a:t>
+              <a:t>04.03.2022</a:t>
             </a:fld>
             <a:endParaRPr lang="de-DE"/>
           </a:p>
@@ -2821,7 +2824,7 @@
           <a:p>
             <a:fld id="{1887EDC2-B1DE-4E8C-96F7-0082F16C6727}" type="datetimeFigureOut">
               <a:rPr lang="de-DE" smtClean="0"/>
-              <a:t>03.03.2022</a:t>
+              <a:t>04.03.2022</a:t>
             </a:fld>
             <a:endParaRPr lang="de-DE"/>
           </a:p>
@@ -3109,7 +3112,7 @@
           <a:p>
             <a:fld id="{1887EDC2-B1DE-4E8C-96F7-0082F16C6727}" type="datetimeFigureOut">
               <a:rPr lang="de-DE" smtClean="0"/>
-              <a:t>03.03.2022</a:t>
+              <a:t>04.03.2022</a:t>
             </a:fld>
             <a:endParaRPr lang="de-DE"/>
           </a:p>
@@ -3350,7 +3353,7 @@
           <a:p>
             <a:fld id="{1887EDC2-B1DE-4E8C-96F7-0082F16C6727}" type="datetimeFigureOut">
               <a:rPr lang="de-DE" smtClean="0"/>
-              <a:t>03.03.2022</a:t>
+              <a:t>04.03.2022</a:t>
             </a:fld>
             <a:endParaRPr lang="de-DE"/>
           </a:p>
@@ -3788,7 +3791,18 @@
           <a:bodyPr/>
           <a:lstStyle/>
           <a:p>
-            <a:endParaRPr lang="de-DE"/>
+            <a:r>
+              <a:rPr lang="de-DE" dirty="0"/>
+              <a:t>Project Sketch</a:t>
+            </a:r>
+            <a:br>
+              <a:rPr lang="de-DE" dirty="0"/>
+            </a:br>
+            <a:r>
+              <a:rPr lang="de-DE" dirty="0" err="1"/>
+              <a:t>HerediVar</a:t>
+            </a:r>
+            <a:endParaRPr lang="de-DE" dirty="0"/>
           </a:p>
         </p:txBody>
       </p:sp>
@@ -3813,7 +3827,7 @@
           <a:bodyPr/>
           <a:lstStyle/>
           <a:p>
-            <a:endParaRPr lang="de-DE"/>
+            <a:endParaRPr lang="de-DE" dirty="0"/>
           </a:p>
         </p:txBody>
       </p:sp>
@@ -5349,7 +5363,7 @@
         </p:nvSpPr>
         <p:spPr>
           <a:xfrm>
-            <a:off x="6466374" y="3603661"/>
+            <a:off x="6491121" y="2913392"/>
             <a:ext cx="401288" cy="401288"/>
           </a:xfrm>
           <a:prstGeom prst="ellipse">
@@ -5483,6 +5497,50 @@
               <a:schemeClr val="tx1"/>
             </a:solidFill>
             <a:headEnd type="triangle"/>
+            <a:tailEnd type="triangle"/>
+          </a:ln>
+        </p:spPr>
+        <p:style>
+          <a:lnRef idx="1">
+            <a:schemeClr val="accent1"/>
+          </a:lnRef>
+          <a:fillRef idx="0">
+            <a:schemeClr val="accent1"/>
+          </a:fillRef>
+          <a:effectRef idx="0">
+            <a:schemeClr val="accent1"/>
+          </a:effectRef>
+          <a:fontRef idx="minor">
+            <a:schemeClr val="tx1"/>
+          </a:fontRef>
+        </p:style>
+      </p:cxnSp>
+      <p:cxnSp>
+        <p:nvCxnSpPr>
+          <p:cNvPr id="42" name="Gerade Verbindung mit Pfeil 41">
+            <a:extLst>
+              <a:ext uri="{FF2B5EF4-FFF2-40B4-BE49-F238E27FC236}">
+                <a16:creationId xmlns:a16="http://schemas.microsoft.com/office/drawing/2014/main" id="{A2757B6B-AC99-4D15-A6F3-596AB07D67E0}"/>
+              </a:ext>
+            </a:extLst>
+          </p:cNvPr>
+          <p:cNvCxnSpPr>
+            <a:cxnSpLocks/>
+          </p:cNvCxnSpPr>
+          <p:nvPr/>
+        </p:nvCxnSpPr>
+        <p:spPr>
+          <a:xfrm flipV="1">
+            <a:off x="5448581" y="1809145"/>
+            <a:ext cx="2288648" cy="1725194"/>
+          </a:xfrm>
+          <a:prstGeom prst="straightConnector1">
+            <a:avLst/>
+          </a:prstGeom>
+          <a:ln w="38100">
+            <a:solidFill>
+              <a:schemeClr val="tx1"/>
+            </a:solidFill>
             <a:tailEnd type="triangle"/>
           </a:ln>
         </p:spPr>
@@ -5554,7 +5612,9 @@
           </a:xfrm>
         </p:spPr>
         <p:txBody>
-          <a:bodyPr/>
+          <a:bodyPr>
+            <a:normAutofit lnSpcReduction="10000"/>
+          </a:bodyPr>
           <a:lstStyle/>
           <a:p>
             <a:pPr marL="0" indent="0">
@@ -6087,6 +6147,78 @@
             <a:r>
               <a:rPr lang="de-DE" dirty="0" err="1"/>
               <a:t>ClinVar</a:t>
+            </a:r>
+            <a:r>
+              <a:rPr lang="de-DE" dirty="0"/>
+              <a:t> (</a:t>
+            </a:r>
+            <a:r>
+              <a:rPr lang="de-DE" dirty="0" err="1"/>
+              <a:t>pdf</a:t>
+            </a:r>
+            <a:r>
+              <a:rPr lang="de-DE" dirty="0"/>
+              <a:t> </a:t>
+            </a:r>
+            <a:r>
+              <a:rPr lang="de-DE" dirty="0" err="1"/>
+              <a:t>with</a:t>
+            </a:r>
+            <a:r>
+              <a:rPr lang="de-DE" dirty="0"/>
+              <a:t> </a:t>
+            </a:r>
+            <a:r>
+              <a:rPr lang="de-DE" dirty="0" err="1"/>
+              <a:t>classification</a:t>
+            </a:r>
+            <a:r>
+              <a:rPr lang="de-DE" dirty="0"/>
+              <a:t> </a:t>
+            </a:r>
+            <a:r>
+              <a:rPr lang="de-DE" dirty="0" err="1"/>
+              <a:t>criteria</a:t>
+            </a:r>
+            <a:r>
+              <a:rPr lang="de-DE" dirty="0"/>
+              <a:t> </a:t>
+            </a:r>
+            <a:r>
+              <a:rPr lang="de-DE" dirty="0" err="1"/>
+              <a:t>required</a:t>
+            </a:r>
+            <a:r>
+              <a:rPr lang="de-DE" dirty="0"/>
+              <a:t>) and </a:t>
+            </a:r>
+            <a:r>
+              <a:rPr lang="de-DE" dirty="0" err="1"/>
+              <a:t>export</a:t>
+            </a:r>
+            <a:r>
+              <a:rPr lang="de-DE" dirty="0"/>
+              <a:t> </a:t>
+            </a:r>
+            <a:r>
+              <a:rPr lang="de-DE" dirty="0" err="1"/>
+              <a:t>classification</a:t>
+            </a:r>
+            <a:r>
+              <a:rPr lang="de-DE" dirty="0"/>
+              <a:t> back </a:t>
+            </a:r>
+            <a:r>
+              <a:rPr lang="de-DE" dirty="0" err="1"/>
+              <a:t>to</a:t>
+            </a:r>
+            <a:r>
+              <a:rPr lang="de-DE" dirty="0"/>
+              <a:t> </a:t>
+            </a:r>
+            <a:r>
+              <a:rPr lang="de-DE" dirty="0" err="1"/>
+              <a:t>HerediCare</a:t>
             </a:r>
             <a:endParaRPr lang="de-DE" dirty="0"/>
           </a:p>
@@ -6183,7 +6315,7 @@
           <p:nvPr>
             <p:extLst>
               <p:ext uri="{D42A27DB-BD31-4B8C-83A1-F6EECF244321}">
-                <p14:modId xmlns:p14="http://schemas.microsoft.com/office/powerpoint/2010/main" val="3689908726"/>
+                <p14:modId xmlns:p14="http://schemas.microsoft.com/office/powerpoint/2010/main" val="282203696"/>
               </p:ext>
             </p:extLst>
           </p:nvPr>
@@ -6420,87 +6552,6 @@
                     <a:p>
                       <a:r>
                         <a:rPr lang="de-DE" sz="700" dirty="0" err="1"/>
-                        <a:t>rsnum</a:t>
-                      </a:r>
-                      <a:endParaRPr lang="de-DE" sz="700" dirty="0"/>
-                    </a:p>
-                  </a:txBody>
-                  <a:tcPr>
-                    <a:lnL w="12700" cap="flat" cmpd="sng" algn="ctr">
-                      <a:solidFill>
-                        <a:schemeClr val="tx1"/>
-                      </a:solidFill>
-                      <a:prstDash val="solid"/>
-                      <a:round/>
-                      <a:headEnd type="none" w="med" len="med"/>
-                      <a:tailEnd type="none" w="med" len="med"/>
-                    </a:lnL>
-                    <a:lnR w="12700" cap="flat" cmpd="sng" algn="ctr">
-                      <a:solidFill>
-                        <a:schemeClr val="tx1"/>
-                      </a:solidFill>
-                      <a:prstDash val="solid"/>
-                      <a:round/>
-                      <a:headEnd type="none" w="med" len="med"/>
-                      <a:tailEnd type="none" w="med" len="med"/>
-                    </a:lnR>
-                  </a:tcPr>
-                </a:tc>
-                <a:tc>
-                  <a:txBody>
-                    <a:bodyPr/>
-                    <a:lstStyle/>
-                    <a:p>
-                      <a:r>
-                        <a:rPr lang="de-DE" sz="700" dirty="0" err="1"/>
-                        <a:t>text</a:t>
-                      </a:r>
-                      <a:r>
-                        <a:rPr lang="de-DE" sz="700" dirty="0"/>
-                        <a:t> </a:t>
-                      </a:r>
-                      <a:r>
-                        <a:rPr lang="de-DE" sz="700" b="1" i="1" dirty="0"/>
-                        <a:t>(n)</a:t>
-                      </a:r>
-                      <a:endParaRPr lang="de-DE" sz="700" dirty="0"/>
-                    </a:p>
-                  </a:txBody>
-                  <a:tcPr>
-                    <a:lnL w="12700" cap="flat" cmpd="sng" algn="ctr">
-                      <a:solidFill>
-                        <a:schemeClr val="tx1"/>
-                      </a:solidFill>
-                      <a:prstDash val="solid"/>
-                      <a:round/>
-                      <a:headEnd type="none" w="med" len="med"/>
-                      <a:tailEnd type="none" w="med" len="med"/>
-                    </a:lnL>
-                    <a:lnR w="12700" cap="flat" cmpd="sng" algn="ctr">
-                      <a:solidFill>
-                        <a:schemeClr val="tx1"/>
-                      </a:solidFill>
-                      <a:prstDash val="solid"/>
-                      <a:round/>
-                      <a:headEnd type="none" w="med" len="med"/>
-                      <a:tailEnd type="none" w="med" len="med"/>
-                    </a:lnR>
-                  </a:tcPr>
-                </a:tc>
-                <a:extLst>
-                  <a:ext uri="{0D108BD9-81ED-4DB2-BD59-A6C34878D82A}">
-                    <a16:rowId xmlns:a16="http://schemas.microsoft.com/office/drawing/2014/main" val="1304942092"/>
-                  </a:ext>
-                </a:extLst>
-              </a:tr>
-              <a:tr h="178635">
-                <a:tc>
-                  <a:txBody>
-                    <a:bodyPr/>
-                    <a:lstStyle/>
-                    <a:p>
-                      <a:r>
-                        <a:rPr lang="de-DE" sz="700" dirty="0" err="1"/>
                         <a:t>chr</a:t>
                       </a:r>
                       <a:endParaRPr lang="de-DE" sz="700" dirty="0"/>
@@ -6885,14 +6936,98 @@
                       <a:r>
                         <a:rPr lang="de-DE" sz="700" dirty="0" err="1">
                           <a:solidFill>
-                            <a:srgbClr val="FF0000"/>
+                            <a:schemeClr val="tx1"/>
                           </a:solidFill>
                         </a:rPr>
-                        <a:t>genotype</a:t>
+                        <a:t>error</a:t>
                       </a:r>
                       <a:endParaRPr lang="de-DE" sz="700" dirty="0">
                         <a:solidFill>
-                          <a:srgbClr val="FF0000"/>
+                          <a:schemeClr val="tx1"/>
+                        </a:solidFill>
+                      </a:endParaRPr>
+                    </a:p>
+                  </a:txBody>
+                  <a:tcPr>
+                    <a:lnL w="12700" cap="flat" cmpd="sng" algn="ctr">
+                      <a:solidFill>
+                        <a:schemeClr val="tx1"/>
+                      </a:solidFill>
+                      <a:prstDash val="solid"/>
+                      <a:round/>
+                      <a:headEnd type="none" w="med" len="med"/>
+                      <a:tailEnd type="none" w="med" len="med"/>
+                    </a:lnL>
+                    <a:lnR w="12700" cap="flat" cmpd="sng" algn="ctr">
+                      <a:solidFill>
+                        <a:schemeClr val="tx1"/>
+                      </a:solidFill>
+                      <a:prstDash val="solid"/>
+                      <a:round/>
+                      <a:headEnd type="none" w="med" len="med"/>
+                      <a:tailEnd type="none" w="med" len="med"/>
+                    </a:lnR>
+                  </a:tcPr>
+                </a:tc>
+                <a:tc>
+                  <a:txBody>
+                    <a:bodyPr/>
+                    <a:lstStyle/>
+                    <a:p>
+                      <a:r>
+                        <a:rPr lang="de-DE" sz="700" dirty="0">
+                          <a:solidFill>
+                            <a:schemeClr val="tx1"/>
+                          </a:solidFill>
+                        </a:rPr>
+                        <a:t>tinyint1</a:t>
+                      </a:r>
+                    </a:p>
+                  </a:txBody>
+                  <a:tcPr>
+                    <a:lnL w="12700" cap="flat" cmpd="sng" algn="ctr">
+                      <a:solidFill>
+                        <a:schemeClr val="tx1"/>
+                      </a:solidFill>
+                      <a:prstDash val="solid"/>
+                      <a:round/>
+                      <a:headEnd type="none" w="med" len="med"/>
+                      <a:tailEnd type="none" w="med" len="med"/>
+                    </a:lnL>
+                    <a:lnR w="12700" cap="flat" cmpd="sng" algn="ctr">
+                      <a:solidFill>
+                        <a:schemeClr val="tx1"/>
+                      </a:solidFill>
+                      <a:prstDash val="solid"/>
+                      <a:round/>
+                      <a:headEnd type="none" w="med" len="med"/>
+                      <a:tailEnd type="none" w="med" len="med"/>
+                    </a:lnR>
+                  </a:tcPr>
+                </a:tc>
+                <a:extLst>
+                  <a:ext uri="{0D108BD9-81ED-4DB2-BD59-A6C34878D82A}">
+                    <a16:rowId xmlns:a16="http://schemas.microsoft.com/office/drawing/2014/main" val="1576307755"/>
+                  </a:ext>
+                </a:extLst>
+              </a:tr>
+              <a:tr h="178635">
+                <a:tc>
+                  <a:txBody>
+                    <a:bodyPr/>
+                    <a:lstStyle/>
+                    <a:p>
+                      <a:r>
+                        <a:rPr lang="de-DE" sz="700" dirty="0" err="1">
+                          <a:solidFill>
+                            <a:schemeClr val="tx1"/>
+                          </a:solidFill>
+                        </a:rPr>
+                        <a:t>error_description</a:t>
+                      </a:r>
+                      <a:endParaRPr lang="de-DE" sz="700" dirty="0">
+                        <a:solidFill>
+                          <a:schemeClr val="tx1"/>
                         </a:solidFill>
                       </a:endParaRPr>
                     </a:p>
@@ -6935,16 +7070,27 @@
                       <a:r>
                         <a:rPr lang="de-DE" sz="700" dirty="0" err="1">
                           <a:solidFill>
-                            <a:srgbClr val="FF0000"/>
+                            <a:schemeClr val="tx1"/>
                           </a:solidFill>
                         </a:rPr>
-                        <a:t>enum</a:t>
+                        <a:t>text</a:t>
                       </a:r>
-                      <a:endParaRPr lang="de-DE" sz="700" dirty="0">
-                        <a:solidFill>
-                          <a:srgbClr val="FF0000"/>
-                        </a:solidFill>
-                      </a:endParaRPr>
+                      <a:r>
+                        <a:rPr lang="de-DE" sz="700" dirty="0">
+                          <a:solidFill>
+                            <a:schemeClr val="tx1"/>
+                          </a:solidFill>
+                        </a:rPr>
+                        <a:t> </a:t>
+                      </a:r>
+                      <a:r>
+                        <a:rPr lang="de-DE" sz="700" b="1" dirty="0">
+                          <a:solidFill>
+                            <a:schemeClr val="tx1"/>
+                          </a:solidFill>
+                        </a:rPr>
+                        <a:t>(n)</a:t>
+                      </a:r>
                     </a:p>
                   </a:txBody>
                   <a:tcPr>
@@ -6979,7 +7125,7 @@
                 </a:tc>
                 <a:extLst>
                   <a:ext uri="{0D108BD9-81ED-4DB2-BD59-A6C34878D82A}">
-                    <a16:rowId xmlns:a16="http://schemas.microsoft.com/office/drawing/2014/main" val="1576307755"/>
+                    <a16:rowId xmlns:a16="http://schemas.microsoft.com/office/drawing/2014/main" val="354561861"/>
                   </a:ext>
                 </a:extLst>
               </a:tr>
@@ -7665,7 +7811,7 @@
           <p:nvPr>
             <p:extLst>
               <p:ext uri="{D42A27DB-BD31-4B8C-83A1-F6EECF244321}">
-                <p14:modId xmlns:p14="http://schemas.microsoft.com/office/powerpoint/2010/main" val="2466750595"/>
+                <p14:modId xmlns:p14="http://schemas.microsoft.com/office/powerpoint/2010/main" val="799754619"/>
               </p:ext>
             </p:extLst>
           </p:nvPr>
@@ -7704,7 +7850,7 @@
                     <a:p>
                       <a:r>
                         <a:rPr lang="de-DE" sz="700" b="1" dirty="0" err="1"/>
-                        <a:t>variant_type</a:t>
+                        <a:t>annotation_type</a:t>
                       </a:r>
                       <a:endParaRPr lang="de-DE" sz="500" b="1" dirty="0"/>
                     </a:p>
@@ -8060,10 +8206,6 @@
                         <a:rPr lang="de-DE" sz="700" dirty="0" err="1"/>
                         <a:t>text</a:t>
                       </a:r>
-                      <a:r>
-                        <a:rPr lang="de-DE" sz="700" b="1" i="1" dirty="0"/>
-                        <a:t> (n)</a:t>
-                      </a:r>
                       <a:endParaRPr lang="de-DE" sz="700" dirty="0"/>
                     </a:p>
                   </a:txBody>
@@ -8115,9 +8257,10 @@
                     <a:lstStyle/>
                     <a:p>
                       <a:r>
-                        <a:rPr lang="de-DE" sz="700" dirty="0"/>
-                        <a:t>type</a:t>
+                        <a:rPr lang="de-DE" sz="700" dirty="0" err="1"/>
+                        <a:t>value_type</a:t>
                       </a:r>
+                      <a:endParaRPr lang="de-DE" sz="700" dirty="0"/>
                     </a:p>
                   </a:txBody>
                   <a:tcPr>
@@ -8237,13 +8380,18 @@
                     <a:lstStyle/>
                     <a:p>
                       <a:r>
-                        <a:rPr lang="de-DE" sz="700" dirty="0">
+                        <a:rPr lang="de-DE" sz="700" dirty="0" err="1">
                           <a:solidFill>
-                            <a:srgbClr val="FF0000"/>
+                            <a:schemeClr val="tx1"/>
                           </a:solidFill>
                         </a:rPr>
-                        <a:t>Source</a:t>
+                        <a:t>version</a:t>
                       </a:r>
+                      <a:endParaRPr lang="de-DE" sz="700" dirty="0">
+                        <a:solidFill>
+                          <a:schemeClr val="tx1"/>
+                        </a:solidFill>
+                      </a:endParaRPr>
                     </a:p>
                   </a:txBody>
                   <a:tcPr>
@@ -8289,13 +8437,18 @@
                     <a:lstStyle/>
                     <a:p>
                       <a:r>
-                        <a:rPr lang="de-DE" sz="700" dirty="0">
+                        <a:rPr lang="de-DE" sz="700" dirty="0" err="1">
                           <a:solidFill>
-                            <a:srgbClr val="FF0000"/>
+                            <a:schemeClr val="tx1"/>
                           </a:solidFill>
                         </a:rPr>
-                        <a:t>Text</a:t>
+                        <a:t>text</a:t>
                       </a:r>
+                      <a:endParaRPr lang="de-DE" sz="700" dirty="0">
+                        <a:solidFill>
+                          <a:schemeClr val="tx1"/>
+                        </a:solidFill>
+                      </a:endParaRPr>
                     </a:p>
                   </a:txBody>
                   <a:tcPr>
@@ -8337,7 +8490,7 @@
                 </a:tc>
                 <a:extLst>
                   <a:ext uri="{0D108BD9-81ED-4DB2-BD59-A6C34878D82A}">
-                    <a16:rowId xmlns:a16="http://schemas.microsoft.com/office/drawing/2014/main" val="2245360409"/>
+                    <a16:rowId xmlns:a16="http://schemas.microsoft.com/office/drawing/2014/main" val="1761718646"/>
                   </a:ext>
                 </a:extLst>
               </a:tr>
@@ -8360,7 +8513,7 @@
           <p:nvPr>
             <p:extLst>
               <p:ext uri="{D42A27DB-BD31-4B8C-83A1-F6EECF244321}">
-                <p14:modId xmlns:p14="http://schemas.microsoft.com/office/powerpoint/2010/main" val="2889954673"/>
+                <p14:modId xmlns:p14="http://schemas.microsoft.com/office/powerpoint/2010/main" val="1211914777"/>
               </p:ext>
             </p:extLst>
           </p:nvPr>
@@ -8605,7 +8758,7 @@
                     <a:p>
                       <a:r>
                         <a:rPr lang="de-DE" sz="700" dirty="0" err="1"/>
-                        <a:t>hgnc</a:t>
+                        <a:t>hgnc_id</a:t>
                       </a:r>
                       <a:endParaRPr lang="de-DE" sz="700" dirty="0"/>
                     </a:p>
@@ -8653,10 +8806,6 @@
                       <a:r>
                         <a:rPr lang="de-DE" sz="700" dirty="0" err="1"/>
                         <a:t>text</a:t>
-                      </a:r>
-                      <a:r>
-                        <a:rPr lang="de-DE" sz="700" b="1" i="1" dirty="0"/>
-                        <a:t> (n)</a:t>
                       </a:r>
                       <a:endParaRPr lang="de-DE" sz="700" dirty="0"/>
                     </a:p>
@@ -8710,7 +8859,7 @@
                     <a:p>
                       <a:r>
                         <a:rPr lang="de-DE" sz="700" dirty="0" err="1"/>
-                        <a:t>gene_symbol</a:t>
+                        <a:t>symbol</a:t>
                       </a:r>
                       <a:endParaRPr lang="de-DE" sz="700" dirty="0"/>
                     </a:p>
@@ -8758,10 +8907,6 @@
                       <a:r>
                         <a:rPr lang="de-DE" sz="700" dirty="0" err="1"/>
                         <a:t>text</a:t>
-                      </a:r>
-                      <a:r>
-                        <a:rPr lang="de-DE" sz="700" b="1" i="1" dirty="0"/>
-                        <a:t> (n)</a:t>
                       </a:r>
                       <a:endParaRPr lang="de-DE" sz="700" dirty="0"/>
                     </a:p>
@@ -8865,677 +9010,6 @@
                       <a:r>
                         <a:rPr lang="de-DE" sz="700" dirty="0" err="1"/>
                         <a:t>text</a:t>
-                      </a:r>
-                      <a:r>
-                        <a:rPr lang="de-DE" sz="700" b="1" i="1" dirty="0"/>
-                        <a:t> (n)</a:t>
-                      </a:r>
-                      <a:endParaRPr lang="de-DE" sz="700" dirty="0"/>
-                    </a:p>
-                  </a:txBody>
-                  <a:tcPr>
-                    <a:lnL w="12700" cap="flat" cmpd="sng" algn="ctr">
-                      <a:solidFill>
-                        <a:schemeClr val="tx1"/>
-                      </a:solidFill>
-                      <a:prstDash val="solid"/>
-                      <a:round/>
-                      <a:headEnd type="none" w="med" len="med"/>
-                      <a:tailEnd type="none" w="med" len="med"/>
-                    </a:lnL>
-                    <a:lnR w="12700" cap="flat" cmpd="sng" algn="ctr">
-                      <a:solidFill>
-                        <a:schemeClr val="tx1"/>
-                      </a:solidFill>
-                      <a:prstDash val="solid"/>
-                      <a:round/>
-                      <a:headEnd type="none" w="med" len="med"/>
-                      <a:tailEnd type="none" w="med" len="med"/>
-                    </a:lnR>
-                    <a:lnT w="12700" cap="flat" cmpd="sng" algn="ctr">
-                      <a:noFill/>
-                      <a:prstDash val="solid"/>
-                      <a:round/>
-                      <a:headEnd type="none" w="med" len="med"/>
-                      <a:tailEnd type="none" w="med" len="med"/>
-                    </a:lnT>
-                    <a:lnB w="12700" cap="flat" cmpd="sng" algn="ctr">
-                      <a:solidFill>
-                        <a:schemeClr val="tx1"/>
-                      </a:solidFill>
-                      <a:prstDash val="solid"/>
-                      <a:round/>
-                      <a:headEnd type="none" w="med" len="med"/>
-                      <a:tailEnd type="none" w="med" len="med"/>
-                    </a:lnB>
-                  </a:tcPr>
-                </a:tc>
-                <a:extLst>
-                  <a:ext uri="{0D108BD9-81ED-4DB2-BD59-A6C34878D82A}">
-                    <a16:rowId xmlns:a16="http://schemas.microsoft.com/office/drawing/2014/main" val="3968356380"/>
-                  </a:ext>
-                </a:extLst>
-              </a:tr>
-            </a:tbl>
-          </a:graphicData>
-        </a:graphic>
-      </p:graphicFrame>
-      <p:graphicFrame>
-        <p:nvGraphicFramePr>
-          <p:cNvPr id="9" name="Tabelle 8">
-            <a:extLst>
-              <a:ext uri="{FF2B5EF4-FFF2-40B4-BE49-F238E27FC236}">
-                <a16:creationId xmlns:a16="http://schemas.microsoft.com/office/drawing/2014/main" id="{0829249B-0C1F-4D29-9CCE-E64604663467}"/>
-              </a:ext>
-            </a:extLst>
-          </p:cNvPr>
-          <p:cNvGraphicFramePr>
-            <a:graphicFrameLocks noGrp="1"/>
-          </p:cNvGraphicFramePr>
-          <p:nvPr>
-            <p:extLst>
-              <p:ext uri="{D42A27DB-BD31-4B8C-83A1-F6EECF244321}">
-                <p14:modId xmlns:p14="http://schemas.microsoft.com/office/powerpoint/2010/main" val="509224442"/>
-              </p:ext>
-            </p:extLst>
-          </p:nvPr>
-        </p:nvGraphicFramePr>
-        <p:xfrm>
-          <a:off x="772719" y="5195404"/>
-          <a:ext cx="1407888" cy="1188720"/>
-        </p:xfrm>
-        <a:graphic>
-          <a:graphicData uri="http://schemas.openxmlformats.org/drawingml/2006/table">
-            <a:tbl>
-              <a:tblPr firstRow="1" bandRow="1">
-                <a:tableStyleId>{2D5ABB26-0587-4C30-8999-92F81FD0307C}</a:tableStyleId>
-              </a:tblPr>
-              <a:tblGrid>
-                <a:gridCol w="922696">
-                  <a:extLst>
-                    <a:ext uri="{9D8B030D-6E8A-4147-A177-3AD203B41FA5}">
-                      <a16:colId xmlns:a16="http://schemas.microsoft.com/office/drawing/2014/main" val="650321458"/>
-                    </a:ext>
-                  </a:extLst>
-                </a:gridCol>
-                <a:gridCol w="485192">
-                  <a:extLst>
-                    <a:ext uri="{9D8B030D-6E8A-4147-A177-3AD203B41FA5}">
-                      <a16:colId xmlns:a16="http://schemas.microsoft.com/office/drawing/2014/main" val="4065165498"/>
-                    </a:ext>
-                  </a:extLst>
-                </a:gridCol>
-              </a:tblGrid>
-              <a:tr h="178635">
-                <a:tc>
-                  <a:txBody>
-                    <a:bodyPr/>
-                    <a:lstStyle/>
-                    <a:p>
-                      <a:r>
-                        <a:rPr lang="de-DE" sz="700" b="1" dirty="0" err="1"/>
-                        <a:t>gene_annotation</a:t>
-                      </a:r>
-                      <a:endParaRPr lang="de-DE" sz="500" b="1" dirty="0"/>
-                    </a:p>
-                  </a:txBody>
-                  <a:tcPr>
-                    <a:lnL w="12700" cap="flat" cmpd="sng" algn="ctr">
-                      <a:solidFill>
-                        <a:schemeClr val="tx1"/>
-                      </a:solidFill>
-                      <a:prstDash val="solid"/>
-                      <a:round/>
-                      <a:headEnd type="none" w="med" len="med"/>
-                      <a:tailEnd type="none" w="med" len="med"/>
-                    </a:lnL>
-                    <a:lnR w="12700" cap="flat" cmpd="sng" algn="ctr">
-                      <a:noFill/>
-                      <a:prstDash val="solid"/>
-                      <a:round/>
-                      <a:headEnd type="none" w="med" len="med"/>
-                      <a:tailEnd type="none" w="med" len="med"/>
-                    </a:lnR>
-                    <a:lnT w="12700" cap="flat" cmpd="sng" algn="ctr">
-                      <a:solidFill>
-                        <a:schemeClr val="tx1"/>
-                      </a:solidFill>
-                      <a:prstDash val="solid"/>
-                      <a:round/>
-                      <a:headEnd type="none" w="med" len="med"/>
-                      <a:tailEnd type="none" w="med" len="med"/>
-                    </a:lnT>
-                    <a:lnB w="12700" cap="flat" cmpd="sng" algn="ctr">
-                      <a:solidFill>
-                        <a:schemeClr val="tx1"/>
-                      </a:solidFill>
-                      <a:prstDash val="solid"/>
-                      <a:round/>
-                      <a:headEnd type="none" w="med" len="med"/>
-                      <a:tailEnd type="none" w="med" len="med"/>
-                    </a:lnB>
-                  </a:tcPr>
-                </a:tc>
-                <a:tc>
-                  <a:txBody>
-                    <a:bodyPr/>
-                    <a:lstStyle/>
-                    <a:p>
-                      <a:endParaRPr lang="de-DE" sz="500" dirty="0"/>
-                    </a:p>
-                  </a:txBody>
-                  <a:tcPr>
-                    <a:lnL w="12700" cap="flat" cmpd="sng" algn="ctr">
-                      <a:noFill/>
-                      <a:prstDash val="solid"/>
-                      <a:round/>
-                      <a:headEnd type="none" w="med" len="med"/>
-                      <a:tailEnd type="none" w="med" len="med"/>
-                    </a:lnL>
-                    <a:lnR w="12700" cap="flat" cmpd="sng" algn="ctr">
-                      <a:solidFill>
-                        <a:schemeClr val="tx1"/>
-                      </a:solidFill>
-                      <a:prstDash val="solid"/>
-                      <a:round/>
-                      <a:headEnd type="none" w="med" len="med"/>
-                      <a:tailEnd type="none" w="med" len="med"/>
-                    </a:lnR>
-                    <a:lnT w="12700" cap="flat" cmpd="sng" algn="ctr">
-                      <a:solidFill>
-                        <a:schemeClr val="tx1"/>
-                      </a:solidFill>
-                      <a:prstDash val="solid"/>
-                      <a:round/>
-                      <a:headEnd type="none" w="med" len="med"/>
-                      <a:tailEnd type="none" w="med" len="med"/>
-                    </a:lnT>
-                    <a:lnB w="12700" cap="flat" cmpd="sng" algn="ctr">
-                      <a:solidFill>
-                        <a:schemeClr val="tx1"/>
-                      </a:solidFill>
-                      <a:prstDash val="solid"/>
-                      <a:round/>
-                      <a:headEnd type="none" w="med" len="med"/>
-                      <a:tailEnd type="none" w="med" len="med"/>
-                    </a:lnB>
-                  </a:tcPr>
-                </a:tc>
-                <a:extLst>
-                  <a:ext uri="{0D108BD9-81ED-4DB2-BD59-A6C34878D82A}">
-                    <a16:rowId xmlns:a16="http://schemas.microsoft.com/office/drawing/2014/main" val="109647893"/>
-                  </a:ext>
-                </a:extLst>
-              </a:tr>
-              <a:tr h="178635">
-                <a:tc>
-                  <a:txBody>
-                    <a:bodyPr/>
-                    <a:lstStyle/>
-                    <a:p>
-                      <a:r>
-                        <a:rPr lang="de-DE" sz="700" dirty="0" err="1"/>
-                        <a:t>id</a:t>
-                      </a:r>
-                      <a:endParaRPr lang="de-DE" sz="700" dirty="0"/>
-                    </a:p>
-                  </a:txBody>
-                  <a:tcPr>
-                    <a:lnL w="12700" cap="flat" cmpd="sng" algn="ctr">
-                      <a:solidFill>
-                        <a:schemeClr val="tx1"/>
-                      </a:solidFill>
-                      <a:prstDash val="solid"/>
-                      <a:round/>
-                      <a:headEnd type="none" w="med" len="med"/>
-                      <a:tailEnd type="none" w="med" len="med"/>
-                    </a:lnL>
-                    <a:lnR w="12700" cap="flat" cmpd="sng" algn="ctr">
-                      <a:solidFill>
-                        <a:schemeClr val="tx1"/>
-                      </a:solidFill>
-                      <a:prstDash val="solid"/>
-                      <a:round/>
-                      <a:headEnd type="none" w="med" len="med"/>
-                      <a:tailEnd type="none" w="med" len="med"/>
-                    </a:lnR>
-                    <a:lnT w="12700" cap="flat" cmpd="sng" algn="ctr">
-                      <a:solidFill>
-                        <a:schemeClr val="tx1"/>
-                      </a:solidFill>
-                      <a:prstDash val="solid"/>
-                      <a:round/>
-                      <a:headEnd type="none" w="med" len="med"/>
-                      <a:tailEnd type="none" w="med" len="med"/>
-                    </a:lnT>
-                    <a:lnB w="12700" cap="flat" cmpd="sng" algn="ctr">
-                      <a:noFill/>
-                      <a:prstDash val="solid"/>
-                      <a:round/>
-                      <a:headEnd type="none" w="med" len="med"/>
-                      <a:tailEnd type="none" w="med" len="med"/>
-                    </a:lnB>
-                  </a:tcPr>
-                </a:tc>
-                <a:tc>
-                  <a:txBody>
-                    <a:bodyPr/>
-                    <a:lstStyle/>
-                    <a:p>
-                      <a:r>
-                        <a:rPr lang="de-DE" sz="700" dirty="0" err="1"/>
-                        <a:t>int</a:t>
-                      </a:r>
-                      <a:endParaRPr lang="de-DE" sz="700" dirty="0"/>
-                    </a:p>
-                  </a:txBody>
-                  <a:tcPr>
-                    <a:lnL w="12700" cap="flat" cmpd="sng" algn="ctr">
-                      <a:solidFill>
-                        <a:schemeClr val="tx1"/>
-                      </a:solidFill>
-                      <a:prstDash val="solid"/>
-                      <a:round/>
-                      <a:headEnd type="none" w="med" len="med"/>
-                      <a:tailEnd type="none" w="med" len="med"/>
-                    </a:lnL>
-                    <a:lnR w="12700" cap="flat" cmpd="sng" algn="ctr">
-                      <a:solidFill>
-                        <a:schemeClr val="tx1"/>
-                      </a:solidFill>
-                      <a:prstDash val="solid"/>
-                      <a:round/>
-                      <a:headEnd type="none" w="med" len="med"/>
-                      <a:tailEnd type="none" w="med" len="med"/>
-                    </a:lnR>
-                    <a:lnT w="12700" cap="flat" cmpd="sng" algn="ctr">
-                      <a:solidFill>
-                        <a:schemeClr val="tx1"/>
-                      </a:solidFill>
-                      <a:prstDash val="solid"/>
-                      <a:round/>
-                      <a:headEnd type="none" w="med" len="med"/>
-                      <a:tailEnd type="none" w="med" len="med"/>
-                    </a:lnT>
-                    <a:lnB w="12700" cap="flat" cmpd="sng" algn="ctr">
-                      <a:noFill/>
-                      <a:prstDash val="solid"/>
-                      <a:round/>
-                      <a:headEnd type="none" w="med" len="med"/>
-                      <a:tailEnd type="none" w="med" len="med"/>
-                    </a:lnB>
-                  </a:tcPr>
-                </a:tc>
-                <a:extLst>
-                  <a:ext uri="{0D108BD9-81ED-4DB2-BD59-A6C34878D82A}">
-                    <a16:rowId xmlns:a16="http://schemas.microsoft.com/office/drawing/2014/main" val="312790266"/>
-                  </a:ext>
-                </a:extLst>
-              </a:tr>
-              <a:tr h="178635">
-                <a:tc>
-                  <a:txBody>
-                    <a:bodyPr/>
-                    <a:lstStyle/>
-                    <a:p>
-                      <a:r>
-                        <a:rPr lang="de-DE" sz="700" dirty="0" err="1"/>
-                        <a:t>gene_id</a:t>
-                      </a:r>
-                      <a:endParaRPr lang="de-DE" sz="700" dirty="0"/>
-                    </a:p>
-                  </a:txBody>
-                  <a:tcPr>
-                    <a:lnL w="12700" cap="flat" cmpd="sng" algn="ctr">
-                      <a:solidFill>
-                        <a:schemeClr val="tx1"/>
-                      </a:solidFill>
-                      <a:prstDash val="solid"/>
-                      <a:round/>
-                      <a:headEnd type="none" w="med" len="med"/>
-                      <a:tailEnd type="none" w="med" len="med"/>
-                    </a:lnL>
-                    <a:lnR w="12700" cap="flat" cmpd="sng" algn="ctr">
-                      <a:solidFill>
-                        <a:schemeClr val="tx1"/>
-                      </a:solidFill>
-                      <a:prstDash val="solid"/>
-                      <a:round/>
-                      <a:headEnd type="none" w="med" len="med"/>
-                      <a:tailEnd type="none" w="med" len="med"/>
-                    </a:lnR>
-                    <a:lnT w="12700" cap="flat" cmpd="sng" algn="ctr">
-                      <a:noFill/>
-                      <a:prstDash val="solid"/>
-                      <a:round/>
-                      <a:headEnd type="none" w="med" len="med"/>
-                      <a:tailEnd type="none" w="med" len="med"/>
-                    </a:lnT>
-                    <a:lnB w="12700" cap="flat" cmpd="sng" algn="ctr">
-                      <a:noFill/>
-                      <a:prstDash val="solid"/>
-                      <a:round/>
-                      <a:headEnd type="none" w="med" len="med"/>
-                      <a:tailEnd type="none" w="med" len="med"/>
-                    </a:lnB>
-                  </a:tcPr>
-                </a:tc>
-                <a:tc>
-                  <a:txBody>
-                    <a:bodyPr/>
-                    <a:lstStyle/>
-                    <a:p>
-                      <a:r>
-                        <a:rPr lang="de-DE" sz="700" dirty="0" err="1"/>
-                        <a:t>int</a:t>
-                      </a:r>
-                      <a:endParaRPr lang="de-DE" sz="700" dirty="0"/>
-                    </a:p>
-                  </a:txBody>
-                  <a:tcPr>
-                    <a:lnL w="12700" cap="flat" cmpd="sng" algn="ctr">
-                      <a:solidFill>
-                        <a:schemeClr val="tx1"/>
-                      </a:solidFill>
-                      <a:prstDash val="solid"/>
-                      <a:round/>
-                      <a:headEnd type="none" w="med" len="med"/>
-                      <a:tailEnd type="none" w="med" len="med"/>
-                    </a:lnL>
-                    <a:lnR w="12700" cap="flat" cmpd="sng" algn="ctr">
-                      <a:solidFill>
-                        <a:schemeClr val="tx1"/>
-                      </a:solidFill>
-                      <a:prstDash val="solid"/>
-                      <a:round/>
-                      <a:headEnd type="none" w="med" len="med"/>
-                      <a:tailEnd type="none" w="med" len="med"/>
-                    </a:lnR>
-                    <a:lnT w="12700" cap="flat" cmpd="sng" algn="ctr">
-                      <a:noFill/>
-                      <a:prstDash val="solid"/>
-                      <a:round/>
-                      <a:headEnd type="none" w="med" len="med"/>
-                      <a:tailEnd type="none" w="med" len="med"/>
-                    </a:lnT>
-                    <a:lnB w="12700" cap="flat" cmpd="sng" algn="ctr">
-                      <a:noFill/>
-                      <a:prstDash val="solid"/>
-                      <a:round/>
-                      <a:headEnd type="none" w="med" len="med"/>
-                      <a:tailEnd type="none" w="med" len="med"/>
-                    </a:lnB>
-                  </a:tcPr>
-                </a:tc>
-                <a:extLst>
-                  <a:ext uri="{0D108BD9-81ED-4DB2-BD59-A6C34878D82A}">
-                    <a16:rowId xmlns:a16="http://schemas.microsoft.com/office/drawing/2014/main" val="3560326657"/>
-                  </a:ext>
-                </a:extLst>
-              </a:tr>
-              <a:tr h="178635">
-                <a:tc>
-                  <a:txBody>
-                    <a:bodyPr/>
-                    <a:lstStyle/>
-                    <a:p>
-                      <a:r>
-                        <a:rPr lang="de-DE" sz="700" dirty="0" err="1"/>
-                        <a:t>annotation</a:t>
-                      </a:r>
-                      <a:endParaRPr lang="de-DE" sz="700" dirty="0"/>
-                    </a:p>
-                  </a:txBody>
-                  <a:tcPr>
-                    <a:lnL w="12700" cap="flat" cmpd="sng" algn="ctr">
-                      <a:solidFill>
-                        <a:schemeClr val="tx1"/>
-                      </a:solidFill>
-                      <a:prstDash val="solid"/>
-                      <a:round/>
-                      <a:headEnd type="none" w="med" len="med"/>
-                      <a:tailEnd type="none" w="med" len="med"/>
-                    </a:lnL>
-                    <a:lnR w="12700" cap="flat" cmpd="sng" algn="ctr">
-                      <a:solidFill>
-                        <a:schemeClr val="tx1"/>
-                      </a:solidFill>
-                      <a:prstDash val="solid"/>
-                      <a:round/>
-                      <a:headEnd type="none" w="med" len="med"/>
-                      <a:tailEnd type="none" w="med" len="med"/>
-                    </a:lnR>
-                    <a:lnT w="12700" cap="flat" cmpd="sng" algn="ctr">
-                      <a:noFill/>
-                      <a:prstDash val="solid"/>
-                      <a:round/>
-                      <a:headEnd type="none" w="med" len="med"/>
-                      <a:tailEnd type="none" w="med" len="med"/>
-                    </a:lnT>
-                    <a:lnB w="12700" cap="flat" cmpd="sng" algn="ctr">
-                      <a:noFill/>
-                      <a:prstDash val="solid"/>
-                      <a:round/>
-                      <a:headEnd type="none" w="med" len="med"/>
-                      <a:tailEnd type="none" w="med" len="med"/>
-                    </a:lnB>
-                  </a:tcPr>
-                </a:tc>
-                <a:tc>
-                  <a:txBody>
-                    <a:bodyPr/>
-                    <a:lstStyle/>
-                    <a:p>
-                      <a:r>
-                        <a:rPr lang="de-DE" sz="700" dirty="0" err="1"/>
-                        <a:t>text</a:t>
-                      </a:r>
-                      <a:endParaRPr lang="de-DE" sz="700" dirty="0"/>
-                    </a:p>
-                  </a:txBody>
-                  <a:tcPr>
-                    <a:lnL w="12700" cap="flat" cmpd="sng" algn="ctr">
-                      <a:solidFill>
-                        <a:schemeClr val="tx1"/>
-                      </a:solidFill>
-                      <a:prstDash val="solid"/>
-                      <a:round/>
-                      <a:headEnd type="none" w="med" len="med"/>
-                      <a:tailEnd type="none" w="med" len="med"/>
-                    </a:lnL>
-                    <a:lnR w="12700" cap="flat" cmpd="sng" algn="ctr">
-                      <a:solidFill>
-                        <a:schemeClr val="tx1"/>
-                      </a:solidFill>
-                      <a:prstDash val="solid"/>
-                      <a:round/>
-                      <a:headEnd type="none" w="med" len="med"/>
-                      <a:tailEnd type="none" w="med" len="med"/>
-                    </a:lnR>
-                    <a:lnT w="12700" cap="flat" cmpd="sng" algn="ctr">
-                      <a:noFill/>
-                      <a:prstDash val="solid"/>
-                      <a:round/>
-                      <a:headEnd type="none" w="med" len="med"/>
-                      <a:tailEnd type="none" w="med" len="med"/>
-                    </a:lnT>
-                    <a:lnB w="12700" cap="flat" cmpd="sng" algn="ctr">
-                      <a:noFill/>
-                      <a:prstDash val="solid"/>
-                      <a:round/>
-                      <a:headEnd type="none" w="med" len="med"/>
-                      <a:tailEnd type="none" w="med" len="med"/>
-                    </a:lnB>
-                  </a:tcPr>
-                </a:tc>
-                <a:extLst>
-                  <a:ext uri="{0D108BD9-81ED-4DB2-BD59-A6C34878D82A}">
-                    <a16:rowId xmlns:a16="http://schemas.microsoft.com/office/drawing/2014/main" val="1682664123"/>
-                  </a:ext>
-                </a:extLst>
-              </a:tr>
-              <a:tr h="178635">
-                <a:tc>
-                  <a:txBody>
-                    <a:bodyPr/>
-                    <a:lstStyle/>
-                    <a:p>
-                      <a:r>
-                        <a:rPr lang="de-DE" sz="700" dirty="0"/>
-                        <a:t>source</a:t>
-                      </a:r>
-                    </a:p>
-                  </a:txBody>
-                  <a:tcPr>
-                    <a:lnL w="12700" cap="flat" cmpd="sng" algn="ctr">
-                      <a:solidFill>
-                        <a:schemeClr val="tx1"/>
-                      </a:solidFill>
-                      <a:prstDash val="solid"/>
-                      <a:round/>
-                      <a:headEnd type="none" w="med" len="med"/>
-                      <a:tailEnd type="none" w="med" len="med"/>
-                    </a:lnL>
-                    <a:lnR w="12700" cap="flat" cmpd="sng" algn="ctr">
-                      <a:solidFill>
-                        <a:schemeClr val="tx1"/>
-                      </a:solidFill>
-                      <a:prstDash val="solid"/>
-                      <a:round/>
-                      <a:headEnd type="none" w="med" len="med"/>
-                      <a:tailEnd type="none" w="med" len="med"/>
-                    </a:lnR>
-                    <a:lnT w="12700" cap="flat" cmpd="sng" algn="ctr">
-                      <a:noFill/>
-                      <a:prstDash val="solid"/>
-                      <a:round/>
-                      <a:headEnd type="none" w="med" len="med"/>
-                      <a:tailEnd type="none" w="med" len="med"/>
-                    </a:lnT>
-                    <a:lnB w="12700" cap="flat" cmpd="sng" algn="ctr">
-                      <a:noFill/>
-                      <a:prstDash val="solid"/>
-                      <a:round/>
-                      <a:headEnd type="none" w="med" len="med"/>
-                      <a:tailEnd type="none" w="med" len="med"/>
-                    </a:lnB>
-                  </a:tcPr>
-                </a:tc>
-                <a:tc>
-                  <a:txBody>
-                    <a:bodyPr/>
-                    <a:lstStyle/>
-                    <a:p>
-                      <a:r>
-                        <a:rPr lang="de-DE" sz="700" dirty="0" err="1"/>
-                        <a:t>text</a:t>
-                      </a:r>
-                      <a:endParaRPr lang="de-DE" sz="700" dirty="0"/>
-                    </a:p>
-                  </a:txBody>
-                  <a:tcPr>
-                    <a:lnL w="12700" cap="flat" cmpd="sng" algn="ctr">
-                      <a:solidFill>
-                        <a:schemeClr val="tx1"/>
-                      </a:solidFill>
-                      <a:prstDash val="solid"/>
-                      <a:round/>
-                      <a:headEnd type="none" w="med" len="med"/>
-                      <a:tailEnd type="none" w="med" len="med"/>
-                    </a:lnL>
-                    <a:lnR w="12700" cap="flat" cmpd="sng" algn="ctr">
-                      <a:solidFill>
-                        <a:schemeClr val="tx1"/>
-                      </a:solidFill>
-                      <a:prstDash val="solid"/>
-                      <a:round/>
-                      <a:headEnd type="none" w="med" len="med"/>
-                      <a:tailEnd type="none" w="med" len="med"/>
-                    </a:lnR>
-                    <a:lnT w="12700" cap="flat" cmpd="sng" algn="ctr">
-                      <a:noFill/>
-                      <a:prstDash val="solid"/>
-                      <a:round/>
-                      <a:headEnd type="none" w="med" len="med"/>
-                      <a:tailEnd type="none" w="med" len="med"/>
-                    </a:lnT>
-                    <a:lnB w="12700" cap="flat" cmpd="sng" algn="ctr">
-                      <a:noFill/>
-                      <a:prstDash val="solid"/>
-                      <a:round/>
-                      <a:headEnd type="none" w="med" len="med"/>
-                      <a:tailEnd type="none" w="med" len="med"/>
-                    </a:lnB>
-                  </a:tcPr>
-                </a:tc>
-                <a:extLst>
-                  <a:ext uri="{0D108BD9-81ED-4DB2-BD59-A6C34878D82A}">
-                    <a16:rowId xmlns:a16="http://schemas.microsoft.com/office/drawing/2014/main" val="3885326720"/>
-                  </a:ext>
-                </a:extLst>
-              </a:tr>
-              <a:tr h="178635">
-                <a:tc>
-                  <a:txBody>
-                    <a:bodyPr/>
-                    <a:lstStyle/>
-                    <a:p>
-                      <a:r>
-                        <a:rPr lang="de-DE" sz="700" dirty="0" err="1"/>
-                        <a:t>description</a:t>
-                      </a:r>
-                      <a:endParaRPr lang="de-DE" sz="700" dirty="0"/>
-                    </a:p>
-                  </a:txBody>
-                  <a:tcPr>
-                    <a:lnL w="12700" cap="flat" cmpd="sng" algn="ctr">
-                      <a:solidFill>
-                        <a:schemeClr val="tx1"/>
-                      </a:solidFill>
-                      <a:prstDash val="solid"/>
-                      <a:round/>
-                      <a:headEnd type="none" w="med" len="med"/>
-                      <a:tailEnd type="none" w="med" len="med"/>
-                    </a:lnL>
-                    <a:lnR w="12700" cap="flat" cmpd="sng" algn="ctr">
-                      <a:solidFill>
-                        <a:schemeClr val="tx1"/>
-                      </a:solidFill>
-                      <a:prstDash val="solid"/>
-                      <a:round/>
-                      <a:headEnd type="none" w="med" len="med"/>
-                      <a:tailEnd type="none" w="med" len="med"/>
-                    </a:lnR>
-                    <a:lnT w="12700" cap="flat" cmpd="sng" algn="ctr">
-                      <a:noFill/>
-                      <a:prstDash val="solid"/>
-                      <a:round/>
-                      <a:headEnd type="none" w="med" len="med"/>
-                      <a:tailEnd type="none" w="med" len="med"/>
-                    </a:lnT>
-                    <a:lnB w="12700" cap="flat" cmpd="sng" algn="ctr">
-                      <a:solidFill>
-                        <a:schemeClr val="tx1"/>
-                      </a:solidFill>
-                      <a:prstDash val="solid"/>
-                      <a:round/>
-                      <a:headEnd type="none" w="med" len="med"/>
-                      <a:tailEnd type="none" w="med" len="med"/>
-                    </a:lnB>
-                  </a:tcPr>
-                </a:tc>
-                <a:tc>
-                  <a:txBody>
-                    <a:bodyPr/>
-                    <a:lstStyle/>
-                    <a:p>
-                      <a:r>
-                        <a:rPr lang="de-DE" sz="700" dirty="0" err="1"/>
-                        <a:t>text</a:t>
-                      </a:r>
-                      <a:r>
-                        <a:rPr lang="de-DE" sz="700" b="1" i="1" dirty="0"/>
-                        <a:t> (n)</a:t>
                       </a:r>
                       <a:endParaRPr lang="de-DE" sz="700" dirty="0"/>
                     </a:p>
@@ -9603,12 +9077,12 @@
         </p:nvCxnSpPr>
         <p:spPr>
           <a:xfrm>
-            <a:off x="4017538" y="1599799"/>
-            <a:ext cx="1649514" cy="1535093"/>
+            <a:off x="3922262" y="1443135"/>
+            <a:ext cx="1744790" cy="1691757"/>
           </a:xfrm>
           <a:prstGeom prst="bentConnector3">
             <a:avLst>
-              <a:gd name="adj1" fmla="val 73362"/>
+              <a:gd name="adj1" fmla="val 74599"/>
             </a:avLst>
           </a:prstGeom>
           <a:ln w="25400">
@@ -9647,8 +9121,8 @@
         </p:nvGrpSpPr>
         <p:grpSpPr>
           <a:xfrm>
-            <a:off x="4413674" y="1723655"/>
-            <a:ext cx="160799" cy="916545"/>
+            <a:off x="4413674" y="1648409"/>
+            <a:ext cx="160799" cy="991792"/>
             <a:chOff x="6742921" y="2255985"/>
             <a:chExt cx="160799" cy="916545"/>
           </a:xfrm>
@@ -9743,116 +9217,6 @@
           </p:style>
         </p:cxnSp>
       </p:grpSp>
-      <p:grpSp>
-        <p:nvGrpSpPr>
-          <p:cNvPr id="65" name="Gruppieren 64">
-            <a:extLst>
-              <a:ext uri="{FF2B5EF4-FFF2-40B4-BE49-F238E27FC236}">
-                <a16:creationId xmlns:a16="http://schemas.microsoft.com/office/drawing/2014/main" id="{EEDF1258-2AE2-4EF9-9DBD-7EC6A9FDA544}"/>
-              </a:ext>
-            </a:extLst>
-          </p:cNvPr>
-          <p:cNvGrpSpPr/>
-          <p:nvPr/>
-        </p:nvGrpSpPr>
-        <p:grpSpPr>
-          <a:xfrm flipH="1" flipV="1">
-            <a:off x="529068" y="4318032"/>
-            <a:ext cx="247416" cy="1402081"/>
-            <a:chOff x="6730186" y="2255985"/>
-            <a:chExt cx="160799" cy="916545"/>
-          </a:xfrm>
-        </p:grpSpPr>
-        <p:cxnSp>
-          <p:nvCxnSpPr>
-            <p:cNvPr id="66" name="Verbinder: gewinkelt 65">
-              <a:extLst>
-                <a:ext uri="{FF2B5EF4-FFF2-40B4-BE49-F238E27FC236}">
-                  <a16:creationId xmlns:a16="http://schemas.microsoft.com/office/drawing/2014/main" id="{964FC879-050A-465D-84E4-66E388FCDD1F}"/>
-                </a:ext>
-              </a:extLst>
-            </p:cNvPr>
-            <p:cNvCxnSpPr>
-              <a:cxnSpLocks/>
-            </p:cNvCxnSpPr>
-            <p:nvPr/>
-          </p:nvCxnSpPr>
-          <p:spPr>
-            <a:xfrm rot="16200000" flipH="1">
-              <a:off x="6361553" y="2643425"/>
-              <a:ext cx="916545" cy="141666"/>
-            </a:xfrm>
-            <a:prstGeom prst="bentConnector3">
-              <a:avLst>
-                <a:gd name="adj1" fmla="val 117"/>
-              </a:avLst>
-            </a:prstGeom>
-            <a:ln w="25400">
-              <a:solidFill>
-                <a:schemeClr val="tx1"/>
-              </a:solidFill>
-            </a:ln>
-          </p:spPr>
-          <p:style>
-            <a:lnRef idx="1">
-              <a:schemeClr val="accent1"/>
-            </a:lnRef>
-            <a:fillRef idx="0">
-              <a:schemeClr val="accent1"/>
-            </a:fillRef>
-            <a:effectRef idx="0">
-              <a:schemeClr val="accent1"/>
-            </a:effectRef>
-            <a:fontRef idx="minor">
-              <a:schemeClr val="tx1"/>
-            </a:fontRef>
-          </p:style>
-        </p:cxnSp>
-        <p:cxnSp>
-          <p:nvCxnSpPr>
-            <p:cNvPr id="67" name="Gerade Verbindung mit Pfeil 66">
-              <a:extLst>
-                <a:ext uri="{FF2B5EF4-FFF2-40B4-BE49-F238E27FC236}">
-                  <a16:creationId xmlns:a16="http://schemas.microsoft.com/office/drawing/2014/main" id="{8FCB3BE4-586E-49B1-A402-CF8F0AE107BB}"/>
-                </a:ext>
-              </a:extLst>
-            </p:cNvPr>
-            <p:cNvCxnSpPr>
-              <a:cxnSpLocks/>
-            </p:cNvCxnSpPr>
-            <p:nvPr/>
-          </p:nvCxnSpPr>
-          <p:spPr>
-            <a:xfrm flipH="1">
-              <a:off x="6730186" y="3165413"/>
-              <a:ext cx="160799" cy="0"/>
-            </a:xfrm>
-            <a:prstGeom prst="straightConnector1">
-              <a:avLst/>
-            </a:prstGeom>
-            <a:ln w="25400">
-              <a:solidFill>
-                <a:schemeClr val="tx1"/>
-              </a:solidFill>
-              <a:tailEnd type="triangle"/>
-            </a:ln>
-          </p:spPr>
-          <p:style>
-            <a:lnRef idx="1">
-              <a:schemeClr val="accent1"/>
-            </a:lnRef>
-            <a:fillRef idx="0">
-              <a:schemeClr val="accent1"/>
-            </a:fillRef>
-            <a:effectRef idx="0">
-              <a:schemeClr val="accent1"/>
-            </a:effectRef>
-            <a:fontRef idx="minor">
-              <a:schemeClr val="tx1"/>
-            </a:fontRef>
-          </p:style>
-        </p:cxnSp>
-      </p:grpSp>
       <p:cxnSp>
         <p:nvCxnSpPr>
           <p:cNvPr id="68" name="Verbinder: gewinkelt 67">
@@ -9913,7 +9277,7 @@
         </p:nvSpPr>
         <p:spPr>
           <a:xfrm>
-            <a:off x="1675120" y="101997"/>
+            <a:off x="113798" y="70895"/>
             <a:ext cx="2568652" cy="523220"/>
           </a:xfrm>
           <a:prstGeom prst="rect">
@@ -9934,674 +9298,6 @@
           </a:p>
         </p:txBody>
       </p:sp>
-      <p:graphicFrame>
-        <p:nvGraphicFramePr>
-          <p:cNvPr id="83" name="Tabelle 82">
-            <a:extLst>
-              <a:ext uri="{FF2B5EF4-FFF2-40B4-BE49-F238E27FC236}">
-                <a16:creationId xmlns:a16="http://schemas.microsoft.com/office/drawing/2014/main" id="{A2FE7587-571A-40B4-BF85-DFC49242A192}"/>
-              </a:ext>
-            </a:extLst>
-          </p:cNvPr>
-          <p:cNvGraphicFramePr>
-            <a:graphicFrameLocks noGrp="1"/>
-          </p:cNvGraphicFramePr>
-          <p:nvPr>
-            <p:extLst>
-              <p:ext uri="{D42A27DB-BD31-4B8C-83A1-F6EECF244321}">
-                <p14:modId xmlns:p14="http://schemas.microsoft.com/office/powerpoint/2010/main" val="3383731055"/>
-              </p:ext>
-            </p:extLst>
-          </p:nvPr>
-        </p:nvGraphicFramePr>
-        <p:xfrm>
-          <a:off x="747547" y="1049831"/>
-          <a:ext cx="1407888" cy="1402080"/>
-        </p:xfrm>
-        <a:graphic>
-          <a:graphicData uri="http://schemas.openxmlformats.org/drawingml/2006/table">
-            <a:tbl>
-              <a:tblPr firstRow="1" bandRow="1">
-                <a:tableStyleId>{2D5ABB26-0587-4C30-8999-92F81FD0307C}</a:tableStyleId>
-              </a:tblPr>
-              <a:tblGrid>
-                <a:gridCol w="922696">
-                  <a:extLst>
-                    <a:ext uri="{9D8B030D-6E8A-4147-A177-3AD203B41FA5}">
-                      <a16:colId xmlns:a16="http://schemas.microsoft.com/office/drawing/2014/main" val="650321458"/>
-                    </a:ext>
-                  </a:extLst>
-                </a:gridCol>
-                <a:gridCol w="485192">
-                  <a:extLst>
-                    <a:ext uri="{9D8B030D-6E8A-4147-A177-3AD203B41FA5}">
-                      <a16:colId xmlns:a16="http://schemas.microsoft.com/office/drawing/2014/main" val="4065165498"/>
-                    </a:ext>
-                  </a:extLst>
-                </a:gridCol>
-              </a:tblGrid>
-              <a:tr h="178635">
-                <a:tc gridSpan="2">
-                  <a:txBody>
-                    <a:bodyPr/>
-                    <a:lstStyle/>
-                    <a:p>
-                      <a:r>
-                        <a:rPr lang="de-DE" sz="700" b="1" dirty="0" err="1"/>
-                        <a:t>supplementary_documents</a:t>
-                      </a:r>
-                      <a:endParaRPr lang="de-DE" sz="500" b="1" dirty="0"/>
-                    </a:p>
-                  </a:txBody>
-                  <a:tcPr>
-                    <a:lnL w="12700" cap="flat" cmpd="sng" algn="ctr">
-                      <a:solidFill>
-                        <a:schemeClr val="tx1"/>
-                      </a:solidFill>
-                      <a:prstDash val="solid"/>
-                      <a:round/>
-                      <a:headEnd type="none" w="med" len="med"/>
-                      <a:tailEnd type="none" w="med" len="med"/>
-                    </a:lnL>
-                    <a:lnR w="12700" cap="flat" cmpd="sng" algn="ctr">
-                      <a:solidFill>
-                        <a:schemeClr val="tx1"/>
-                      </a:solidFill>
-                      <a:prstDash val="solid"/>
-                      <a:round/>
-                      <a:headEnd type="none" w="med" len="med"/>
-                      <a:tailEnd type="none" w="med" len="med"/>
-                    </a:lnR>
-                    <a:lnT w="12700" cap="flat" cmpd="sng" algn="ctr">
-                      <a:solidFill>
-                        <a:schemeClr val="tx1"/>
-                      </a:solidFill>
-                      <a:prstDash val="solid"/>
-                      <a:round/>
-                      <a:headEnd type="none" w="med" len="med"/>
-                      <a:tailEnd type="none" w="med" len="med"/>
-                    </a:lnT>
-                    <a:lnB w="12700" cap="flat" cmpd="sng" algn="ctr">
-                      <a:solidFill>
-                        <a:schemeClr val="tx1"/>
-                      </a:solidFill>
-                      <a:prstDash val="solid"/>
-                      <a:round/>
-                      <a:headEnd type="none" w="med" len="med"/>
-                      <a:tailEnd type="none" w="med" len="med"/>
-                    </a:lnB>
-                  </a:tcPr>
-                </a:tc>
-                <a:tc hMerge="1">
-                  <a:txBody>
-                    <a:bodyPr/>
-                    <a:lstStyle/>
-                    <a:p>
-                      <a:endParaRPr lang="de-DE" sz="500" dirty="0"/>
-                    </a:p>
-                  </a:txBody>
-                  <a:tcPr>
-                    <a:lnL w="12700" cap="flat" cmpd="sng" algn="ctr">
-                      <a:noFill/>
-                      <a:prstDash val="solid"/>
-                      <a:round/>
-                      <a:headEnd type="none" w="med" len="med"/>
-                      <a:tailEnd type="none" w="med" len="med"/>
-                    </a:lnL>
-                    <a:lnR w="12700" cap="flat" cmpd="sng" algn="ctr">
-                      <a:solidFill>
-                        <a:schemeClr val="tx1"/>
-                      </a:solidFill>
-                      <a:prstDash val="solid"/>
-                      <a:round/>
-                      <a:headEnd type="none" w="med" len="med"/>
-                      <a:tailEnd type="none" w="med" len="med"/>
-                    </a:lnR>
-                    <a:lnT w="12700" cap="flat" cmpd="sng" algn="ctr">
-                      <a:solidFill>
-                        <a:schemeClr val="tx1"/>
-                      </a:solidFill>
-                      <a:prstDash val="solid"/>
-                      <a:round/>
-                      <a:headEnd type="none" w="med" len="med"/>
-                      <a:tailEnd type="none" w="med" len="med"/>
-                    </a:lnT>
-                    <a:lnB w="12700" cap="flat" cmpd="sng" algn="ctr">
-                      <a:solidFill>
-                        <a:schemeClr val="tx1"/>
-                      </a:solidFill>
-                      <a:prstDash val="solid"/>
-                      <a:round/>
-                      <a:headEnd type="none" w="med" len="med"/>
-                      <a:tailEnd type="none" w="med" len="med"/>
-                    </a:lnB>
-                  </a:tcPr>
-                </a:tc>
-                <a:extLst>
-                  <a:ext uri="{0D108BD9-81ED-4DB2-BD59-A6C34878D82A}">
-                    <a16:rowId xmlns:a16="http://schemas.microsoft.com/office/drawing/2014/main" val="109647893"/>
-                  </a:ext>
-                </a:extLst>
-              </a:tr>
-              <a:tr h="178635">
-                <a:tc>
-                  <a:txBody>
-                    <a:bodyPr/>
-                    <a:lstStyle/>
-                    <a:p>
-                      <a:r>
-                        <a:rPr lang="de-DE" sz="700" dirty="0" err="1"/>
-                        <a:t>id</a:t>
-                      </a:r>
-                      <a:endParaRPr lang="de-DE" sz="700" dirty="0"/>
-                    </a:p>
-                  </a:txBody>
-                  <a:tcPr>
-                    <a:lnL w="12700" cap="flat" cmpd="sng" algn="ctr">
-                      <a:solidFill>
-                        <a:schemeClr val="tx1"/>
-                      </a:solidFill>
-                      <a:prstDash val="solid"/>
-                      <a:round/>
-                      <a:headEnd type="none" w="med" len="med"/>
-                      <a:tailEnd type="none" w="med" len="med"/>
-                    </a:lnL>
-                    <a:lnR w="12700" cap="flat" cmpd="sng" algn="ctr">
-                      <a:solidFill>
-                        <a:schemeClr val="tx1"/>
-                      </a:solidFill>
-                      <a:prstDash val="solid"/>
-                      <a:round/>
-                      <a:headEnd type="none" w="med" len="med"/>
-                      <a:tailEnd type="none" w="med" len="med"/>
-                    </a:lnR>
-                    <a:lnT w="12700" cap="flat" cmpd="sng" algn="ctr">
-                      <a:solidFill>
-                        <a:schemeClr val="tx1"/>
-                      </a:solidFill>
-                      <a:prstDash val="solid"/>
-                      <a:round/>
-                      <a:headEnd type="none" w="med" len="med"/>
-                      <a:tailEnd type="none" w="med" len="med"/>
-                    </a:lnT>
-                    <a:lnB w="12700" cap="flat" cmpd="sng" algn="ctr">
-                      <a:noFill/>
-                      <a:prstDash val="solid"/>
-                      <a:round/>
-                      <a:headEnd type="none" w="med" len="med"/>
-                      <a:tailEnd type="none" w="med" len="med"/>
-                    </a:lnB>
-                  </a:tcPr>
-                </a:tc>
-                <a:tc>
-                  <a:txBody>
-                    <a:bodyPr/>
-                    <a:lstStyle/>
-                    <a:p>
-                      <a:r>
-                        <a:rPr lang="de-DE" sz="700" dirty="0" err="1"/>
-                        <a:t>int</a:t>
-                      </a:r>
-                      <a:endParaRPr lang="de-DE" sz="700" dirty="0"/>
-                    </a:p>
-                  </a:txBody>
-                  <a:tcPr>
-                    <a:lnL w="12700" cap="flat" cmpd="sng" algn="ctr">
-                      <a:solidFill>
-                        <a:schemeClr val="tx1"/>
-                      </a:solidFill>
-                      <a:prstDash val="solid"/>
-                      <a:round/>
-                      <a:headEnd type="none" w="med" len="med"/>
-                      <a:tailEnd type="none" w="med" len="med"/>
-                    </a:lnL>
-                    <a:lnR w="12700" cap="flat" cmpd="sng" algn="ctr">
-                      <a:solidFill>
-                        <a:schemeClr val="tx1"/>
-                      </a:solidFill>
-                      <a:prstDash val="solid"/>
-                      <a:round/>
-                      <a:headEnd type="none" w="med" len="med"/>
-                      <a:tailEnd type="none" w="med" len="med"/>
-                    </a:lnR>
-                    <a:lnT w="12700" cap="flat" cmpd="sng" algn="ctr">
-                      <a:solidFill>
-                        <a:schemeClr val="tx1"/>
-                      </a:solidFill>
-                      <a:prstDash val="solid"/>
-                      <a:round/>
-                      <a:headEnd type="none" w="med" len="med"/>
-                      <a:tailEnd type="none" w="med" len="med"/>
-                    </a:lnT>
-                    <a:lnB w="12700" cap="flat" cmpd="sng" algn="ctr">
-                      <a:noFill/>
-                      <a:prstDash val="solid"/>
-                      <a:round/>
-                      <a:headEnd type="none" w="med" len="med"/>
-                      <a:tailEnd type="none" w="med" len="med"/>
-                    </a:lnB>
-                  </a:tcPr>
-                </a:tc>
-                <a:extLst>
-                  <a:ext uri="{0D108BD9-81ED-4DB2-BD59-A6C34878D82A}">
-                    <a16:rowId xmlns:a16="http://schemas.microsoft.com/office/drawing/2014/main" val="3560326657"/>
-                  </a:ext>
-                </a:extLst>
-              </a:tr>
-              <a:tr h="178635">
-                <a:tc>
-                  <a:txBody>
-                    <a:bodyPr/>
-                    <a:lstStyle/>
-                    <a:p>
-                      <a:r>
-                        <a:rPr lang="de-DE" sz="700" dirty="0" err="1"/>
-                        <a:t>table_name</a:t>
-                      </a:r>
-                      <a:endParaRPr lang="de-DE" sz="700" dirty="0"/>
-                    </a:p>
-                  </a:txBody>
-                  <a:tcPr>
-                    <a:lnL w="12700" cap="flat" cmpd="sng" algn="ctr">
-                      <a:solidFill>
-                        <a:schemeClr val="tx1"/>
-                      </a:solidFill>
-                      <a:prstDash val="solid"/>
-                      <a:round/>
-                      <a:headEnd type="none" w="med" len="med"/>
-                      <a:tailEnd type="none" w="med" len="med"/>
-                    </a:lnL>
-                    <a:lnR w="12700" cap="flat" cmpd="sng" algn="ctr">
-                      <a:solidFill>
-                        <a:schemeClr val="tx1"/>
-                      </a:solidFill>
-                      <a:prstDash val="solid"/>
-                      <a:round/>
-                      <a:headEnd type="none" w="med" len="med"/>
-                      <a:tailEnd type="none" w="med" len="med"/>
-                    </a:lnR>
-                    <a:lnT w="12700" cap="flat" cmpd="sng" algn="ctr">
-                      <a:noFill/>
-                      <a:prstDash val="solid"/>
-                      <a:round/>
-                      <a:headEnd type="none" w="med" len="med"/>
-                      <a:tailEnd type="none" w="med" len="med"/>
-                    </a:lnT>
-                    <a:lnB w="12700" cap="flat" cmpd="sng" algn="ctr">
-                      <a:noFill/>
-                      <a:prstDash val="solid"/>
-                      <a:round/>
-                      <a:headEnd type="none" w="med" len="med"/>
-                      <a:tailEnd type="none" w="med" len="med"/>
-                    </a:lnB>
-                  </a:tcPr>
-                </a:tc>
-                <a:tc>
-                  <a:txBody>
-                    <a:bodyPr/>
-                    <a:lstStyle/>
-                    <a:p>
-                      <a:r>
-                        <a:rPr lang="de-DE" sz="700" dirty="0" err="1"/>
-                        <a:t>text</a:t>
-                      </a:r>
-                      <a:endParaRPr lang="de-DE" sz="700" dirty="0"/>
-                    </a:p>
-                  </a:txBody>
-                  <a:tcPr>
-                    <a:lnL w="12700" cap="flat" cmpd="sng" algn="ctr">
-                      <a:solidFill>
-                        <a:schemeClr val="tx1"/>
-                      </a:solidFill>
-                      <a:prstDash val="solid"/>
-                      <a:round/>
-                      <a:headEnd type="none" w="med" len="med"/>
-                      <a:tailEnd type="none" w="med" len="med"/>
-                    </a:lnL>
-                    <a:lnR w="12700" cap="flat" cmpd="sng" algn="ctr">
-                      <a:solidFill>
-                        <a:schemeClr val="tx1"/>
-                      </a:solidFill>
-                      <a:prstDash val="solid"/>
-                      <a:round/>
-                      <a:headEnd type="none" w="med" len="med"/>
-                      <a:tailEnd type="none" w="med" len="med"/>
-                    </a:lnR>
-                    <a:lnT w="12700" cap="flat" cmpd="sng" algn="ctr">
-                      <a:noFill/>
-                      <a:prstDash val="solid"/>
-                      <a:round/>
-                      <a:headEnd type="none" w="med" len="med"/>
-                      <a:tailEnd type="none" w="med" len="med"/>
-                    </a:lnT>
-                    <a:lnB w="12700" cap="flat" cmpd="sng" algn="ctr">
-                      <a:noFill/>
-                      <a:prstDash val="solid"/>
-                      <a:round/>
-                      <a:headEnd type="none" w="med" len="med"/>
-                      <a:tailEnd type="none" w="med" len="med"/>
-                    </a:lnB>
-                  </a:tcPr>
-                </a:tc>
-                <a:extLst>
-                  <a:ext uri="{0D108BD9-81ED-4DB2-BD59-A6C34878D82A}">
-                    <a16:rowId xmlns:a16="http://schemas.microsoft.com/office/drawing/2014/main" val="934562184"/>
-                  </a:ext>
-                </a:extLst>
-              </a:tr>
-              <a:tr h="178635">
-                <a:tc>
-                  <a:txBody>
-                    <a:bodyPr/>
-                    <a:lstStyle/>
-                    <a:p>
-                      <a:r>
-                        <a:rPr lang="de-DE" sz="700" dirty="0" err="1"/>
-                        <a:t>row_id</a:t>
-                      </a:r>
-                      <a:endParaRPr lang="de-DE" sz="700" dirty="0"/>
-                    </a:p>
-                  </a:txBody>
-                  <a:tcPr>
-                    <a:lnL w="12700" cap="flat" cmpd="sng" algn="ctr">
-                      <a:solidFill>
-                        <a:schemeClr val="tx1"/>
-                      </a:solidFill>
-                      <a:prstDash val="solid"/>
-                      <a:round/>
-                      <a:headEnd type="none" w="med" len="med"/>
-                      <a:tailEnd type="none" w="med" len="med"/>
-                    </a:lnL>
-                    <a:lnR w="12700" cap="flat" cmpd="sng" algn="ctr">
-                      <a:solidFill>
-                        <a:schemeClr val="tx1"/>
-                      </a:solidFill>
-                      <a:prstDash val="solid"/>
-                      <a:round/>
-                      <a:headEnd type="none" w="med" len="med"/>
-                      <a:tailEnd type="none" w="med" len="med"/>
-                    </a:lnR>
-                    <a:lnT w="12700" cap="flat" cmpd="sng" algn="ctr">
-                      <a:noFill/>
-                      <a:prstDash val="solid"/>
-                      <a:round/>
-                      <a:headEnd type="none" w="med" len="med"/>
-                      <a:tailEnd type="none" w="med" len="med"/>
-                    </a:lnT>
-                    <a:lnB w="12700" cap="flat" cmpd="sng" algn="ctr">
-                      <a:noFill/>
-                      <a:prstDash val="solid"/>
-                      <a:round/>
-                      <a:headEnd type="none" w="med" len="med"/>
-                      <a:tailEnd type="none" w="med" len="med"/>
-                    </a:lnB>
-                  </a:tcPr>
-                </a:tc>
-                <a:tc>
-                  <a:txBody>
-                    <a:bodyPr/>
-                    <a:lstStyle/>
-                    <a:p>
-                      <a:r>
-                        <a:rPr lang="de-DE" sz="700" dirty="0" err="1"/>
-                        <a:t>int</a:t>
-                      </a:r>
-                      <a:endParaRPr lang="de-DE" sz="700" dirty="0"/>
-                    </a:p>
-                  </a:txBody>
-                  <a:tcPr>
-                    <a:lnL w="12700" cap="flat" cmpd="sng" algn="ctr">
-                      <a:solidFill>
-                        <a:schemeClr val="tx1"/>
-                      </a:solidFill>
-                      <a:prstDash val="solid"/>
-                      <a:round/>
-                      <a:headEnd type="none" w="med" len="med"/>
-                      <a:tailEnd type="none" w="med" len="med"/>
-                    </a:lnL>
-                    <a:lnR w="12700" cap="flat" cmpd="sng" algn="ctr">
-                      <a:solidFill>
-                        <a:schemeClr val="tx1"/>
-                      </a:solidFill>
-                      <a:prstDash val="solid"/>
-                      <a:round/>
-                      <a:headEnd type="none" w="med" len="med"/>
-                      <a:tailEnd type="none" w="med" len="med"/>
-                    </a:lnR>
-                    <a:lnT w="12700" cap="flat" cmpd="sng" algn="ctr">
-                      <a:noFill/>
-                      <a:prstDash val="solid"/>
-                      <a:round/>
-                      <a:headEnd type="none" w="med" len="med"/>
-                      <a:tailEnd type="none" w="med" len="med"/>
-                    </a:lnT>
-                    <a:lnB w="12700" cap="flat" cmpd="sng" algn="ctr">
-                      <a:noFill/>
-                      <a:prstDash val="solid"/>
-                      <a:round/>
-                      <a:headEnd type="none" w="med" len="med"/>
-                      <a:tailEnd type="none" w="med" len="med"/>
-                    </a:lnB>
-                  </a:tcPr>
-                </a:tc>
-                <a:extLst>
-                  <a:ext uri="{0D108BD9-81ED-4DB2-BD59-A6C34878D82A}">
-                    <a16:rowId xmlns:a16="http://schemas.microsoft.com/office/drawing/2014/main" val="3091389870"/>
-                  </a:ext>
-                </a:extLst>
-              </a:tr>
-              <a:tr h="178635">
-                <a:tc>
-                  <a:txBody>
-                    <a:bodyPr/>
-                    <a:lstStyle/>
-                    <a:p>
-                      <a:r>
-                        <a:rPr lang="de-DE" sz="700" dirty="0"/>
-                        <a:t>type</a:t>
-                      </a:r>
-                    </a:p>
-                  </a:txBody>
-                  <a:tcPr>
-                    <a:lnL w="12700" cap="flat" cmpd="sng" algn="ctr">
-                      <a:solidFill>
-                        <a:schemeClr val="tx1"/>
-                      </a:solidFill>
-                      <a:prstDash val="solid"/>
-                      <a:round/>
-                      <a:headEnd type="none" w="med" len="med"/>
-                      <a:tailEnd type="none" w="med" len="med"/>
-                    </a:lnL>
-                    <a:lnR w="12700" cap="flat" cmpd="sng" algn="ctr">
-                      <a:solidFill>
-                        <a:schemeClr val="tx1"/>
-                      </a:solidFill>
-                      <a:prstDash val="solid"/>
-                      <a:round/>
-                      <a:headEnd type="none" w="med" len="med"/>
-                      <a:tailEnd type="none" w="med" len="med"/>
-                    </a:lnR>
-                    <a:lnT w="12700" cap="flat" cmpd="sng" algn="ctr">
-                      <a:noFill/>
-                      <a:prstDash val="solid"/>
-                      <a:round/>
-                      <a:headEnd type="none" w="med" len="med"/>
-                      <a:tailEnd type="none" w="med" len="med"/>
-                    </a:lnT>
-                    <a:lnB w="12700" cap="flat" cmpd="sng" algn="ctr">
-                      <a:noFill/>
-                      <a:prstDash val="solid"/>
-                      <a:round/>
-                      <a:headEnd type="none" w="med" len="med"/>
-                      <a:tailEnd type="none" w="med" len="med"/>
-                    </a:lnB>
-                  </a:tcPr>
-                </a:tc>
-                <a:tc>
-                  <a:txBody>
-                    <a:bodyPr/>
-                    <a:lstStyle/>
-                    <a:p>
-                      <a:r>
-                        <a:rPr lang="de-DE" sz="700" dirty="0" err="1"/>
-                        <a:t>enum</a:t>
-                      </a:r>
-                      <a:r>
-                        <a:rPr lang="de-DE" sz="700" dirty="0"/>
-                        <a:t> {PDF, PNG,…}</a:t>
-                      </a:r>
-                    </a:p>
-                  </a:txBody>
-                  <a:tcPr>
-                    <a:lnL w="12700" cap="flat" cmpd="sng" algn="ctr">
-                      <a:solidFill>
-                        <a:schemeClr val="tx1"/>
-                      </a:solidFill>
-                      <a:prstDash val="solid"/>
-                      <a:round/>
-                      <a:headEnd type="none" w="med" len="med"/>
-                      <a:tailEnd type="none" w="med" len="med"/>
-                    </a:lnL>
-                    <a:lnR w="12700" cap="flat" cmpd="sng" algn="ctr">
-                      <a:solidFill>
-                        <a:schemeClr val="tx1"/>
-                      </a:solidFill>
-                      <a:prstDash val="solid"/>
-                      <a:round/>
-                      <a:headEnd type="none" w="med" len="med"/>
-                      <a:tailEnd type="none" w="med" len="med"/>
-                    </a:lnR>
-                    <a:lnT w="12700" cap="flat" cmpd="sng" algn="ctr">
-                      <a:noFill/>
-                      <a:prstDash val="solid"/>
-                      <a:round/>
-                      <a:headEnd type="none" w="med" len="med"/>
-                      <a:tailEnd type="none" w="med" len="med"/>
-                    </a:lnT>
-                    <a:lnB w="12700" cap="flat" cmpd="sng" algn="ctr">
-                      <a:noFill/>
-                      <a:prstDash val="solid"/>
-                      <a:round/>
-                      <a:headEnd type="none" w="med" len="med"/>
-                      <a:tailEnd type="none" w="med" len="med"/>
-                    </a:lnB>
-                  </a:tcPr>
-                </a:tc>
-                <a:extLst>
-                  <a:ext uri="{0D108BD9-81ED-4DB2-BD59-A6C34878D82A}">
-                    <a16:rowId xmlns:a16="http://schemas.microsoft.com/office/drawing/2014/main" val="2753685843"/>
-                  </a:ext>
-                </a:extLst>
-              </a:tr>
-              <a:tr h="178635">
-                <a:tc>
-                  <a:txBody>
-                    <a:bodyPr/>
-                    <a:lstStyle/>
-                    <a:p>
-                      <a:r>
-                        <a:rPr lang="de-DE" sz="700" dirty="0" err="1"/>
-                        <a:t>document</a:t>
-                      </a:r>
-                      <a:endParaRPr lang="de-DE" sz="700" dirty="0"/>
-                    </a:p>
-                  </a:txBody>
-                  <a:tcPr>
-                    <a:lnL w="12700" cap="flat" cmpd="sng" algn="ctr">
-                      <a:solidFill>
-                        <a:schemeClr val="tx1"/>
-                      </a:solidFill>
-                      <a:prstDash val="solid"/>
-                      <a:round/>
-                      <a:headEnd type="none" w="med" len="med"/>
-                      <a:tailEnd type="none" w="med" len="med"/>
-                    </a:lnL>
-                    <a:lnR w="12700" cap="flat" cmpd="sng" algn="ctr">
-                      <a:solidFill>
-                        <a:schemeClr val="tx1"/>
-                      </a:solidFill>
-                      <a:prstDash val="solid"/>
-                      <a:round/>
-                      <a:headEnd type="none" w="med" len="med"/>
-                      <a:tailEnd type="none" w="med" len="med"/>
-                    </a:lnR>
-                    <a:lnT w="12700" cap="flat" cmpd="sng" algn="ctr">
-                      <a:noFill/>
-                      <a:prstDash val="solid"/>
-                      <a:round/>
-                      <a:headEnd type="none" w="med" len="med"/>
-                      <a:tailEnd type="none" w="med" len="med"/>
-                    </a:lnT>
-                    <a:lnB w="12700" cap="flat" cmpd="sng" algn="ctr">
-                      <a:solidFill>
-                        <a:schemeClr val="tx1"/>
-                      </a:solidFill>
-                      <a:prstDash val="solid"/>
-                      <a:round/>
-                      <a:headEnd type="none" w="med" len="med"/>
-                      <a:tailEnd type="none" w="med" len="med"/>
-                    </a:lnB>
-                  </a:tcPr>
-                </a:tc>
-                <a:tc>
-                  <a:txBody>
-                    <a:bodyPr/>
-                    <a:lstStyle/>
-                    <a:p>
-                      <a:r>
-                        <a:rPr lang="de-DE" sz="700" dirty="0" err="1"/>
-                        <a:t>blob</a:t>
-                      </a:r>
-                      <a:endParaRPr lang="de-DE" sz="700" dirty="0"/>
-                    </a:p>
-                  </a:txBody>
-                  <a:tcPr>
-                    <a:lnL w="12700" cap="flat" cmpd="sng" algn="ctr">
-                      <a:solidFill>
-                        <a:schemeClr val="tx1"/>
-                      </a:solidFill>
-                      <a:prstDash val="solid"/>
-                      <a:round/>
-                      <a:headEnd type="none" w="med" len="med"/>
-                      <a:tailEnd type="none" w="med" len="med"/>
-                    </a:lnL>
-                    <a:lnR w="12700" cap="flat" cmpd="sng" algn="ctr">
-                      <a:solidFill>
-                        <a:schemeClr val="tx1"/>
-                      </a:solidFill>
-                      <a:prstDash val="solid"/>
-                      <a:round/>
-                      <a:headEnd type="none" w="med" len="med"/>
-                      <a:tailEnd type="none" w="med" len="med"/>
-                    </a:lnR>
-                    <a:lnT w="12700" cap="flat" cmpd="sng" algn="ctr">
-                      <a:noFill/>
-                      <a:prstDash val="solid"/>
-                      <a:round/>
-                      <a:headEnd type="none" w="med" len="med"/>
-                      <a:tailEnd type="none" w="med" len="med"/>
-                    </a:lnT>
-                    <a:lnB w="12700" cap="flat" cmpd="sng" algn="ctr">
-                      <a:solidFill>
-                        <a:schemeClr val="tx1"/>
-                      </a:solidFill>
-                      <a:prstDash val="solid"/>
-                      <a:round/>
-                      <a:headEnd type="none" w="med" len="med"/>
-                      <a:tailEnd type="none" w="med" len="med"/>
-                    </a:lnB>
-                  </a:tcPr>
-                </a:tc>
-                <a:extLst>
-                  <a:ext uri="{0D108BD9-81ED-4DB2-BD59-A6C34878D82A}">
-                    <a16:rowId xmlns:a16="http://schemas.microsoft.com/office/drawing/2014/main" val="1737684597"/>
-                  </a:ext>
-                </a:extLst>
-              </a:tr>
-            </a:tbl>
-          </a:graphicData>
-        </a:graphic>
-      </p:graphicFrame>
       <p:graphicFrame>
         <p:nvGraphicFramePr>
           <p:cNvPr id="4" name="Tabelle 3">
@@ -10617,14 +9313,14 @@
           <p:nvPr>
             <p:extLst>
               <p:ext uri="{D42A27DB-BD31-4B8C-83A1-F6EECF244321}">
-                <p14:modId xmlns:p14="http://schemas.microsoft.com/office/powerpoint/2010/main" val="2546623978"/>
+                <p14:modId xmlns:p14="http://schemas.microsoft.com/office/powerpoint/2010/main" val="1068107557"/>
               </p:ext>
             </p:extLst>
           </p:nvPr>
         </p:nvGraphicFramePr>
         <p:xfrm>
-          <a:off x="3005786" y="1049831"/>
-          <a:ext cx="1401497" cy="990600"/>
+          <a:off x="3005786" y="944089"/>
+          <a:ext cx="1401497" cy="1295400"/>
         </p:xfrm>
         <a:graphic>
           <a:graphicData uri="http://schemas.openxmlformats.org/drawingml/2006/table">
@@ -10633,14 +9329,14 @@
                 <a:tableStyleId>{2D5ABB26-0587-4C30-8999-92F81FD0307C}</a:tableStyleId>
               </a:tblPr>
               <a:tblGrid>
-                <a:gridCol w="916305">
+                <a:gridCol w="950394">
                   <a:extLst>
                     <a:ext uri="{9D8B030D-6E8A-4147-A177-3AD203B41FA5}">
                       <a16:colId xmlns:a16="http://schemas.microsoft.com/office/drawing/2014/main" val="650321458"/>
                     </a:ext>
                   </a:extLst>
                 </a:gridCol>
-                <a:gridCol w="485192">
+                <a:gridCol w="451103">
                   <a:extLst>
                     <a:ext uri="{9D8B030D-6E8A-4147-A177-3AD203B41FA5}">
                       <a16:colId xmlns:a16="http://schemas.microsoft.com/office/drawing/2014/main" val="4065165498"/>
@@ -10975,7 +9671,7 @@
                     <a:p>
                       <a:r>
                         <a:rPr lang="de-DE" sz="700" dirty="0" err="1"/>
-                        <a:t>variant_type_id</a:t>
+                        <a:t>annotation_type_id</a:t>
                       </a:r>
                       <a:endParaRPr lang="de-DE" sz="700" dirty="0"/>
                     </a:p>
@@ -11114,9 +9810,7 @@
                       <a:tailEnd type="none" w="med" len="med"/>
                     </a:lnT>
                     <a:lnB w="12700" cap="flat" cmpd="sng" algn="ctr">
-                      <a:solidFill>
-                        <a:schemeClr val="tx1"/>
-                      </a:solidFill>
+                      <a:noFill/>
                       <a:prstDash val="solid"/>
                       <a:round/>
                       <a:headEnd type="none" w="med" len="med"/>
@@ -11166,9 +9860,7 @@
                       <a:tailEnd type="none" w="med" len="med"/>
                     </a:lnT>
                     <a:lnB w="12700" cap="flat" cmpd="sng" algn="ctr">
-                      <a:solidFill>
-                        <a:schemeClr val="tx1"/>
-                      </a:solidFill>
+                      <a:noFill/>
                       <a:prstDash val="solid"/>
                       <a:round/>
                       <a:headEnd type="none" w="med" len="med"/>
@@ -11182,6 +9874,124 @@
                 <a:extLst>
                   <a:ext uri="{0D108BD9-81ED-4DB2-BD59-A6C34878D82A}">
                     <a16:rowId xmlns:a16="http://schemas.microsoft.com/office/drawing/2014/main" val="4115687846"/>
+                  </a:ext>
+                </a:extLst>
+              </a:tr>
+              <a:tr h="178635">
+                <a:tc>
+                  <a:txBody>
+                    <a:bodyPr/>
+                    <a:lstStyle/>
+                    <a:p>
+                      <a:r>
+                        <a:rPr lang="de-DE" sz="700" dirty="0" err="1"/>
+                        <a:t>supplementary_document</a:t>
+                      </a:r>
+                      <a:endParaRPr lang="de-DE" sz="700" dirty="0"/>
+                    </a:p>
+                  </a:txBody>
+                  <a:tcPr>
+                    <a:lnL w="12700" cap="flat" cmpd="sng" algn="ctr">
+                      <a:solidFill>
+                        <a:schemeClr val="tx1"/>
+                      </a:solidFill>
+                      <a:prstDash val="solid"/>
+                      <a:round/>
+                      <a:headEnd type="none" w="med" len="med"/>
+                      <a:tailEnd type="none" w="med" len="med"/>
+                    </a:lnL>
+                    <a:lnR w="12700" cap="flat" cmpd="sng" algn="ctr">
+                      <a:solidFill>
+                        <a:schemeClr val="tx1"/>
+                      </a:solidFill>
+                      <a:prstDash val="solid"/>
+                      <a:round/>
+                      <a:headEnd type="none" w="med" len="med"/>
+                      <a:tailEnd type="none" w="med" len="med"/>
+                    </a:lnR>
+                    <a:lnT w="12700" cap="flat" cmpd="sng" algn="ctr">
+                      <a:noFill/>
+                      <a:prstDash val="solid"/>
+                      <a:round/>
+                      <a:headEnd type="none" w="med" len="med"/>
+                      <a:tailEnd type="none" w="med" len="med"/>
+                    </a:lnT>
+                    <a:lnB w="12700" cap="flat" cmpd="sng" algn="ctr">
+                      <a:solidFill>
+                        <a:schemeClr val="tx1"/>
+                      </a:solidFill>
+                      <a:prstDash val="solid"/>
+                      <a:round/>
+                      <a:headEnd type="none" w="med" len="med"/>
+                      <a:tailEnd type="none" w="med" len="med"/>
+                    </a:lnB>
+                    <a:solidFill>
+                      <a:schemeClr val="bg1"/>
+                    </a:solidFill>
+                  </a:tcPr>
+                </a:tc>
+                <a:tc>
+                  <a:txBody>
+                    <a:bodyPr/>
+                    <a:lstStyle/>
+                    <a:p>
+                      <a:r>
+                        <a:rPr lang="de-DE" sz="700" dirty="0" err="1"/>
+                        <a:t>blob</a:t>
+                      </a:r>
+                      <a:r>
+                        <a:rPr lang="de-DE" sz="700" dirty="0"/>
+                        <a:t> </a:t>
+                      </a:r>
+                      <a:r>
+                        <a:rPr lang="de-DE" sz="700" b="1" dirty="0"/>
+                        <a:t>(n)</a:t>
+                      </a:r>
+                    </a:p>
+                  </a:txBody>
+                  <a:tcPr>
+                    <a:lnL w="12700" cap="flat" cmpd="sng" algn="ctr">
+                      <a:solidFill>
+                        <a:schemeClr val="tx1"/>
+                      </a:solidFill>
+                      <a:prstDash val="solid"/>
+                      <a:round/>
+                      <a:headEnd type="none" w="med" len="med"/>
+                      <a:tailEnd type="none" w="med" len="med"/>
+                    </a:lnL>
+                    <a:lnR w="12700" cap="flat" cmpd="sng" algn="ctr">
+                      <a:solidFill>
+                        <a:schemeClr val="tx1"/>
+                      </a:solidFill>
+                      <a:prstDash val="solid"/>
+                      <a:round/>
+                      <a:headEnd type="none" w="med" len="med"/>
+                      <a:tailEnd type="none" w="med" len="med"/>
+                    </a:lnR>
+                    <a:lnT w="12700" cap="flat" cmpd="sng" algn="ctr">
+                      <a:noFill/>
+                      <a:prstDash val="solid"/>
+                      <a:round/>
+                      <a:headEnd type="none" w="med" len="med"/>
+                      <a:tailEnd type="none" w="med" len="med"/>
+                    </a:lnT>
+                    <a:lnB w="12700" cap="flat" cmpd="sng" algn="ctr">
+                      <a:solidFill>
+                        <a:schemeClr val="tx1"/>
+                      </a:solidFill>
+                      <a:prstDash val="solid"/>
+                      <a:round/>
+                      <a:headEnd type="none" w="med" len="med"/>
+                      <a:tailEnd type="none" w="med" len="med"/>
+                    </a:lnB>
+                    <a:solidFill>
+                      <a:schemeClr val="bg1"/>
+                    </a:solidFill>
+                  </a:tcPr>
+                </a:tc>
+                <a:extLst>
+                  <a:ext uri="{0D108BD9-81ED-4DB2-BD59-A6C34878D82A}">
+                    <a16:rowId xmlns:a16="http://schemas.microsoft.com/office/drawing/2014/main" val="707576274"/>
                   </a:ext>
                 </a:extLst>
               </a:tr>
@@ -11204,14 +10014,14 @@
           <p:nvPr>
             <p:extLst>
               <p:ext uri="{D42A27DB-BD31-4B8C-83A1-F6EECF244321}">
-                <p14:modId xmlns:p14="http://schemas.microsoft.com/office/powerpoint/2010/main" val="1963343526"/>
+                <p14:modId xmlns:p14="http://schemas.microsoft.com/office/powerpoint/2010/main" val="2781418589"/>
               </p:ext>
             </p:extLst>
           </p:nvPr>
         </p:nvGraphicFramePr>
         <p:xfrm>
           <a:off x="8265638" y="3117097"/>
-          <a:ext cx="1407888" cy="1295400"/>
+          <a:ext cx="1407888" cy="1493520"/>
         </p:xfrm>
         <a:graphic>
           <a:graphicData uri="http://schemas.openxmlformats.org/drawingml/2006/table">
@@ -11345,10 +10155,18 @@
                     <a:lstStyle/>
                     <a:p>
                       <a:r>
-                        <a:rPr lang="de-DE" sz="700" dirty="0" err="1"/>
+                        <a:rPr lang="de-DE" sz="700" dirty="0" err="1">
+                          <a:solidFill>
+                            <a:schemeClr val="tx1"/>
+                          </a:solidFill>
+                        </a:rPr>
                         <a:t>id</a:t>
                       </a:r>
-                      <a:endParaRPr lang="de-DE" sz="700" dirty="0"/>
+                      <a:endParaRPr lang="de-DE" sz="700" dirty="0">
+                        <a:solidFill>
+                          <a:schemeClr val="tx1"/>
+                        </a:solidFill>
+                      </a:endParaRPr>
                     </a:p>
                   </a:txBody>
                   <a:tcPr>
@@ -11397,10 +10215,18 @@
                     <a:lstStyle/>
                     <a:p>
                       <a:r>
-                        <a:rPr lang="de-DE" sz="700" dirty="0" err="1"/>
+                        <a:rPr lang="de-DE" sz="700" dirty="0" err="1">
+                          <a:solidFill>
+                            <a:schemeClr val="tx1"/>
+                          </a:solidFill>
+                        </a:rPr>
                         <a:t>int</a:t>
                       </a:r>
-                      <a:endParaRPr lang="de-DE" sz="700" dirty="0"/>
+                      <a:endParaRPr lang="de-DE" sz="700" dirty="0">
+                        <a:solidFill>
+                          <a:schemeClr val="tx1"/>
+                        </a:solidFill>
+                      </a:endParaRPr>
                     </a:p>
                   </a:txBody>
                   <a:tcPr>
@@ -11729,10 +10555,6 @@
                         <a:rPr lang="de-DE" sz="700" dirty="0" err="1"/>
                         <a:t>text</a:t>
                       </a:r>
-                      <a:r>
-                        <a:rPr lang="de-DE" sz="700" b="1" i="1" dirty="0"/>
-                        <a:t> (n)</a:t>
-                      </a:r>
                       <a:endParaRPr lang="de-DE" sz="700" dirty="0"/>
                     </a:p>
                   </a:txBody>
@@ -11787,10 +10609,9 @@
                     <a:lstStyle/>
                     <a:p>
                       <a:r>
-                        <a:rPr lang="de-DE" sz="700" dirty="0" err="1"/>
-                        <a:t>submission_date</a:t>
+                        <a:rPr lang="de-DE" sz="700" dirty="0"/>
+                        <a:t>date</a:t>
                       </a:r>
-                      <a:endParaRPr lang="de-DE" sz="700" dirty="0"/>
                     </a:p>
                   </a:txBody>
                   <a:tcPr>
@@ -11820,9 +10641,7 @@
                       <a:tailEnd type="none" w="med" len="med"/>
                     </a:lnT>
                     <a:lnB w="12700" cap="flat" cmpd="sng" algn="ctr">
-                      <a:solidFill>
-                        <a:schemeClr val="tx1"/>
-                      </a:solidFill>
+                      <a:noFill/>
                       <a:prstDash val="solid"/>
                       <a:round/>
                       <a:headEnd type="none" w="med" len="med"/>
@@ -11871,9 +10690,7 @@
                       <a:tailEnd type="none" w="med" len="med"/>
                     </a:lnT>
                     <a:lnB w="12700" cap="flat" cmpd="sng" algn="ctr">
-                      <a:solidFill>
-                        <a:schemeClr val="tx1"/>
-                      </a:solidFill>
+                      <a:noFill/>
                       <a:prstDash val="solid"/>
                       <a:round/>
                       <a:headEnd type="none" w="med" len="med"/>
@@ -11887,6 +10704,117 @@
                 <a:extLst>
                   <a:ext uri="{0D108BD9-81ED-4DB2-BD59-A6C34878D82A}">
                     <a16:rowId xmlns:a16="http://schemas.microsoft.com/office/drawing/2014/main" val="1836843118"/>
+                  </a:ext>
+                </a:extLst>
+              </a:tr>
+              <a:tr h="178635">
+                <a:tc>
+                  <a:txBody>
+                    <a:bodyPr/>
+                    <a:lstStyle/>
+                    <a:p>
+                      <a:r>
+                        <a:rPr lang="de-DE" sz="700" dirty="0" err="1"/>
+                        <a:t>evidence_document</a:t>
+                      </a:r>
+                      <a:endParaRPr lang="de-DE" sz="700" dirty="0"/>
+                    </a:p>
+                  </a:txBody>
+                  <a:tcPr>
+                    <a:lnL w="12700" cap="flat" cmpd="sng" algn="ctr">
+                      <a:solidFill>
+                        <a:schemeClr val="tx1"/>
+                      </a:solidFill>
+                      <a:prstDash val="solid"/>
+                      <a:round/>
+                      <a:headEnd type="none" w="med" len="med"/>
+                      <a:tailEnd type="none" w="med" len="med"/>
+                    </a:lnL>
+                    <a:lnR w="12700" cap="flat" cmpd="sng" algn="ctr">
+                      <a:solidFill>
+                        <a:schemeClr val="tx1"/>
+                      </a:solidFill>
+                      <a:prstDash val="solid"/>
+                      <a:round/>
+                      <a:headEnd type="none" w="med" len="med"/>
+                      <a:tailEnd type="none" w="med" len="med"/>
+                    </a:lnR>
+                    <a:lnT w="12700" cap="flat" cmpd="sng" algn="ctr">
+                      <a:noFill/>
+                      <a:prstDash val="solid"/>
+                      <a:round/>
+                      <a:headEnd type="none" w="med" len="med"/>
+                      <a:tailEnd type="none" w="med" len="med"/>
+                    </a:lnT>
+                    <a:lnB w="12700" cap="flat" cmpd="sng" algn="ctr">
+                      <a:solidFill>
+                        <a:schemeClr val="tx1"/>
+                      </a:solidFill>
+                      <a:prstDash val="solid"/>
+                      <a:round/>
+                      <a:headEnd type="none" w="med" len="med"/>
+                      <a:tailEnd type="none" w="med" len="med"/>
+                    </a:lnB>
+                    <a:solidFill>
+                      <a:schemeClr val="bg1"/>
+                    </a:solidFill>
+                  </a:tcPr>
+                </a:tc>
+                <a:tc>
+                  <a:txBody>
+                    <a:bodyPr/>
+                    <a:lstStyle/>
+                    <a:p>
+                      <a:r>
+                        <a:rPr lang="de-DE" sz="700" dirty="0" err="1"/>
+                        <a:t>blob</a:t>
+                      </a:r>
+                      <a:endParaRPr lang="de-DE" sz="700" dirty="0"/>
+                    </a:p>
+                  </a:txBody>
+                  <a:tcPr>
+                    <a:lnL w="12700" cap="flat" cmpd="sng" algn="ctr">
+                      <a:solidFill>
+                        <a:schemeClr val="tx1"/>
+                      </a:solidFill>
+                      <a:prstDash val="solid"/>
+                      <a:round/>
+                      <a:headEnd type="none" w="med" len="med"/>
+                      <a:tailEnd type="none" w="med" len="med"/>
+                    </a:lnL>
+                    <a:lnR w="12700" cap="flat" cmpd="sng" algn="ctr">
+                      <a:solidFill>
+                        <a:schemeClr val="tx1"/>
+                      </a:solidFill>
+                      <a:prstDash val="solid"/>
+                      <a:round/>
+                      <a:headEnd type="none" w="med" len="med"/>
+                      <a:tailEnd type="none" w="med" len="med"/>
+                    </a:lnR>
+                    <a:lnT w="12700" cap="flat" cmpd="sng" algn="ctr">
+                      <a:noFill/>
+                      <a:prstDash val="solid"/>
+                      <a:round/>
+                      <a:headEnd type="none" w="med" len="med"/>
+                      <a:tailEnd type="none" w="med" len="med"/>
+                    </a:lnT>
+                    <a:lnB w="12700" cap="flat" cmpd="sng" algn="ctr">
+                      <a:solidFill>
+                        <a:schemeClr val="tx1"/>
+                      </a:solidFill>
+                      <a:prstDash val="solid"/>
+                      <a:round/>
+                      <a:headEnd type="none" w="med" len="med"/>
+                      <a:tailEnd type="none" w="med" len="med"/>
+                    </a:lnB>
+                    <a:solidFill>
+                      <a:schemeClr val="bg1"/>
+                    </a:solidFill>
+                  </a:tcPr>
+                </a:tc>
+                <a:extLst>
+                  <a:ext uri="{0D108BD9-81ED-4DB2-BD59-A6C34878D82A}">
+                    <a16:rowId xmlns:a16="http://schemas.microsoft.com/office/drawing/2014/main" val="2597879989"/>
                   </a:ext>
                 </a:extLst>
               </a:tr>
@@ -11955,7 +10883,7 @@
           <p:nvPr>
             <p:extLst>
               <p:ext uri="{D42A27DB-BD31-4B8C-83A1-F6EECF244321}">
-                <p14:modId xmlns:p14="http://schemas.microsoft.com/office/powerpoint/2010/main" val="2511686065"/>
+                <p14:modId xmlns:p14="http://schemas.microsoft.com/office/powerpoint/2010/main" val="1760069171"/>
               </p:ext>
             </p:extLst>
           </p:nvPr>
@@ -12585,10 +11513,7 @@
                         <a:rPr lang="de-DE" sz="700" dirty="0" err="1"/>
                         <a:t>text</a:t>
                       </a:r>
-                      <a:r>
-                        <a:rPr lang="de-DE" sz="700" b="1" i="1" dirty="0"/>
-                        <a:t> (n)</a:t>
-                      </a:r>
+                      <a:endParaRPr lang="de-DE" sz="700" b="1" i="1" dirty="0"/>
                     </a:p>
                   </a:txBody>
                   <a:tcPr>
@@ -12642,10 +11567,9 @@
                     <a:lstStyle/>
                     <a:p>
                       <a:r>
-                        <a:rPr lang="de-DE" sz="700" dirty="0" err="1"/>
-                        <a:t>submission_date</a:t>
+                        <a:rPr lang="de-DE" sz="700" dirty="0"/>
+                        <a:t>date</a:t>
                       </a:r>
-                      <a:endParaRPr lang="de-DE" sz="700" dirty="0"/>
                     </a:p>
                   </a:txBody>
                   <a:tcPr>
@@ -12810,7 +11734,7 @@
           <p:nvPr>
             <p:extLst>
               <p:ext uri="{D42A27DB-BD31-4B8C-83A1-F6EECF244321}">
-                <p14:modId xmlns:p14="http://schemas.microsoft.com/office/powerpoint/2010/main" val="1714192146"/>
+                <p14:modId xmlns:p14="http://schemas.microsoft.com/office/powerpoint/2010/main" val="351322315"/>
               </p:ext>
             </p:extLst>
           </p:nvPr>
@@ -13221,10 +12145,6 @@
                       <a:r>
                         <a:rPr lang="de-DE" sz="700" dirty="0" err="1"/>
                         <a:t>text</a:t>
-                      </a:r>
-                      <a:r>
-                        <a:rPr lang="de-DE" sz="700" b="1" i="1" dirty="0"/>
-                        <a:t> (n)</a:t>
                       </a:r>
                       <a:endParaRPr lang="de-DE" sz="700" dirty="0"/>
                     </a:p>
@@ -14650,6 +13570,1294 @@
 </file>
 
 <file path=ppt/slides/slide6.xml><?xml version="1.0" encoding="utf-8"?>
+<p:sld xmlns:a="http://schemas.openxmlformats.org/drawingml/2006/main" xmlns:r="http://schemas.openxmlformats.org/officeDocument/2006/relationships" xmlns:p="http://schemas.openxmlformats.org/presentationml/2006/main">
+  <p:cSld>
+    <p:spTree>
+      <p:nvGrpSpPr>
+        <p:cNvPr id="1" name=""/>
+        <p:cNvGrpSpPr/>
+        <p:nvPr/>
+      </p:nvGrpSpPr>
+      <p:grpSpPr>
+        <a:xfrm>
+          <a:off x="0" y="0"/>
+          <a:ext cx="0" cy="0"/>
+          <a:chOff x="0" y="0"/>
+          <a:chExt cx="0" cy="0"/>
+        </a:xfrm>
+      </p:grpSpPr>
+      <p:sp>
+        <p:nvSpPr>
+          <p:cNvPr id="2" name="Titel 1">
+            <a:extLst>
+              <a:ext uri="{FF2B5EF4-FFF2-40B4-BE49-F238E27FC236}">
+                <a16:creationId xmlns:a16="http://schemas.microsoft.com/office/drawing/2014/main" id="{1A73B91B-9FF1-45DF-8A28-C01C64410341}"/>
+              </a:ext>
+            </a:extLst>
+          </p:cNvPr>
+          <p:cNvSpPr>
+            <a:spLocks noGrp="1"/>
+          </p:cNvSpPr>
+          <p:nvPr>
+            <p:ph type="title"/>
+          </p:nvPr>
+        </p:nvSpPr>
+        <p:spPr>
+          <a:xfrm>
+            <a:off x="0" y="1"/>
+            <a:ext cx="10515600" cy="516294"/>
+          </a:xfrm>
+        </p:spPr>
+        <p:txBody>
+          <a:bodyPr/>
+          <a:lstStyle/>
+          <a:p>
+            <a:r>
+              <a:rPr lang="de-DE" sz="2800" dirty="0"/>
+              <a:t>Über DBs</a:t>
+            </a:r>
+            <a:endParaRPr lang="de-DE" dirty="0"/>
+          </a:p>
+        </p:txBody>
+      </p:sp>
+      <p:sp>
+        <p:nvSpPr>
+          <p:cNvPr id="3" name="Inhaltsplatzhalter 2">
+            <a:extLst>
+              <a:ext uri="{FF2B5EF4-FFF2-40B4-BE49-F238E27FC236}">
+                <a16:creationId xmlns:a16="http://schemas.microsoft.com/office/drawing/2014/main" id="{5FA699DC-99B6-4C85-B72B-CE37A450BB6B}"/>
+              </a:ext>
+            </a:extLst>
+          </p:cNvPr>
+          <p:cNvSpPr>
+            <a:spLocks noGrp="1"/>
+          </p:cNvSpPr>
+          <p:nvPr>
+            <p:ph idx="1"/>
+          </p:nvPr>
+        </p:nvSpPr>
+        <p:spPr>
+          <a:xfrm>
+            <a:off x="427652" y="780595"/>
+            <a:ext cx="11341359" cy="5794375"/>
+          </a:xfrm>
+        </p:spPr>
+        <p:txBody>
+          <a:bodyPr>
+            <a:normAutofit lnSpcReduction="10000"/>
+          </a:bodyPr>
+          <a:lstStyle/>
+          <a:p>
+            <a:r>
+              <a:rPr lang="de-DE" dirty="0" err="1"/>
+              <a:t>gnomAD</a:t>
+            </a:r>
+            <a:r>
+              <a:rPr lang="de-DE" dirty="0"/>
+              <a:t>: </a:t>
+            </a:r>
+            <a:r>
+              <a:rPr lang="de-DE" dirty="0" err="1"/>
+              <a:t>population</a:t>
+            </a:r>
+            <a:r>
+              <a:rPr lang="de-DE" dirty="0"/>
+              <a:t> </a:t>
+            </a:r>
+            <a:r>
+              <a:rPr lang="de-DE" dirty="0" err="1"/>
+              <a:t>specific</a:t>
+            </a:r>
+            <a:r>
+              <a:rPr lang="de-DE" dirty="0"/>
+              <a:t> allele </a:t>
+            </a:r>
+            <a:r>
+              <a:rPr lang="de-DE" dirty="0" err="1"/>
+              <a:t>frequencies</a:t>
+            </a:r>
+            <a:endParaRPr lang="de-DE" dirty="0"/>
+          </a:p>
+          <a:p>
+            <a:r>
+              <a:rPr lang="de-DE" dirty="0" err="1"/>
+              <a:t>clinVar</a:t>
+            </a:r>
+            <a:r>
+              <a:rPr lang="de-DE" dirty="0"/>
+              <a:t>: </a:t>
+            </a:r>
+            <a:r>
+              <a:rPr lang="en-US" dirty="0"/>
+              <a:t>relationships of human variations and phenotypes, with supporting evidence (</a:t>
+            </a:r>
+            <a:r>
+              <a:rPr lang="en-US" dirty="0" err="1"/>
+              <a:t>eg.</a:t>
+            </a:r>
+            <a:r>
+              <a:rPr lang="en-US" dirty="0"/>
+              <a:t> publications)</a:t>
+            </a:r>
+            <a:endParaRPr lang="de-DE" dirty="0"/>
+          </a:p>
+          <a:p>
+            <a:r>
+              <a:rPr lang="de-DE" dirty="0"/>
+              <a:t>VEP: </a:t>
+            </a:r>
+            <a:r>
+              <a:rPr lang="en-US" dirty="0"/>
+              <a:t>determines the effect of variants on genes, transcripts, protein sequences or regulatory regions (= consequence) but can do more with plugins</a:t>
+            </a:r>
+          </a:p>
+          <a:p>
+            <a:r>
+              <a:rPr lang="en-US" dirty="0" err="1"/>
+              <a:t>BRCAexchange</a:t>
+            </a:r>
+            <a:r>
+              <a:rPr lang="en-US" dirty="0"/>
+              <a:t>: contains sequence variations from the BRCA1&amp;2 genes along with clinical significance of them</a:t>
+            </a:r>
+          </a:p>
+          <a:p>
+            <a:r>
+              <a:rPr lang="en-US" dirty="0"/>
+              <a:t>FOSSIES: frequencies of variations within a couple of specific genes</a:t>
+            </a:r>
+          </a:p>
+          <a:p>
+            <a:r>
+              <a:rPr lang="en-US" dirty="0"/>
+              <a:t>ARUP BRCA1&amp;2: classification of variants within BRCA1&amp;2 genes</a:t>
+            </a:r>
+          </a:p>
+          <a:p>
+            <a:r>
+              <a:rPr lang="en-US" i="1" dirty="0"/>
+              <a:t>TP53</a:t>
+            </a:r>
+            <a:r>
+              <a:rPr lang="en-US" dirty="0"/>
+              <a:t> Database: various types of data and information from the literature and generalist databases on human </a:t>
+            </a:r>
+            <a:r>
+              <a:rPr lang="en-US" i="1" dirty="0"/>
+              <a:t>TP53</a:t>
+            </a:r>
+            <a:r>
+              <a:rPr lang="en-US" dirty="0"/>
+              <a:t> gene variations related to cancer</a:t>
+            </a:r>
+          </a:p>
+          <a:p>
+            <a:r>
+              <a:rPr lang="en-US" dirty="0" err="1"/>
+              <a:t>cancerhotspots</a:t>
+            </a:r>
+            <a:r>
+              <a:rPr lang="en-US" dirty="0"/>
+              <a:t>: statistically significant mutations in cancer </a:t>
+            </a:r>
+          </a:p>
+          <a:p>
+            <a:endParaRPr lang="de-DE" dirty="0"/>
+          </a:p>
+        </p:txBody>
+      </p:sp>
+    </p:spTree>
+    <p:extLst>
+      <p:ext uri="{BB962C8B-B14F-4D97-AF65-F5344CB8AC3E}">
+        <p14:creationId xmlns:p14="http://schemas.microsoft.com/office/powerpoint/2010/main" val="3575904585"/>
+      </p:ext>
+    </p:extLst>
+  </p:cSld>
+  <p:clrMapOvr>
+    <a:masterClrMapping/>
+  </p:clrMapOvr>
+</p:sld>
+</file>
+
+<file path=ppt/slides/slide7.xml><?xml version="1.0" encoding="utf-8"?>
+<p:sld xmlns:a="http://schemas.openxmlformats.org/drawingml/2006/main" xmlns:r="http://schemas.openxmlformats.org/officeDocument/2006/relationships" xmlns:p="http://schemas.openxmlformats.org/presentationml/2006/main">
+  <p:cSld>
+    <p:spTree>
+      <p:nvGrpSpPr>
+        <p:cNvPr id="1" name=""/>
+        <p:cNvGrpSpPr/>
+        <p:nvPr/>
+      </p:nvGrpSpPr>
+      <p:grpSpPr>
+        <a:xfrm>
+          <a:off x="0" y="0"/>
+          <a:ext cx="0" cy="0"/>
+          <a:chOff x="0" y="0"/>
+          <a:chExt cx="0" cy="0"/>
+        </a:xfrm>
+      </p:grpSpPr>
+      <p:sp>
+        <p:nvSpPr>
+          <p:cNvPr id="2" name="Titel 1">
+            <a:extLst>
+              <a:ext uri="{FF2B5EF4-FFF2-40B4-BE49-F238E27FC236}">
+                <a16:creationId xmlns:a16="http://schemas.microsoft.com/office/drawing/2014/main" id="{1A73B91B-9FF1-45DF-8A28-C01C64410341}"/>
+              </a:ext>
+            </a:extLst>
+          </p:cNvPr>
+          <p:cNvSpPr>
+            <a:spLocks noGrp="1"/>
+          </p:cNvSpPr>
+          <p:nvPr>
+            <p:ph type="title"/>
+          </p:nvPr>
+        </p:nvSpPr>
+        <p:spPr>
+          <a:xfrm>
+            <a:off x="0" y="1"/>
+            <a:ext cx="10515600" cy="516294"/>
+          </a:xfrm>
+        </p:spPr>
+        <p:txBody>
+          <a:bodyPr/>
+          <a:lstStyle/>
+          <a:p>
+            <a:r>
+              <a:rPr lang="de-DE" sz="2800" dirty="0"/>
+              <a:t>DB </a:t>
+            </a:r>
+            <a:r>
+              <a:rPr lang="de-DE" sz="2800" dirty="0" err="1"/>
+              <a:t>usage</a:t>
+            </a:r>
+            <a:endParaRPr lang="de-DE" dirty="0"/>
+          </a:p>
+        </p:txBody>
+      </p:sp>
+      <p:sp>
+        <p:nvSpPr>
+          <p:cNvPr id="3" name="Inhaltsplatzhalter 2">
+            <a:extLst>
+              <a:ext uri="{FF2B5EF4-FFF2-40B4-BE49-F238E27FC236}">
+                <a16:creationId xmlns:a16="http://schemas.microsoft.com/office/drawing/2014/main" id="{5FA699DC-99B6-4C85-B72B-CE37A450BB6B}"/>
+              </a:ext>
+            </a:extLst>
+          </p:cNvPr>
+          <p:cNvSpPr>
+            <a:spLocks noGrp="1"/>
+          </p:cNvSpPr>
+          <p:nvPr>
+            <p:ph idx="1"/>
+          </p:nvPr>
+        </p:nvSpPr>
+        <p:spPr>
+          <a:xfrm>
+            <a:off x="427652" y="780595"/>
+            <a:ext cx="11341359" cy="5794375"/>
+          </a:xfrm>
+        </p:spPr>
+        <p:txBody>
+          <a:bodyPr/>
+          <a:lstStyle/>
+          <a:p>
+            <a:r>
+              <a:rPr lang="de-DE" dirty="0" err="1"/>
+              <a:t>gnomAD</a:t>
+            </a:r>
+            <a:r>
+              <a:rPr lang="de-DE" dirty="0"/>
+              <a:t>: </a:t>
+            </a:r>
+            <a:r>
+              <a:rPr lang="de-DE" dirty="0" err="1"/>
+              <a:t>download</a:t>
+            </a:r>
+            <a:r>
+              <a:rPr lang="de-DE" dirty="0"/>
+              <a:t> </a:t>
+            </a:r>
+            <a:r>
+              <a:rPr lang="de-DE" dirty="0" err="1"/>
+              <a:t>data</a:t>
+            </a:r>
+            <a:r>
+              <a:rPr lang="de-DE" dirty="0"/>
+              <a:t>, </a:t>
+            </a:r>
+            <a:r>
+              <a:rPr lang="de-DE" dirty="0" err="1"/>
+              <a:t>probably</a:t>
+            </a:r>
+            <a:r>
+              <a:rPr lang="de-DE" dirty="0"/>
+              <a:t> </a:t>
+            </a:r>
+            <a:r>
+              <a:rPr lang="de-DE" dirty="0" err="1"/>
+              <a:t>version</a:t>
+            </a:r>
+            <a:r>
+              <a:rPr lang="de-DE" dirty="0"/>
+              <a:t> 3.1 (</a:t>
+            </a:r>
+            <a:r>
+              <a:rPr lang="de-DE" dirty="0" err="1"/>
+              <a:t>more</a:t>
+            </a:r>
+            <a:r>
+              <a:rPr lang="de-DE" dirty="0"/>
+              <a:t> </a:t>
+            </a:r>
+            <a:r>
+              <a:rPr lang="de-DE" dirty="0" err="1"/>
+              <a:t>data</a:t>
+            </a:r>
+            <a:r>
+              <a:rPr lang="de-DE" dirty="0"/>
+              <a:t> and </a:t>
+            </a:r>
+            <a:r>
+              <a:rPr lang="de-DE" dirty="0" err="1"/>
+              <a:t>built</a:t>
+            </a:r>
+            <a:r>
+              <a:rPr lang="de-DE" dirty="0"/>
+              <a:t> upon GRCh38), but </a:t>
+            </a:r>
+            <a:r>
+              <a:rPr lang="de-DE" dirty="0" err="1"/>
+              <a:t>gnomAD</a:t>
+            </a:r>
+            <a:r>
+              <a:rPr lang="de-DE" dirty="0"/>
+              <a:t> v2 </a:t>
+            </a:r>
+            <a:r>
+              <a:rPr lang="de-DE" dirty="0" err="1"/>
+              <a:t>is</a:t>
+            </a:r>
+            <a:r>
+              <a:rPr lang="de-DE" dirty="0"/>
+              <a:t> </a:t>
+            </a:r>
+            <a:r>
+              <a:rPr lang="de-DE" dirty="0" err="1"/>
+              <a:t>preferable</a:t>
+            </a:r>
+            <a:r>
+              <a:rPr lang="de-DE" dirty="0"/>
+              <a:t> </a:t>
+            </a:r>
+            <a:r>
+              <a:rPr lang="de-DE" dirty="0" err="1"/>
+              <a:t>over</a:t>
+            </a:r>
+            <a:r>
+              <a:rPr lang="de-DE" dirty="0"/>
+              <a:t> v3 </a:t>
+            </a:r>
+            <a:r>
+              <a:rPr lang="de-DE" dirty="0" err="1"/>
+              <a:t>for</a:t>
+            </a:r>
+            <a:r>
+              <a:rPr lang="de-DE" dirty="0"/>
+              <a:t> </a:t>
+            </a:r>
+            <a:r>
+              <a:rPr lang="de-DE" dirty="0" err="1"/>
+              <a:t>interpreting</a:t>
+            </a:r>
+            <a:r>
+              <a:rPr lang="de-DE" dirty="0"/>
+              <a:t> </a:t>
+            </a:r>
+            <a:r>
+              <a:rPr lang="de-DE" dirty="0" err="1"/>
+              <a:t>coding</a:t>
+            </a:r>
+            <a:br>
+              <a:rPr lang="de-DE" dirty="0"/>
+            </a:br>
+            <a:r>
+              <a:rPr lang="de-DE" dirty="0" err="1"/>
+              <a:t>variants</a:t>
+            </a:r>
+            <a:r>
+              <a:rPr lang="de-DE" dirty="0"/>
+              <a:t>.?</a:t>
+            </a:r>
+          </a:p>
+          <a:p>
+            <a:pPr lvl="1"/>
+            <a:r>
+              <a:rPr lang="de-DE" dirty="0"/>
+              <a:t>#</a:t>
+            </a:r>
+            <a:r>
+              <a:rPr lang="de-DE" dirty="0" err="1"/>
+              <a:t>hom</a:t>
+            </a:r>
+            <a:r>
+              <a:rPr lang="de-DE" dirty="0"/>
+              <a:t>/#</a:t>
+            </a:r>
+            <a:r>
+              <a:rPr lang="de-DE" dirty="0" err="1"/>
+              <a:t>hemi</a:t>
+            </a:r>
+            <a:r>
+              <a:rPr lang="de-DE" dirty="0"/>
+              <a:t>?</a:t>
+            </a:r>
+          </a:p>
+          <a:p>
+            <a:pPr lvl="1"/>
+            <a:r>
+              <a:rPr lang="de-DE" dirty="0"/>
+              <a:t>restliche daten aus VCF </a:t>
+            </a:r>
+            <a:r>
+              <a:rPr lang="de-DE" dirty="0" err="1"/>
+              <a:t>datei</a:t>
+            </a:r>
+            <a:r>
+              <a:rPr lang="de-DE" dirty="0"/>
+              <a:t> entnehmen (</a:t>
+            </a:r>
+            <a:r>
+              <a:rPr lang="de-DE" dirty="0" err="1"/>
+              <a:t>AF,popmax</a:t>
+            </a:r>
+            <a:r>
+              <a:rPr lang="de-DE" dirty="0"/>
+              <a:t> </a:t>
+            </a:r>
+            <a:r>
+              <a:rPr lang="de-DE" dirty="0" err="1"/>
+              <a:t>measures</a:t>
+            </a:r>
+            <a:r>
+              <a:rPr lang="de-DE" dirty="0"/>
+              <a:t>)</a:t>
+            </a:r>
+          </a:p>
+          <a:p>
+            <a:pPr lvl="1"/>
+            <a:r>
+              <a:rPr lang="de-DE" dirty="0" err="1"/>
+              <a:t>Clin</a:t>
+            </a:r>
+            <a:r>
+              <a:rPr lang="de-DE" dirty="0"/>
+              <a:t> Gen </a:t>
+            </a:r>
+            <a:r>
+              <a:rPr lang="de-DE" dirty="0" err="1"/>
+              <a:t>Sequencing</a:t>
+            </a:r>
+            <a:r>
+              <a:rPr lang="de-DE" dirty="0"/>
+              <a:t> Variant Interpretation (SVI)?</a:t>
+            </a:r>
+          </a:p>
+          <a:p>
+            <a:r>
+              <a:rPr lang="de-DE" dirty="0" err="1"/>
+              <a:t>clinvar</a:t>
+            </a:r>
+            <a:r>
+              <a:rPr lang="de-DE" dirty="0"/>
+              <a:t>: </a:t>
+            </a:r>
+            <a:r>
+              <a:rPr lang="de-DE" dirty="0" err="1"/>
+              <a:t>use</a:t>
+            </a:r>
+            <a:r>
+              <a:rPr lang="de-DE" dirty="0"/>
+              <a:t> API </a:t>
+            </a:r>
+            <a:r>
+              <a:rPr lang="de-DE" dirty="0" err="1"/>
+              <a:t>to</a:t>
+            </a:r>
+            <a:r>
+              <a:rPr lang="de-DE" dirty="0"/>
+              <a:t> </a:t>
+            </a:r>
+            <a:r>
+              <a:rPr lang="de-DE" dirty="0" err="1"/>
+              <a:t>fetch</a:t>
+            </a:r>
+            <a:r>
+              <a:rPr lang="de-DE" dirty="0"/>
+              <a:t> </a:t>
+            </a:r>
+            <a:r>
+              <a:rPr lang="de-DE" dirty="0" err="1"/>
+              <a:t>data</a:t>
+            </a:r>
+            <a:r>
+              <a:rPr lang="de-DE" dirty="0"/>
+              <a:t>: </a:t>
+            </a:r>
+            <a:r>
+              <a:rPr lang="de-DE" dirty="0" err="1"/>
+              <a:t>esearch</a:t>
+            </a:r>
+            <a:r>
+              <a:rPr lang="de-DE" dirty="0"/>
+              <a:t> -&gt; </a:t>
+            </a:r>
+            <a:r>
+              <a:rPr lang="de-DE" dirty="0" err="1"/>
+              <a:t>efetch</a:t>
+            </a:r>
+            <a:endParaRPr lang="de-DE" dirty="0"/>
+          </a:p>
+          <a:p>
+            <a:pPr lvl="1"/>
+            <a:r>
+              <a:rPr lang="en-US" dirty="0"/>
+              <a:t>Interpretation (last evaluated), Review status (Assertion criteria), Condition (Inheritance), Submitter, Supporting information from API</a:t>
+            </a:r>
+            <a:endParaRPr lang="de-DE" dirty="0"/>
+          </a:p>
+          <a:p>
+            <a:endParaRPr lang="de-DE" dirty="0"/>
+          </a:p>
+          <a:p>
+            <a:endParaRPr lang="de-DE" dirty="0"/>
+          </a:p>
+        </p:txBody>
+      </p:sp>
+      <p:pic>
+        <p:nvPicPr>
+          <p:cNvPr id="4" name="Grafik 3">
+            <a:extLst>
+              <a:ext uri="{FF2B5EF4-FFF2-40B4-BE49-F238E27FC236}">
+                <a16:creationId xmlns:a16="http://schemas.microsoft.com/office/drawing/2014/main" id="{EF5D8DCE-D3AB-46CD-9A42-D409A26FD177}"/>
+              </a:ext>
+            </a:extLst>
+          </p:cNvPr>
+          <p:cNvPicPr>
+            <a:picLocks noChangeAspect="1"/>
+          </p:cNvPicPr>
+          <p:nvPr/>
+        </p:nvPicPr>
+        <p:blipFill>
+          <a:blip r:embed="rId2"/>
+          <a:stretch>
+            <a:fillRect/>
+          </a:stretch>
+        </p:blipFill>
+        <p:spPr>
+          <a:xfrm>
+            <a:off x="1688385" y="4460033"/>
+            <a:ext cx="7971326" cy="1806834"/>
+          </a:xfrm>
+          <a:prstGeom prst="rect">
+            <a:avLst/>
+          </a:prstGeom>
+        </p:spPr>
+      </p:pic>
+    </p:spTree>
+    <p:extLst>
+      <p:ext uri="{BB962C8B-B14F-4D97-AF65-F5344CB8AC3E}">
+        <p14:creationId xmlns:p14="http://schemas.microsoft.com/office/powerpoint/2010/main" val="3011682897"/>
+      </p:ext>
+    </p:extLst>
+  </p:cSld>
+  <p:clrMapOvr>
+    <a:masterClrMapping/>
+  </p:clrMapOvr>
+</p:sld>
+</file>
+
+<file path=ppt/slides/slide8.xml><?xml version="1.0" encoding="utf-8"?>
+<p:sld xmlns:a="http://schemas.openxmlformats.org/drawingml/2006/main" xmlns:r="http://schemas.openxmlformats.org/officeDocument/2006/relationships" xmlns:p="http://schemas.openxmlformats.org/presentationml/2006/main">
+  <p:cSld>
+    <p:spTree>
+      <p:nvGrpSpPr>
+        <p:cNvPr id="1" name=""/>
+        <p:cNvGrpSpPr/>
+        <p:nvPr/>
+      </p:nvGrpSpPr>
+      <p:grpSpPr>
+        <a:xfrm>
+          <a:off x="0" y="0"/>
+          <a:ext cx="0" cy="0"/>
+          <a:chOff x="0" y="0"/>
+          <a:chExt cx="0" cy="0"/>
+        </a:xfrm>
+      </p:grpSpPr>
+      <p:sp>
+        <p:nvSpPr>
+          <p:cNvPr id="2" name="Titel 1">
+            <a:extLst>
+              <a:ext uri="{FF2B5EF4-FFF2-40B4-BE49-F238E27FC236}">
+                <a16:creationId xmlns:a16="http://schemas.microsoft.com/office/drawing/2014/main" id="{1A73B91B-9FF1-45DF-8A28-C01C64410341}"/>
+              </a:ext>
+            </a:extLst>
+          </p:cNvPr>
+          <p:cNvSpPr>
+            <a:spLocks noGrp="1"/>
+          </p:cNvSpPr>
+          <p:nvPr>
+            <p:ph type="title"/>
+          </p:nvPr>
+        </p:nvSpPr>
+        <p:spPr>
+          <a:xfrm>
+            <a:off x="0" y="1"/>
+            <a:ext cx="10515600" cy="516294"/>
+          </a:xfrm>
+        </p:spPr>
+        <p:txBody>
+          <a:bodyPr/>
+          <a:lstStyle/>
+          <a:p>
+            <a:r>
+              <a:rPr lang="de-DE" sz="2800" dirty="0"/>
+              <a:t>DB </a:t>
+            </a:r>
+            <a:r>
+              <a:rPr lang="de-DE" sz="2800" dirty="0" err="1"/>
+              <a:t>usage</a:t>
+            </a:r>
+            <a:endParaRPr lang="de-DE" dirty="0"/>
+          </a:p>
+        </p:txBody>
+      </p:sp>
+      <p:sp>
+        <p:nvSpPr>
+          <p:cNvPr id="3" name="Inhaltsplatzhalter 2">
+            <a:extLst>
+              <a:ext uri="{FF2B5EF4-FFF2-40B4-BE49-F238E27FC236}">
+                <a16:creationId xmlns:a16="http://schemas.microsoft.com/office/drawing/2014/main" id="{5FA699DC-99B6-4C85-B72B-CE37A450BB6B}"/>
+              </a:ext>
+            </a:extLst>
+          </p:cNvPr>
+          <p:cNvSpPr>
+            <a:spLocks noGrp="1"/>
+          </p:cNvSpPr>
+          <p:nvPr>
+            <p:ph idx="1"/>
+          </p:nvPr>
+        </p:nvSpPr>
+        <p:spPr>
+          <a:xfrm>
+            <a:off x="427652" y="780595"/>
+            <a:ext cx="11341359" cy="5794375"/>
+          </a:xfrm>
+        </p:spPr>
+        <p:txBody>
+          <a:bodyPr/>
+          <a:lstStyle/>
+          <a:p>
+            <a:r>
+              <a:rPr lang="de-DE" dirty="0"/>
+              <a:t>VEP: </a:t>
+            </a:r>
+            <a:r>
+              <a:rPr lang="de-DE" dirty="0" err="1"/>
+              <a:t>use</a:t>
+            </a:r>
+            <a:r>
+              <a:rPr lang="de-DE" dirty="0"/>
+              <a:t> </a:t>
+            </a:r>
+            <a:r>
+              <a:rPr lang="de-DE" dirty="0" err="1"/>
+              <a:t>api</a:t>
+            </a:r>
+            <a:r>
+              <a:rPr lang="de-DE" dirty="0"/>
+              <a:t> and </a:t>
+            </a:r>
+            <a:r>
+              <a:rPr lang="de-DE" dirty="0" err="1"/>
+              <a:t>local</a:t>
+            </a:r>
+            <a:r>
+              <a:rPr lang="de-DE" dirty="0"/>
+              <a:t> </a:t>
+            </a:r>
+            <a:r>
+              <a:rPr lang="de-DE" dirty="0" err="1"/>
+              <a:t>installation</a:t>
+            </a:r>
+            <a:endParaRPr lang="de-DE" dirty="0"/>
+          </a:p>
+          <a:p>
+            <a:pPr lvl="1"/>
+            <a:r>
+              <a:rPr lang="de-DE" dirty="0" err="1"/>
+              <a:t>consequence</a:t>
+            </a:r>
+            <a:r>
+              <a:rPr lang="de-DE" dirty="0"/>
+              <a:t> </a:t>
+            </a:r>
+            <a:r>
+              <a:rPr lang="de-DE" dirty="0" err="1"/>
+              <a:t>through</a:t>
+            </a:r>
+            <a:r>
+              <a:rPr lang="de-DE" dirty="0"/>
+              <a:t> GET </a:t>
+            </a:r>
+            <a:r>
+              <a:rPr lang="de-DE" dirty="0" err="1"/>
+              <a:t>vep</a:t>
+            </a:r>
+            <a:r>
+              <a:rPr lang="de-DE" dirty="0"/>
+              <a:t>/:</a:t>
+            </a:r>
+            <a:r>
+              <a:rPr lang="de-DE" dirty="0" err="1"/>
+              <a:t>species</a:t>
+            </a:r>
+            <a:r>
+              <a:rPr lang="de-DE" dirty="0"/>
+              <a:t>/</a:t>
+            </a:r>
+            <a:r>
+              <a:rPr lang="de-DE" dirty="0" err="1"/>
+              <a:t>region</a:t>
+            </a:r>
+            <a:r>
+              <a:rPr lang="de-DE" dirty="0"/>
+              <a:t>/:</a:t>
+            </a:r>
+            <a:r>
+              <a:rPr lang="de-DE" dirty="0" err="1"/>
+              <a:t>region</a:t>
+            </a:r>
+            <a:r>
+              <a:rPr lang="de-DE" dirty="0"/>
+              <a:t>/:allele/</a:t>
+            </a:r>
+          </a:p>
+          <a:p>
+            <a:pPr lvl="1"/>
+            <a:r>
+              <a:rPr lang="en-US" dirty="0" err="1"/>
+              <a:t>dbSNP</a:t>
+            </a:r>
+            <a:r>
+              <a:rPr lang="en-US" dirty="0"/>
+              <a:t> </a:t>
+            </a:r>
+            <a:r>
+              <a:rPr lang="en-US" dirty="0" err="1"/>
+              <a:t>rs</a:t>
+            </a:r>
+            <a:r>
+              <a:rPr lang="en-US" dirty="0"/>
+              <a:t> number via GET </a:t>
+            </a:r>
+            <a:r>
+              <a:rPr lang="en-US" dirty="0" err="1"/>
+              <a:t>variant_recoder</a:t>
+            </a:r>
+            <a:r>
+              <a:rPr lang="en-US" dirty="0"/>
+              <a:t>/:species/:id</a:t>
+            </a:r>
+          </a:p>
+          <a:p>
+            <a:pPr lvl="1"/>
+            <a:r>
+              <a:rPr lang="de-DE" dirty="0" err="1"/>
+              <a:t>phyloP</a:t>
+            </a:r>
+            <a:r>
+              <a:rPr lang="de-DE" dirty="0"/>
+              <a:t> </a:t>
+            </a:r>
+            <a:r>
+              <a:rPr lang="de-DE" dirty="0" err="1"/>
+              <a:t>scores</a:t>
+            </a:r>
+            <a:r>
+              <a:rPr lang="de-DE" dirty="0"/>
+              <a:t> (</a:t>
+            </a:r>
+            <a:r>
+              <a:rPr lang="de-DE" dirty="0" err="1"/>
+              <a:t>measure</a:t>
+            </a:r>
+            <a:r>
+              <a:rPr lang="de-DE" dirty="0"/>
+              <a:t> </a:t>
+            </a:r>
+            <a:r>
+              <a:rPr lang="de-DE" dirty="0" err="1"/>
+              <a:t>of</a:t>
+            </a:r>
+            <a:r>
+              <a:rPr lang="de-DE" dirty="0"/>
+              <a:t> </a:t>
+            </a:r>
+            <a:r>
+              <a:rPr lang="de-DE" dirty="0" err="1"/>
+              <a:t>sequence</a:t>
+            </a:r>
+            <a:r>
+              <a:rPr lang="de-DE" dirty="0"/>
+              <a:t> </a:t>
+            </a:r>
+            <a:r>
+              <a:rPr lang="de-DE" dirty="0" err="1"/>
+              <a:t>conservation</a:t>
+            </a:r>
+            <a:r>
+              <a:rPr lang="de-DE" dirty="0"/>
+              <a:t>) </a:t>
+            </a:r>
+            <a:r>
+              <a:rPr lang="de-DE" dirty="0" err="1"/>
+              <a:t>using</a:t>
+            </a:r>
+            <a:r>
+              <a:rPr lang="de-DE" dirty="0"/>
+              <a:t> </a:t>
+            </a:r>
+            <a:r>
+              <a:rPr lang="de-DE" dirty="0" err="1"/>
+              <a:t>the</a:t>
+            </a:r>
+            <a:r>
+              <a:rPr lang="de-DE" dirty="0"/>
+              <a:t> </a:t>
+            </a:r>
+            <a:r>
+              <a:rPr lang="de-DE" dirty="0" err="1"/>
+              <a:t>command</a:t>
+            </a:r>
+            <a:r>
+              <a:rPr lang="de-DE" dirty="0"/>
+              <a:t> </a:t>
+            </a:r>
+            <a:r>
+              <a:rPr lang="de-DE" dirty="0" err="1"/>
+              <a:t>line</a:t>
+            </a:r>
+            <a:r>
+              <a:rPr lang="de-DE" dirty="0"/>
+              <a:t> interface + </a:t>
+            </a:r>
+            <a:r>
+              <a:rPr lang="de-DE" dirty="0" err="1"/>
+              <a:t>plugin</a:t>
+            </a:r>
+            <a:r>
+              <a:rPr lang="de-DE" dirty="0"/>
+              <a:t> „</a:t>
+            </a:r>
+            <a:r>
+              <a:rPr lang="de-DE" dirty="0" err="1"/>
+              <a:t>conservation</a:t>
+            </a:r>
+            <a:r>
+              <a:rPr lang="de-DE" dirty="0"/>
+              <a:t>“</a:t>
+            </a:r>
+          </a:p>
+          <a:p>
+            <a:pPr lvl="1"/>
+            <a:r>
+              <a:rPr lang="de-DE" dirty="0"/>
+              <a:t> Proteindomänen?</a:t>
+            </a:r>
+          </a:p>
+          <a:p>
+            <a:pPr lvl="1"/>
+            <a:r>
+              <a:rPr lang="de-DE" dirty="0"/>
+              <a:t>CADD, REVEL, </a:t>
+            </a:r>
+            <a:r>
+              <a:rPr lang="de-DE" dirty="0" err="1"/>
+              <a:t>SpliceAI</a:t>
+            </a:r>
+            <a:r>
+              <a:rPr lang="de-DE" dirty="0"/>
+              <a:t>, </a:t>
+            </a:r>
+            <a:r>
+              <a:rPr lang="de-DE" dirty="0" err="1"/>
+              <a:t>MaxEntScan</a:t>
+            </a:r>
+            <a:r>
+              <a:rPr lang="de-DE" dirty="0"/>
+              <a:t> </a:t>
+            </a:r>
+            <a:r>
+              <a:rPr lang="de-DE" dirty="0" err="1"/>
+              <a:t>resuls</a:t>
+            </a:r>
+            <a:r>
+              <a:rPr lang="de-DE" dirty="0"/>
+              <a:t> </a:t>
+            </a:r>
+            <a:r>
+              <a:rPr lang="de-DE" dirty="0" err="1"/>
+              <a:t>using</a:t>
+            </a:r>
+            <a:r>
+              <a:rPr lang="de-DE" dirty="0"/>
+              <a:t> CLI + </a:t>
+            </a:r>
+            <a:r>
+              <a:rPr lang="de-DE" dirty="0" err="1"/>
+              <a:t>respective</a:t>
+            </a:r>
+            <a:r>
+              <a:rPr lang="de-DE" dirty="0"/>
+              <a:t> </a:t>
+            </a:r>
+            <a:r>
+              <a:rPr lang="de-DE" dirty="0" err="1"/>
+              <a:t>plugins</a:t>
+            </a:r>
+            <a:endParaRPr lang="de-DE" dirty="0"/>
+          </a:p>
+          <a:p>
+            <a:r>
+              <a:rPr lang="de-DE" dirty="0" err="1"/>
+              <a:t>BRCAexchange</a:t>
+            </a:r>
+            <a:r>
+              <a:rPr lang="de-DE" dirty="0"/>
+              <a:t>: </a:t>
+            </a:r>
+            <a:r>
+              <a:rPr lang="de-DE" dirty="0" err="1"/>
+              <a:t>extract</a:t>
+            </a:r>
+            <a:r>
+              <a:rPr lang="de-DE" dirty="0"/>
+              <a:t> </a:t>
+            </a:r>
+            <a:r>
+              <a:rPr lang="de-DE" dirty="0" err="1"/>
+              <a:t>clinical</a:t>
+            </a:r>
+            <a:r>
+              <a:rPr lang="de-DE" dirty="0"/>
+              <a:t> </a:t>
+            </a:r>
+            <a:r>
+              <a:rPr lang="de-DE" dirty="0" err="1"/>
+              <a:t>significance</a:t>
+            </a:r>
+            <a:r>
+              <a:rPr lang="de-DE" dirty="0"/>
+              <a:t> </a:t>
+            </a:r>
+            <a:r>
+              <a:rPr lang="de-DE" dirty="0" err="1"/>
+              <a:t>from</a:t>
+            </a:r>
+            <a:r>
+              <a:rPr lang="de-DE" dirty="0"/>
+              <a:t> </a:t>
+            </a:r>
+            <a:r>
+              <a:rPr lang="de-DE" dirty="0" err="1"/>
+              <a:t>api</a:t>
+            </a:r>
+            <a:endParaRPr lang="de-DE" dirty="0"/>
+          </a:p>
+          <a:p>
+            <a:r>
+              <a:rPr lang="de-DE" dirty="0"/>
+              <a:t>FOSSIES: </a:t>
+            </a:r>
+            <a:r>
+              <a:rPr lang="de-DE" dirty="0" err="1"/>
+              <a:t>extract</a:t>
+            </a:r>
+            <a:r>
+              <a:rPr lang="de-DE" dirty="0"/>
+              <a:t> </a:t>
+            </a:r>
+            <a:r>
+              <a:rPr lang="de-DE" dirty="0" err="1"/>
+              <a:t>european</a:t>
+            </a:r>
+            <a:r>
+              <a:rPr lang="de-DE" dirty="0"/>
+              <a:t> </a:t>
+            </a:r>
+            <a:r>
+              <a:rPr lang="de-DE" dirty="0" err="1"/>
+              <a:t>american</a:t>
+            </a:r>
+            <a:r>
+              <a:rPr lang="de-DE" dirty="0"/>
+              <a:t> and </a:t>
+            </a:r>
+            <a:r>
+              <a:rPr lang="de-DE" dirty="0" err="1"/>
+              <a:t>african</a:t>
+            </a:r>
+            <a:r>
+              <a:rPr lang="de-DE" dirty="0"/>
+              <a:t> </a:t>
+            </a:r>
+            <a:r>
+              <a:rPr lang="de-DE" dirty="0" err="1"/>
+              <a:t>american</a:t>
+            </a:r>
+            <a:r>
+              <a:rPr lang="de-DE" dirty="0"/>
+              <a:t> </a:t>
+            </a:r>
+            <a:r>
+              <a:rPr lang="de-DE" dirty="0" err="1"/>
+              <a:t>counts</a:t>
+            </a:r>
+            <a:r>
+              <a:rPr lang="de-DE" dirty="0"/>
+              <a:t> </a:t>
+            </a:r>
+            <a:r>
+              <a:rPr lang="de-DE" b="1" dirty="0"/>
+              <a:t>?</a:t>
+            </a:r>
+            <a:r>
+              <a:rPr lang="de-DE" b="1" dirty="0" err="1"/>
+              <a:t>access</a:t>
+            </a:r>
+            <a:r>
+              <a:rPr lang="de-DE" b="1" dirty="0"/>
+              <a:t>?</a:t>
+            </a:r>
+          </a:p>
+          <a:p>
+            <a:r>
+              <a:rPr lang="de-DE" dirty="0"/>
+              <a:t>ARUP BRCA1&amp;2: </a:t>
+            </a:r>
+            <a:r>
+              <a:rPr lang="de-DE" dirty="0" err="1"/>
+              <a:t>extract</a:t>
+            </a:r>
+            <a:r>
+              <a:rPr lang="de-DE" dirty="0"/>
+              <a:t> </a:t>
+            </a:r>
+            <a:r>
+              <a:rPr lang="de-DE" dirty="0" err="1"/>
+              <a:t>classifications</a:t>
+            </a:r>
+            <a:r>
+              <a:rPr lang="de-DE" dirty="0"/>
+              <a:t> </a:t>
+            </a:r>
+            <a:r>
+              <a:rPr lang="de-DE" b="1" dirty="0"/>
+              <a:t>?</a:t>
+            </a:r>
+            <a:r>
+              <a:rPr lang="de-DE" b="1" dirty="0" err="1"/>
+              <a:t>access</a:t>
+            </a:r>
+            <a:r>
+              <a:rPr lang="de-DE" b="1" dirty="0"/>
+              <a:t>?</a:t>
+            </a:r>
+          </a:p>
+          <a:p>
+            <a:r>
+              <a:rPr lang="de-DE" dirty="0"/>
+              <a:t>IARC TP53: </a:t>
+            </a:r>
+            <a:r>
+              <a:rPr lang="de-DE" dirty="0" err="1"/>
+              <a:t>extract</a:t>
+            </a:r>
+            <a:r>
+              <a:rPr lang="de-DE" dirty="0"/>
+              <a:t> </a:t>
+            </a:r>
+            <a:r>
+              <a:rPr lang="de-DE" dirty="0" err="1"/>
+              <a:t>classifications</a:t>
+            </a:r>
+            <a:r>
+              <a:rPr lang="de-DE" dirty="0"/>
+              <a:t> + </a:t>
+            </a:r>
+            <a:r>
+              <a:rPr lang="de-DE" dirty="0" err="1"/>
+              <a:t>functional</a:t>
+            </a:r>
+            <a:r>
+              <a:rPr lang="de-DE" dirty="0"/>
+              <a:t> </a:t>
+            </a:r>
+            <a:r>
+              <a:rPr lang="de-DE" dirty="0" err="1"/>
+              <a:t>predictions</a:t>
+            </a:r>
+            <a:r>
+              <a:rPr lang="de-DE" dirty="0"/>
+              <a:t> </a:t>
+            </a:r>
+            <a:r>
+              <a:rPr lang="de-DE" b="1" dirty="0"/>
+              <a:t>?</a:t>
+            </a:r>
+            <a:r>
+              <a:rPr lang="de-DE" b="1" dirty="0" err="1"/>
+              <a:t>access</a:t>
+            </a:r>
+            <a:r>
+              <a:rPr lang="de-DE" b="1" dirty="0"/>
+              <a:t>?</a:t>
+            </a:r>
+          </a:p>
+          <a:p>
+            <a:r>
+              <a:rPr lang="de-DE" dirty="0" err="1"/>
+              <a:t>cancerhotspots</a:t>
+            </a:r>
+            <a:r>
+              <a:rPr lang="de-DE" dirty="0"/>
+              <a:t>: </a:t>
+            </a:r>
+            <a:r>
+              <a:rPr lang="de-DE" dirty="0" err="1"/>
+              <a:t>need</a:t>
+            </a:r>
+            <a:r>
+              <a:rPr lang="de-DE" dirty="0"/>
+              <a:t> </a:t>
+            </a:r>
+            <a:r>
+              <a:rPr lang="de-DE" dirty="0" err="1"/>
+              <a:t>to</a:t>
+            </a:r>
+            <a:r>
+              <a:rPr lang="de-DE" dirty="0"/>
+              <a:t> </a:t>
+            </a:r>
+            <a:r>
+              <a:rPr lang="de-DE" dirty="0" err="1"/>
+              <a:t>go</a:t>
+            </a:r>
+            <a:r>
+              <a:rPr lang="de-DE" dirty="0"/>
+              <a:t> </a:t>
+            </a:r>
+            <a:r>
+              <a:rPr lang="de-DE" dirty="0" err="1"/>
+              <a:t>from</a:t>
+            </a:r>
+            <a:r>
+              <a:rPr lang="de-DE" dirty="0"/>
+              <a:t> </a:t>
+            </a:r>
+            <a:r>
+              <a:rPr lang="de-DE" dirty="0" err="1"/>
+              <a:t>protein</a:t>
+            </a:r>
+            <a:r>
+              <a:rPr lang="de-DE" dirty="0"/>
+              <a:t> </a:t>
+            </a:r>
+            <a:r>
+              <a:rPr lang="de-DE" dirty="0" err="1"/>
+              <a:t>variation</a:t>
+            </a:r>
+            <a:r>
+              <a:rPr lang="de-DE" dirty="0"/>
+              <a:t> </a:t>
+            </a:r>
+            <a:r>
+              <a:rPr lang="de-DE" dirty="0" err="1"/>
+              <a:t>to</a:t>
+            </a:r>
+            <a:r>
+              <a:rPr lang="de-DE" dirty="0"/>
+              <a:t> </a:t>
+            </a:r>
+            <a:r>
+              <a:rPr lang="de-DE" dirty="0" err="1"/>
+              <a:t>sequence</a:t>
+            </a:r>
+            <a:r>
+              <a:rPr lang="de-DE" dirty="0"/>
+              <a:t> </a:t>
+            </a:r>
+            <a:r>
+              <a:rPr lang="de-DE" dirty="0" err="1"/>
+              <a:t>variation</a:t>
+            </a:r>
+            <a:r>
+              <a:rPr lang="de-DE" dirty="0"/>
+              <a:t>, </a:t>
+            </a:r>
+            <a:r>
+              <a:rPr lang="de-DE" dirty="0" err="1"/>
+              <a:t>data</a:t>
+            </a:r>
+            <a:r>
+              <a:rPr lang="de-DE" dirty="0"/>
+              <a:t> </a:t>
+            </a:r>
+            <a:r>
+              <a:rPr lang="de-DE" dirty="0" err="1"/>
+              <a:t>needs</a:t>
+            </a:r>
+            <a:r>
+              <a:rPr lang="de-DE" dirty="0"/>
+              <a:t> </a:t>
+            </a:r>
+            <a:r>
+              <a:rPr lang="de-DE" dirty="0" err="1"/>
+              <a:t>to</a:t>
+            </a:r>
+            <a:r>
+              <a:rPr lang="de-DE" dirty="0"/>
+              <a:t> </a:t>
+            </a:r>
+            <a:r>
+              <a:rPr lang="de-DE" dirty="0" err="1"/>
+              <a:t>be</a:t>
+            </a:r>
+            <a:r>
+              <a:rPr lang="de-DE" dirty="0"/>
+              <a:t> </a:t>
+            </a:r>
+            <a:r>
+              <a:rPr lang="de-DE" dirty="0" err="1"/>
+              <a:t>downloaded</a:t>
+            </a:r>
+            <a:endParaRPr lang="de-DE" dirty="0"/>
+          </a:p>
+        </p:txBody>
+      </p:sp>
+    </p:spTree>
+    <p:extLst>
+      <p:ext uri="{BB962C8B-B14F-4D97-AF65-F5344CB8AC3E}">
+        <p14:creationId xmlns:p14="http://schemas.microsoft.com/office/powerpoint/2010/main" val="1337325651"/>
+      </p:ext>
+    </p:extLst>
+  </p:cSld>
+  <p:clrMapOvr>
+    <a:masterClrMapping/>
+  </p:clrMapOvr>
+</p:sld>
+</file>
+
+<file path=ppt/slides/slide9.xml><?xml version="1.0" encoding="utf-8"?>
 <p:sld xmlns:a="http://schemas.openxmlformats.org/drawingml/2006/main" xmlns:r="http://schemas.openxmlformats.org/officeDocument/2006/relationships" xmlns:p="http://schemas.openxmlformats.org/presentationml/2006/main">
   <p:cSld>
     <p:spTree>

--- a/doc/presentations/02_03_22_project_sketch.pptx
+++ b/doc/presentations/02_03_22_project_sketch.pptx
@@ -205,7 +205,7 @@
           <a:p>
             <a:fld id="{32D3377B-B692-4F8C-8BE9-143A32B75211}" type="datetimeFigureOut">
               <a:rPr lang="de-DE" smtClean="0"/>
-              <a:t>04.03.2022</a:t>
+              <a:t>08.03.2022</a:t>
             </a:fld>
             <a:endParaRPr lang="de-DE"/>
           </a:p>
@@ -703,7 +703,7 @@
           <a:p>
             <a:fld id="{1887EDC2-B1DE-4E8C-96F7-0082F16C6727}" type="datetimeFigureOut">
               <a:rPr lang="de-DE" smtClean="0"/>
-              <a:t>04.03.2022</a:t>
+              <a:t>08.03.2022</a:t>
             </a:fld>
             <a:endParaRPr lang="de-DE"/>
           </a:p>
@@ -901,7 +901,7 @@
           <a:p>
             <a:fld id="{1887EDC2-B1DE-4E8C-96F7-0082F16C6727}" type="datetimeFigureOut">
               <a:rPr lang="de-DE" smtClean="0"/>
-              <a:t>04.03.2022</a:t>
+              <a:t>08.03.2022</a:t>
             </a:fld>
             <a:endParaRPr lang="de-DE"/>
           </a:p>
@@ -1109,7 +1109,7 @@
           <a:p>
             <a:fld id="{1887EDC2-B1DE-4E8C-96F7-0082F16C6727}" type="datetimeFigureOut">
               <a:rPr lang="de-DE" smtClean="0"/>
-              <a:t>04.03.2022</a:t>
+              <a:t>08.03.2022</a:t>
             </a:fld>
             <a:endParaRPr lang="de-DE"/>
           </a:p>
@@ -1307,7 +1307,7 @@
           <a:p>
             <a:fld id="{1887EDC2-B1DE-4E8C-96F7-0082F16C6727}" type="datetimeFigureOut">
               <a:rPr lang="de-DE" smtClean="0"/>
-              <a:t>04.03.2022</a:t>
+              <a:t>08.03.2022</a:t>
             </a:fld>
             <a:endParaRPr lang="de-DE"/>
           </a:p>
@@ -1582,7 +1582,7 @@
           <a:p>
             <a:fld id="{1887EDC2-B1DE-4E8C-96F7-0082F16C6727}" type="datetimeFigureOut">
               <a:rPr lang="de-DE" smtClean="0"/>
-              <a:t>04.03.2022</a:t>
+              <a:t>08.03.2022</a:t>
             </a:fld>
             <a:endParaRPr lang="de-DE"/>
           </a:p>
@@ -1847,7 +1847,7 @@
           <a:p>
             <a:fld id="{1887EDC2-B1DE-4E8C-96F7-0082F16C6727}" type="datetimeFigureOut">
               <a:rPr lang="de-DE" smtClean="0"/>
-              <a:t>04.03.2022</a:t>
+              <a:t>08.03.2022</a:t>
             </a:fld>
             <a:endParaRPr lang="de-DE"/>
           </a:p>
@@ -2259,7 +2259,7 @@
           <a:p>
             <a:fld id="{1887EDC2-B1DE-4E8C-96F7-0082F16C6727}" type="datetimeFigureOut">
               <a:rPr lang="de-DE" smtClean="0"/>
-              <a:t>04.03.2022</a:t>
+              <a:t>08.03.2022</a:t>
             </a:fld>
             <a:endParaRPr lang="de-DE"/>
           </a:p>
@@ -2400,7 +2400,7 @@
           <a:p>
             <a:fld id="{1887EDC2-B1DE-4E8C-96F7-0082F16C6727}" type="datetimeFigureOut">
               <a:rPr lang="de-DE" smtClean="0"/>
-              <a:t>04.03.2022</a:t>
+              <a:t>08.03.2022</a:t>
             </a:fld>
             <a:endParaRPr lang="de-DE"/>
           </a:p>
@@ -2513,7 +2513,7 @@
           <a:p>
             <a:fld id="{1887EDC2-B1DE-4E8C-96F7-0082F16C6727}" type="datetimeFigureOut">
               <a:rPr lang="de-DE" smtClean="0"/>
-              <a:t>04.03.2022</a:t>
+              <a:t>08.03.2022</a:t>
             </a:fld>
             <a:endParaRPr lang="de-DE"/>
           </a:p>
@@ -2824,7 +2824,7 @@
           <a:p>
             <a:fld id="{1887EDC2-B1DE-4E8C-96F7-0082F16C6727}" type="datetimeFigureOut">
               <a:rPr lang="de-DE" smtClean="0"/>
-              <a:t>04.03.2022</a:t>
+              <a:t>08.03.2022</a:t>
             </a:fld>
             <a:endParaRPr lang="de-DE"/>
           </a:p>
@@ -3112,7 +3112,7 @@
           <a:p>
             <a:fld id="{1887EDC2-B1DE-4E8C-96F7-0082F16C6727}" type="datetimeFigureOut">
               <a:rPr lang="de-DE" smtClean="0"/>
-              <a:t>04.03.2022</a:t>
+              <a:t>08.03.2022</a:t>
             </a:fld>
             <a:endParaRPr lang="de-DE"/>
           </a:p>
@@ -3353,7 +3353,7 @@
           <a:p>
             <a:fld id="{1887EDC2-B1DE-4E8C-96F7-0082F16C6727}" type="datetimeFigureOut">
               <a:rPr lang="de-DE" smtClean="0"/>
-              <a:t>04.03.2022</a:t>
+              <a:t>08.03.2022</a:t>
             </a:fld>
             <a:endParaRPr lang="de-DE"/>
           </a:p>
@@ -6315,7 +6315,7 @@
           <p:nvPr>
             <p:extLst>
               <p:ext uri="{D42A27DB-BD31-4B8C-83A1-F6EECF244321}">
-                <p14:modId xmlns:p14="http://schemas.microsoft.com/office/powerpoint/2010/main" val="282203696"/>
+                <p14:modId xmlns:p14="http://schemas.microsoft.com/office/powerpoint/2010/main" val="1928672934"/>
               </p:ext>
             </p:extLst>
           </p:nvPr>
@@ -6885,14 +6885,6 @@
                     <a:bodyPr/>
                     <a:lstStyle/>
                     <a:p>
-                      <a:r>
-                        <a:rPr lang="de-DE" sz="700" dirty="0" err="1"/>
-                        <a:t>text</a:t>
-                      </a:r>
-                      <a:r>
-                        <a:rPr lang="de-DE" sz="700" dirty="0"/>
-                        <a:t>/</a:t>
-                      </a:r>
                       <a:r>
                         <a:rPr lang="de-DE" sz="700" dirty="0" err="1"/>
                         <a:t>int</a:t>

--- a/doc/presentations/02_03_22_project_sketch.pptx
+++ b/doc/presentations/02_03_22_project_sketch.pptx
@@ -205,7 +205,7 @@
           <a:p>
             <a:fld id="{32D3377B-B692-4F8C-8BE9-143A32B75211}" type="datetimeFigureOut">
               <a:rPr lang="de-DE" smtClean="0"/>
-              <a:t>08.03.2022</a:t>
+              <a:t>11.03.2022</a:t>
             </a:fld>
             <a:endParaRPr lang="de-DE"/>
           </a:p>
@@ -703,7 +703,7 @@
           <a:p>
             <a:fld id="{1887EDC2-B1DE-4E8C-96F7-0082F16C6727}" type="datetimeFigureOut">
               <a:rPr lang="de-DE" smtClean="0"/>
-              <a:t>08.03.2022</a:t>
+              <a:t>11.03.2022</a:t>
             </a:fld>
             <a:endParaRPr lang="de-DE"/>
           </a:p>
@@ -901,7 +901,7 @@
           <a:p>
             <a:fld id="{1887EDC2-B1DE-4E8C-96F7-0082F16C6727}" type="datetimeFigureOut">
               <a:rPr lang="de-DE" smtClean="0"/>
-              <a:t>08.03.2022</a:t>
+              <a:t>11.03.2022</a:t>
             </a:fld>
             <a:endParaRPr lang="de-DE"/>
           </a:p>
@@ -1109,7 +1109,7 @@
           <a:p>
             <a:fld id="{1887EDC2-B1DE-4E8C-96F7-0082F16C6727}" type="datetimeFigureOut">
               <a:rPr lang="de-DE" smtClean="0"/>
-              <a:t>08.03.2022</a:t>
+              <a:t>11.03.2022</a:t>
             </a:fld>
             <a:endParaRPr lang="de-DE"/>
           </a:p>
@@ -1307,7 +1307,7 @@
           <a:p>
             <a:fld id="{1887EDC2-B1DE-4E8C-96F7-0082F16C6727}" type="datetimeFigureOut">
               <a:rPr lang="de-DE" smtClean="0"/>
-              <a:t>08.03.2022</a:t>
+              <a:t>11.03.2022</a:t>
             </a:fld>
             <a:endParaRPr lang="de-DE"/>
           </a:p>
@@ -1582,7 +1582,7 @@
           <a:p>
             <a:fld id="{1887EDC2-B1DE-4E8C-96F7-0082F16C6727}" type="datetimeFigureOut">
               <a:rPr lang="de-DE" smtClean="0"/>
-              <a:t>08.03.2022</a:t>
+              <a:t>11.03.2022</a:t>
             </a:fld>
             <a:endParaRPr lang="de-DE"/>
           </a:p>
@@ -1847,7 +1847,7 @@
           <a:p>
             <a:fld id="{1887EDC2-B1DE-4E8C-96F7-0082F16C6727}" type="datetimeFigureOut">
               <a:rPr lang="de-DE" smtClean="0"/>
-              <a:t>08.03.2022</a:t>
+              <a:t>11.03.2022</a:t>
             </a:fld>
             <a:endParaRPr lang="de-DE"/>
           </a:p>
@@ -2259,7 +2259,7 @@
           <a:p>
             <a:fld id="{1887EDC2-B1DE-4E8C-96F7-0082F16C6727}" type="datetimeFigureOut">
               <a:rPr lang="de-DE" smtClean="0"/>
-              <a:t>08.03.2022</a:t>
+              <a:t>11.03.2022</a:t>
             </a:fld>
             <a:endParaRPr lang="de-DE"/>
           </a:p>
@@ -2400,7 +2400,7 @@
           <a:p>
             <a:fld id="{1887EDC2-B1DE-4E8C-96F7-0082F16C6727}" type="datetimeFigureOut">
               <a:rPr lang="de-DE" smtClean="0"/>
-              <a:t>08.03.2022</a:t>
+              <a:t>11.03.2022</a:t>
             </a:fld>
             <a:endParaRPr lang="de-DE"/>
           </a:p>
@@ -2513,7 +2513,7 @@
           <a:p>
             <a:fld id="{1887EDC2-B1DE-4E8C-96F7-0082F16C6727}" type="datetimeFigureOut">
               <a:rPr lang="de-DE" smtClean="0"/>
-              <a:t>08.03.2022</a:t>
+              <a:t>11.03.2022</a:t>
             </a:fld>
             <a:endParaRPr lang="de-DE"/>
           </a:p>
@@ -2824,7 +2824,7 @@
           <a:p>
             <a:fld id="{1887EDC2-B1DE-4E8C-96F7-0082F16C6727}" type="datetimeFigureOut">
               <a:rPr lang="de-DE" smtClean="0"/>
-              <a:t>08.03.2022</a:t>
+              <a:t>11.03.2022</a:t>
             </a:fld>
             <a:endParaRPr lang="de-DE"/>
           </a:p>
@@ -3112,7 +3112,7 @@
           <a:p>
             <a:fld id="{1887EDC2-B1DE-4E8C-96F7-0082F16C6727}" type="datetimeFigureOut">
               <a:rPr lang="de-DE" smtClean="0"/>
-              <a:t>08.03.2022</a:t>
+              <a:t>11.03.2022</a:t>
             </a:fld>
             <a:endParaRPr lang="de-DE"/>
           </a:p>
@@ -3353,7 +3353,7 @@
           <a:p>
             <a:fld id="{1887EDC2-B1DE-4E8C-96F7-0082F16C6727}" type="datetimeFigureOut">
               <a:rPr lang="de-DE" smtClean="0"/>
-              <a:t>08.03.2022</a:t>
+              <a:t>11.03.2022</a:t>
             </a:fld>
             <a:endParaRPr lang="de-DE"/>
           </a:p>
@@ -13977,7 +13977,7 @@
             </a:r>
             <a:r>
               <a:rPr lang="de-DE" dirty="0"/>
-              <a:t>.?</a:t>
+              <a:t>. </a:t>
             </a:r>
           </a:p>
           <a:p>
